--- a/projects/CTMC/P4 - Continuous Time Markov Chains.pptx
+++ b/projects/CTMC/P4 - Continuous Time Markov Chains.pptx
@@ -5,20 +5,23 @@
     <p:sldMasterId id="2147483660" r:id="rId1"/>
   </p:sldMasterIdLst>
   <p:notesMasterIdLst>
-    <p:notesMasterId r:id="rId13"/>
+    <p:notesMasterId r:id="rId16"/>
   </p:notesMasterIdLst>
   <p:sldIdLst>
     <p:sldId id="256" r:id="rId2"/>
     <p:sldId id="440" r:id="rId3"/>
     <p:sldId id="441" r:id="rId4"/>
     <p:sldId id="443" r:id="rId5"/>
-    <p:sldId id="451" r:id="rId6"/>
-    <p:sldId id="447" r:id="rId7"/>
-    <p:sldId id="452" r:id="rId8"/>
-    <p:sldId id="449" r:id="rId9"/>
+    <p:sldId id="453" r:id="rId6"/>
+    <p:sldId id="455" r:id="rId7"/>
+    <p:sldId id="451" r:id="rId8"/>
+    <p:sldId id="447" r:id="rId9"/>
     <p:sldId id="446" r:id="rId10"/>
-    <p:sldId id="267" r:id="rId11"/>
-    <p:sldId id="257" r:id="rId12"/>
+    <p:sldId id="454" r:id="rId11"/>
+    <p:sldId id="452" r:id="rId12"/>
+    <p:sldId id="449" r:id="rId13"/>
+    <p:sldId id="267" r:id="rId14"/>
+    <p:sldId id="257" r:id="rId15"/>
   </p:sldIdLst>
   <p:sldSz cx="12192000" cy="6858000"/>
   <p:notesSz cx="6858000" cy="9144000"/>
@@ -626,7 +629,7 @@
           <a:p>
             <a:fld id="{63CC9EBA-D40F-4B2C-8629-D756AD22D0E0}" type="slidenum">
               <a:rPr lang="en-US" smtClean="0"/>
-              <a:t>10</a:t>
+              <a:t>13</a:t>
             </a:fld>
             <a:endParaRPr lang="en-US"/>
           </a:p>
@@ -9776,6 +9779,965 @@
       </p:grpSpPr>
       <p:sp>
         <p:nvSpPr>
+          <p:cNvPr id="2" name="Text Placeholder 1">
+            <a:extLst>
+              <a:ext uri="{FF2B5EF4-FFF2-40B4-BE49-F238E27FC236}">
+                <a16:creationId xmlns:a16="http://schemas.microsoft.com/office/drawing/2014/main" id="{CA0539D6-7004-49B9-8C98-B1C8FE42827D}"/>
+              </a:ext>
+            </a:extLst>
+          </p:cNvPr>
+          <p:cNvSpPr>
+            <a:spLocks noGrp="1"/>
+          </p:cNvSpPr>
+          <p:nvPr>
+            <p:ph type="body" sz="quarter" idx="13"/>
+          </p:nvPr>
+        </p:nvSpPr>
+        <p:spPr>
+          <a:xfrm>
+            <a:off x="478369" y="1225486"/>
+            <a:ext cx="11474451" cy="3959802"/>
+          </a:xfrm>
+        </p:spPr>
+        <p:txBody>
+          <a:bodyPr/>
+          <a:lstStyle/>
+          <a:p>
+            <a:pPr marL="0" indent="0">
+              <a:lnSpc>
+                <a:spcPct val="150000"/>
+              </a:lnSpc>
+              <a:buNone/>
+            </a:pPr>
+            <a:r>
+              <a:rPr lang="en-US" dirty="0"/>
+              <a:t>For your MDP from project-3:</a:t>
+            </a:r>
+          </a:p>
+          <a:p>
+            <a:pPr marL="457200" indent="-457200">
+              <a:lnSpc>
+                <a:spcPct val="150000"/>
+              </a:lnSpc>
+              <a:buFont typeface="+mj-lt"/>
+              <a:buAutoNum type="arabicPeriod"/>
+            </a:pPr>
+            <a:r>
+              <a:rPr lang="en-US" dirty="0"/>
+              <a:t>Estimate the rates</a:t>
+            </a:r>
+          </a:p>
+          <a:p>
+            <a:pPr marL="697194" lvl="1" indent="-457200">
+              <a:lnSpc>
+                <a:spcPct val="150000"/>
+              </a:lnSpc>
+            </a:pPr>
+            <a:r>
+              <a:rPr lang="en-US" dirty="0"/>
+              <a:t>Sample timestamps from the DTMC (project-3)</a:t>
+            </a:r>
+          </a:p>
+          <a:p>
+            <a:pPr marL="697194" lvl="1" indent="-457200">
+              <a:lnSpc>
+                <a:spcPct val="150000"/>
+              </a:lnSpc>
+            </a:pPr>
+            <a:r>
+              <a:rPr lang="en-US" dirty="0"/>
+              <a:t>Fit the exponential distributions for each transition</a:t>
+            </a:r>
+          </a:p>
+          <a:p>
+            <a:pPr marL="457200" indent="-457200">
+              <a:lnSpc>
+                <a:spcPct val="150000"/>
+              </a:lnSpc>
+              <a:buFont typeface="+mj-lt"/>
+              <a:buAutoNum type="arabicPeriod"/>
+            </a:pPr>
+            <a:r>
+              <a:rPr lang="en-US" dirty="0"/>
+              <a:t>Adapt the code to use the density functions instead of the transition probabilities</a:t>
+            </a:r>
+          </a:p>
+          <a:p>
+            <a:pPr marL="457200" indent="-457200">
+              <a:lnSpc>
+                <a:spcPct val="150000"/>
+              </a:lnSpc>
+              <a:buFont typeface="+mj-lt"/>
+              <a:buAutoNum type="arabicPeriod"/>
+            </a:pPr>
+            <a:r>
+              <a:rPr lang="en-US" dirty="0"/>
+              <a:t>Rerun the same convergence charts </a:t>
+            </a:r>
+          </a:p>
+          <a:p>
+            <a:pPr marL="239994" lvl="1" indent="0">
+              <a:buNone/>
+            </a:pPr>
+            <a:endParaRPr lang="en-US" dirty="0"/>
+          </a:p>
+          <a:p>
+            <a:endParaRPr lang="en-US" dirty="0"/>
+          </a:p>
+        </p:txBody>
+      </p:sp>
+      <p:sp>
+        <p:nvSpPr>
+          <p:cNvPr id="3" name="Title 2">
+            <a:extLst>
+              <a:ext uri="{FF2B5EF4-FFF2-40B4-BE49-F238E27FC236}">
+                <a16:creationId xmlns:a16="http://schemas.microsoft.com/office/drawing/2014/main" id="{3D6EA5F4-01A3-425D-A9A2-E8F701051409}"/>
+              </a:ext>
+            </a:extLst>
+          </p:cNvPr>
+          <p:cNvSpPr>
+            <a:spLocks noGrp="1"/>
+          </p:cNvSpPr>
+          <p:nvPr>
+            <p:ph type="title"/>
+          </p:nvPr>
+        </p:nvSpPr>
+        <p:spPr/>
+        <p:txBody>
+          <a:bodyPr/>
+          <a:lstStyle/>
+          <a:p>
+            <a:r>
+              <a:rPr lang="en-US" dirty="0"/>
+              <a:t>Task-2</a:t>
+            </a:r>
+          </a:p>
+        </p:txBody>
+      </p:sp>
+      <p:sp>
+        <p:nvSpPr>
+          <p:cNvPr id="4" name="Slide Number Placeholder 3">
+            <a:extLst>
+              <a:ext uri="{FF2B5EF4-FFF2-40B4-BE49-F238E27FC236}">
+                <a16:creationId xmlns:a16="http://schemas.microsoft.com/office/drawing/2014/main" id="{875EDB8B-EFD1-4E68-B528-0AD91D9A4887}"/>
+              </a:ext>
+            </a:extLst>
+          </p:cNvPr>
+          <p:cNvSpPr>
+            <a:spLocks noGrp="1"/>
+          </p:cNvSpPr>
+          <p:nvPr>
+            <p:ph type="sldNum" sz="quarter" idx="16"/>
+          </p:nvPr>
+        </p:nvSpPr>
+        <p:spPr/>
+        <p:txBody>
+          <a:bodyPr/>
+          <a:lstStyle/>
+          <a:p>
+            <a:fld id="{1915DC07-6425-4740-9695-FB9F2ED48CC1}" type="slidenum">
+              <a:rPr lang="en-US" smtClean="0"/>
+              <a:t>10</a:t>
+            </a:fld>
+            <a:endParaRPr lang="en-US"/>
+          </a:p>
+        </p:txBody>
+      </p:sp>
+    </p:spTree>
+    <p:extLst>
+      <p:ext uri="{BB962C8B-B14F-4D97-AF65-F5344CB8AC3E}">
+        <p14:creationId xmlns:p14="http://schemas.microsoft.com/office/powerpoint/2010/main" val="3483294274"/>
+      </p:ext>
+    </p:extLst>
+  </p:cSld>
+  <p:clrMapOvr>
+    <a:masterClrMapping/>
+  </p:clrMapOvr>
+  <p:transition>
+    <p:fade/>
+  </p:transition>
+</p:sld>
+</file>
+
+<file path=ppt/slides/slide11.xml><?xml version="1.0" encoding="utf-8"?>
+<p:sld xmlns:a="http://schemas.openxmlformats.org/drawingml/2006/main" xmlns:r="http://schemas.openxmlformats.org/officeDocument/2006/relationships" xmlns:p="http://schemas.openxmlformats.org/presentationml/2006/main">
+  <p:cSld>
+    <p:spTree>
+      <p:nvGrpSpPr>
+        <p:cNvPr id="1" name=""/>
+        <p:cNvGrpSpPr/>
+        <p:nvPr/>
+      </p:nvGrpSpPr>
+      <p:grpSpPr>
+        <a:xfrm>
+          <a:off x="0" y="0"/>
+          <a:ext cx="0" cy="0"/>
+          <a:chOff x="0" y="0"/>
+          <a:chExt cx="0" cy="0"/>
+        </a:xfrm>
+      </p:grpSpPr>
+      <p:sp>
+        <p:nvSpPr>
+          <p:cNvPr id="2" name="Text Placeholder 1">
+            <a:extLst>
+              <a:ext uri="{FF2B5EF4-FFF2-40B4-BE49-F238E27FC236}">
+                <a16:creationId xmlns:a16="http://schemas.microsoft.com/office/drawing/2014/main" id="{9EC535CA-8467-4CEA-9F4D-9653547C4D44}"/>
+              </a:ext>
+            </a:extLst>
+          </p:cNvPr>
+          <p:cNvSpPr>
+            <a:spLocks noGrp="1"/>
+          </p:cNvSpPr>
+          <p:nvPr>
+            <p:ph type="body" sz="quarter" idx="13"/>
+          </p:nvPr>
+        </p:nvSpPr>
+        <p:spPr>
+          <a:xfrm>
+            <a:off x="478369" y="1225486"/>
+            <a:ext cx="11474451" cy="4938788"/>
+          </a:xfrm>
+        </p:spPr>
+        <p:txBody>
+          <a:bodyPr/>
+          <a:lstStyle/>
+          <a:p>
+            <a:pPr marL="457200" indent="-457200">
+              <a:buFont typeface="+mj-lt"/>
+              <a:buAutoNum type="arabicPeriod"/>
+            </a:pPr>
+            <a:r>
+              <a:rPr lang="en-US" dirty="0"/>
+              <a:t>Execute your RL environment and for each transition obtain the time since the execution started (initial timestamp minus current time). </a:t>
+            </a:r>
+          </a:p>
+          <a:p>
+            <a:pPr lvl="1"/>
+            <a:r>
+              <a:rPr lang="en-US" dirty="0"/>
+              <a:t>Each tuple is composed by the transition type, transition order, timestamp.</a:t>
+            </a:r>
+          </a:p>
+          <a:p>
+            <a:pPr lvl="1"/>
+            <a:r>
+              <a:rPr lang="en-US" u="sng" dirty="0"/>
+              <a:t>Example</a:t>
+            </a:r>
+            <a:r>
+              <a:rPr lang="en-US" dirty="0"/>
+              <a:t>: https://colab.research.google.com/github/hpi-sam/MarkovModels_Lecture/blob/main/CTMC_Transition_Timestamps.ipynb</a:t>
+            </a:r>
+          </a:p>
+          <a:p>
+            <a:pPr lvl="1"/>
+            <a:endParaRPr lang="en-US" dirty="0"/>
+          </a:p>
+          <a:p>
+            <a:pPr marL="457200" indent="-457200">
+              <a:buFont typeface="+mj-lt"/>
+              <a:buAutoNum type="arabicPeriod"/>
+            </a:pPr>
+            <a:r>
+              <a:rPr lang="en-US" dirty="0"/>
+              <a:t>For each episode of your agent, you will generate a sample of the timestamps for each transition.</a:t>
+            </a:r>
+          </a:p>
+          <a:p>
+            <a:pPr marL="457200" indent="-457200">
+              <a:buFont typeface="+mj-lt"/>
+              <a:buAutoNum type="arabicPeriod"/>
+            </a:pPr>
+            <a:endParaRPr lang="en-US" dirty="0"/>
+          </a:p>
+          <a:p>
+            <a:pPr marL="457200" indent="-457200">
+              <a:buFont typeface="+mj-lt"/>
+              <a:buAutoNum type="arabicPeriod"/>
+            </a:pPr>
+            <a:r>
+              <a:rPr lang="en-US" dirty="0"/>
+              <a:t>Aggregate (join) the data from 20 episodes</a:t>
+            </a:r>
+          </a:p>
+          <a:p>
+            <a:endParaRPr lang="en-US" dirty="0"/>
+          </a:p>
+          <a:p>
+            <a:pPr marL="0" indent="0">
+              <a:buNone/>
+            </a:pPr>
+            <a:r>
+              <a:rPr lang="en-US" dirty="0"/>
+              <a:t>This is the data that you will use to fit (learn) the density functions</a:t>
+            </a:r>
+          </a:p>
+        </p:txBody>
+      </p:sp>
+      <p:sp>
+        <p:nvSpPr>
+          <p:cNvPr id="3" name="Title 2">
+            <a:extLst>
+              <a:ext uri="{FF2B5EF4-FFF2-40B4-BE49-F238E27FC236}">
+                <a16:creationId xmlns:a16="http://schemas.microsoft.com/office/drawing/2014/main" id="{5B8E25EF-9265-4737-AF9B-33498A05BEAE}"/>
+              </a:ext>
+            </a:extLst>
+          </p:cNvPr>
+          <p:cNvSpPr>
+            <a:spLocks noGrp="1"/>
+          </p:cNvSpPr>
+          <p:nvPr>
+            <p:ph type="title"/>
+          </p:nvPr>
+        </p:nvSpPr>
+        <p:spPr/>
+        <p:txBody>
+          <a:bodyPr/>
+          <a:lstStyle/>
+          <a:p>
+            <a:r>
+              <a:rPr lang="en-US" dirty="0"/>
+              <a:t>Collecting the data </a:t>
+            </a:r>
+          </a:p>
+        </p:txBody>
+      </p:sp>
+      <p:sp>
+        <p:nvSpPr>
+          <p:cNvPr id="4" name="Slide Number Placeholder 3">
+            <a:extLst>
+              <a:ext uri="{FF2B5EF4-FFF2-40B4-BE49-F238E27FC236}">
+                <a16:creationId xmlns:a16="http://schemas.microsoft.com/office/drawing/2014/main" id="{8158FEB4-A7EF-4FB3-B760-66CE1B98A203}"/>
+              </a:ext>
+            </a:extLst>
+          </p:cNvPr>
+          <p:cNvSpPr>
+            <a:spLocks noGrp="1"/>
+          </p:cNvSpPr>
+          <p:nvPr>
+            <p:ph type="sldNum" sz="quarter" idx="16"/>
+          </p:nvPr>
+        </p:nvSpPr>
+        <p:spPr/>
+        <p:txBody>
+          <a:bodyPr/>
+          <a:lstStyle/>
+          <a:p>
+            <a:fld id="{1915DC07-6425-4740-9695-FB9F2ED48CC1}" type="slidenum">
+              <a:rPr lang="en-US" smtClean="0"/>
+              <a:t>11</a:t>
+            </a:fld>
+            <a:endParaRPr lang="en-US"/>
+          </a:p>
+        </p:txBody>
+      </p:sp>
+    </p:spTree>
+    <p:extLst>
+      <p:ext uri="{BB962C8B-B14F-4D97-AF65-F5344CB8AC3E}">
+        <p14:creationId xmlns:p14="http://schemas.microsoft.com/office/powerpoint/2010/main" val="3662169504"/>
+      </p:ext>
+    </p:extLst>
+  </p:cSld>
+  <p:clrMapOvr>
+    <a:masterClrMapping/>
+  </p:clrMapOvr>
+  <p:transition>
+    <p:fade/>
+  </p:transition>
+</p:sld>
+</file>
+
+<file path=ppt/slides/slide12.xml><?xml version="1.0" encoding="utf-8"?>
+<p:sld xmlns:a="http://schemas.openxmlformats.org/drawingml/2006/main" xmlns:r="http://schemas.openxmlformats.org/officeDocument/2006/relationships" xmlns:p="http://schemas.openxmlformats.org/presentationml/2006/main">
+  <p:cSld>
+    <p:spTree>
+      <p:nvGrpSpPr>
+        <p:cNvPr id="1" name=""/>
+        <p:cNvGrpSpPr/>
+        <p:nvPr/>
+      </p:nvGrpSpPr>
+      <p:grpSpPr>
+        <a:xfrm>
+          <a:off x="0" y="0"/>
+          <a:ext cx="0" cy="0"/>
+          <a:chOff x="0" y="0"/>
+          <a:chExt cx="0" cy="0"/>
+        </a:xfrm>
+      </p:grpSpPr>
+      <mc:AlternateContent xmlns:mc="http://schemas.openxmlformats.org/markup-compatibility/2006">
+        <mc:Choice xmlns:a14="http://schemas.microsoft.com/office/drawing/2010/main" Requires="a14">
+          <p:sp>
+            <p:nvSpPr>
+              <p:cNvPr id="2" name="Text Placeholder 1">
+                <a:extLst>
+                  <a:ext uri="{FF2B5EF4-FFF2-40B4-BE49-F238E27FC236}">
+                    <a16:creationId xmlns:a16="http://schemas.microsoft.com/office/drawing/2014/main" id="{6F29F639-346E-47BA-B904-DE306A90DC86}"/>
+                  </a:ext>
+                </a:extLst>
+              </p:cNvPr>
+              <p:cNvSpPr>
+                <a:spLocks noGrp="1"/>
+              </p:cNvSpPr>
+              <p:nvPr>
+                <p:ph type="body" sz="quarter" idx="13"/>
+              </p:nvPr>
+            </p:nvSpPr>
+            <p:spPr>
+              <a:xfrm>
+                <a:off x="478369" y="899162"/>
+                <a:ext cx="11474451" cy="1445973"/>
+              </a:xfrm>
+            </p:spPr>
+            <p:txBody>
+              <a:bodyPr/>
+              <a:lstStyle/>
+              <a:p>
+                <a:pPr marL="0" indent="0">
+                  <a:lnSpc>
+                    <a:spcPct val="100000"/>
+                  </a:lnSpc>
+                  <a:buNone/>
+                </a:pPr>
+                <a:r>
+                  <a:rPr lang="en-US" sz="1800" dirty="0"/>
+                  <a:t>For fitting </a:t>
+                </a:r>
+                <a:r>
+                  <a:rPr lang="en-US" sz="1800" b="0" dirty="0">
+                    <a:ea typeface="Cambria Math" panose="02040503050406030204" pitchFamily="18" charset="0"/>
+                  </a:rPr>
+                  <a:t>:  </a:t>
+                </a:r>
+                <a14:m>
+                  <m:oMath xmlns:m="http://schemas.openxmlformats.org/officeDocument/2006/math">
+                    <m:r>
+                      <m:rPr>
+                        <m:sty m:val="p"/>
+                      </m:rPr>
+                      <a:rPr lang="en-US" sz="1800" b="0" i="0" smtClean="0">
+                        <a:latin typeface="Cambria Math" panose="02040503050406030204" pitchFamily="18" charset="0"/>
+                        <a:ea typeface="Cambria Math" panose="02040503050406030204" pitchFamily="18" charset="0"/>
+                      </a:rPr>
+                      <m:t>y</m:t>
+                    </m:r>
+                    <m:r>
+                      <a:rPr lang="en-US" sz="1800" i="1">
+                        <a:latin typeface="Cambria Math" panose="02040503050406030204" pitchFamily="18" charset="0"/>
+                        <a:ea typeface="Cambria Math" panose="02040503050406030204" pitchFamily="18" charset="0"/>
+                      </a:rPr>
+                      <m:t>=</m:t>
+                    </m:r>
+                    <m:r>
+                      <m:rPr>
+                        <m:sty m:val="p"/>
+                      </m:rPr>
+                      <a:rPr lang="en-US" sz="1800" b="0" i="0" smtClean="0">
+                        <a:latin typeface="Cambria Math" panose="02040503050406030204" pitchFamily="18" charset="0"/>
+                        <a:ea typeface="Cambria Math" panose="02040503050406030204" pitchFamily="18" charset="0"/>
+                      </a:rPr>
+                      <m:t>a</m:t>
+                    </m:r>
+                    <m:r>
+                      <a:rPr lang="en-US" sz="1800" b="0" i="1" smtClean="0">
+                        <a:latin typeface="Cambria Math" panose="02040503050406030204" pitchFamily="18" charset="0"/>
+                        <a:ea typeface="Cambria Math" panose="02040503050406030204" pitchFamily="18" charset="0"/>
+                      </a:rPr>
+                      <m:t>∗</m:t>
+                    </m:r>
+                    <m:func>
+                      <m:funcPr>
+                        <m:ctrlPr>
+                          <a:rPr lang="en-US" sz="1800" b="0" i="1" smtClean="0">
+                            <a:latin typeface="Cambria Math" panose="02040503050406030204" pitchFamily="18" charset="0"/>
+                            <a:ea typeface="Cambria Math" panose="02040503050406030204" pitchFamily="18" charset="0"/>
+                          </a:rPr>
+                        </m:ctrlPr>
+                      </m:funcPr>
+                      <m:fName>
+                        <m:sSup>
+                          <m:sSupPr>
+                            <m:ctrlPr>
+                              <a:rPr lang="en-US" sz="1800" b="0" i="1" smtClean="0">
+                                <a:latin typeface="Cambria Math" panose="02040503050406030204" pitchFamily="18" charset="0"/>
+                                <a:ea typeface="Cambria Math" panose="02040503050406030204" pitchFamily="18" charset="0"/>
+                              </a:rPr>
+                            </m:ctrlPr>
+                          </m:sSupPr>
+                          <m:e>
+                            <m:r>
+                              <m:rPr>
+                                <m:sty m:val="p"/>
+                              </m:rPr>
+                              <a:rPr lang="en-US" sz="1800" b="0" i="0" smtClean="0">
+                                <a:latin typeface="Cambria Math" panose="02040503050406030204" pitchFamily="18" charset="0"/>
+                                <a:ea typeface="Cambria Math" panose="02040503050406030204" pitchFamily="18" charset="0"/>
+                              </a:rPr>
+                              <m:t>exp</m:t>
+                            </m:r>
+                          </m:e>
+                          <m:sup>
+                            <m:r>
+                              <a:rPr lang="en-US" sz="1800" b="0" i="1" smtClean="0">
+                                <a:latin typeface="Cambria Math" panose="02040503050406030204" pitchFamily="18" charset="0"/>
+                                <a:ea typeface="Cambria Math" panose="02040503050406030204" pitchFamily="18" charset="0"/>
+                              </a:rPr>
+                              <m:t>𝑏</m:t>
+                            </m:r>
+                            <m:r>
+                              <a:rPr lang="en-US" sz="1800" b="0" i="1" smtClean="0">
+                                <a:latin typeface="Cambria Math" panose="02040503050406030204" pitchFamily="18" charset="0"/>
+                                <a:ea typeface="Cambria Math" panose="02040503050406030204" pitchFamily="18" charset="0"/>
+                              </a:rPr>
+                              <m:t>∗</m:t>
+                            </m:r>
+                            <m:r>
+                              <a:rPr lang="en-US" sz="1800" b="0" i="1" smtClean="0">
+                                <a:latin typeface="Cambria Math" panose="02040503050406030204" pitchFamily="18" charset="0"/>
+                                <a:ea typeface="Cambria Math" panose="02040503050406030204" pitchFamily="18" charset="0"/>
+                              </a:rPr>
+                              <m:t>𝑥</m:t>
+                            </m:r>
+                          </m:sup>
+                        </m:sSup>
+                      </m:fName>
+                      <m:e>
+                        <m:r>
+                          <a:rPr lang="en-US" sz="1800" b="0" i="1" smtClean="0">
+                            <a:latin typeface="Cambria Math" panose="02040503050406030204" pitchFamily="18" charset="0"/>
+                            <a:ea typeface="Cambria Math" panose="02040503050406030204" pitchFamily="18" charset="0"/>
+                          </a:rPr>
+                          <m:t> </m:t>
+                        </m:r>
+                      </m:e>
+                    </m:func>
+                  </m:oMath>
+                </a14:m>
+                <a:r>
+                  <a:rPr lang="en-US" sz="1800" b="0" i="0" dirty="0">
+                    <a:latin typeface="+mj-lt"/>
+                    <a:ea typeface="Cambria Math" panose="02040503050406030204" pitchFamily="18" charset="0"/>
+                  </a:rPr>
+                  <a:t> </a:t>
+                </a:r>
+              </a:p>
+              <a:p>
+                <a:pPr marL="0" indent="0">
+                  <a:lnSpc>
+                    <a:spcPct val="100000"/>
+                  </a:lnSpc>
+                  <a:buNone/>
+                </a:pPr>
+                <a:r>
+                  <a:rPr lang="en-US" sz="1800" dirty="0">
+                    <a:latin typeface="Cambria Math" panose="02040503050406030204" pitchFamily="18" charset="0"/>
+                    <a:ea typeface="Cambria Math" panose="02040503050406030204" pitchFamily="18" charset="0"/>
+                  </a:rPr>
+                  <a:t>W</a:t>
+                </a:r>
+                <a:r>
+                  <a:rPr lang="en-US" sz="1800" b="0" i="0" dirty="0">
+                    <a:latin typeface="Cambria Math" panose="02040503050406030204" pitchFamily="18" charset="0"/>
+                    <a:ea typeface="Cambria Math" panose="02040503050406030204" pitchFamily="18" charset="0"/>
+                  </a:rPr>
+                  <a:t>e can take the log on both sides, which will give us a linear equation: </a:t>
+                </a:r>
+                <a14:m>
+                  <m:oMath xmlns:m="http://schemas.openxmlformats.org/officeDocument/2006/math">
+                    <m:func>
+                      <m:funcPr>
+                        <m:ctrlPr>
+                          <a:rPr lang="en-US" sz="1800" b="0" i="1" smtClean="0">
+                            <a:latin typeface="Cambria Math" panose="02040503050406030204" pitchFamily="18" charset="0"/>
+                            <a:ea typeface="Cambria Math" panose="02040503050406030204" pitchFamily="18" charset="0"/>
+                          </a:rPr>
+                        </m:ctrlPr>
+                      </m:funcPr>
+                      <m:fName>
+                        <m:r>
+                          <m:rPr>
+                            <m:sty m:val="p"/>
+                          </m:rPr>
+                          <a:rPr lang="en-US" sz="1800" b="0" i="0" smtClean="0">
+                            <a:latin typeface="Cambria Math" panose="02040503050406030204" pitchFamily="18" charset="0"/>
+                            <a:ea typeface="Cambria Math" panose="02040503050406030204" pitchFamily="18" charset="0"/>
+                          </a:rPr>
+                          <m:t>log</m:t>
+                        </m:r>
+                      </m:fName>
+                      <m:e>
+                        <m:d>
+                          <m:dPr>
+                            <m:ctrlPr>
+                              <a:rPr lang="en-US" sz="1800" b="0" i="1" smtClean="0">
+                                <a:latin typeface="Cambria Math" panose="02040503050406030204" pitchFamily="18" charset="0"/>
+                                <a:ea typeface="Cambria Math" panose="02040503050406030204" pitchFamily="18" charset="0"/>
+                              </a:rPr>
+                            </m:ctrlPr>
+                          </m:dPr>
+                          <m:e>
+                            <m:r>
+                              <a:rPr lang="en-US" sz="1800" b="0" i="1" smtClean="0">
+                                <a:latin typeface="Cambria Math" panose="02040503050406030204" pitchFamily="18" charset="0"/>
+                                <a:ea typeface="Cambria Math" panose="02040503050406030204" pitchFamily="18" charset="0"/>
+                              </a:rPr>
+                              <m:t>𝑦</m:t>
+                            </m:r>
+                          </m:e>
+                        </m:d>
+                      </m:e>
+                    </m:func>
+                    <m:r>
+                      <a:rPr lang="en-US" sz="1800" b="0" i="1" smtClean="0">
+                        <a:latin typeface="Cambria Math" panose="02040503050406030204" pitchFamily="18" charset="0"/>
+                        <a:ea typeface="Cambria Math" panose="02040503050406030204" pitchFamily="18" charset="0"/>
+                      </a:rPr>
+                      <m:t>=</m:t>
+                    </m:r>
+                    <m:r>
+                      <a:rPr lang="en-US" sz="1800" b="0" i="1" smtClean="0">
+                        <a:latin typeface="Cambria Math" panose="02040503050406030204" pitchFamily="18" charset="0"/>
+                        <a:ea typeface="Cambria Math" panose="02040503050406030204" pitchFamily="18" charset="0"/>
+                      </a:rPr>
+                      <m:t>𝑎</m:t>
+                    </m:r>
+                    <m:r>
+                      <a:rPr lang="en-US" sz="1800" b="0" i="1" smtClean="0">
+                        <a:latin typeface="Cambria Math" panose="02040503050406030204" pitchFamily="18" charset="0"/>
+                        <a:ea typeface="Cambria Math" panose="02040503050406030204" pitchFamily="18" charset="0"/>
+                      </a:rPr>
+                      <m:t>+</m:t>
+                    </m:r>
+                    <m:r>
+                      <a:rPr lang="en-US" sz="1800" b="0" i="1" smtClean="0">
+                        <a:latin typeface="Cambria Math" panose="02040503050406030204" pitchFamily="18" charset="0"/>
+                        <a:ea typeface="Cambria Math" panose="02040503050406030204" pitchFamily="18" charset="0"/>
+                      </a:rPr>
+                      <m:t>𝑏</m:t>
+                    </m:r>
+                    <m:r>
+                      <a:rPr lang="en-US" sz="1800" b="0" i="1" smtClean="0">
+                        <a:latin typeface="Cambria Math" panose="02040503050406030204" pitchFamily="18" charset="0"/>
+                        <a:ea typeface="Cambria Math" panose="02040503050406030204" pitchFamily="18" charset="0"/>
+                      </a:rPr>
+                      <m:t>∗</m:t>
+                    </m:r>
+                    <m:func>
+                      <m:funcPr>
+                        <m:ctrlPr>
+                          <a:rPr lang="en-US" sz="1800" b="0" i="1" smtClean="0">
+                            <a:latin typeface="Cambria Math" panose="02040503050406030204" pitchFamily="18" charset="0"/>
+                            <a:ea typeface="Cambria Math" panose="02040503050406030204" pitchFamily="18" charset="0"/>
+                          </a:rPr>
+                        </m:ctrlPr>
+                      </m:funcPr>
+                      <m:fName>
+                        <m:r>
+                          <m:rPr>
+                            <m:sty m:val="p"/>
+                          </m:rPr>
+                          <a:rPr lang="en-US" sz="1800" b="0" i="0" smtClean="0">
+                            <a:latin typeface="Cambria Math" panose="02040503050406030204" pitchFamily="18" charset="0"/>
+                            <a:ea typeface="Cambria Math" panose="02040503050406030204" pitchFamily="18" charset="0"/>
+                          </a:rPr>
+                          <m:t>log</m:t>
+                        </m:r>
+                      </m:fName>
+                      <m:e>
+                        <m:d>
+                          <m:dPr>
+                            <m:ctrlPr>
+                              <a:rPr lang="en-US" sz="1800" b="0" i="1" smtClean="0">
+                                <a:latin typeface="Cambria Math" panose="02040503050406030204" pitchFamily="18" charset="0"/>
+                                <a:ea typeface="Cambria Math" panose="02040503050406030204" pitchFamily="18" charset="0"/>
+                              </a:rPr>
+                            </m:ctrlPr>
+                          </m:dPr>
+                          <m:e>
+                            <m:r>
+                              <a:rPr lang="en-US" sz="1800" b="0" i="1" smtClean="0">
+                                <a:latin typeface="Cambria Math" panose="02040503050406030204" pitchFamily="18" charset="0"/>
+                                <a:ea typeface="Cambria Math" panose="02040503050406030204" pitchFamily="18" charset="0"/>
+                              </a:rPr>
+                              <m:t>𝑥</m:t>
+                            </m:r>
+                          </m:e>
+                        </m:d>
+                      </m:e>
+                    </m:func>
+                  </m:oMath>
+                </a14:m>
+                <a:endParaRPr lang="en-US" sz="1800" b="0" i="0" dirty="0">
+                  <a:latin typeface="Cambria Math" panose="02040503050406030204" pitchFamily="18" charset="0"/>
+                  <a:ea typeface="Cambria Math" panose="02040503050406030204" pitchFamily="18" charset="0"/>
+                </a:endParaRPr>
+              </a:p>
+              <a:p>
+                <a:pPr marL="0" indent="0">
+                  <a:lnSpc>
+                    <a:spcPct val="100000"/>
+                  </a:lnSpc>
+                  <a:buNone/>
+                </a:pPr>
+                <a:r>
+                  <a:rPr lang="en-US" sz="1800" dirty="0">
+                    <a:latin typeface="Cambria Math" panose="02040503050406030204" pitchFamily="18" charset="0"/>
+                    <a:ea typeface="Cambria Math" panose="02040503050406030204" pitchFamily="18" charset="0"/>
+                  </a:rPr>
+                  <a:t>Now we fit the </a:t>
+                </a:r>
+                <a14:m>
+                  <m:oMath xmlns:m="http://schemas.openxmlformats.org/officeDocument/2006/math">
+                    <m:func>
+                      <m:funcPr>
+                        <m:ctrlPr>
+                          <a:rPr lang="en-US" sz="1800" b="0" i="1" smtClean="0">
+                            <a:latin typeface="Cambria Math" panose="02040503050406030204" pitchFamily="18" charset="0"/>
+                            <a:ea typeface="Cambria Math" panose="02040503050406030204" pitchFamily="18" charset="0"/>
+                          </a:rPr>
+                        </m:ctrlPr>
+                      </m:funcPr>
+                      <m:fName>
+                        <m:r>
+                          <m:rPr>
+                            <m:sty m:val="p"/>
+                          </m:rPr>
+                          <a:rPr lang="en-US" sz="1800" b="0" i="0" smtClean="0">
+                            <a:latin typeface="Cambria Math" panose="02040503050406030204" pitchFamily="18" charset="0"/>
+                            <a:ea typeface="Cambria Math" panose="02040503050406030204" pitchFamily="18" charset="0"/>
+                          </a:rPr>
+                          <m:t>log</m:t>
+                        </m:r>
+                      </m:fName>
+                      <m:e>
+                        <m:d>
+                          <m:dPr>
+                            <m:ctrlPr>
+                              <a:rPr lang="en-US" sz="1800" b="0" i="1" smtClean="0">
+                                <a:latin typeface="Cambria Math" panose="02040503050406030204" pitchFamily="18" charset="0"/>
+                                <a:ea typeface="Cambria Math" panose="02040503050406030204" pitchFamily="18" charset="0"/>
+                              </a:rPr>
+                            </m:ctrlPr>
+                          </m:dPr>
+                          <m:e>
+                            <m:r>
+                              <a:rPr lang="en-US" sz="1800" b="0" i="1" smtClean="0">
+                                <a:latin typeface="Cambria Math" panose="02040503050406030204" pitchFamily="18" charset="0"/>
+                                <a:ea typeface="Cambria Math" panose="02040503050406030204" pitchFamily="18" charset="0"/>
+                              </a:rPr>
+                              <m:t>𝑦</m:t>
+                            </m:r>
+                          </m:e>
+                        </m:d>
+                      </m:e>
+                    </m:func>
+                  </m:oMath>
+                </a14:m>
+                <a:r>
+                  <a:rPr lang="en-US" sz="1800" b="0" i="0" dirty="0">
+                    <a:latin typeface="Cambria Math" panose="02040503050406030204" pitchFamily="18" charset="0"/>
+                    <a:ea typeface="Cambria Math" panose="02040503050406030204" pitchFamily="18" charset="0"/>
+                  </a:rPr>
+                  <a:t> against </a:t>
+                </a:r>
+                <a14:m>
+                  <m:oMath xmlns:m="http://schemas.openxmlformats.org/officeDocument/2006/math">
+                    <m:r>
+                      <a:rPr lang="en-US" sz="1800" b="0" i="1" dirty="0" smtClean="0">
+                        <a:latin typeface="Cambria Math" panose="02040503050406030204" pitchFamily="18" charset="0"/>
+                        <a:ea typeface="Cambria Math" panose="02040503050406030204" pitchFamily="18" charset="0"/>
+                      </a:rPr>
+                      <m:t>𝑥</m:t>
+                    </m:r>
+                  </m:oMath>
+                </a14:m>
+                <a:r>
+                  <a:rPr lang="en-US" sz="1800" b="0" i="0" dirty="0">
+                    <a:latin typeface="Cambria Math" panose="02040503050406030204" pitchFamily="18" charset="0"/>
+                    <a:ea typeface="Cambria Math" panose="02040503050406030204" pitchFamily="18" charset="0"/>
+                  </a:rPr>
+                  <a:t>, see the code below</a:t>
+                </a:r>
+                <a:r>
+                  <a:rPr lang="en-US" sz="1800" dirty="0"/>
+                  <a:t>  </a:t>
+                </a:r>
+                <a:endParaRPr lang="en-US" sz="2000" dirty="0"/>
+              </a:p>
+              <a:p>
+                <a:pPr marL="0" indent="0">
+                  <a:buNone/>
+                </a:pPr>
+                <a:endParaRPr lang="en-US" sz="1600" dirty="0"/>
+              </a:p>
+            </p:txBody>
+          </p:sp>
+        </mc:Choice>
+        <mc:Fallback>
+          <p:sp>
+            <p:nvSpPr>
+              <p:cNvPr id="2" name="Text Placeholder 1">
+                <a:extLst>
+                  <a:ext uri="{FF2B5EF4-FFF2-40B4-BE49-F238E27FC236}">
+                    <a16:creationId xmlns:a16="http://schemas.microsoft.com/office/drawing/2014/main" id="{6F29F639-346E-47BA-B904-DE306A90DC86}"/>
+                  </a:ext>
+                </a:extLst>
+              </p:cNvPr>
+              <p:cNvSpPr>
+                <a:spLocks noGrp="1" noRot="1" noChangeAspect="1" noMove="1" noResize="1" noEditPoints="1" noAdjustHandles="1" noChangeArrowheads="1" noChangeShapeType="1" noTextEdit="1"/>
+              </p:cNvSpPr>
+              <p:nvPr>
+                <p:ph type="body" sz="quarter" idx="13"/>
+              </p:nvPr>
+            </p:nvSpPr>
+            <p:spPr>
+              <a:xfrm>
+                <a:off x="478369" y="899162"/>
+                <a:ext cx="11474451" cy="1445973"/>
+              </a:xfrm>
+              <a:blipFill>
+                <a:blip r:embed="rId2"/>
+                <a:stretch>
+                  <a:fillRect l="-1221" t="-5485"/>
+                </a:stretch>
+              </a:blipFill>
+            </p:spPr>
+            <p:txBody>
+              <a:bodyPr/>
+              <a:lstStyle/>
+              <a:p>
+                <a:r>
+                  <a:rPr lang="en-US">
+                    <a:noFill/>
+                  </a:rPr>
+                  <a:t> </a:t>
+                </a:r>
+              </a:p>
+            </p:txBody>
+          </p:sp>
+        </mc:Fallback>
+      </mc:AlternateContent>
+      <p:sp>
+        <p:nvSpPr>
+          <p:cNvPr id="3" name="Title 2">
+            <a:extLst>
+              <a:ext uri="{FF2B5EF4-FFF2-40B4-BE49-F238E27FC236}">
+                <a16:creationId xmlns:a16="http://schemas.microsoft.com/office/drawing/2014/main" id="{0CF65B55-91BD-4437-B363-117FC65A7051}"/>
+              </a:ext>
+            </a:extLst>
+          </p:cNvPr>
+          <p:cNvSpPr>
+            <a:spLocks noGrp="1"/>
+          </p:cNvSpPr>
+          <p:nvPr>
+            <p:ph type="title"/>
+          </p:nvPr>
+        </p:nvSpPr>
+        <p:spPr/>
+        <p:txBody>
+          <a:bodyPr/>
+          <a:lstStyle/>
+          <a:p>
+            <a:r>
+              <a:rPr lang="en-US" dirty="0"/>
+              <a:t>Fit the Exponential Density Function</a:t>
+            </a:r>
+          </a:p>
+        </p:txBody>
+      </p:sp>
+      <p:sp>
+        <p:nvSpPr>
+          <p:cNvPr id="4" name="Slide Number Placeholder 3">
+            <a:extLst>
+              <a:ext uri="{FF2B5EF4-FFF2-40B4-BE49-F238E27FC236}">
+                <a16:creationId xmlns:a16="http://schemas.microsoft.com/office/drawing/2014/main" id="{6262264E-8ACB-4043-8F84-B948D9472A74}"/>
+              </a:ext>
+            </a:extLst>
+          </p:cNvPr>
+          <p:cNvSpPr>
+            <a:spLocks noGrp="1"/>
+          </p:cNvSpPr>
+          <p:nvPr>
+            <p:ph type="sldNum" sz="quarter" idx="16"/>
+          </p:nvPr>
+        </p:nvSpPr>
+        <p:spPr/>
+        <p:txBody>
+          <a:bodyPr/>
+          <a:lstStyle/>
+          <a:p>
+            <a:fld id="{1915DC07-6425-4740-9695-FB9F2ED48CC1}" type="slidenum">
+              <a:rPr lang="en-US" smtClean="0"/>
+              <a:t>12</a:t>
+            </a:fld>
+            <a:endParaRPr lang="en-US"/>
+          </a:p>
+        </p:txBody>
+      </p:sp>
+      <p:pic>
+        <p:nvPicPr>
+          <p:cNvPr id="7" name="Picture 6">
+            <a:extLst>
+              <a:ext uri="{FF2B5EF4-FFF2-40B4-BE49-F238E27FC236}">
+                <a16:creationId xmlns:a16="http://schemas.microsoft.com/office/drawing/2014/main" id="{C3B5FF42-3124-448B-8B33-B0A1FF8AFB75}"/>
+              </a:ext>
+            </a:extLst>
+          </p:cNvPr>
+          <p:cNvPicPr>
+            <a:picLocks noChangeAspect="1"/>
+          </p:cNvPicPr>
+          <p:nvPr/>
+        </p:nvPicPr>
+        <p:blipFill>
+          <a:blip r:embed="rId3"/>
+          <a:stretch>
+            <a:fillRect/>
+          </a:stretch>
+        </p:blipFill>
+        <p:spPr>
+          <a:xfrm>
+            <a:off x="840141" y="2733675"/>
+            <a:ext cx="9071637" cy="2258436"/>
+          </a:xfrm>
+          <a:prstGeom prst="rect">
+            <a:avLst/>
+          </a:prstGeom>
+        </p:spPr>
+      </p:pic>
+    </p:spTree>
+    <p:extLst>
+      <p:ext uri="{BB962C8B-B14F-4D97-AF65-F5344CB8AC3E}">
+        <p14:creationId xmlns:p14="http://schemas.microsoft.com/office/powerpoint/2010/main" val="2697584393"/>
+      </p:ext>
+    </p:extLst>
+  </p:cSld>
+  <p:clrMapOvr>
+    <a:masterClrMapping/>
+  </p:clrMapOvr>
+  <p:transition>
+    <p:fade/>
+  </p:transition>
+</p:sld>
+</file>
+
+<file path=ppt/slides/slide13.xml><?xml version="1.0" encoding="utf-8"?>
+<p:sld xmlns:a="http://schemas.openxmlformats.org/drawingml/2006/main" xmlns:r="http://schemas.openxmlformats.org/officeDocument/2006/relationships" xmlns:p="http://schemas.openxmlformats.org/presentationml/2006/main">
+  <p:cSld>
+    <p:spTree>
+      <p:nvGrpSpPr>
+        <p:cNvPr id="1" name=""/>
+        <p:cNvGrpSpPr/>
+        <p:nvPr/>
+      </p:nvGrpSpPr>
+      <p:grpSpPr>
+        <a:xfrm>
+          <a:off x="0" y="0"/>
+          <a:ext cx="0" cy="0"/>
+          <a:chOff x="0" y="0"/>
+          <a:chExt cx="0" cy="0"/>
+        </a:xfrm>
+      </p:grpSpPr>
+      <p:sp>
+        <p:nvSpPr>
           <p:cNvPr id="2" name="Title 1">
             <a:extLst>
               <a:ext uri="{FF2B5EF4-FFF2-40B4-BE49-F238E27FC236}">
@@ -9820,7 +10782,7 @@
 </p:sld>
 </file>
 
-<file path=ppt/slides/slide11.xml><?xml version="1.0" encoding="utf-8"?>
+<file path=ppt/slides/slide14.xml><?xml version="1.0" encoding="utf-8"?>
 <p:sld xmlns:a="http://schemas.openxmlformats.org/drawingml/2006/main" xmlns:r="http://schemas.openxmlformats.org/officeDocument/2006/relationships" xmlns:p="http://schemas.openxmlformats.org/presentationml/2006/main">
   <p:cSld>
     <p:spTree>
@@ -11674,7 +12636,7 @@
             <p:spPr>
               <a:xfrm>
                 <a:off x="478369" y="1225486"/>
-                <a:ext cx="11474451" cy="4041106"/>
+                <a:ext cx="11474451" cy="3592265"/>
               </a:xfrm>
             </p:spPr>
             <p:txBody>
@@ -11726,11 +12688,11 @@
                       </m:dPr>
                       <m:e>
                         <m:r>
-                          <a:rPr lang="en-US" i="1">
+                          <a:rPr lang="en-US" b="0" i="1" smtClean="0">
                             <a:latin typeface="Cambria Math" panose="02040503050406030204" pitchFamily="18" charset="0"/>
                             <a:ea typeface="Cambria Math" panose="02040503050406030204" pitchFamily="18" charset="0"/>
                           </a:rPr>
-                          <m:t>𝑥</m:t>
+                          <m:t>𝑡</m:t>
                         </m:r>
                       </m:e>
                     </m:d>
@@ -11742,14 +12704,11 @@
                       <m:t>=</m:t>
                     </m:r>
                     <m:r>
-                      <m:rPr>
-                        <m:sty m:val="p"/>
-                      </m:rPr>
-                      <a:rPr lang="en-US" b="0" i="0" smtClean="0">
+                      <a:rPr lang="en-US" b="0" i="1" smtClean="0">
                         <a:latin typeface="Cambria Math" panose="02040503050406030204" pitchFamily="18" charset="0"/>
                         <a:ea typeface="Cambria Math" panose="02040503050406030204" pitchFamily="18" charset="0"/>
                       </a:rPr>
-                      <m:t>a</m:t>
+                      <m:t>𝜆</m:t>
                     </m:r>
                     <m:r>
                       <a:rPr lang="en-US" b="0" i="1" smtClean="0">
@@ -11795,7 +12754,14 @@
                                 <a:latin typeface="Cambria Math" panose="02040503050406030204" pitchFamily="18" charset="0"/>
                                 <a:ea typeface="Cambria Math" panose="02040503050406030204" pitchFamily="18" charset="0"/>
                               </a:rPr>
-                              <m:t>𝑏</m:t>
+                              <m:t>−</m:t>
+                            </m:r>
+                            <m:r>
+                              <a:rPr lang="en-US" b="0" i="1" smtClean="0">
+                                <a:latin typeface="Cambria Math" panose="02040503050406030204" pitchFamily="18" charset="0"/>
+                                <a:ea typeface="Cambria Math" panose="02040503050406030204" pitchFamily="18" charset="0"/>
+                              </a:rPr>
+                              <m:t>𝜆</m:t>
                             </m:r>
                             <m:r>
                               <a:rPr lang="en-US" b="0" i="1" smtClean="0">
@@ -11809,7 +12775,7 @@
                                 <a:latin typeface="Cambria Math" panose="02040503050406030204" pitchFamily="18" charset="0"/>
                                 <a:ea typeface="Cambria Math" panose="02040503050406030204" pitchFamily="18" charset="0"/>
                               </a:rPr>
-                              <m:t>𝑥</m:t>
+                              <m:t>𝑡</m:t>
                             </m:r>
                           </m:sup>
                         </m:sSup>
@@ -11833,260 +12799,19 @@
                     </m:r>
                   </m:oMath>
                 </a14:m>
-                <a:endParaRPr lang="en-US" b="0" i="0" dirty="0">
-                  <a:latin typeface="Cambria Math" panose="02040503050406030204" pitchFamily="18" charset="0"/>
-                  <a:ea typeface="Cambria Math" panose="02040503050406030204" pitchFamily="18" charset="0"/>
-                </a:endParaRPr>
+                <a:r>
+                  <a:rPr lang="en-US" b="0" i="0" dirty="0">
+                    <a:latin typeface="Cambria Math" panose="02040503050406030204" pitchFamily="18" charset="0"/>
+                    <a:ea typeface="Cambria Math" panose="02040503050406030204" pitchFamily="18" charset="0"/>
+                  </a:rPr>
+                  <a:t>, where t is time and lambda is the rate</a:t>
+                </a:r>
               </a:p>
               <a:p>
-                <a:pPr lvl="1"/>
-                <a:r>
-                  <a:rPr lang="en-US" b="0" dirty="0">
-                    <a:ea typeface="Cambria Math" panose="02040503050406030204" pitchFamily="18" charset="0"/>
-                  </a:rPr>
-                  <a:t>Normal:</a:t>
-                </a:r>
-                <a14:m>
-                  <m:oMath xmlns:m="http://schemas.openxmlformats.org/officeDocument/2006/math">
-                    <m:r>
-                      <a:rPr lang="en-US" b="0" i="1" smtClean="0">
-                        <a:latin typeface="Cambria Math" panose="02040503050406030204" pitchFamily="18" charset="0"/>
-                        <a:ea typeface="Cambria Math" panose="02040503050406030204" pitchFamily="18" charset="0"/>
-                      </a:rPr>
-                      <m:t>𝐹</m:t>
-                    </m:r>
-                    <m:d>
-                      <m:dPr>
-                        <m:ctrlPr>
-                          <a:rPr lang="en-US" i="1">
-                            <a:latin typeface="Cambria Math" panose="02040503050406030204" pitchFamily="18" charset="0"/>
-                            <a:ea typeface="Cambria Math" panose="02040503050406030204" pitchFamily="18" charset="0"/>
-                          </a:rPr>
-                        </m:ctrlPr>
-                      </m:dPr>
-                      <m:e>
-                        <m:r>
-                          <a:rPr lang="en-US" i="1">
-                            <a:latin typeface="Cambria Math" panose="02040503050406030204" pitchFamily="18" charset="0"/>
-                            <a:ea typeface="Cambria Math" panose="02040503050406030204" pitchFamily="18" charset="0"/>
-                          </a:rPr>
-                          <m:t>𝑥</m:t>
-                        </m:r>
-                      </m:e>
-                    </m:d>
-                    <m:r>
-                      <a:rPr lang="en-US" i="1">
-                        <a:latin typeface="Cambria Math" panose="02040503050406030204" pitchFamily="18" charset="0"/>
-                        <a:ea typeface="Cambria Math" panose="02040503050406030204" pitchFamily="18" charset="0"/>
-                      </a:rPr>
-                      <m:t>=</m:t>
-                    </m:r>
-                    <m:f>
-                      <m:fPr>
-                        <m:ctrlPr>
-                          <a:rPr lang="en-US" b="0" i="1" smtClean="0">
-                            <a:latin typeface="Cambria Math" panose="02040503050406030204" pitchFamily="18" charset="0"/>
-                            <a:ea typeface="Cambria Math" panose="02040503050406030204" pitchFamily="18" charset="0"/>
-                          </a:rPr>
-                        </m:ctrlPr>
-                      </m:fPr>
-                      <m:num>
-                        <m:r>
-                          <a:rPr lang="en-US" i="1">
-                            <a:latin typeface="Cambria Math" panose="02040503050406030204" pitchFamily="18" charset="0"/>
-                            <a:ea typeface="Cambria Math" panose="02040503050406030204" pitchFamily="18" charset="0"/>
-                          </a:rPr>
-                          <m:t>1</m:t>
-                        </m:r>
-                      </m:num>
-                      <m:den>
-                        <m:r>
-                          <a:rPr lang="en-US" b="0" i="1" smtClean="0">
-                            <a:latin typeface="Cambria Math" panose="02040503050406030204" pitchFamily="18" charset="0"/>
-                            <a:ea typeface="Cambria Math" panose="02040503050406030204" pitchFamily="18" charset="0"/>
-                          </a:rPr>
-                          <m:t>𝜎</m:t>
-                        </m:r>
-                        <m:rad>
-                          <m:radPr>
-                            <m:degHide m:val="on"/>
-                            <m:ctrlPr>
-                              <a:rPr lang="en-US" b="0" i="1" smtClean="0">
-                                <a:latin typeface="Cambria Math" panose="02040503050406030204" pitchFamily="18" charset="0"/>
-                                <a:ea typeface="Cambria Math" panose="02040503050406030204" pitchFamily="18" charset="0"/>
-                              </a:rPr>
-                            </m:ctrlPr>
-                          </m:radPr>
-                          <m:deg/>
-                          <m:e>
-                            <m:r>
-                              <a:rPr lang="en-US" b="0" i="1" smtClean="0">
-                                <a:latin typeface="Cambria Math" panose="02040503050406030204" pitchFamily="18" charset="0"/>
-                                <a:ea typeface="Cambria Math" panose="02040503050406030204" pitchFamily="18" charset="0"/>
-                              </a:rPr>
-                              <m:t>(2</m:t>
-                            </m:r>
-                          </m:e>
-                        </m:rad>
-                        <m:r>
-                          <a:rPr lang="en-US" b="0" i="1" smtClean="0">
-                            <a:latin typeface="Cambria Math" panose="02040503050406030204" pitchFamily="18" charset="0"/>
-                            <a:ea typeface="Cambria Math" panose="02040503050406030204" pitchFamily="18" charset="0"/>
-                          </a:rPr>
-                          <m:t>∗</m:t>
-                        </m:r>
-                        <m:r>
-                          <a:rPr lang="en-US" b="0" i="1" smtClean="0">
-                            <a:latin typeface="Cambria Math" panose="02040503050406030204" pitchFamily="18" charset="0"/>
-                            <a:ea typeface="Cambria Math" panose="02040503050406030204" pitchFamily="18" charset="0"/>
-                          </a:rPr>
-                          <m:t>𝜋</m:t>
-                        </m:r>
-                        <m:r>
-                          <a:rPr lang="en-US" b="0" i="1" smtClean="0">
-                            <a:latin typeface="Cambria Math" panose="02040503050406030204" pitchFamily="18" charset="0"/>
-                            <a:ea typeface="Cambria Math" panose="02040503050406030204" pitchFamily="18" charset="0"/>
-                          </a:rPr>
-                          <m:t>)</m:t>
-                        </m:r>
-                      </m:den>
-                    </m:f>
-                    <m:r>
-                      <a:rPr lang="en-US" i="1">
-                        <a:latin typeface="Cambria Math" panose="02040503050406030204" pitchFamily="18" charset="0"/>
-                        <a:ea typeface="Cambria Math" panose="02040503050406030204" pitchFamily="18" charset="0"/>
-                      </a:rPr>
-                      <m:t>𝑒</m:t>
-                    </m:r>
-                    <m:r>
-                      <a:rPr lang="en-US" b="0" i="1" smtClean="0">
-                        <a:latin typeface="Cambria Math" panose="02040503050406030204" pitchFamily="18" charset="0"/>
-                        <a:ea typeface="Cambria Math" panose="02040503050406030204" pitchFamily="18" charset="0"/>
-                      </a:rPr>
-                      <m:t>𝑥</m:t>
-                    </m:r>
-                    <m:sSup>
-                      <m:sSupPr>
-                        <m:ctrlPr>
-                          <a:rPr lang="en-US" b="0" i="1" smtClean="0">
-                            <a:latin typeface="Cambria Math" panose="02040503050406030204" pitchFamily="18" charset="0"/>
-                            <a:ea typeface="Cambria Math" panose="02040503050406030204" pitchFamily="18" charset="0"/>
-                          </a:rPr>
-                        </m:ctrlPr>
-                      </m:sSupPr>
-                      <m:e>
-                        <m:r>
-                          <a:rPr lang="en-US" b="0" i="1" smtClean="0">
-                            <a:latin typeface="Cambria Math" panose="02040503050406030204" pitchFamily="18" charset="0"/>
-                            <a:ea typeface="Cambria Math" panose="02040503050406030204" pitchFamily="18" charset="0"/>
-                          </a:rPr>
-                          <m:t>𝑝</m:t>
-                        </m:r>
-                      </m:e>
-                      <m:sup>
-                        <m:r>
-                          <a:rPr lang="en-US" b="0" i="1" smtClean="0">
-                            <a:latin typeface="Cambria Math" panose="02040503050406030204" pitchFamily="18" charset="0"/>
-                            <a:ea typeface="Cambria Math" panose="02040503050406030204" pitchFamily="18" charset="0"/>
-                          </a:rPr>
-                          <m:t>−</m:t>
-                        </m:r>
-                        <m:f>
-                          <m:fPr>
-                            <m:ctrlPr>
-                              <a:rPr lang="en-US" b="0" i="1" smtClean="0">
-                                <a:latin typeface="Cambria Math" panose="02040503050406030204" pitchFamily="18" charset="0"/>
-                                <a:ea typeface="Cambria Math" panose="02040503050406030204" pitchFamily="18" charset="0"/>
-                              </a:rPr>
-                            </m:ctrlPr>
-                          </m:fPr>
-                          <m:num>
-                            <m:sSup>
-                              <m:sSupPr>
-                                <m:ctrlPr>
-                                  <a:rPr lang="en-US" b="0" i="1" smtClean="0">
-                                    <a:latin typeface="Cambria Math" panose="02040503050406030204" pitchFamily="18" charset="0"/>
-                                    <a:ea typeface="Cambria Math" panose="02040503050406030204" pitchFamily="18" charset="0"/>
-                                  </a:rPr>
-                                </m:ctrlPr>
-                              </m:sSupPr>
-                              <m:e>
-                                <m:d>
-                                  <m:dPr>
-                                    <m:ctrlPr>
-                                      <a:rPr lang="en-US" b="0" i="1" smtClean="0">
-                                        <a:latin typeface="Cambria Math" panose="02040503050406030204" pitchFamily="18" charset="0"/>
-                                        <a:ea typeface="Cambria Math" panose="02040503050406030204" pitchFamily="18" charset="0"/>
-                                      </a:rPr>
-                                    </m:ctrlPr>
-                                  </m:dPr>
-                                  <m:e>
-                                    <m:r>
-                                      <a:rPr lang="en-US" b="0" i="1" smtClean="0">
-                                        <a:latin typeface="Cambria Math" panose="02040503050406030204" pitchFamily="18" charset="0"/>
-                                        <a:ea typeface="Cambria Math" panose="02040503050406030204" pitchFamily="18" charset="0"/>
-                                      </a:rPr>
-                                      <m:t>𝑥</m:t>
-                                    </m:r>
-                                    <m:r>
-                                      <a:rPr lang="en-US" b="0" i="1" smtClean="0">
-                                        <a:latin typeface="Cambria Math" panose="02040503050406030204" pitchFamily="18" charset="0"/>
-                                        <a:ea typeface="Cambria Math" panose="02040503050406030204" pitchFamily="18" charset="0"/>
-                                      </a:rPr>
-                                      <m:t>−</m:t>
-                                    </m:r>
-                                    <m:r>
-                                      <a:rPr lang="en-US" b="0" i="1" smtClean="0">
-                                        <a:latin typeface="Cambria Math" panose="02040503050406030204" pitchFamily="18" charset="0"/>
-                                        <a:ea typeface="Cambria Math" panose="02040503050406030204" pitchFamily="18" charset="0"/>
-                                      </a:rPr>
-                                      <m:t>𝜇</m:t>
-                                    </m:r>
-                                  </m:e>
-                                </m:d>
-                              </m:e>
-                              <m:sup>
-                                <m:r>
-                                  <a:rPr lang="en-US" b="0" i="1" smtClean="0">
-                                    <a:latin typeface="Cambria Math" panose="02040503050406030204" pitchFamily="18" charset="0"/>
-                                    <a:ea typeface="Cambria Math" panose="02040503050406030204" pitchFamily="18" charset="0"/>
-                                  </a:rPr>
-                                  <m:t>2</m:t>
-                                </m:r>
-                              </m:sup>
-                            </m:sSup>
-                          </m:num>
-                          <m:den>
-                            <m:r>
-                              <a:rPr lang="en-US" b="0" i="1" smtClean="0">
-                                <a:latin typeface="Cambria Math" panose="02040503050406030204" pitchFamily="18" charset="0"/>
-                                <a:ea typeface="Cambria Math" panose="02040503050406030204" pitchFamily="18" charset="0"/>
-                              </a:rPr>
-                              <m:t>2∗</m:t>
-                            </m:r>
-                            <m:r>
-                              <a:rPr lang="en-US" b="0" i="1" smtClean="0">
-                                <a:latin typeface="Cambria Math" panose="02040503050406030204" pitchFamily="18" charset="0"/>
-                                <a:ea typeface="Cambria Math" panose="02040503050406030204" pitchFamily="18" charset="0"/>
-                              </a:rPr>
-                              <m:t>𝜎</m:t>
-                            </m:r>
-                          </m:den>
-                        </m:f>
-                      </m:sup>
-                    </m:sSup>
-                  </m:oMath>
-                </a14:m>
-                <a:endParaRPr lang="en-US" b="0" dirty="0">
-                  <a:ea typeface="Cambria Math" panose="02040503050406030204" pitchFamily="18" charset="0"/>
-                </a:endParaRPr>
-              </a:p>
-              <a:p>
-                <a:pPr marL="457200" indent="-457200">
-                  <a:buFont typeface="+mj-lt"/>
-                  <a:buAutoNum type="arabicPeriod"/>
+                <a:pPr marL="0" indent="0">
+                  <a:buNone/>
                 </a:pPr>
-                <a:endParaRPr lang="en-US" dirty="0"/>
+                <a:endParaRPr lang="en-US" b="1" dirty="0"/>
               </a:p>
               <a:p>
                 <a:pPr marL="0" indent="0">
@@ -12129,12 +12854,12 @@
             <p:spPr>
               <a:xfrm>
                 <a:off x="478369" y="1225486"/>
-                <a:ext cx="11474451" cy="4041106"/>
+                <a:ext cx="11474451" cy="3592265"/>
               </a:xfrm>
               <a:blipFill>
                 <a:blip r:embed="rId2"/>
                 <a:stretch>
-                  <a:fillRect l="-1275" t="-1357" r="-212" b="-2564"/>
+                  <a:fillRect l="-1275" t="-1528" r="-212" b="-3226"/>
                 </a:stretch>
               </a:blipFill>
             </p:spPr>
@@ -12248,6 +12973,246 @@
           <p:cNvPr id="3" name="Title 2">
             <a:extLst>
               <a:ext uri="{FF2B5EF4-FFF2-40B4-BE49-F238E27FC236}">
+                <a16:creationId xmlns:a16="http://schemas.microsoft.com/office/drawing/2014/main" id="{CB800851-4380-42C8-9007-15B45690E57E}"/>
+              </a:ext>
+            </a:extLst>
+          </p:cNvPr>
+          <p:cNvSpPr>
+            <a:spLocks noGrp="1"/>
+          </p:cNvSpPr>
+          <p:nvPr>
+            <p:ph type="title"/>
+          </p:nvPr>
+        </p:nvSpPr>
+        <p:spPr/>
+        <p:txBody>
+          <a:bodyPr/>
+          <a:lstStyle/>
+          <a:p>
+            <a:r>
+              <a:rPr lang="en-US" dirty="0"/>
+              <a:t>CTMC Race (multiple transitions possible)</a:t>
+            </a:r>
+          </a:p>
+        </p:txBody>
+      </p:sp>
+      <p:sp>
+        <p:nvSpPr>
+          <p:cNvPr id="4" name="Slide Number Placeholder 3">
+            <a:extLst>
+              <a:ext uri="{FF2B5EF4-FFF2-40B4-BE49-F238E27FC236}">
+                <a16:creationId xmlns:a16="http://schemas.microsoft.com/office/drawing/2014/main" id="{5BB2A090-7E52-4271-B326-7D9E6800F45D}"/>
+              </a:ext>
+            </a:extLst>
+          </p:cNvPr>
+          <p:cNvSpPr>
+            <a:spLocks noGrp="1"/>
+          </p:cNvSpPr>
+          <p:nvPr>
+            <p:ph type="sldNum" sz="quarter" idx="16"/>
+          </p:nvPr>
+        </p:nvSpPr>
+        <p:spPr/>
+        <p:txBody>
+          <a:bodyPr/>
+          <a:lstStyle/>
+          <a:p>
+            <a:fld id="{1915DC07-6425-4740-9695-FB9F2ED48CC1}" type="slidenum">
+              <a:rPr lang="en-US" smtClean="0"/>
+              <a:t>5</a:t>
+            </a:fld>
+            <a:endParaRPr lang="en-US"/>
+          </a:p>
+        </p:txBody>
+      </p:sp>
+      <p:pic>
+        <p:nvPicPr>
+          <p:cNvPr id="8" name="Picture 7">
+            <a:extLst>
+              <a:ext uri="{FF2B5EF4-FFF2-40B4-BE49-F238E27FC236}">
+                <a16:creationId xmlns:a16="http://schemas.microsoft.com/office/drawing/2014/main" id="{0C58A321-C064-43F6-B589-98CF3FDE8991}"/>
+              </a:ext>
+            </a:extLst>
+          </p:cNvPr>
+          <p:cNvPicPr>
+            <a:picLocks noChangeAspect="1"/>
+          </p:cNvPicPr>
+          <p:nvPr/>
+        </p:nvPicPr>
+        <p:blipFill>
+          <a:blip r:embed="rId2"/>
+          <a:stretch>
+            <a:fillRect/>
+          </a:stretch>
+        </p:blipFill>
+        <p:spPr>
+          <a:xfrm>
+            <a:off x="696742" y="847724"/>
+            <a:ext cx="8545932" cy="5514975"/>
+          </a:xfrm>
+          <a:prstGeom prst="rect">
+            <a:avLst/>
+          </a:prstGeom>
+        </p:spPr>
+      </p:pic>
+    </p:spTree>
+    <p:extLst>
+      <p:ext uri="{BB962C8B-B14F-4D97-AF65-F5344CB8AC3E}">
+        <p14:creationId xmlns:p14="http://schemas.microsoft.com/office/powerpoint/2010/main" val="3873405905"/>
+      </p:ext>
+    </p:extLst>
+  </p:cSld>
+  <p:clrMapOvr>
+    <a:masterClrMapping/>
+  </p:clrMapOvr>
+  <p:transition>
+    <p:fade/>
+  </p:transition>
+</p:sld>
+</file>
+
+<file path=ppt/slides/slide6.xml><?xml version="1.0" encoding="utf-8"?>
+<p:sld xmlns:a="http://schemas.openxmlformats.org/drawingml/2006/main" xmlns:r="http://schemas.openxmlformats.org/officeDocument/2006/relationships" xmlns:p="http://schemas.openxmlformats.org/presentationml/2006/main">
+  <p:cSld>
+    <p:spTree>
+      <p:nvGrpSpPr>
+        <p:cNvPr id="1" name=""/>
+        <p:cNvGrpSpPr/>
+        <p:nvPr/>
+      </p:nvGrpSpPr>
+      <p:grpSpPr>
+        <a:xfrm>
+          <a:off x="0" y="0"/>
+          <a:ext cx="0" cy="0"/>
+          <a:chOff x="0" y="0"/>
+          <a:chExt cx="0" cy="0"/>
+        </a:xfrm>
+      </p:grpSpPr>
+      <p:sp>
+        <p:nvSpPr>
+          <p:cNvPr id="3" name="Title 2">
+            <a:extLst>
+              <a:ext uri="{FF2B5EF4-FFF2-40B4-BE49-F238E27FC236}">
+                <a16:creationId xmlns:a16="http://schemas.microsoft.com/office/drawing/2014/main" id="{73CB9E6D-57F9-46DC-9ADB-DF12D484078C}"/>
+              </a:ext>
+            </a:extLst>
+          </p:cNvPr>
+          <p:cNvSpPr>
+            <a:spLocks noGrp="1"/>
+          </p:cNvSpPr>
+          <p:nvPr>
+            <p:ph type="title"/>
+          </p:nvPr>
+        </p:nvSpPr>
+        <p:spPr/>
+        <p:txBody>
+          <a:bodyPr/>
+          <a:lstStyle/>
+          <a:p>
+            <a:r>
+              <a:rPr lang="en-US" dirty="0"/>
+              <a:t>Example</a:t>
+            </a:r>
+          </a:p>
+        </p:txBody>
+      </p:sp>
+      <p:sp>
+        <p:nvSpPr>
+          <p:cNvPr id="4" name="Slide Number Placeholder 3">
+            <a:extLst>
+              <a:ext uri="{FF2B5EF4-FFF2-40B4-BE49-F238E27FC236}">
+                <a16:creationId xmlns:a16="http://schemas.microsoft.com/office/drawing/2014/main" id="{4E698925-02DA-4BC4-B4B1-E737596C0830}"/>
+              </a:ext>
+            </a:extLst>
+          </p:cNvPr>
+          <p:cNvSpPr>
+            <a:spLocks noGrp="1"/>
+          </p:cNvSpPr>
+          <p:nvPr>
+            <p:ph type="sldNum" sz="quarter" idx="16"/>
+          </p:nvPr>
+        </p:nvSpPr>
+        <p:spPr/>
+        <p:txBody>
+          <a:bodyPr/>
+          <a:lstStyle/>
+          <a:p>
+            <a:fld id="{1915DC07-6425-4740-9695-FB9F2ED48CC1}" type="slidenum">
+              <a:rPr lang="en-US" smtClean="0"/>
+              <a:t>6</a:t>
+            </a:fld>
+            <a:endParaRPr lang="en-US"/>
+          </a:p>
+        </p:txBody>
+      </p:sp>
+      <p:pic>
+        <p:nvPicPr>
+          <p:cNvPr id="6" name="Picture 5">
+            <a:extLst>
+              <a:ext uri="{FF2B5EF4-FFF2-40B4-BE49-F238E27FC236}">
+                <a16:creationId xmlns:a16="http://schemas.microsoft.com/office/drawing/2014/main" id="{634891EB-4A97-46CF-8767-182A474D1FCA}"/>
+              </a:ext>
+            </a:extLst>
+          </p:cNvPr>
+          <p:cNvPicPr>
+            <a:picLocks noChangeAspect="1"/>
+          </p:cNvPicPr>
+          <p:nvPr/>
+        </p:nvPicPr>
+        <p:blipFill>
+          <a:blip r:embed="rId2"/>
+          <a:stretch>
+            <a:fillRect/>
+          </a:stretch>
+        </p:blipFill>
+        <p:spPr>
+          <a:xfrm>
+            <a:off x="786009" y="1042450"/>
+            <a:ext cx="9005691" cy="5815550"/>
+          </a:xfrm>
+          <a:prstGeom prst="rect">
+            <a:avLst/>
+          </a:prstGeom>
+        </p:spPr>
+      </p:pic>
+    </p:spTree>
+    <p:extLst>
+      <p:ext uri="{BB962C8B-B14F-4D97-AF65-F5344CB8AC3E}">
+        <p14:creationId xmlns:p14="http://schemas.microsoft.com/office/powerpoint/2010/main" val="1166671998"/>
+      </p:ext>
+    </p:extLst>
+  </p:cSld>
+  <p:clrMapOvr>
+    <a:masterClrMapping/>
+  </p:clrMapOvr>
+  <p:transition>
+    <p:fade/>
+  </p:transition>
+</p:sld>
+</file>
+
+<file path=ppt/slides/slide7.xml><?xml version="1.0" encoding="utf-8"?>
+<p:sld xmlns:a="http://schemas.openxmlformats.org/drawingml/2006/main" xmlns:r="http://schemas.openxmlformats.org/officeDocument/2006/relationships" xmlns:p="http://schemas.openxmlformats.org/presentationml/2006/main">
+  <p:cSld>
+    <p:spTree>
+      <p:nvGrpSpPr>
+        <p:cNvPr id="1" name=""/>
+        <p:cNvGrpSpPr/>
+        <p:nvPr/>
+      </p:nvGrpSpPr>
+      <p:grpSpPr>
+        <a:xfrm>
+          <a:off x="0" y="0"/>
+          <a:ext cx="0" cy="0"/>
+          <a:chOff x="0" y="0"/>
+          <a:chExt cx="0" cy="0"/>
+        </a:xfrm>
+      </p:grpSpPr>
+      <p:sp>
+        <p:nvSpPr>
+          <p:cNvPr id="3" name="Title 2">
+            <a:extLst>
+              <a:ext uri="{FF2B5EF4-FFF2-40B4-BE49-F238E27FC236}">
                 <a16:creationId xmlns:a16="http://schemas.microsoft.com/office/drawing/2014/main" id="{AD81C082-3674-4F06-B63B-45048AD8BE8B}"/>
               </a:ext>
             </a:extLst>
@@ -12266,7 +13231,7 @@
           <a:p>
             <a:r>
               <a:rPr lang="en-US" dirty="0"/>
-              <a:t>Example of Markov Chain</a:t>
+              <a:t>Example-1 of CTMC Markov Chain</a:t>
             </a:r>
           </a:p>
         </p:txBody>
@@ -12294,7 +13259,7 @@
           <a:p>
             <a:fld id="{1915DC07-6425-4740-9695-FB9F2ED48CC1}" type="slidenum">
               <a:rPr lang="en-US" smtClean="0"/>
-              <a:t>5</a:t>
+              <a:t>7</a:t>
             </a:fld>
             <a:endParaRPr lang="en-US" dirty="0"/>
           </a:p>
@@ -13980,14 +14945,14 @@
               <p:nvPr>
                 <p:extLst>
                   <p:ext uri="{D42A27DB-BD31-4B8C-83A1-F6EECF244321}">
-                    <p14:modId xmlns:p14="http://schemas.microsoft.com/office/powerpoint/2010/main" val="4034517208"/>
+                    <p14:modId xmlns:p14="http://schemas.microsoft.com/office/powerpoint/2010/main" val="97725323"/>
                   </p:ext>
                 </p:extLst>
               </p:nvPr>
             </p:nvGraphicFramePr>
             <p:xfrm>
-              <a:off x="4366330" y="2603105"/>
-              <a:ext cx="6332690" cy="3686371"/>
+              <a:off x="4423225" y="1899263"/>
+              <a:ext cx="6332690" cy="3229171"/>
             </p:xfrm>
             <a:graphic>
               <a:graphicData uri="http://schemas.openxmlformats.org/drawingml/2006/table">
@@ -15007,10 +15972,10 @@
                                   </m:sSubPr>
                                   <m:e>
                                     <m:r>
-                                      <a:rPr lang="en-US" sz="2400" i="1" dirty="0" smtClean="0">
+                                      <a:rPr lang="en-US" sz="2400" b="0" i="1" dirty="0" smtClean="0">
                                         <a:latin typeface="Cambria Math" panose="02040503050406030204" pitchFamily="18" charset="0"/>
                                       </a:rPr>
-                                      <m:t>𝐹</m:t>
+                                      <m:t>𝜆</m:t>
                                     </m:r>
                                   </m:e>
                                   <m:sub>
@@ -15106,7 +16071,7 @@
                           <a:pPr algn="ctr"/>
                           <a:r>
                             <a:rPr lang="en-US" sz="1800" dirty="0"/>
-                            <a:t>0.50</a:t>
+                            <a:t>2</a:t>
                           </a:r>
                         </a:p>
                       </a:txBody>
@@ -15170,7 +16135,7 @@
                           <a:pPr algn="ctr"/>
                           <a:r>
                             <a:rPr lang="en-US" sz="1800" dirty="0"/>
-                            <a:t>0.25</a:t>
+                            <a:t>4</a:t>
                           </a:r>
                         </a:p>
                       </a:txBody>
@@ -15234,7 +16199,7 @@
                           <a:pPr algn="ctr"/>
                           <a:r>
                             <a:rPr lang="en-US" sz="1800" dirty="0"/>
-                            <a:t>0.80</a:t>
+                            <a:t>1.25</a:t>
                           </a:r>
                         </a:p>
                       </a:txBody>
@@ -15378,7 +16343,7 @@
                           </a:pPr>
                           <a:r>
                             <a:rPr lang="en-US" sz="1800" dirty="0"/>
-                            <a:t>0.25</a:t>
+                            <a:t>4</a:t>
                           </a:r>
                         </a:p>
                       </a:txBody>
@@ -15607,10 +16572,19 @@
                                   </m:sSubPr>
                                   <m:e>
                                     <m:r>
-                                      <a:rPr lang="en-US" sz="2400" i="1" dirty="0" smtClean="0">
+                                      <m:rPr>
+                                        <m:lit/>
+                                      </m:rPr>
+                                      <a:rPr lang="en-US" sz="2400" b="0" i="1" dirty="0" smtClean="0">
                                         <a:latin typeface="Cambria Math" panose="02040503050406030204" pitchFamily="18" charset="0"/>
                                       </a:rPr>
-                                      <m:t>𝐹</m:t>
+                                      <m:t> </m:t>
+                                    </m:r>
+                                    <m:r>
+                                      <a:rPr lang="en-US" sz="2400" b="0" i="1" dirty="0" smtClean="0">
+                                        <a:latin typeface="Cambria Math" panose="02040503050406030204" pitchFamily="18" charset="0"/>
+                                      </a:rPr>
+                                      <m:t>𝜆</m:t>
                                     </m:r>
                                   </m:e>
                                   <m:sub>
@@ -15706,7 +16680,7 @@
                           <a:pPr algn="ctr"/>
                           <a:r>
                             <a:rPr lang="en-US" sz="1800" dirty="0"/>
-                            <a:t>0.25</a:t>
+                            <a:t>4</a:t>
                           </a:r>
                         </a:p>
                       </a:txBody>
@@ -16237,7 +17211,7 @@
                           </a:pPr>
                           <a:r>
                             <a:rPr lang="en-US" sz="1800" dirty="0"/>
-                            <a:t>0.10</a:t>
+                            <a:t>10</a:t>
                           </a:r>
                         </a:p>
                       </a:txBody>
@@ -16301,7 +17275,7 @@
                           <a:pPr algn="ctr"/>
                           <a:r>
                             <a:rPr lang="en-US" sz="1800" dirty="0"/>
-                            <a:t>0.50</a:t>
+                            <a:t>2</a:t>
                           </a:r>
                         </a:p>
                       </a:txBody>
@@ -16723,10 +17697,10 @@
                                   </m:sSubPr>
                                   <m:e>
                                     <m:r>
-                                      <a:rPr lang="en-US" sz="2400" i="1" dirty="0" smtClean="0">
+                                      <a:rPr lang="en-US" sz="2400" b="0" i="1" dirty="0" smtClean="0">
                                         <a:latin typeface="Cambria Math" panose="02040503050406030204" pitchFamily="18" charset="0"/>
                                       </a:rPr>
-                                      <m:t>𝐹</m:t>
+                                      <m:t>𝜆</m:t>
                                     </m:r>
                                   </m:e>
                                   <m:sub>
@@ -16948,10 +17922,26 @@
                         <a:bodyPr/>
                         <a:lstStyle/>
                         <a:p>
-                          <a:pPr algn="ctr"/>
+                          <a:pPr marL="0" marR="0" lvl="0" indent="0" algn="ctr" defTabSz="1219170" rtl="0" eaLnBrk="1" fontAlgn="auto" latinLnBrk="0" hangingPunct="1">
+                            <a:lnSpc>
+                              <a:spcPct val="100000"/>
+                            </a:lnSpc>
+                            <a:spcBef>
+                              <a:spcPts val="0"/>
+                            </a:spcBef>
+                            <a:spcAft>
+                              <a:spcPts val="0"/>
+                            </a:spcAft>
+                            <a:buClrTx/>
+                            <a:buSzTx/>
+                            <a:buFontTx/>
+                            <a:buNone/>
+                            <a:tabLst/>
+                            <a:defRPr/>
+                          </a:pPr>
                           <a:r>
                             <a:rPr lang="en-US" sz="1800" dirty="0"/>
-                            <a:t>0.15</a:t>
+                            <a:t>6.67</a:t>
                           </a:r>
                         </a:p>
                       </a:txBody>
@@ -17015,7 +18005,7 @@
                           <a:pPr algn="ctr"/>
                           <a:r>
                             <a:rPr lang="en-US" sz="1800" dirty="0"/>
-                            <a:t>0.50</a:t>
+                            <a:t>2</a:t>
                           </a:r>
                         </a:p>
                       </a:txBody>
@@ -17079,7 +18069,7 @@
                           <a:pPr algn="ctr"/>
                           <a:r>
                             <a:rPr lang="en-US" sz="1800" dirty="0"/>
-                            <a:t>0.25</a:t>
+                            <a:t>4</a:t>
                           </a:r>
                         </a:p>
                       </a:txBody>
@@ -17359,7 +18349,7 @@
                           </a:pPr>
                           <a:r>
                             <a:rPr lang="en-US" sz="1800" dirty="0"/>
-                            <a:t>0.15</a:t>
+                            <a:t>6.67</a:t>
                           </a:r>
                         </a:p>
                       </a:txBody>
@@ -17568,7 +18558,7 @@
                           <a:pPr algn="ctr"/>
                           <a:r>
                             <a:rPr lang="en-US" sz="1800" dirty="0"/>
-                            <a:t>0.25</a:t>
+                            <a:t>4</a:t>
                           </a:r>
                         </a:p>
                       </a:txBody>
@@ -17939,7 +18929,7 @@
                           <a:pPr algn="ctr"/>
                           <a:r>
                             <a:rPr lang="en-US" sz="1800" dirty="0"/>
-                            <a:t>0.25</a:t>
+                            <a:t>4</a:t>
                           </a:r>
                         </a:p>
                       </a:txBody>
@@ -18067,7 +19057,7 @@
                           <a:pPr algn="ctr"/>
                           <a:r>
                             <a:rPr lang="en-US" sz="1800" dirty="0"/>
-                            <a:t>0.25</a:t>
+                            <a:t>4</a:t>
                           </a:r>
                         </a:p>
                       </a:txBody>
@@ -18131,7 +19121,7 @@
                           <a:pPr algn="ctr"/>
                           <a:r>
                             <a:rPr lang="en-US" sz="1800" dirty="0"/>
-                            <a:t>0.50</a:t>
+                            <a:t>2</a:t>
                           </a:r>
                         </a:p>
                       </a:txBody>
@@ -18190,468 +19180,6 @@
                     <a:extLst>
                       <a:ext uri="{0D108BD9-81ED-4DB2-BD59-A6C34878D82A}">
                         <a16:rowId xmlns:a16="http://schemas.microsoft.com/office/drawing/2014/main" val="4273461930"/>
-                      </a:ext>
-                    </a:extLst>
-                  </a:tr>
-                  <a:tr h="370840">
-                    <a:tc>
-                      <a:txBody>
-                        <a:bodyPr/>
-                        <a:lstStyle/>
-                        <a:p>
-                          <a:pPr/>
-                          <a14:m>
-                            <m:oMathPara xmlns:m="http://schemas.openxmlformats.org/officeDocument/2006/math">
-                              <m:oMathParaPr>
-                                <m:jc m:val="centerGroup"/>
-                              </m:oMathParaPr>
-                              <m:oMath xmlns:m="http://schemas.openxmlformats.org/officeDocument/2006/math">
-                                <m:r>
-                                  <a:rPr lang="en-US" b="1" i="1" dirty="0" smtClean="0">
-                                    <a:latin typeface="Cambria Math" panose="02040503050406030204" pitchFamily="18" charset="0"/>
-                                  </a:rPr>
-                                  <m:t>∑</m:t>
-                                </m:r>
-                              </m:oMath>
-                            </m:oMathPara>
-                          </a14:m>
-                          <a:endParaRPr lang="en-US" b="1" i="1" dirty="0"/>
-                        </a:p>
-                      </a:txBody>
-                      <a:tcPr>
-                        <a:lnL w="12700" cap="flat" cmpd="sng" algn="ctr">
-                          <a:solidFill>
-                            <a:schemeClr val="tx1"/>
-                          </a:solidFill>
-                          <a:prstDash val="solid"/>
-                          <a:round/>
-                          <a:headEnd type="none" w="med" len="med"/>
-                          <a:tailEnd type="none" w="med" len="med"/>
-                        </a:lnL>
-                        <a:lnR w="12700" cap="flat" cmpd="sng" algn="ctr">
-                          <a:solidFill>
-                            <a:schemeClr val="tx1"/>
-                          </a:solidFill>
-                          <a:prstDash val="solid"/>
-                          <a:round/>
-                          <a:headEnd type="none" w="med" len="med"/>
-                          <a:tailEnd type="none" w="med" len="med"/>
-                        </a:lnR>
-                        <a:lnT w="12700" cap="flat" cmpd="sng" algn="ctr">
-                          <a:solidFill>
-                            <a:schemeClr val="tx1"/>
-                          </a:solidFill>
-                          <a:prstDash val="solid"/>
-                          <a:round/>
-                          <a:headEnd type="none" w="med" len="med"/>
-                          <a:tailEnd type="none" w="med" len="med"/>
-                        </a:lnT>
-                        <a:lnB w="12700" cap="flat" cmpd="sng" algn="ctr">
-                          <a:solidFill>
-                            <a:schemeClr val="tx1"/>
-                          </a:solidFill>
-                          <a:prstDash val="solid"/>
-                          <a:round/>
-                          <a:headEnd type="none" w="med" len="med"/>
-                          <a:tailEnd type="none" w="med" len="med"/>
-                        </a:lnB>
-                        <a:lnTlToBr w="12700" cmpd="sng">
-                          <a:noFill/>
-                          <a:prstDash val="solid"/>
-                        </a:lnTlToBr>
-                        <a:lnBlToTr w="12700" cmpd="sng">
-                          <a:noFill/>
-                          <a:prstDash val="solid"/>
-                        </a:lnBlToTr>
-                      </a:tcPr>
-                    </a:tc>
-                    <a:tc>
-                      <a:txBody>
-                        <a:bodyPr/>
-                        <a:lstStyle/>
-                        <a:p>
-                          <a:pPr algn="ctr"/>
-                          <a:r>
-                            <a:rPr lang="en-US" sz="1800" b="1" dirty="0"/>
-                            <a:t>1.0</a:t>
-                          </a:r>
-                        </a:p>
-                      </a:txBody>
-                      <a:tcPr>
-                        <a:lnL w="12700" cap="flat" cmpd="sng" algn="ctr">
-                          <a:solidFill>
-                            <a:schemeClr val="tx1"/>
-                          </a:solidFill>
-                          <a:prstDash val="solid"/>
-                          <a:round/>
-                          <a:headEnd type="none" w="med" len="med"/>
-                          <a:tailEnd type="none" w="med" len="med"/>
-                        </a:lnL>
-                        <a:lnR w="12700" cap="flat" cmpd="sng" algn="ctr">
-                          <a:solidFill>
-                            <a:schemeClr val="tx1"/>
-                          </a:solidFill>
-                          <a:prstDash val="solid"/>
-                          <a:round/>
-                          <a:headEnd type="none" w="med" len="med"/>
-                          <a:tailEnd type="none" w="med" len="med"/>
-                        </a:lnR>
-                        <a:lnT w="12700" cap="flat" cmpd="sng" algn="ctr">
-                          <a:solidFill>
-                            <a:schemeClr val="tx1"/>
-                          </a:solidFill>
-                          <a:prstDash val="solid"/>
-                          <a:round/>
-                          <a:headEnd type="none" w="med" len="med"/>
-                          <a:tailEnd type="none" w="med" len="med"/>
-                        </a:lnT>
-                        <a:lnB w="12700" cap="flat" cmpd="sng" algn="ctr">
-                          <a:solidFill>
-                            <a:schemeClr val="tx1"/>
-                          </a:solidFill>
-                          <a:prstDash val="solid"/>
-                          <a:round/>
-                          <a:headEnd type="none" w="med" len="med"/>
-                          <a:tailEnd type="none" w="med" len="med"/>
-                        </a:lnB>
-                        <a:lnTlToBr w="12700" cmpd="sng">
-                          <a:noFill/>
-                          <a:prstDash val="solid"/>
-                        </a:lnTlToBr>
-                        <a:lnBlToTr w="12700" cmpd="sng">
-                          <a:noFill/>
-                          <a:prstDash val="solid"/>
-                        </a:lnBlToTr>
-                        <a:solidFill>
-                          <a:schemeClr val="bg1">
-                            <a:lumMod val="95000"/>
-                          </a:schemeClr>
-                        </a:solidFill>
-                      </a:tcPr>
-                    </a:tc>
-                    <a:tc>
-                      <a:txBody>
-                        <a:bodyPr/>
-                        <a:lstStyle/>
-                        <a:p>
-                          <a:pPr algn="ctr"/>
-                          <a:r>
-                            <a:rPr lang="en-US" sz="1800" b="1" dirty="0"/>
-                            <a:t>1.0</a:t>
-                          </a:r>
-                        </a:p>
-                      </a:txBody>
-                      <a:tcPr>
-                        <a:lnL w="12700" cap="flat" cmpd="sng" algn="ctr">
-                          <a:solidFill>
-                            <a:schemeClr val="tx1"/>
-                          </a:solidFill>
-                          <a:prstDash val="solid"/>
-                          <a:round/>
-                          <a:headEnd type="none" w="med" len="med"/>
-                          <a:tailEnd type="none" w="med" len="med"/>
-                        </a:lnL>
-                        <a:lnR w="12700" cap="flat" cmpd="sng" algn="ctr">
-                          <a:solidFill>
-                            <a:schemeClr val="tx1"/>
-                          </a:solidFill>
-                          <a:prstDash val="solid"/>
-                          <a:round/>
-                          <a:headEnd type="none" w="med" len="med"/>
-                          <a:tailEnd type="none" w="med" len="med"/>
-                        </a:lnR>
-                        <a:lnT w="12700" cap="flat" cmpd="sng" algn="ctr">
-                          <a:solidFill>
-                            <a:schemeClr val="tx1"/>
-                          </a:solidFill>
-                          <a:prstDash val="solid"/>
-                          <a:round/>
-                          <a:headEnd type="none" w="med" len="med"/>
-                          <a:tailEnd type="none" w="med" len="med"/>
-                        </a:lnT>
-                        <a:lnB w="12700" cap="flat" cmpd="sng" algn="ctr">
-                          <a:solidFill>
-                            <a:schemeClr val="tx1"/>
-                          </a:solidFill>
-                          <a:prstDash val="solid"/>
-                          <a:round/>
-                          <a:headEnd type="none" w="med" len="med"/>
-                          <a:tailEnd type="none" w="med" len="med"/>
-                        </a:lnB>
-                        <a:lnTlToBr w="12700" cmpd="sng">
-                          <a:noFill/>
-                          <a:prstDash val="solid"/>
-                        </a:lnTlToBr>
-                        <a:lnBlToTr w="12700" cmpd="sng">
-                          <a:noFill/>
-                          <a:prstDash val="solid"/>
-                        </a:lnBlToTr>
-                        <a:solidFill>
-                          <a:schemeClr val="bg1">
-                            <a:lumMod val="95000"/>
-                          </a:schemeClr>
-                        </a:solidFill>
-                      </a:tcPr>
-                    </a:tc>
-                    <a:tc>
-                      <a:txBody>
-                        <a:bodyPr/>
-                        <a:lstStyle/>
-                        <a:p>
-                          <a:pPr algn="ctr"/>
-                          <a:r>
-                            <a:rPr lang="en-US" sz="1800" b="1" dirty="0"/>
-                            <a:t>1.0</a:t>
-                          </a:r>
-                        </a:p>
-                      </a:txBody>
-                      <a:tcPr>
-                        <a:lnL w="12700" cap="flat" cmpd="sng" algn="ctr">
-                          <a:solidFill>
-                            <a:schemeClr val="tx1"/>
-                          </a:solidFill>
-                          <a:prstDash val="solid"/>
-                          <a:round/>
-                          <a:headEnd type="none" w="med" len="med"/>
-                          <a:tailEnd type="none" w="med" len="med"/>
-                        </a:lnL>
-                        <a:lnR w="12700" cap="flat" cmpd="sng" algn="ctr">
-                          <a:solidFill>
-                            <a:schemeClr val="tx1"/>
-                          </a:solidFill>
-                          <a:prstDash val="solid"/>
-                          <a:round/>
-                          <a:headEnd type="none" w="med" len="med"/>
-                          <a:tailEnd type="none" w="med" len="med"/>
-                        </a:lnR>
-                        <a:lnT w="12700" cap="flat" cmpd="sng" algn="ctr">
-                          <a:solidFill>
-                            <a:schemeClr val="tx1"/>
-                          </a:solidFill>
-                          <a:prstDash val="solid"/>
-                          <a:round/>
-                          <a:headEnd type="none" w="med" len="med"/>
-                          <a:tailEnd type="none" w="med" len="med"/>
-                        </a:lnT>
-                        <a:lnB w="12700" cap="flat" cmpd="sng" algn="ctr">
-                          <a:solidFill>
-                            <a:schemeClr val="tx1"/>
-                          </a:solidFill>
-                          <a:prstDash val="solid"/>
-                          <a:round/>
-                          <a:headEnd type="none" w="med" len="med"/>
-                          <a:tailEnd type="none" w="med" len="med"/>
-                        </a:lnB>
-                        <a:lnTlToBr w="12700" cmpd="sng">
-                          <a:noFill/>
-                          <a:prstDash val="solid"/>
-                        </a:lnTlToBr>
-                        <a:lnBlToTr w="12700" cmpd="sng">
-                          <a:noFill/>
-                          <a:prstDash val="solid"/>
-                        </a:lnBlToTr>
-                        <a:solidFill>
-                          <a:schemeClr val="bg1">
-                            <a:lumMod val="95000"/>
-                          </a:schemeClr>
-                        </a:solidFill>
-                      </a:tcPr>
-                    </a:tc>
-                    <a:tc>
-                      <a:txBody>
-                        <a:bodyPr/>
-                        <a:lstStyle/>
-                        <a:p>
-                          <a:pPr algn="ctr"/>
-                          <a:r>
-                            <a:rPr lang="en-US" sz="1800" b="1" dirty="0"/>
-                            <a:t>1.0</a:t>
-                          </a:r>
-                        </a:p>
-                      </a:txBody>
-                      <a:tcPr>
-                        <a:lnL w="12700" cap="flat" cmpd="sng" algn="ctr">
-                          <a:solidFill>
-                            <a:schemeClr val="tx1"/>
-                          </a:solidFill>
-                          <a:prstDash val="solid"/>
-                          <a:round/>
-                          <a:headEnd type="none" w="med" len="med"/>
-                          <a:tailEnd type="none" w="med" len="med"/>
-                        </a:lnL>
-                        <a:lnR w="12700" cap="flat" cmpd="sng" algn="ctr">
-                          <a:solidFill>
-                            <a:schemeClr val="tx1"/>
-                          </a:solidFill>
-                          <a:prstDash val="solid"/>
-                          <a:round/>
-                          <a:headEnd type="none" w="med" len="med"/>
-                          <a:tailEnd type="none" w="med" len="med"/>
-                        </a:lnR>
-                        <a:lnT w="12700" cap="flat" cmpd="sng" algn="ctr">
-                          <a:solidFill>
-                            <a:schemeClr val="tx1"/>
-                          </a:solidFill>
-                          <a:prstDash val="solid"/>
-                          <a:round/>
-                          <a:headEnd type="none" w="med" len="med"/>
-                          <a:tailEnd type="none" w="med" len="med"/>
-                        </a:lnT>
-                        <a:lnB w="12700" cap="flat" cmpd="sng" algn="ctr">
-                          <a:solidFill>
-                            <a:schemeClr val="tx1"/>
-                          </a:solidFill>
-                          <a:prstDash val="solid"/>
-                          <a:round/>
-                          <a:headEnd type="none" w="med" len="med"/>
-                          <a:tailEnd type="none" w="med" len="med"/>
-                        </a:lnB>
-                        <a:lnTlToBr w="12700" cmpd="sng">
-                          <a:noFill/>
-                          <a:prstDash val="solid"/>
-                        </a:lnTlToBr>
-                        <a:lnBlToTr w="12700" cmpd="sng">
-                          <a:noFill/>
-                          <a:prstDash val="solid"/>
-                        </a:lnBlToTr>
-                        <a:solidFill>
-                          <a:schemeClr val="bg1">
-                            <a:lumMod val="95000"/>
-                          </a:schemeClr>
-                        </a:solidFill>
-                      </a:tcPr>
-                    </a:tc>
-                    <a:tc>
-                      <a:txBody>
-                        <a:bodyPr/>
-                        <a:lstStyle/>
-                        <a:p>
-                          <a:pPr algn="ctr"/>
-                          <a:r>
-                            <a:rPr lang="en-US" sz="1800" b="1" dirty="0"/>
-                            <a:t>1.0</a:t>
-                          </a:r>
-                        </a:p>
-                      </a:txBody>
-                      <a:tcPr>
-                        <a:lnL w="12700" cap="flat" cmpd="sng" algn="ctr">
-                          <a:solidFill>
-                            <a:schemeClr val="tx1"/>
-                          </a:solidFill>
-                          <a:prstDash val="solid"/>
-                          <a:round/>
-                          <a:headEnd type="none" w="med" len="med"/>
-                          <a:tailEnd type="none" w="med" len="med"/>
-                        </a:lnL>
-                        <a:lnR w="12700" cap="flat" cmpd="sng" algn="ctr">
-                          <a:solidFill>
-                            <a:schemeClr val="tx1"/>
-                          </a:solidFill>
-                          <a:prstDash val="solid"/>
-                          <a:round/>
-                          <a:headEnd type="none" w="med" len="med"/>
-                          <a:tailEnd type="none" w="med" len="med"/>
-                        </a:lnR>
-                        <a:lnT w="12700" cap="flat" cmpd="sng" algn="ctr">
-                          <a:solidFill>
-                            <a:schemeClr val="tx1"/>
-                          </a:solidFill>
-                          <a:prstDash val="solid"/>
-                          <a:round/>
-                          <a:headEnd type="none" w="med" len="med"/>
-                          <a:tailEnd type="none" w="med" len="med"/>
-                        </a:lnT>
-                        <a:lnB w="12700" cap="flat" cmpd="sng" algn="ctr">
-                          <a:solidFill>
-                            <a:schemeClr val="tx1"/>
-                          </a:solidFill>
-                          <a:prstDash val="solid"/>
-                          <a:round/>
-                          <a:headEnd type="none" w="med" len="med"/>
-                          <a:tailEnd type="none" w="med" len="med"/>
-                        </a:lnB>
-                        <a:lnTlToBr w="12700" cmpd="sng">
-                          <a:noFill/>
-                          <a:prstDash val="solid"/>
-                        </a:lnTlToBr>
-                        <a:lnBlToTr w="12700" cmpd="sng">
-                          <a:noFill/>
-                          <a:prstDash val="solid"/>
-                        </a:lnBlToTr>
-                        <a:solidFill>
-                          <a:schemeClr val="bg1">
-                            <a:lumMod val="95000"/>
-                          </a:schemeClr>
-                        </a:solidFill>
-                      </a:tcPr>
-                    </a:tc>
-                    <a:tc>
-                      <a:txBody>
-                        <a:bodyPr/>
-                        <a:lstStyle/>
-                        <a:p>
-                          <a:pPr algn="ctr"/>
-                          <a:r>
-                            <a:rPr lang="en-US" sz="1800" b="1" dirty="0"/>
-                            <a:t>1.0</a:t>
-                          </a:r>
-                        </a:p>
-                      </a:txBody>
-                      <a:tcPr>
-                        <a:lnL w="12700" cap="flat" cmpd="sng" algn="ctr">
-                          <a:solidFill>
-                            <a:schemeClr val="tx1"/>
-                          </a:solidFill>
-                          <a:prstDash val="solid"/>
-                          <a:round/>
-                          <a:headEnd type="none" w="med" len="med"/>
-                          <a:tailEnd type="none" w="med" len="med"/>
-                        </a:lnL>
-                        <a:lnR w="12700" cap="flat" cmpd="sng" algn="ctr">
-                          <a:solidFill>
-                            <a:schemeClr val="tx1"/>
-                          </a:solidFill>
-                          <a:prstDash val="solid"/>
-                          <a:round/>
-                          <a:headEnd type="none" w="med" len="med"/>
-                          <a:tailEnd type="none" w="med" len="med"/>
-                        </a:lnR>
-                        <a:lnT w="12700" cap="flat" cmpd="sng" algn="ctr">
-                          <a:solidFill>
-                            <a:schemeClr val="tx1"/>
-                          </a:solidFill>
-                          <a:prstDash val="solid"/>
-                          <a:round/>
-                          <a:headEnd type="none" w="med" len="med"/>
-                          <a:tailEnd type="none" w="med" len="med"/>
-                        </a:lnT>
-                        <a:lnB w="12700" cap="flat" cmpd="sng" algn="ctr">
-                          <a:solidFill>
-                            <a:schemeClr val="tx1"/>
-                          </a:solidFill>
-                          <a:prstDash val="solid"/>
-                          <a:round/>
-                          <a:headEnd type="none" w="med" len="med"/>
-                          <a:tailEnd type="none" w="med" len="med"/>
-                        </a:lnB>
-                        <a:lnTlToBr w="12700" cmpd="sng">
-                          <a:noFill/>
-                          <a:prstDash val="solid"/>
-                        </a:lnTlToBr>
-                        <a:lnBlToTr w="12700" cmpd="sng">
-                          <a:noFill/>
-                          <a:prstDash val="solid"/>
-                        </a:lnBlToTr>
-                        <a:solidFill>
-                          <a:schemeClr val="bg1">
-                            <a:lumMod val="95000"/>
-                          </a:schemeClr>
-                        </a:solidFill>
-                      </a:tcPr>
-                    </a:tc>
-                    <a:extLst>
-                      <a:ext uri="{0D108BD9-81ED-4DB2-BD59-A6C34878D82A}">
-                        <a16:rowId xmlns:a16="http://schemas.microsoft.com/office/drawing/2014/main" val="2870118069"/>
                       </a:ext>
                     </a:extLst>
                   </a:tr>
@@ -18676,14 +19204,14 @@
               <p:nvPr>
                 <p:extLst>
                   <p:ext uri="{D42A27DB-BD31-4B8C-83A1-F6EECF244321}">
-                    <p14:modId xmlns:p14="http://schemas.microsoft.com/office/powerpoint/2010/main" val="4034517208"/>
+                    <p14:modId xmlns:p14="http://schemas.microsoft.com/office/powerpoint/2010/main" val="97725323"/>
                   </p:ext>
                 </p:extLst>
               </p:nvPr>
             </p:nvGraphicFramePr>
             <p:xfrm>
-              <a:off x="4366330" y="2603105"/>
-              <a:ext cx="6332690" cy="3686371"/>
+              <a:off x="4423225" y="1899263"/>
+              <a:ext cx="6332690" cy="3229171"/>
             </p:xfrm>
             <a:graphic>
               <a:graphicData uri="http://schemas.openxmlformats.org/drawingml/2006/table">
@@ -18854,7 +19382,7 @@
                         <a:blipFill>
                           <a:blip r:embed="rId8"/>
                           <a:stretch>
-                            <a:fillRect l="-101351" t="-2500" r="-503378" b="-676250"/>
+                            <a:fillRect l="-101351" t="-1250" r="-503378" b="-568750"/>
                           </a:stretch>
                         </a:blipFill>
                       </a:tcPr>
@@ -18915,7 +19443,7 @@
                         <a:blipFill>
                           <a:blip r:embed="rId8"/>
                           <a:stretch>
-                            <a:fillRect l="-200000" t="-2500" r="-400000" b="-676250"/>
+                            <a:fillRect l="-200000" t="-1250" r="-400000" b="-568750"/>
                           </a:stretch>
                         </a:blipFill>
                       </a:tcPr>
@@ -18976,7 +19504,7 @@
                         <a:blipFill>
                           <a:blip r:embed="rId8"/>
                           <a:stretch>
-                            <a:fillRect l="-302027" t="-2500" r="-302703" b="-676250"/>
+                            <a:fillRect l="-302027" t="-1250" r="-302703" b="-568750"/>
                           </a:stretch>
                         </a:blipFill>
                       </a:tcPr>
@@ -19037,7 +19565,7 @@
                         <a:blipFill>
                           <a:blip r:embed="rId8"/>
                           <a:stretch>
-                            <a:fillRect l="-399329" t="-2500" r="-200671" b="-676250"/>
+                            <a:fillRect l="-399329" t="-1250" r="-200671" b="-568750"/>
                           </a:stretch>
                         </a:blipFill>
                       </a:tcPr>
@@ -19098,7 +19626,7 @@
                         <a:blipFill>
                           <a:blip r:embed="rId8"/>
                           <a:stretch>
-                            <a:fillRect l="-502703" t="-2500" r="-102027" b="-676250"/>
+                            <a:fillRect l="-502703" t="-1250" r="-102027" b="-568750"/>
                           </a:stretch>
                         </a:blipFill>
                       </a:tcPr>
@@ -19159,7 +19687,7 @@
                         <a:blipFill>
                           <a:blip r:embed="rId8"/>
                           <a:stretch>
-                            <a:fillRect l="-598658" t="-2500" r="-1342" b="-676250"/>
+                            <a:fillRect l="-598658" t="-1250" r="-1342" b="-568750"/>
                           </a:stretch>
                         </a:blipFill>
                       </a:tcPr>
@@ -19227,7 +19755,7 @@
                         <a:blipFill>
                           <a:blip r:embed="rId8"/>
                           <a:stretch>
-                            <a:fillRect l="-671" t="-109333" r="-599329" b="-621333"/>
+                            <a:fillRect l="-671" t="-108000" r="-599329" b="-506667"/>
                           </a:stretch>
                         </a:blipFill>
                       </a:tcPr>
@@ -19288,7 +19816,7 @@
                         <a:blipFill>
                           <a:blip r:embed="rId8"/>
                           <a:stretch>
-                            <a:fillRect l="-101351" t="-109333" r="-503378" b="-621333"/>
+                            <a:fillRect l="-101351" t="-108000" r="-503378" b="-506667"/>
                           </a:stretch>
                         </a:blipFill>
                       </a:tcPr>
@@ -19301,7 +19829,7 @@
                           <a:pPr algn="ctr"/>
                           <a:r>
                             <a:rPr lang="en-US" sz="1800" dirty="0"/>
-                            <a:t>0.50</a:t>
+                            <a:t>2</a:t>
                           </a:r>
                         </a:p>
                       </a:txBody>
@@ -19365,7 +19893,7 @@
                           <a:pPr algn="ctr"/>
                           <a:r>
                             <a:rPr lang="en-US" sz="1800" dirty="0"/>
-                            <a:t>0.25</a:t>
+                            <a:t>4</a:t>
                           </a:r>
                         </a:p>
                       </a:txBody>
@@ -19429,7 +19957,7 @@
                           <a:pPr algn="ctr"/>
                           <a:r>
                             <a:rPr lang="en-US" sz="1800" dirty="0"/>
-                            <a:t>0.80</a:t>
+                            <a:t>1.25</a:t>
                           </a:r>
                         </a:p>
                       </a:txBody>
@@ -19573,7 +20101,7 @@
                           </a:pPr>
                           <a:r>
                             <a:rPr lang="en-US" sz="1800" dirty="0"/>
-                            <a:t>0.25</a:t>
+                            <a:t>4</a:t>
                           </a:r>
                         </a:p>
                       </a:txBody>
@@ -19692,7 +20220,7 @@
                         <a:blipFill>
                           <a:blip r:embed="rId8"/>
                           <a:stretch>
-                            <a:fillRect l="-671" t="-209333" r="-599329" b="-521333"/>
+                            <a:fillRect l="-671" t="-208000" r="-599329" b="-406667"/>
                           </a:stretch>
                         </a:blipFill>
                       </a:tcPr>
@@ -19753,7 +20281,7 @@
                         <a:blipFill>
                           <a:blip r:embed="rId8"/>
                           <a:stretch>
-                            <a:fillRect l="-101351" t="-209333" r="-503378" b="-521333"/>
+                            <a:fillRect l="-101351" t="-208000" r="-503378" b="-406667"/>
                           </a:stretch>
                         </a:blipFill>
                       </a:tcPr>
@@ -19766,7 +20294,7 @@
                           <a:pPr algn="ctr"/>
                           <a:r>
                             <a:rPr lang="en-US" sz="1800" dirty="0"/>
-                            <a:t>0.25</a:t>
+                            <a:t>4</a:t>
                           </a:r>
                         </a:p>
                       </a:txBody>
@@ -20141,7 +20669,7 @@
                         <a:blipFill>
                           <a:blip r:embed="rId8"/>
                           <a:stretch>
-                            <a:fillRect l="-671" t="-309333" r="-599329" b="-421333"/>
+                            <a:fillRect l="-671" t="-308000" r="-599329" b="-306667"/>
                           </a:stretch>
                         </a:blipFill>
                       </a:tcPr>
@@ -20250,7 +20778,7 @@
                           </a:pPr>
                           <a:r>
                             <a:rPr lang="en-US" sz="1800" dirty="0"/>
-                            <a:t>0.10</a:t>
+                            <a:t>10</a:t>
                           </a:r>
                         </a:p>
                       </a:txBody>
@@ -20314,7 +20842,7 @@
                           <a:pPr algn="ctr"/>
                           <a:r>
                             <a:rPr lang="en-US" sz="1800" dirty="0"/>
-                            <a:t>0.50</a:t>
+                            <a:t>2</a:t>
                           </a:r>
                         </a:p>
                       </a:txBody>
@@ -20626,7 +21154,7 @@
                         <a:blipFill>
                           <a:blip r:embed="rId8"/>
                           <a:stretch>
-                            <a:fillRect l="-671" t="-409333" r="-599329" b="-321333"/>
+                            <a:fillRect l="-671" t="-402632" r="-599329" b="-202632"/>
                           </a:stretch>
                         </a:blipFill>
                       </a:tcPr>
@@ -20687,7 +21215,7 @@
                         <a:blipFill>
                           <a:blip r:embed="rId8"/>
                           <a:stretch>
-                            <a:fillRect l="-101351" t="-409333" r="-503378" b="-321333"/>
+                            <a:fillRect l="-101351" t="-402632" r="-503378" b="-202632"/>
                           </a:stretch>
                         </a:blipFill>
                       </a:tcPr>
@@ -20754,331 +21282,6 @@
                             <a:lumMod val="95000"/>
                           </a:schemeClr>
                         </a:solidFill>
-                      </a:tcPr>
-                    </a:tc>
-                    <a:tc>
-                      <a:txBody>
-                        <a:bodyPr/>
-                        <a:lstStyle/>
-                        <a:p>
-                          <a:pPr algn="ctr"/>
-                          <a:r>
-                            <a:rPr lang="en-US" sz="1800"/>
-                            <a:t>0.0</a:t>
-                          </a:r>
-                          <a:endParaRPr lang="en-US" sz="1800" dirty="0"/>
-                        </a:p>
-                      </a:txBody>
-                      <a:tcPr>
-                        <a:lnL w="12700" cap="flat" cmpd="sng" algn="ctr">
-                          <a:solidFill>
-                            <a:schemeClr val="tx1"/>
-                          </a:solidFill>
-                          <a:prstDash val="solid"/>
-                          <a:round/>
-                          <a:headEnd type="none" w="med" len="med"/>
-                          <a:tailEnd type="none" w="med" len="med"/>
-                        </a:lnL>
-                        <a:lnR w="12700" cap="flat" cmpd="sng" algn="ctr">
-                          <a:solidFill>
-                            <a:schemeClr val="tx1"/>
-                          </a:solidFill>
-                          <a:prstDash val="solid"/>
-                          <a:round/>
-                          <a:headEnd type="none" w="med" len="med"/>
-                          <a:tailEnd type="none" w="med" len="med"/>
-                        </a:lnR>
-                        <a:lnT w="12700" cap="flat" cmpd="sng" algn="ctr">
-                          <a:solidFill>
-                            <a:schemeClr val="tx1"/>
-                          </a:solidFill>
-                          <a:prstDash val="solid"/>
-                          <a:round/>
-                          <a:headEnd type="none" w="med" len="med"/>
-                          <a:tailEnd type="none" w="med" len="med"/>
-                        </a:lnT>
-                        <a:lnB w="12700" cap="flat" cmpd="sng" algn="ctr">
-                          <a:solidFill>
-                            <a:schemeClr val="tx1"/>
-                          </a:solidFill>
-                          <a:prstDash val="solid"/>
-                          <a:round/>
-                          <a:headEnd type="none" w="med" len="med"/>
-                          <a:tailEnd type="none" w="med" len="med"/>
-                        </a:lnB>
-                        <a:lnTlToBr w="12700" cmpd="sng">
-                          <a:noFill/>
-                          <a:prstDash val="solid"/>
-                        </a:lnTlToBr>
-                        <a:lnBlToTr w="12700" cmpd="sng">
-                          <a:noFill/>
-                          <a:prstDash val="solid"/>
-                        </a:lnBlToTr>
-                        <a:solidFill>
-                          <a:schemeClr val="bg1">
-                            <a:lumMod val="95000"/>
-                          </a:schemeClr>
-                        </a:solidFill>
-                      </a:tcPr>
-                    </a:tc>
-                    <a:tc>
-                      <a:txBody>
-                        <a:bodyPr/>
-                        <a:lstStyle/>
-                        <a:p>
-                          <a:pPr algn="ctr"/>
-                          <a:r>
-                            <a:rPr lang="en-US" sz="1800" dirty="0"/>
-                            <a:t>0.15</a:t>
-                          </a:r>
-                        </a:p>
-                      </a:txBody>
-                      <a:tcPr>
-                        <a:lnL w="12700" cap="flat" cmpd="sng" algn="ctr">
-                          <a:solidFill>
-                            <a:schemeClr val="tx1"/>
-                          </a:solidFill>
-                          <a:prstDash val="solid"/>
-                          <a:round/>
-                          <a:headEnd type="none" w="med" len="med"/>
-                          <a:tailEnd type="none" w="med" len="med"/>
-                        </a:lnL>
-                        <a:lnR w="12700" cap="flat" cmpd="sng" algn="ctr">
-                          <a:solidFill>
-                            <a:schemeClr val="tx1"/>
-                          </a:solidFill>
-                          <a:prstDash val="solid"/>
-                          <a:round/>
-                          <a:headEnd type="none" w="med" len="med"/>
-                          <a:tailEnd type="none" w="med" len="med"/>
-                        </a:lnR>
-                        <a:lnT w="12700" cap="flat" cmpd="sng" algn="ctr">
-                          <a:solidFill>
-                            <a:schemeClr val="tx1"/>
-                          </a:solidFill>
-                          <a:prstDash val="solid"/>
-                          <a:round/>
-                          <a:headEnd type="none" w="med" len="med"/>
-                          <a:tailEnd type="none" w="med" len="med"/>
-                        </a:lnT>
-                        <a:lnB w="12700" cap="flat" cmpd="sng" algn="ctr">
-                          <a:solidFill>
-                            <a:schemeClr val="tx1"/>
-                          </a:solidFill>
-                          <a:prstDash val="solid"/>
-                          <a:round/>
-                          <a:headEnd type="none" w="med" len="med"/>
-                          <a:tailEnd type="none" w="med" len="med"/>
-                        </a:lnB>
-                        <a:lnTlToBr w="12700" cmpd="sng">
-                          <a:noFill/>
-                          <a:prstDash val="solid"/>
-                        </a:lnTlToBr>
-                        <a:lnBlToTr w="12700" cmpd="sng">
-                          <a:noFill/>
-                          <a:prstDash val="solid"/>
-                        </a:lnBlToTr>
-                        <a:solidFill>
-                          <a:schemeClr val="bg1">
-                            <a:lumMod val="95000"/>
-                          </a:schemeClr>
-                        </a:solidFill>
-                      </a:tcPr>
-                    </a:tc>
-                    <a:tc>
-                      <a:txBody>
-                        <a:bodyPr/>
-                        <a:lstStyle/>
-                        <a:p>
-                          <a:pPr algn="ctr"/>
-                          <a:r>
-                            <a:rPr lang="en-US" sz="1800" dirty="0"/>
-                            <a:t>0.50</a:t>
-                          </a:r>
-                        </a:p>
-                      </a:txBody>
-                      <a:tcPr>
-                        <a:lnL w="12700" cap="flat" cmpd="sng" algn="ctr">
-                          <a:solidFill>
-                            <a:schemeClr val="tx1"/>
-                          </a:solidFill>
-                          <a:prstDash val="solid"/>
-                          <a:round/>
-                          <a:headEnd type="none" w="med" len="med"/>
-                          <a:tailEnd type="none" w="med" len="med"/>
-                        </a:lnL>
-                        <a:lnR w="12700" cap="flat" cmpd="sng" algn="ctr">
-                          <a:solidFill>
-                            <a:schemeClr val="tx1"/>
-                          </a:solidFill>
-                          <a:prstDash val="solid"/>
-                          <a:round/>
-                          <a:headEnd type="none" w="med" len="med"/>
-                          <a:tailEnd type="none" w="med" len="med"/>
-                        </a:lnR>
-                        <a:lnT w="12700" cap="flat" cmpd="sng" algn="ctr">
-                          <a:solidFill>
-                            <a:schemeClr val="tx1"/>
-                          </a:solidFill>
-                          <a:prstDash val="solid"/>
-                          <a:round/>
-                          <a:headEnd type="none" w="med" len="med"/>
-                          <a:tailEnd type="none" w="med" len="med"/>
-                        </a:lnT>
-                        <a:lnB w="12700" cap="flat" cmpd="sng" algn="ctr">
-                          <a:solidFill>
-                            <a:schemeClr val="tx1"/>
-                          </a:solidFill>
-                          <a:prstDash val="solid"/>
-                          <a:round/>
-                          <a:headEnd type="none" w="med" len="med"/>
-                          <a:tailEnd type="none" w="med" len="med"/>
-                        </a:lnB>
-                        <a:lnTlToBr w="12700" cmpd="sng">
-                          <a:noFill/>
-                          <a:prstDash val="solid"/>
-                        </a:lnTlToBr>
-                        <a:lnBlToTr w="12700" cmpd="sng">
-                          <a:noFill/>
-                          <a:prstDash val="solid"/>
-                        </a:lnBlToTr>
-                        <a:solidFill>
-                          <a:schemeClr val="bg1">
-                            <a:lumMod val="95000"/>
-                          </a:schemeClr>
-                        </a:solidFill>
-                      </a:tcPr>
-                    </a:tc>
-                    <a:tc>
-                      <a:txBody>
-                        <a:bodyPr/>
-                        <a:lstStyle/>
-                        <a:p>
-                          <a:pPr algn="ctr"/>
-                          <a:r>
-                            <a:rPr lang="en-US" sz="1800" dirty="0"/>
-                            <a:t>0.25</a:t>
-                          </a:r>
-                        </a:p>
-                      </a:txBody>
-                      <a:tcPr>
-                        <a:lnL w="12700" cap="flat" cmpd="sng" algn="ctr">
-                          <a:solidFill>
-                            <a:schemeClr val="tx1"/>
-                          </a:solidFill>
-                          <a:prstDash val="solid"/>
-                          <a:round/>
-                          <a:headEnd type="none" w="med" len="med"/>
-                          <a:tailEnd type="none" w="med" len="med"/>
-                        </a:lnL>
-                        <a:lnR w="12700" cap="flat" cmpd="sng" algn="ctr">
-                          <a:solidFill>
-                            <a:schemeClr val="tx1"/>
-                          </a:solidFill>
-                          <a:prstDash val="solid"/>
-                          <a:round/>
-                          <a:headEnd type="none" w="med" len="med"/>
-                          <a:tailEnd type="none" w="med" len="med"/>
-                        </a:lnR>
-                        <a:lnT w="12700" cap="flat" cmpd="sng" algn="ctr">
-                          <a:solidFill>
-                            <a:schemeClr val="tx1"/>
-                          </a:solidFill>
-                          <a:prstDash val="solid"/>
-                          <a:round/>
-                          <a:headEnd type="none" w="med" len="med"/>
-                          <a:tailEnd type="none" w="med" len="med"/>
-                        </a:lnT>
-                        <a:lnB w="12700" cap="flat" cmpd="sng" algn="ctr">
-                          <a:solidFill>
-                            <a:schemeClr val="tx1"/>
-                          </a:solidFill>
-                          <a:prstDash val="solid"/>
-                          <a:round/>
-                          <a:headEnd type="none" w="med" len="med"/>
-                          <a:tailEnd type="none" w="med" len="med"/>
-                        </a:lnB>
-                        <a:lnTlToBr w="12700" cmpd="sng">
-                          <a:noFill/>
-                          <a:prstDash val="solid"/>
-                        </a:lnTlToBr>
-                        <a:lnBlToTr w="12700" cmpd="sng">
-                          <a:noFill/>
-                          <a:prstDash val="solid"/>
-                        </a:lnBlToTr>
-                        <a:solidFill>
-                          <a:schemeClr val="bg1">
-                            <a:lumMod val="95000"/>
-                          </a:schemeClr>
-                        </a:solidFill>
-                      </a:tcPr>
-                    </a:tc>
-                    <a:extLst>
-                      <a:ext uri="{0D108BD9-81ED-4DB2-BD59-A6C34878D82A}">
-                        <a16:rowId xmlns:a16="http://schemas.microsoft.com/office/drawing/2014/main" val="3238910779"/>
-                      </a:ext>
-                    </a:extLst>
-                  </a:tr>
-                  <a:tr h="457200">
-                    <a:tc>
-                      <a:txBody>
-                        <a:bodyPr/>
-                        <a:lstStyle/>
-                        <a:p>
-                          <a:endParaRPr lang="en-US"/>
-                        </a:p>
-                      </a:txBody>
-                      <a:tcPr>
-                        <a:lnL w="12700" cap="flat" cmpd="sng" algn="ctr">
-                          <a:solidFill>
-                            <a:schemeClr val="tx1"/>
-                          </a:solidFill>
-                          <a:prstDash val="solid"/>
-                          <a:round/>
-                          <a:headEnd type="none" w="med" len="med"/>
-                          <a:tailEnd type="none" w="med" len="med"/>
-                        </a:lnL>
-                        <a:lnR w="12700" cap="flat" cmpd="sng" algn="ctr">
-                          <a:solidFill>
-                            <a:schemeClr val="tx1"/>
-                          </a:solidFill>
-                          <a:prstDash val="solid"/>
-                          <a:round/>
-                          <a:headEnd type="none" w="med" len="med"/>
-                          <a:tailEnd type="none" w="med" len="med"/>
-                        </a:lnR>
-                        <a:lnT w="12700" cap="flat" cmpd="sng" algn="ctr">
-                          <a:solidFill>
-                            <a:schemeClr val="tx1"/>
-                          </a:solidFill>
-                          <a:prstDash val="solid"/>
-                          <a:round/>
-                          <a:headEnd type="none" w="med" len="med"/>
-                          <a:tailEnd type="none" w="med" len="med"/>
-                        </a:lnT>
-                        <a:lnB w="12700" cap="flat" cmpd="sng" algn="ctr">
-                          <a:solidFill>
-                            <a:schemeClr val="tx1"/>
-                          </a:solidFill>
-                          <a:prstDash val="solid"/>
-                          <a:round/>
-                          <a:headEnd type="none" w="med" len="med"/>
-                          <a:tailEnd type="none" w="med" len="med"/>
-                        </a:lnB>
-                        <a:lnTlToBr w="12700" cmpd="sng">
-                          <a:noFill/>
-                          <a:prstDash val="solid"/>
-                        </a:lnTlToBr>
-                        <a:lnBlToTr w="12700" cmpd="sng">
-                          <a:noFill/>
-                          <a:prstDash val="solid"/>
-                        </a:lnBlToTr>
-                        <a:blipFill>
-                          <a:blip r:embed="rId8"/>
-                          <a:stretch>
-                            <a:fillRect l="-671" t="-509333" r="-599329" b="-221333"/>
-                          </a:stretch>
-                        </a:blipFill>
                       </a:tcPr>
                     </a:tc>
                     <a:tc>
@@ -21170,7 +21373,348 @@
                           </a:pPr>
                           <a:r>
                             <a:rPr lang="en-US" sz="1800" dirty="0"/>
-                            <a:t>0.15</a:t>
+                            <a:t>6.67</a:t>
+                          </a:r>
+                        </a:p>
+                      </a:txBody>
+                      <a:tcPr>
+                        <a:lnL w="12700" cap="flat" cmpd="sng" algn="ctr">
+                          <a:solidFill>
+                            <a:schemeClr val="tx1"/>
+                          </a:solidFill>
+                          <a:prstDash val="solid"/>
+                          <a:round/>
+                          <a:headEnd type="none" w="med" len="med"/>
+                          <a:tailEnd type="none" w="med" len="med"/>
+                        </a:lnL>
+                        <a:lnR w="12700" cap="flat" cmpd="sng" algn="ctr">
+                          <a:solidFill>
+                            <a:schemeClr val="tx1"/>
+                          </a:solidFill>
+                          <a:prstDash val="solid"/>
+                          <a:round/>
+                          <a:headEnd type="none" w="med" len="med"/>
+                          <a:tailEnd type="none" w="med" len="med"/>
+                        </a:lnR>
+                        <a:lnT w="12700" cap="flat" cmpd="sng" algn="ctr">
+                          <a:solidFill>
+                            <a:schemeClr val="tx1"/>
+                          </a:solidFill>
+                          <a:prstDash val="solid"/>
+                          <a:round/>
+                          <a:headEnd type="none" w="med" len="med"/>
+                          <a:tailEnd type="none" w="med" len="med"/>
+                        </a:lnT>
+                        <a:lnB w="12700" cap="flat" cmpd="sng" algn="ctr">
+                          <a:solidFill>
+                            <a:schemeClr val="tx1"/>
+                          </a:solidFill>
+                          <a:prstDash val="solid"/>
+                          <a:round/>
+                          <a:headEnd type="none" w="med" len="med"/>
+                          <a:tailEnd type="none" w="med" len="med"/>
+                        </a:lnB>
+                        <a:lnTlToBr w="12700" cmpd="sng">
+                          <a:noFill/>
+                          <a:prstDash val="solid"/>
+                        </a:lnTlToBr>
+                        <a:lnBlToTr w="12700" cmpd="sng">
+                          <a:noFill/>
+                          <a:prstDash val="solid"/>
+                        </a:lnBlToTr>
+                        <a:solidFill>
+                          <a:schemeClr val="bg1">
+                            <a:lumMod val="95000"/>
+                          </a:schemeClr>
+                        </a:solidFill>
+                      </a:tcPr>
+                    </a:tc>
+                    <a:tc>
+                      <a:txBody>
+                        <a:bodyPr/>
+                        <a:lstStyle/>
+                        <a:p>
+                          <a:pPr algn="ctr"/>
+                          <a:r>
+                            <a:rPr lang="en-US" sz="1800" dirty="0"/>
+                            <a:t>2</a:t>
+                          </a:r>
+                        </a:p>
+                      </a:txBody>
+                      <a:tcPr>
+                        <a:lnL w="12700" cap="flat" cmpd="sng" algn="ctr">
+                          <a:solidFill>
+                            <a:schemeClr val="tx1"/>
+                          </a:solidFill>
+                          <a:prstDash val="solid"/>
+                          <a:round/>
+                          <a:headEnd type="none" w="med" len="med"/>
+                          <a:tailEnd type="none" w="med" len="med"/>
+                        </a:lnL>
+                        <a:lnR w="12700" cap="flat" cmpd="sng" algn="ctr">
+                          <a:solidFill>
+                            <a:schemeClr val="tx1"/>
+                          </a:solidFill>
+                          <a:prstDash val="solid"/>
+                          <a:round/>
+                          <a:headEnd type="none" w="med" len="med"/>
+                          <a:tailEnd type="none" w="med" len="med"/>
+                        </a:lnR>
+                        <a:lnT w="12700" cap="flat" cmpd="sng" algn="ctr">
+                          <a:solidFill>
+                            <a:schemeClr val="tx1"/>
+                          </a:solidFill>
+                          <a:prstDash val="solid"/>
+                          <a:round/>
+                          <a:headEnd type="none" w="med" len="med"/>
+                          <a:tailEnd type="none" w="med" len="med"/>
+                        </a:lnT>
+                        <a:lnB w="12700" cap="flat" cmpd="sng" algn="ctr">
+                          <a:solidFill>
+                            <a:schemeClr val="tx1"/>
+                          </a:solidFill>
+                          <a:prstDash val="solid"/>
+                          <a:round/>
+                          <a:headEnd type="none" w="med" len="med"/>
+                          <a:tailEnd type="none" w="med" len="med"/>
+                        </a:lnB>
+                        <a:lnTlToBr w="12700" cmpd="sng">
+                          <a:noFill/>
+                          <a:prstDash val="solid"/>
+                        </a:lnTlToBr>
+                        <a:lnBlToTr w="12700" cmpd="sng">
+                          <a:noFill/>
+                          <a:prstDash val="solid"/>
+                        </a:lnBlToTr>
+                        <a:solidFill>
+                          <a:schemeClr val="bg1">
+                            <a:lumMod val="95000"/>
+                          </a:schemeClr>
+                        </a:solidFill>
+                      </a:tcPr>
+                    </a:tc>
+                    <a:tc>
+                      <a:txBody>
+                        <a:bodyPr/>
+                        <a:lstStyle/>
+                        <a:p>
+                          <a:pPr algn="ctr"/>
+                          <a:r>
+                            <a:rPr lang="en-US" sz="1800" dirty="0"/>
+                            <a:t>4</a:t>
+                          </a:r>
+                        </a:p>
+                      </a:txBody>
+                      <a:tcPr>
+                        <a:lnL w="12700" cap="flat" cmpd="sng" algn="ctr">
+                          <a:solidFill>
+                            <a:schemeClr val="tx1"/>
+                          </a:solidFill>
+                          <a:prstDash val="solid"/>
+                          <a:round/>
+                          <a:headEnd type="none" w="med" len="med"/>
+                          <a:tailEnd type="none" w="med" len="med"/>
+                        </a:lnL>
+                        <a:lnR w="12700" cap="flat" cmpd="sng" algn="ctr">
+                          <a:solidFill>
+                            <a:schemeClr val="tx1"/>
+                          </a:solidFill>
+                          <a:prstDash val="solid"/>
+                          <a:round/>
+                          <a:headEnd type="none" w="med" len="med"/>
+                          <a:tailEnd type="none" w="med" len="med"/>
+                        </a:lnR>
+                        <a:lnT w="12700" cap="flat" cmpd="sng" algn="ctr">
+                          <a:solidFill>
+                            <a:schemeClr val="tx1"/>
+                          </a:solidFill>
+                          <a:prstDash val="solid"/>
+                          <a:round/>
+                          <a:headEnd type="none" w="med" len="med"/>
+                          <a:tailEnd type="none" w="med" len="med"/>
+                        </a:lnT>
+                        <a:lnB w="12700" cap="flat" cmpd="sng" algn="ctr">
+                          <a:solidFill>
+                            <a:schemeClr val="tx1"/>
+                          </a:solidFill>
+                          <a:prstDash val="solid"/>
+                          <a:round/>
+                          <a:headEnd type="none" w="med" len="med"/>
+                          <a:tailEnd type="none" w="med" len="med"/>
+                        </a:lnB>
+                        <a:lnTlToBr w="12700" cmpd="sng">
+                          <a:noFill/>
+                          <a:prstDash val="solid"/>
+                        </a:lnTlToBr>
+                        <a:lnBlToTr w="12700" cmpd="sng">
+                          <a:noFill/>
+                          <a:prstDash val="solid"/>
+                        </a:lnBlToTr>
+                        <a:solidFill>
+                          <a:schemeClr val="bg1">
+                            <a:lumMod val="95000"/>
+                          </a:schemeClr>
+                        </a:solidFill>
+                      </a:tcPr>
+                    </a:tc>
+                    <a:extLst>
+                      <a:ext uri="{0D108BD9-81ED-4DB2-BD59-A6C34878D82A}">
+                        <a16:rowId xmlns:a16="http://schemas.microsoft.com/office/drawing/2014/main" val="3238910779"/>
+                      </a:ext>
+                    </a:extLst>
+                  </a:tr>
+                  <a:tr h="457200">
+                    <a:tc>
+                      <a:txBody>
+                        <a:bodyPr/>
+                        <a:lstStyle/>
+                        <a:p>
+                          <a:endParaRPr lang="en-US"/>
+                        </a:p>
+                      </a:txBody>
+                      <a:tcPr>
+                        <a:lnL w="12700" cap="flat" cmpd="sng" algn="ctr">
+                          <a:solidFill>
+                            <a:schemeClr val="tx1"/>
+                          </a:solidFill>
+                          <a:prstDash val="solid"/>
+                          <a:round/>
+                          <a:headEnd type="none" w="med" len="med"/>
+                          <a:tailEnd type="none" w="med" len="med"/>
+                        </a:lnL>
+                        <a:lnR w="12700" cap="flat" cmpd="sng" algn="ctr">
+                          <a:solidFill>
+                            <a:schemeClr val="tx1"/>
+                          </a:solidFill>
+                          <a:prstDash val="solid"/>
+                          <a:round/>
+                          <a:headEnd type="none" w="med" len="med"/>
+                          <a:tailEnd type="none" w="med" len="med"/>
+                        </a:lnR>
+                        <a:lnT w="12700" cap="flat" cmpd="sng" algn="ctr">
+                          <a:solidFill>
+                            <a:schemeClr val="tx1"/>
+                          </a:solidFill>
+                          <a:prstDash val="solid"/>
+                          <a:round/>
+                          <a:headEnd type="none" w="med" len="med"/>
+                          <a:tailEnd type="none" w="med" len="med"/>
+                        </a:lnT>
+                        <a:lnB w="12700" cap="flat" cmpd="sng" algn="ctr">
+                          <a:solidFill>
+                            <a:schemeClr val="tx1"/>
+                          </a:solidFill>
+                          <a:prstDash val="solid"/>
+                          <a:round/>
+                          <a:headEnd type="none" w="med" len="med"/>
+                          <a:tailEnd type="none" w="med" len="med"/>
+                        </a:lnB>
+                        <a:lnTlToBr w="12700" cmpd="sng">
+                          <a:noFill/>
+                          <a:prstDash val="solid"/>
+                        </a:lnTlToBr>
+                        <a:lnBlToTr w="12700" cmpd="sng">
+                          <a:noFill/>
+                          <a:prstDash val="solid"/>
+                        </a:lnBlToTr>
+                        <a:blipFill>
+                          <a:blip r:embed="rId8"/>
+                          <a:stretch>
+                            <a:fillRect l="-671" t="-509333" r="-599329" b="-105333"/>
+                          </a:stretch>
+                        </a:blipFill>
+                      </a:tcPr>
+                    </a:tc>
+                    <a:tc>
+                      <a:txBody>
+                        <a:bodyPr/>
+                        <a:lstStyle/>
+                        <a:p>
+                          <a:pPr algn="ctr"/>
+                          <a:r>
+                            <a:rPr lang="en-US" sz="1800"/>
+                            <a:t>0.0</a:t>
+                          </a:r>
+                          <a:endParaRPr lang="en-US" sz="1800" dirty="0"/>
+                        </a:p>
+                      </a:txBody>
+                      <a:tcPr>
+                        <a:lnL w="12700" cap="flat" cmpd="sng" algn="ctr">
+                          <a:solidFill>
+                            <a:schemeClr val="tx1"/>
+                          </a:solidFill>
+                          <a:prstDash val="solid"/>
+                          <a:round/>
+                          <a:headEnd type="none" w="med" len="med"/>
+                          <a:tailEnd type="none" w="med" len="med"/>
+                        </a:lnL>
+                        <a:lnR w="12700" cap="flat" cmpd="sng" algn="ctr">
+                          <a:solidFill>
+                            <a:schemeClr val="tx1"/>
+                          </a:solidFill>
+                          <a:prstDash val="solid"/>
+                          <a:round/>
+                          <a:headEnd type="none" w="med" len="med"/>
+                          <a:tailEnd type="none" w="med" len="med"/>
+                        </a:lnR>
+                        <a:lnT w="12700" cap="flat" cmpd="sng" algn="ctr">
+                          <a:solidFill>
+                            <a:schemeClr val="tx1"/>
+                          </a:solidFill>
+                          <a:prstDash val="solid"/>
+                          <a:round/>
+                          <a:headEnd type="none" w="med" len="med"/>
+                          <a:tailEnd type="none" w="med" len="med"/>
+                        </a:lnT>
+                        <a:lnB w="12700" cap="flat" cmpd="sng" algn="ctr">
+                          <a:solidFill>
+                            <a:schemeClr val="tx1"/>
+                          </a:solidFill>
+                          <a:prstDash val="solid"/>
+                          <a:round/>
+                          <a:headEnd type="none" w="med" len="med"/>
+                          <a:tailEnd type="none" w="med" len="med"/>
+                        </a:lnB>
+                        <a:lnTlToBr w="12700" cmpd="sng">
+                          <a:noFill/>
+                          <a:prstDash val="solid"/>
+                        </a:lnTlToBr>
+                        <a:lnBlToTr w="12700" cmpd="sng">
+                          <a:noFill/>
+                          <a:prstDash val="solid"/>
+                        </a:lnBlToTr>
+                        <a:solidFill>
+                          <a:schemeClr val="bg1">
+                            <a:lumMod val="95000"/>
+                          </a:schemeClr>
+                        </a:solidFill>
+                      </a:tcPr>
+                    </a:tc>
+                    <a:tc>
+                      <a:txBody>
+                        <a:bodyPr/>
+                        <a:lstStyle/>
+                        <a:p>
+                          <a:pPr marL="0" marR="0" lvl="0" indent="0" algn="ctr" defTabSz="1219170" rtl="0" eaLnBrk="1" fontAlgn="auto" latinLnBrk="0" hangingPunct="1">
+                            <a:lnSpc>
+                              <a:spcPct val="100000"/>
+                            </a:lnSpc>
+                            <a:spcBef>
+                              <a:spcPts val="0"/>
+                            </a:spcBef>
+                            <a:spcAft>
+                              <a:spcPts val="0"/>
+                            </a:spcAft>
+                            <a:buClrTx/>
+                            <a:buSzTx/>
+                            <a:buFontTx/>
+                            <a:buNone/>
+                            <a:tabLst/>
+                            <a:defRPr/>
+                          </a:pPr>
+                          <a:r>
+                            <a:rPr lang="en-US" sz="1800" dirty="0"/>
+                            <a:t>6.67</a:t>
                           </a:r>
                         </a:p>
                       </a:txBody>
@@ -21379,7 +21923,7 @@
                           <a:pPr algn="ctr"/>
                           <a:r>
                             <a:rPr lang="en-US" sz="1800" dirty="0"/>
-                            <a:t>0.25</a:t>
+                            <a:t>4</a:t>
                           </a:r>
                         </a:p>
                       </a:txBody>
@@ -21562,7 +22106,7 @@
                         <a:blipFill>
                           <a:blip r:embed="rId8"/>
                           <a:stretch>
-                            <a:fillRect l="-671" t="-609333" r="-599329" b="-121333"/>
+                            <a:fillRect l="-671" t="-609333" r="-599329" b="-5333"/>
                           </a:stretch>
                         </a:blipFill>
                       </a:tcPr>
@@ -21703,7 +22247,7 @@
                           <a:pPr algn="ctr"/>
                           <a:r>
                             <a:rPr lang="en-US" sz="1800" dirty="0"/>
-                            <a:t>0.25</a:t>
+                            <a:t>4</a:t>
                           </a:r>
                         </a:p>
                       </a:txBody>
@@ -21831,7 +22375,7 @@
                           <a:pPr algn="ctr"/>
                           <a:r>
                             <a:rPr lang="en-US" sz="1800" dirty="0"/>
-                            <a:t>0.25</a:t>
+                            <a:t>4</a:t>
                           </a:r>
                         </a:p>
                       </a:txBody>
@@ -21895,7 +22439,7 @@
                           <a:pPr algn="ctr"/>
                           <a:r>
                             <a:rPr lang="en-US" sz="1800" dirty="0"/>
-                            <a:t>0.50</a:t>
+                            <a:t>2</a:t>
                           </a:r>
                         </a:p>
                       </a:txBody>
@@ -21954,458 +22498,6 @@
                     <a:extLst>
                       <a:ext uri="{0D108BD9-81ED-4DB2-BD59-A6C34878D82A}">
                         <a16:rowId xmlns:a16="http://schemas.microsoft.com/office/drawing/2014/main" val="4273461930"/>
-                      </a:ext>
-                    </a:extLst>
-                  </a:tr>
-                  <a:tr h="457200">
-                    <a:tc>
-                      <a:txBody>
-                        <a:bodyPr/>
-                        <a:lstStyle/>
-                        <a:p>
-                          <a:endParaRPr lang="en-US"/>
-                        </a:p>
-                      </a:txBody>
-                      <a:tcPr>
-                        <a:lnL w="12700" cap="flat" cmpd="sng" algn="ctr">
-                          <a:solidFill>
-                            <a:schemeClr val="tx1"/>
-                          </a:solidFill>
-                          <a:prstDash val="solid"/>
-                          <a:round/>
-                          <a:headEnd type="none" w="med" len="med"/>
-                          <a:tailEnd type="none" w="med" len="med"/>
-                        </a:lnL>
-                        <a:lnR w="12700" cap="flat" cmpd="sng" algn="ctr">
-                          <a:solidFill>
-                            <a:schemeClr val="tx1"/>
-                          </a:solidFill>
-                          <a:prstDash val="solid"/>
-                          <a:round/>
-                          <a:headEnd type="none" w="med" len="med"/>
-                          <a:tailEnd type="none" w="med" len="med"/>
-                        </a:lnR>
-                        <a:lnT w="12700" cap="flat" cmpd="sng" algn="ctr">
-                          <a:solidFill>
-                            <a:schemeClr val="tx1"/>
-                          </a:solidFill>
-                          <a:prstDash val="solid"/>
-                          <a:round/>
-                          <a:headEnd type="none" w="med" len="med"/>
-                          <a:tailEnd type="none" w="med" len="med"/>
-                        </a:lnT>
-                        <a:lnB w="12700" cap="flat" cmpd="sng" algn="ctr">
-                          <a:solidFill>
-                            <a:schemeClr val="tx1"/>
-                          </a:solidFill>
-                          <a:prstDash val="solid"/>
-                          <a:round/>
-                          <a:headEnd type="none" w="med" len="med"/>
-                          <a:tailEnd type="none" w="med" len="med"/>
-                        </a:lnB>
-                        <a:lnTlToBr w="12700" cmpd="sng">
-                          <a:noFill/>
-                          <a:prstDash val="solid"/>
-                        </a:lnTlToBr>
-                        <a:lnBlToTr w="12700" cmpd="sng">
-                          <a:noFill/>
-                          <a:prstDash val="solid"/>
-                        </a:lnBlToTr>
-                        <a:blipFill>
-                          <a:blip r:embed="rId8"/>
-                          <a:stretch>
-                            <a:fillRect l="-671" t="-709333" r="-599329" b="-21333"/>
-                          </a:stretch>
-                        </a:blipFill>
-                      </a:tcPr>
-                    </a:tc>
-                    <a:tc>
-                      <a:txBody>
-                        <a:bodyPr/>
-                        <a:lstStyle/>
-                        <a:p>
-                          <a:pPr algn="ctr"/>
-                          <a:r>
-                            <a:rPr lang="en-US" sz="1800" b="1" dirty="0"/>
-                            <a:t>1.0</a:t>
-                          </a:r>
-                        </a:p>
-                      </a:txBody>
-                      <a:tcPr>
-                        <a:lnL w="12700" cap="flat" cmpd="sng" algn="ctr">
-                          <a:solidFill>
-                            <a:schemeClr val="tx1"/>
-                          </a:solidFill>
-                          <a:prstDash val="solid"/>
-                          <a:round/>
-                          <a:headEnd type="none" w="med" len="med"/>
-                          <a:tailEnd type="none" w="med" len="med"/>
-                        </a:lnL>
-                        <a:lnR w="12700" cap="flat" cmpd="sng" algn="ctr">
-                          <a:solidFill>
-                            <a:schemeClr val="tx1"/>
-                          </a:solidFill>
-                          <a:prstDash val="solid"/>
-                          <a:round/>
-                          <a:headEnd type="none" w="med" len="med"/>
-                          <a:tailEnd type="none" w="med" len="med"/>
-                        </a:lnR>
-                        <a:lnT w="12700" cap="flat" cmpd="sng" algn="ctr">
-                          <a:solidFill>
-                            <a:schemeClr val="tx1"/>
-                          </a:solidFill>
-                          <a:prstDash val="solid"/>
-                          <a:round/>
-                          <a:headEnd type="none" w="med" len="med"/>
-                          <a:tailEnd type="none" w="med" len="med"/>
-                        </a:lnT>
-                        <a:lnB w="12700" cap="flat" cmpd="sng" algn="ctr">
-                          <a:solidFill>
-                            <a:schemeClr val="tx1"/>
-                          </a:solidFill>
-                          <a:prstDash val="solid"/>
-                          <a:round/>
-                          <a:headEnd type="none" w="med" len="med"/>
-                          <a:tailEnd type="none" w="med" len="med"/>
-                        </a:lnB>
-                        <a:lnTlToBr w="12700" cmpd="sng">
-                          <a:noFill/>
-                          <a:prstDash val="solid"/>
-                        </a:lnTlToBr>
-                        <a:lnBlToTr w="12700" cmpd="sng">
-                          <a:noFill/>
-                          <a:prstDash val="solid"/>
-                        </a:lnBlToTr>
-                        <a:solidFill>
-                          <a:schemeClr val="bg1">
-                            <a:lumMod val="95000"/>
-                          </a:schemeClr>
-                        </a:solidFill>
-                      </a:tcPr>
-                    </a:tc>
-                    <a:tc>
-                      <a:txBody>
-                        <a:bodyPr/>
-                        <a:lstStyle/>
-                        <a:p>
-                          <a:pPr algn="ctr"/>
-                          <a:r>
-                            <a:rPr lang="en-US" sz="1800" b="1" dirty="0"/>
-                            <a:t>1.0</a:t>
-                          </a:r>
-                        </a:p>
-                      </a:txBody>
-                      <a:tcPr>
-                        <a:lnL w="12700" cap="flat" cmpd="sng" algn="ctr">
-                          <a:solidFill>
-                            <a:schemeClr val="tx1"/>
-                          </a:solidFill>
-                          <a:prstDash val="solid"/>
-                          <a:round/>
-                          <a:headEnd type="none" w="med" len="med"/>
-                          <a:tailEnd type="none" w="med" len="med"/>
-                        </a:lnL>
-                        <a:lnR w="12700" cap="flat" cmpd="sng" algn="ctr">
-                          <a:solidFill>
-                            <a:schemeClr val="tx1"/>
-                          </a:solidFill>
-                          <a:prstDash val="solid"/>
-                          <a:round/>
-                          <a:headEnd type="none" w="med" len="med"/>
-                          <a:tailEnd type="none" w="med" len="med"/>
-                        </a:lnR>
-                        <a:lnT w="12700" cap="flat" cmpd="sng" algn="ctr">
-                          <a:solidFill>
-                            <a:schemeClr val="tx1"/>
-                          </a:solidFill>
-                          <a:prstDash val="solid"/>
-                          <a:round/>
-                          <a:headEnd type="none" w="med" len="med"/>
-                          <a:tailEnd type="none" w="med" len="med"/>
-                        </a:lnT>
-                        <a:lnB w="12700" cap="flat" cmpd="sng" algn="ctr">
-                          <a:solidFill>
-                            <a:schemeClr val="tx1"/>
-                          </a:solidFill>
-                          <a:prstDash val="solid"/>
-                          <a:round/>
-                          <a:headEnd type="none" w="med" len="med"/>
-                          <a:tailEnd type="none" w="med" len="med"/>
-                        </a:lnB>
-                        <a:lnTlToBr w="12700" cmpd="sng">
-                          <a:noFill/>
-                          <a:prstDash val="solid"/>
-                        </a:lnTlToBr>
-                        <a:lnBlToTr w="12700" cmpd="sng">
-                          <a:noFill/>
-                          <a:prstDash val="solid"/>
-                        </a:lnBlToTr>
-                        <a:solidFill>
-                          <a:schemeClr val="bg1">
-                            <a:lumMod val="95000"/>
-                          </a:schemeClr>
-                        </a:solidFill>
-                      </a:tcPr>
-                    </a:tc>
-                    <a:tc>
-                      <a:txBody>
-                        <a:bodyPr/>
-                        <a:lstStyle/>
-                        <a:p>
-                          <a:pPr algn="ctr"/>
-                          <a:r>
-                            <a:rPr lang="en-US" sz="1800" b="1" dirty="0"/>
-                            <a:t>1.0</a:t>
-                          </a:r>
-                        </a:p>
-                      </a:txBody>
-                      <a:tcPr>
-                        <a:lnL w="12700" cap="flat" cmpd="sng" algn="ctr">
-                          <a:solidFill>
-                            <a:schemeClr val="tx1"/>
-                          </a:solidFill>
-                          <a:prstDash val="solid"/>
-                          <a:round/>
-                          <a:headEnd type="none" w="med" len="med"/>
-                          <a:tailEnd type="none" w="med" len="med"/>
-                        </a:lnL>
-                        <a:lnR w="12700" cap="flat" cmpd="sng" algn="ctr">
-                          <a:solidFill>
-                            <a:schemeClr val="tx1"/>
-                          </a:solidFill>
-                          <a:prstDash val="solid"/>
-                          <a:round/>
-                          <a:headEnd type="none" w="med" len="med"/>
-                          <a:tailEnd type="none" w="med" len="med"/>
-                        </a:lnR>
-                        <a:lnT w="12700" cap="flat" cmpd="sng" algn="ctr">
-                          <a:solidFill>
-                            <a:schemeClr val="tx1"/>
-                          </a:solidFill>
-                          <a:prstDash val="solid"/>
-                          <a:round/>
-                          <a:headEnd type="none" w="med" len="med"/>
-                          <a:tailEnd type="none" w="med" len="med"/>
-                        </a:lnT>
-                        <a:lnB w="12700" cap="flat" cmpd="sng" algn="ctr">
-                          <a:solidFill>
-                            <a:schemeClr val="tx1"/>
-                          </a:solidFill>
-                          <a:prstDash val="solid"/>
-                          <a:round/>
-                          <a:headEnd type="none" w="med" len="med"/>
-                          <a:tailEnd type="none" w="med" len="med"/>
-                        </a:lnB>
-                        <a:lnTlToBr w="12700" cmpd="sng">
-                          <a:noFill/>
-                          <a:prstDash val="solid"/>
-                        </a:lnTlToBr>
-                        <a:lnBlToTr w="12700" cmpd="sng">
-                          <a:noFill/>
-                          <a:prstDash val="solid"/>
-                        </a:lnBlToTr>
-                        <a:solidFill>
-                          <a:schemeClr val="bg1">
-                            <a:lumMod val="95000"/>
-                          </a:schemeClr>
-                        </a:solidFill>
-                      </a:tcPr>
-                    </a:tc>
-                    <a:tc>
-                      <a:txBody>
-                        <a:bodyPr/>
-                        <a:lstStyle/>
-                        <a:p>
-                          <a:pPr algn="ctr"/>
-                          <a:r>
-                            <a:rPr lang="en-US" sz="1800" b="1" dirty="0"/>
-                            <a:t>1.0</a:t>
-                          </a:r>
-                        </a:p>
-                      </a:txBody>
-                      <a:tcPr>
-                        <a:lnL w="12700" cap="flat" cmpd="sng" algn="ctr">
-                          <a:solidFill>
-                            <a:schemeClr val="tx1"/>
-                          </a:solidFill>
-                          <a:prstDash val="solid"/>
-                          <a:round/>
-                          <a:headEnd type="none" w="med" len="med"/>
-                          <a:tailEnd type="none" w="med" len="med"/>
-                        </a:lnL>
-                        <a:lnR w="12700" cap="flat" cmpd="sng" algn="ctr">
-                          <a:solidFill>
-                            <a:schemeClr val="tx1"/>
-                          </a:solidFill>
-                          <a:prstDash val="solid"/>
-                          <a:round/>
-                          <a:headEnd type="none" w="med" len="med"/>
-                          <a:tailEnd type="none" w="med" len="med"/>
-                        </a:lnR>
-                        <a:lnT w="12700" cap="flat" cmpd="sng" algn="ctr">
-                          <a:solidFill>
-                            <a:schemeClr val="tx1"/>
-                          </a:solidFill>
-                          <a:prstDash val="solid"/>
-                          <a:round/>
-                          <a:headEnd type="none" w="med" len="med"/>
-                          <a:tailEnd type="none" w="med" len="med"/>
-                        </a:lnT>
-                        <a:lnB w="12700" cap="flat" cmpd="sng" algn="ctr">
-                          <a:solidFill>
-                            <a:schemeClr val="tx1"/>
-                          </a:solidFill>
-                          <a:prstDash val="solid"/>
-                          <a:round/>
-                          <a:headEnd type="none" w="med" len="med"/>
-                          <a:tailEnd type="none" w="med" len="med"/>
-                        </a:lnB>
-                        <a:lnTlToBr w="12700" cmpd="sng">
-                          <a:noFill/>
-                          <a:prstDash val="solid"/>
-                        </a:lnTlToBr>
-                        <a:lnBlToTr w="12700" cmpd="sng">
-                          <a:noFill/>
-                          <a:prstDash val="solid"/>
-                        </a:lnBlToTr>
-                        <a:solidFill>
-                          <a:schemeClr val="bg1">
-                            <a:lumMod val="95000"/>
-                          </a:schemeClr>
-                        </a:solidFill>
-                      </a:tcPr>
-                    </a:tc>
-                    <a:tc>
-                      <a:txBody>
-                        <a:bodyPr/>
-                        <a:lstStyle/>
-                        <a:p>
-                          <a:pPr algn="ctr"/>
-                          <a:r>
-                            <a:rPr lang="en-US" sz="1800" b="1" dirty="0"/>
-                            <a:t>1.0</a:t>
-                          </a:r>
-                        </a:p>
-                      </a:txBody>
-                      <a:tcPr>
-                        <a:lnL w="12700" cap="flat" cmpd="sng" algn="ctr">
-                          <a:solidFill>
-                            <a:schemeClr val="tx1"/>
-                          </a:solidFill>
-                          <a:prstDash val="solid"/>
-                          <a:round/>
-                          <a:headEnd type="none" w="med" len="med"/>
-                          <a:tailEnd type="none" w="med" len="med"/>
-                        </a:lnL>
-                        <a:lnR w="12700" cap="flat" cmpd="sng" algn="ctr">
-                          <a:solidFill>
-                            <a:schemeClr val="tx1"/>
-                          </a:solidFill>
-                          <a:prstDash val="solid"/>
-                          <a:round/>
-                          <a:headEnd type="none" w="med" len="med"/>
-                          <a:tailEnd type="none" w="med" len="med"/>
-                        </a:lnR>
-                        <a:lnT w="12700" cap="flat" cmpd="sng" algn="ctr">
-                          <a:solidFill>
-                            <a:schemeClr val="tx1"/>
-                          </a:solidFill>
-                          <a:prstDash val="solid"/>
-                          <a:round/>
-                          <a:headEnd type="none" w="med" len="med"/>
-                          <a:tailEnd type="none" w="med" len="med"/>
-                        </a:lnT>
-                        <a:lnB w="12700" cap="flat" cmpd="sng" algn="ctr">
-                          <a:solidFill>
-                            <a:schemeClr val="tx1"/>
-                          </a:solidFill>
-                          <a:prstDash val="solid"/>
-                          <a:round/>
-                          <a:headEnd type="none" w="med" len="med"/>
-                          <a:tailEnd type="none" w="med" len="med"/>
-                        </a:lnB>
-                        <a:lnTlToBr w="12700" cmpd="sng">
-                          <a:noFill/>
-                          <a:prstDash val="solid"/>
-                        </a:lnTlToBr>
-                        <a:lnBlToTr w="12700" cmpd="sng">
-                          <a:noFill/>
-                          <a:prstDash val="solid"/>
-                        </a:lnBlToTr>
-                        <a:solidFill>
-                          <a:schemeClr val="bg1">
-                            <a:lumMod val="95000"/>
-                          </a:schemeClr>
-                        </a:solidFill>
-                      </a:tcPr>
-                    </a:tc>
-                    <a:tc>
-                      <a:txBody>
-                        <a:bodyPr/>
-                        <a:lstStyle/>
-                        <a:p>
-                          <a:pPr algn="ctr"/>
-                          <a:r>
-                            <a:rPr lang="en-US" sz="1800" b="1" dirty="0"/>
-                            <a:t>1.0</a:t>
-                          </a:r>
-                        </a:p>
-                      </a:txBody>
-                      <a:tcPr>
-                        <a:lnL w="12700" cap="flat" cmpd="sng" algn="ctr">
-                          <a:solidFill>
-                            <a:schemeClr val="tx1"/>
-                          </a:solidFill>
-                          <a:prstDash val="solid"/>
-                          <a:round/>
-                          <a:headEnd type="none" w="med" len="med"/>
-                          <a:tailEnd type="none" w="med" len="med"/>
-                        </a:lnL>
-                        <a:lnR w="12700" cap="flat" cmpd="sng" algn="ctr">
-                          <a:solidFill>
-                            <a:schemeClr val="tx1"/>
-                          </a:solidFill>
-                          <a:prstDash val="solid"/>
-                          <a:round/>
-                          <a:headEnd type="none" w="med" len="med"/>
-                          <a:tailEnd type="none" w="med" len="med"/>
-                        </a:lnR>
-                        <a:lnT w="12700" cap="flat" cmpd="sng" algn="ctr">
-                          <a:solidFill>
-                            <a:schemeClr val="tx1"/>
-                          </a:solidFill>
-                          <a:prstDash val="solid"/>
-                          <a:round/>
-                          <a:headEnd type="none" w="med" len="med"/>
-                          <a:tailEnd type="none" w="med" len="med"/>
-                        </a:lnT>
-                        <a:lnB w="12700" cap="flat" cmpd="sng" algn="ctr">
-                          <a:solidFill>
-                            <a:schemeClr val="tx1"/>
-                          </a:solidFill>
-                          <a:prstDash val="solid"/>
-                          <a:round/>
-                          <a:headEnd type="none" w="med" len="med"/>
-                          <a:tailEnd type="none" w="med" len="med"/>
-                        </a:lnB>
-                        <a:lnTlToBr w="12700" cmpd="sng">
-                          <a:noFill/>
-                          <a:prstDash val="solid"/>
-                        </a:lnTlToBr>
-                        <a:lnBlToTr w="12700" cmpd="sng">
-                          <a:noFill/>
-                          <a:prstDash val="solid"/>
-                        </a:lnBlToTr>
-                        <a:solidFill>
-                          <a:schemeClr val="bg1">
-                            <a:lumMod val="95000"/>
-                          </a:schemeClr>
-                        </a:solidFill>
-                      </a:tcPr>
-                    </a:tc>
-                    <a:extLst>
-                      <a:ext uri="{0D108BD9-81ED-4DB2-BD59-A6C34878D82A}">
-                        <a16:rowId xmlns:a16="http://schemas.microsoft.com/office/drawing/2014/main" val="2870118069"/>
                       </a:ext>
                     </a:extLst>
                   </a:tr>
@@ -22432,7 +22524,7 @@
             <p:spPr bwMode="gray">
               <a:xfrm>
                 <a:off x="4366330" y="830716"/>
-                <a:ext cx="6715885" cy="1355336"/>
+                <a:ext cx="7159585" cy="813025"/>
               </a:xfrm>
               <a:prstGeom prst="rect">
                 <a:avLst/>
@@ -22459,7 +22551,7 @@
                 </a:pPr>
                 <a:r>
                   <a:rPr lang="en-US" sz="2000" b="1" u="sng" dirty="0"/>
-                  <a:t>Markov matrix</a:t>
+                  <a:t>Transition Rate Matrix</a:t>
                 </a:r>
                 <a:r>
                   <a:rPr lang="en-US" sz="2000" b="1" dirty="0"/>
@@ -22468,34 +22560,14 @@
                 <a14:m>
                   <m:oMath xmlns:m="http://schemas.openxmlformats.org/officeDocument/2006/math">
                     <m:r>
-                      <a:rPr lang="en-US" sz="2400" b="1" i="1" smtClean="0">
+                      <a:rPr lang="en-US" sz="2000" b="1" i="1" smtClean="0">
                         <a:latin typeface="Cambria Math" panose="02040503050406030204" pitchFamily="18" charset="0"/>
                       </a:rPr>
-                      <m:t>𝑴</m:t>
+                      <m:t>𝑹</m:t>
                     </m:r>
                   </m:oMath>
                 </a14:m>
                 <a:endParaRPr lang="en-US" sz="2000" b="1" dirty="0"/>
-              </a:p>
-              <a:p>
-                <a:pPr>
-                  <a:spcBef>
-                    <a:spcPts val="300"/>
-                  </a:spcBef>
-                  <a:spcAft>
-                    <a:spcPts val="300"/>
-                  </a:spcAft>
-                  <a:buClr>
-                    <a:schemeClr val="accent1"/>
-                  </a:buClr>
-                  <a:buSzPct val="90000"/>
-                </a:pPr>
-                <a:r>
-                  <a:rPr lang="en-US" dirty="0">
-                    <a:latin typeface="+mj-lt"/>
-                  </a:rPr>
-                  <a:t>Also called stochastic matrix or transition matrix)</a:t>
-                </a:r>
               </a:p>
               <a:p>
                 <a:pPr algn="l"/>
@@ -22508,7 +22580,7 @@
                         </a:solidFill>
                         <a:latin typeface="Cambria Math" panose="02040503050406030204" pitchFamily="18" charset="0"/>
                       </a:rPr>
-                      <m:t>𝑀</m:t>
+                      <m:t>𝑅</m:t>
                     </m:r>
                   </m:oMath>
                 </a14:m>
@@ -22537,67 +22609,33 @@
                     </a:solidFill>
                     <a:latin typeface="+mj-lt"/>
                   </a:rPr>
-                  <a:t>whose columns are vectors of density</a:t>
+                  <a:t>whose columns are vectors of </a:t>
                 </a:r>
+                <a14:m>
+                  <m:oMath xmlns:m="http://schemas.openxmlformats.org/officeDocument/2006/math">
+                    <m:r>
+                      <a:rPr lang="en-US" sz="1600" b="0" i="1" dirty="0" smtClean="0">
+                        <a:latin typeface="Cambria Math" panose="02040503050406030204" pitchFamily="18" charset="0"/>
+                      </a:rPr>
+                      <m:t>𝜆</m:t>
+                    </m:r>
+                  </m:oMath>
+                </a14:m>
                 <a:r>
-                  <a:rPr lang="en-US" sz="1600" b="0" i="0" u="none" strike="noStrike" dirty="0">
+                  <a:rPr lang="en-US" sz="1600" dirty="0">
                     <a:solidFill>
                       <a:srgbClr val="000000"/>
                     </a:solidFill>
                     <a:latin typeface="+mj-lt"/>
                   </a:rPr>
-                  <a:t> functions </a:t>
+                  <a:t> rates</a:t>
                 </a:r>
-                <a14:m>
-                  <m:oMath xmlns:m="http://schemas.openxmlformats.org/officeDocument/2006/math">
-                    <m:acc>
-                      <m:accPr>
-                        <m:chr m:val="⃗"/>
-                        <m:ctrlPr>
-                          <a:rPr lang="en-US" sz="2000" b="0" i="1" u="none" strike="noStrike" baseline="0" smtClean="0">
-                            <a:latin typeface="Cambria Math" panose="02040503050406030204" pitchFamily="18" charset="0"/>
-                          </a:rPr>
-                        </m:ctrlPr>
-                      </m:accPr>
-                      <m:e>
-                        <m:sSub>
-                          <m:sSubPr>
-                            <m:ctrlPr>
-                              <a:rPr lang="pt-BR" sz="2000" b="0" i="1" u="none" strike="noStrike" baseline="0" smtClean="0">
-                                <a:latin typeface="Cambria Math" panose="02040503050406030204" pitchFamily="18" charset="0"/>
-                              </a:rPr>
-                            </m:ctrlPr>
-                          </m:sSubPr>
-                          <m:e>
-                            <m:r>
-                              <a:rPr lang="pt-BR" sz="2000" b="0" i="1" u="none" strike="noStrike" baseline="0" smtClean="0">
-                                <a:latin typeface="Cambria Math" panose="02040503050406030204" pitchFamily="18" charset="0"/>
-                              </a:rPr>
-                              <m:t>𝑥</m:t>
-                            </m:r>
-                          </m:e>
-                          <m:sub>
-                            <m:r>
-                              <a:rPr lang="pt-BR" sz="2000" b="0" i="1" u="none" strike="noStrike" baseline="0" smtClean="0">
-                                <a:latin typeface="Cambria Math" panose="02040503050406030204" pitchFamily="18" charset="0"/>
-                              </a:rPr>
-                              <m:t>𝑡</m:t>
-                            </m:r>
-                          </m:sub>
-                        </m:sSub>
-                      </m:e>
-                    </m:acc>
-                  </m:oMath>
-                </a14:m>
-                <a:r>
-                  <a:rPr lang="en-US" sz="1600" b="0" i="0" u="none" strike="noStrike" baseline="0" dirty="0">
-                    <a:solidFill>
-                      <a:srgbClr val="000000"/>
-                    </a:solidFill>
-                    <a:latin typeface="+mj-lt"/>
-                  </a:rPr>
-                  <a:t>.</a:t>
-                </a:r>
+                <a:endParaRPr lang="en-US" sz="1600" b="0" i="0" u="none" strike="noStrike" baseline="0" dirty="0">
+                  <a:solidFill>
+                    <a:srgbClr val="000000"/>
+                  </a:solidFill>
+                  <a:latin typeface="+mj-lt"/>
+                </a:endParaRPr>
               </a:p>
             </p:txBody>
           </p:sp>
@@ -22620,7 +22658,7 @@
             <p:spPr bwMode="gray">
               <a:xfrm>
                 <a:off x="4366330" y="830716"/>
-                <a:ext cx="6715885" cy="1355336"/>
+                <a:ext cx="7159585" cy="813025"/>
               </a:xfrm>
               <a:prstGeom prst="rect">
                 <a:avLst/>
@@ -22628,7 +22666,7 @@
               <a:blipFill>
                 <a:blip r:embed="rId9"/>
                 <a:stretch>
-                  <a:fillRect l="-2269" t="-2242" b="-3587"/>
+                  <a:fillRect l="-2128" t="-9701"/>
                 </a:stretch>
               </a:blipFill>
             </p:spPr>
@@ -22647,74 +22685,6 @@
           </p:sp>
         </mc:Fallback>
       </mc:AlternateContent>
-      <p:sp>
-        <p:nvSpPr>
-          <p:cNvPr id="2" name="Rectangle 1">
-            <a:extLst>
-              <a:ext uri="{FF2B5EF4-FFF2-40B4-BE49-F238E27FC236}">
-                <a16:creationId xmlns:a16="http://schemas.microsoft.com/office/drawing/2014/main" id="{4775E7A1-398C-4B8C-87C2-B91839BAEC66}"/>
-              </a:ext>
-            </a:extLst>
-          </p:cNvPr>
-          <p:cNvSpPr/>
-          <p:nvPr/>
-        </p:nvSpPr>
-        <p:spPr bwMode="gray">
-          <a:xfrm>
-            <a:off x="9724800" y="2449662"/>
-            <a:ext cx="1004758" cy="4164985"/>
-          </a:xfrm>
-          <a:prstGeom prst="rect">
-            <a:avLst/>
-          </a:prstGeom>
-          <a:noFill/>
-          <a:ln>
-            <a:solidFill>
-              <a:schemeClr val="accent1"/>
-            </a:solidFill>
-          </a:ln>
-        </p:spPr>
-        <p:style>
-          <a:lnRef idx="2">
-            <a:schemeClr val="accent1">
-              <a:shade val="50000"/>
-            </a:schemeClr>
-          </a:lnRef>
-          <a:fillRef idx="1">
-            <a:schemeClr val="accent1"/>
-          </a:fillRef>
-          <a:effectRef idx="0">
-            <a:schemeClr val="accent1"/>
-          </a:effectRef>
-          <a:fontRef idx="minor">
-            <a:schemeClr val="lt1"/>
-          </a:fontRef>
-        </p:style>
-        <p:txBody>
-          <a:bodyPr rot="0" spcFirstLastPara="0" vertOverflow="overflow" horzOverflow="overflow" vert="horz" wrap="square" lIns="108000" tIns="72000" rIns="108000" bIns="72000" numCol="1" spcCol="0" rtlCol="0" fromWordArt="0" anchor="ctr" anchorCtr="0" forceAA="0" compatLnSpc="1">
-            <a:prstTxWarp prst="textNoShape">
-              <a:avLst/>
-            </a:prstTxWarp>
-            <a:noAutofit/>
-          </a:bodyPr>
-          <a:lstStyle/>
-          <a:p>
-            <a:pPr algn="ctr">
-              <a:spcBef>
-                <a:spcPts val="300"/>
-              </a:spcBef>
-              <a:spcAft>
-                <a:spcPts val="300"/>
-              </a:spcAft>
-            </a:pPr>
-            <a:endParaRPr lang="en-US" sz="1200" b="1" dirty="0" err="1">
-              <a:solidFill>
-                <a:schemeClr val="bg1"/>
-              </a:solidFill>
-            </a:endParaRPr>
-          </a:p>
-        </p:txBody>
-      </p:sp>
       <p:sp>
         <p:nvSpPr>
           <p:cNvPr id="134" name="TextBox 133">
@@ -22776,7 +22746,7 @@
         </p:nvSpPr>
         <p:spPr bwMode="gray">
           <a:xfrm>
-            <a:off x="6509201" y="2283253"/>
+            <a:off x="6566096" y="1579411"/>
             <a:ext cx="2046948" cy="389992"/>
           </a:xfrm>
           <a:prstGeom prst="rect">
@@ -22823,7 +22793,7 @@
         </p:nvSpPr>
         <p:spPr bwMode="gray">
           <a:xfrm rot="16200000">
-            <a:off x="3245329" y="4482481"/>
+            <a:off x="3302224" y="3778639"/>
             <a:ext cx="1792192" cy="295739"/>
           </a:xfrm>
           <a:prstGeom prst="rect">
@@ -22909,10 +22879,10 @@
         <mc:Choice xmlns:a14="http://schemas.microsoft.com/office/drawing/2010/main" Requires="a14">
           <p:sp>
             <p:nvSpPr>
-              <p:cNvPr id="34" name="TextBox 33">
+              <p:cNvPr id="39" name="TextBox 38">
                 <a:extLst>
                   <a:ext uri="{FF2B5EF4-FFF2-40B4-BE49-F238E27FC236}">
-                    <a16:creationId xmlns:a16="http://schemas.microsoft.com/office/drawing/2014/main" id="{036D07EB-4D36-4E08-A01D-A10CC9730A53}"/>
+                    <a16:creationId xmlns:a16="http://schemas.microsoft.com/office/drawing/2014/main" id="{12050619-0D3A-49EE-9697-A1E18D58C382}"/>
                   </a:ext>
                 </a:extLst>
               </p:cNvPr>
@@ -22921,8 +22891,8 @@
             </p:nvSpPr>
             <p:spPr bwMode="gray">
               <a:xfrm>
-                <a:off x="10729553" y="2266182"/>
-                <a:ext cx="490382" cy="461665"/>
+                <a:off x="1759582" y="901523"/>
+                <a:ext cx="947125" cy="369332"/>
               </a:xfrm>
               <a:prstGeom prst="rect">
                 <a:avLst/>
@@ -22942,47 +22912,62 @@
                       <m:jc m:val="centerGroup"/>
                     </m:oMathParaPr>
                     <m:oMath xmlns:m="http://schemas.openxmlformats.org/officeDocument/2006/math">
-                      <m:acc>
-                        <m:accPr>
-                          <m:chr m:val="⃗"/>
+                      <m:sSub>
+                        <m:sSubPr>
                           <m:ctrlPr>
-                            <a:rPr lang="en-US" sz="2400" b="0" i="1" u="none" strike="noStrike" baseline="0" smtClean="0">
+                            <a:rPr lang="en-US" sz="1800" b="0" i="1" dirty="0" smtClean="0">
                               <a:latin typeface="Cambria Math" panose="02040503050406030204" pitchFamily="18" charset="0"/>
                             </a:rPr>
                           </m:ctrlPr>
-                        </m:accPr>
+                        </m:sSubPr>
                         <m:e>
-                          <m:sSub>
-                            <m:sSubPr>
-                              <m:ctrlPr>
-                                <a:rPr lang="pt-BR" sz="2400" b="0" i="1" u="none" strike="noStrike" baseline="0" smtClean="0">
-                                  <a:latin typeface="Cambria Math" panose="02040503050406030204" pitchFamily="18" charset="0"/>
-                                </a:rPr>
-                              </m:ctrlPr>
-                            </m:sSubPr>
-                            <m:e>
-                              <m:r>
-                                <a:rPr lang="pt-BR" sz="2400" b="0" i="1" u="none" strike="noStrike" baseline="0" smtClean="0">
-                                  <a:latin typeface="Cambria Math" panose="02040503050406030204" pitchFamily="18" charset="0"/>
-                                </a:rPr>
-                                <m:t>𝑥</m:t>
-                              </m:r>
-                            </m:e>
-                            <m:sub>
-                              <m:r>
-                                <a:rPr lang="pt-BR" sz="2400" b="0" i="1" u="none" strike="noStrike" baseline="0" smtClean="0">
-                                  <a:latin typeface="Cambria Math" panose="02040503050406030204" pitchFamily="18" charset="0"/>
-                                </a:rPr>
-                                <m:t>𝑡</m:t>
-                              </m:r>
-                            </m:sub>
-                          </m:sSub>
+                          <m:r>
+                            <m:rPr>
+                              <m:lit/>
+                            </m:rPr>
+                            <a:rPr lang="en-US" sz="1800" b="0" i="1" dirty="0" smtClean="0">
+                              <a:latin typeface="Cambria Math" panose="02040503050406030204" pitchFamily="18" charset="0"/>
+                            </a:rPr>
+                            <m:t> </m:t>
+                          </m:r>
+                          <m:r>
+                            <a:rPr lang="en-US" sz="1800" b="0" i="1" dirty="0" smtClean="0">
+                              <a:latin typeface="Cambria Math" panose="02040503050406030204" pitchFamily="18" charset="0"/>
+                            </a:rPr>
+                            <m:t>𝜆</m:t>
+                          </m:r>
                         </m:e>
-                      </m:acc>
+                        <m:sub>
+                          <m:r>
+                            <a:rPr lang="en-US" sz="1800" b="0" i="1" dirty="0" smtClean="0">
+                              <a:latin typeface="Cambria Math" panose="02040503050406030204" pitchFamily="18" charset="0"/>
+                            </a:rPr>
+                            <m:t>𝑜</m:t>
+                          </m:r>
+                          <m:r>
+                            <a:rPr lang="en-US" sz="1800" i="1" dirty="0" smtClean="0">
+                              <a:latin typeface="Cambria Math" panose="02040503050406030204" pitchFamily="18" charset="0"/>
+                            </a:rPr>
+                            <m:t>1</m:t>
+                          </m:r>
+                          <m:r>
+                            <a:rPr lang="en-US" sz="1800" b="0" i="1" dirty="0" smtClean="0">
+                              <a:latin typeface="Cambria Math" panose="02040503050406030204" pitchFamily="18" charset="0"/>
+                            </a:rPr>
+                            <m:t>𝑑</m:t>
+                          </m:r>
+                          <m:r>
+                            <a:rPr lang="en-US" sz="1800" i="1" dirty="0" smtClean="0">
+                              <a:latin typeface="Cambria Math" panose="02040503050406030204" pitchFamily="18" charset="0"/>
+                            </a:rPr>
+                            <m:t>1</m:t>
+                          </m:r>
+                        </m:sub>
+                      </m:sSub>
                     </m:oMath>
                   </m:oMathPara>
                 </a14:m>
-                <a:endParaRPr lang="en-US" sz="2400" dirty="0"/>
+                <a:endParaRPr lang="en-US" dirty="0"/>
               </a:p>
             </p:txBody>
           </p:sp>
@@ -22990,10 +22975,10 @@
         <mc:Fallback>
           <p:sp>
             <p:nvSpPr>
-              <p:cNvPr id="34" name="TextBox 33">
+              <p:cNvPr id="39" name="TextBox 38">
                 <a:extLst>
                   <a:ext uri="{FF2B5EF4-FFF2-40B4-BE49-F238E27FC236}">
-                    <a16:creationId xmlns:a16="http://schemas.microsoft.com/office/drawing/2014/main" id="{036D07EB-4D36-4E08-A01D-A10CC9730A53}"/>
+                    <a16:creationId xmlns:a16="http://schemas.microsoft.com/office/drawing/2014/main" id="{12050619-0D3A-49EE-9697-A1E18D58C382}"/>
                   </a:ext>
                 </a:extLst>
               </p:cNvPr>
@@ -23004,8 +22989,8 @@
             </p:nvSpPr>
             <p:spPr bwMode="gray">
               <a:xfrm>
-                <a:off x="10729553" y="2266182"/>
-                <a:ext cx="490382" cy="461665"/>
+                <a:off x="1759582" y="901523"/>
+                <a:ext cx="947125" cy="369332"/>
               </a:xfrm>
               <a:prstGeom prst="rect">
                 <a:avLst/>
@@ -23013,7 +22998,7 @@
               <a:blipFill>
                 <a:blip r:embed="rId10"/>
                 <a:stretch>
-                  <a:fillRect b="-4000"/>
+                  <a:fillRect b="-3333"/>
                 </a:stretch>
               </a:blipFill>
             </p:spPr>
@@ -23032,130 +23017,14 @@
           </p:sp>
         </mc:Fallback>
       </mc:AlternateContent>
-      <p:sp>
-        <p:nvSpPr>
-          <p:cNvPr id="35" name="Rectangle 34">
-            <a:extLst>
-              <a:ext uri="{FF2B5EF4-FFF2-40B4-BE49-F238E27FC236}">
-                <a16:creationId xmlns:a16="http://schemas.microsoft.com/office/drawing/2014/main" id="{9E92BB98-9981-4339-B1EE-2389EDED0BDF}"/>
-              </a:ext>
-            </a:extLst>
-          </p:cNvPr>
-          <p:cNvSpPr/>
-          <p:nvPr/>
-        </p:nvSpPr>
-        <p:spPr bwMode="gray">
-          <a:xfrm>
-            <a:off x="6105323" y="3035849"/>
-            <a:ext cx="1126862" cy="553816"/>
-          </a:xfrm>
-          <a:prstGeom prst="rect">
-            <a:avLst/>
-          </a:prstGeom>
-          <a:noFill/>
-          <a:ln>
-            <a:solidFill>
-              <a:schemeClr val="accent1"/>
-            </a:solidFill>
-          </a:ln>
-        </p:spPr>
-        <p:style>
-          <a:lnRef idx="2">
-            <a:schemeClr val="accent1">
-              <a:shade val="50000"/>
-            </a:schemeClr>
-          </a:lnRef>
-          <a:fillRef idx="1">
-            <a:schemeClr val="accent1"/>
-          </a:fillRef>
-          <a:effectRef idx="0">
-            <a:schemeClr val="accent1"/>
-          </a:effectRef>
-          <a:fontRef idx="minor">
-            <a:schemeClr val="lt1"/>
-          </a:fontRef>
-        </p:style>
-        <p:txBody>
-          <a:bodyPr rot="0" spcFirstLastPara="0" vertOverflow="overflow" horzOverflow="overflow" vert="horz" wrap="square" lIns="108000" tIns="72000" rIns="108000" bIns="72000" numCol="1" spcCol="0" rtlCol="0" fromWordArt="0" anchor="ctr" anchorCtr="0" forceAA="0" compatLnSpc="1">
-            <a:prstTxWarp prst="textNoShape">
-              <a:avLst/>
-            </a:prstTxWarp>
-            <a:noAutofit/>
-          </a:bodyPr>
-          <a:lstStyle/>
-          <a:p>
-            <a:pPr algn="ctr">
-              <a:spcBef>
-                <a:spcPts val="300"/>
-              </a:spcBef>
-              <a:spcAft>
-                <a:spcPts val="300"/>
-              </a:spcAft>
-            </a:pPr>
-            <a:endParaRPr lang="en-US" sz="1200" b="1" dirty="0" err="1">
-              <a:solidFill>
-                <a:schemeClr val="bg1"/>
-              </a:solidFill>
-            </a:endParaRPr>
-          </a:p>
-        </p:txBody>
-      </p:sp>
-      <p:cxnSp>
-        <p:nvCxnSpPr>
-          <p:cNvPr id="9" name="Connector: Elbow 8">
-            <a:extLst>
-              <a:ext uri="{FF2B5EF4-FFF2-40B4-BE49-F238E27FC236}">
-                <a16:creationId xmlns:a16="http://schemas.microsoft.com/office/drawing/2014/main" id="{70FBB2D9-77AD-4D1F-A613-D7761893CC56}"/>
-              </a:ext>
-            </a:extLst>
-          </p:cNvPr>
-          <p:cNvCxnSpPr>
-            <a:cxnSpLocks/>
-            <a:stCxn id="35" idx="3"/>
-            <a:endCxn id="10" idx="1"/>
-          </p:cNvCxnSpPr>
-          <p:nvPr/>
-        </p:nvCxnSpPr>
-        <p:spPr bwMode="gray">
-          <a:xfrm flipV="1">
-            <a:off x="7232185" y="2016786"/>
-            <a:ext cx="602672" cy="1295971"/>
-          </a:xfrm>
-          <a:prstGeom prst="bentConnector3">
-            <a:avLst>
-              <a:gd name="adj1" fmla="val 50000"/>
-            </a:avLst>
-          </a:prstGeom>
-          <a:ln>
-            <a:solidFill>
-              <a:schemeClr val="accent1"/>
-            </a:solidFill>
-            <a:tailEnd type="triangle"/>
-          </a:ln>
-        </p:spPr>
-        <p:style>
-          <a:lnRef idx="1">
-            <a:schemeClr val="accent1"/>
-          </a:lnRef>
-          <a:fillRef idx="0">
-            <a:schemeClr val="accent1"/>
-          </a:fillRef>
-          <a:effectRef idx="0">
-            <a:schemeClr val="accent1"/>
-          </a:effectRef>
-          <a:fontRef idx="minor">
-            <a:schemeClr val="tx1"/>
-          </a:fontRef>
-        </p:style>
-      </p:cxnSp>
       <mc:AlternateContent xmlns:mc="http://schemas.openxmlformats.org/markup-compatibility/2006">
         <mc:Choice xmlns:a14="http://schemas.microsoft.com/office/drawing/2010/main" Requires="a14">
           <p:sp>
             <p:nvSpPr>
-              <p:cNvPr id="10" name="TextBox 9">
+              <p:cNvPr id="40" name="TextBox 39">
                 <a:extLst>
                   <a:ext uri="{FF2B5EF4-FFF2-40B4-BE49-F238E27FC236}">
-                    <a16:creationId xmlns:a16="http://schemas.microsoft.com/office/drawing/2014/main" id="{4EC30ED6-28C9-404E-9E6D-FF7C822FAFE9}"/>
+                    <a16:creationId xmlns:a16="http://schemas.microsoft.com/office/drawing/2014/main" id="{D3B0BB19-D3F1-4FEC-8035-D89A575EECF0}"/>
                   </a:ext>
                 </a:extLst>
               </p:cNvPr>
@@ -23164,8 +23033,8 @@
             </p:nvSpPr>
             <p:spPr bwMode="gray">
               <a:xfrm>
-                <a:off x="7834857" y="1824648"/>
-                <a:ext cx="3625826" cy="384276"/>
+                <a:off x="599638" y="2529554"/>
+                <a:ext cx="1059600" cy="369332"/>
               </a:xfrm>
               <a:prstGeom prst="rect">
                 <a:avLst/>
@@ -23173,79 +23042,81 @@
               <a:noFill/>
             </p:spPr>
             <p:txBody>
-              <a:bodyPr wrap="none" lIns="0" tIns="0" rIns="0" bIns="0" rtlCol="0">
-                <a:noAutofit/>
+              <a:bodyPr wrap="square">
+                <a:spAutoFit/>
               </a:bodyPr>
               <a:lstStyle/>
               <a:p>
-                <a:pPr>
+                <a:pPr marL="0" marR="0" lvl="0" indent="0" algn="ctr" defTabSz="1219170" rtl="0" eaLnBrk="1" fontAlgn="auto" latinLnBrk="0" hangingPunct="1">
+                  <a:lnSpc>
+                    <a:spcPct val="100000"/>
+                  </a:lnSpc>
                   <a:spcBef>
-                    <a:spcPts val="300"/>
+                    <a:spcPts val="0"/>
                   </a:spcBef>
                   <a:spcAft>
-                    <a:spcPts val="300"/>
+                    <a:spcPts val="0"/>
                   </a:spcAft>
-                  <a:buClr>
-                    <a:schemeClr val="accent1"/>
-                  </a:buClr>
-                  <a:buSzPct val="90000"/>
+                  <a:buClrTx/>
+                  <a:buSzTx/>
+                  <a:buFontTx/>
+                  <a:buNone/>
+                  <a:tabLst/>
+                  <a:defRPr/>
                 </a:pPr>
-                <a:r>
-                  <a:rPr lang="en-US" sz="1400" b="1" dirty="0"/>
-                  <a:t>Sampled from the density function</a:t>
-                </a:r>
-                <a:r>
-                  <a:rPr lang="en-US" sz="2000" b="1" dirty="0"/>
-                  <a:t> </a:t>
-                </a:r>
                 <a14:m>
-                  <m:oMath xmlns:m="http://schemas.openxmlformats.org/officeDocument/2006/math">
-                    <m:sSub>
-                      <m:sSubPr>
-                        <m:ctrlPr>
-                          <a:rPr lang="en-US" sz="2000" b="1" i="1" smtClean="0">
-                            <a:latin typeface="Cambria Math" panose="02040503050406030204" pitchFamily="18" charset="0"/>
-                          </a:rPr>
-                        </m:ctrlPr>
-                      </m:sSubPr>
-                      <m:e>
-                        <m:r>
-                          <a:rPr lang="en-US" sz="2000" b="1" i="1" smtClean="0">
-                            <a:latin typeface="Cambria Math" panose="02040503050406030204" pitchFamily="18" charset="0"/>
-                          </a:rPr>
-                          <m:t>𝑭</m:t>
-                        </m:r>
-                      </m:e>
-                      <m:sub>
-                        <m:r>
-                          <a:rPr lang="en-US" sz="2000" b="1" i="1" smtClean="0">
-                            <a:latin typeface="Cambria Math" panose="02040503050406030204" pitchFamily="18" charset="0"/>
-                          </a:rPr>
-                          <m:t>𝒅</m:t>
-                        </m:r>
-                        <m:r>
-                          <a:rPr lang="en-US" sz="2000" b="1" i="1" smtClean="0">
-                            <a:latin typeface="Cambria Math" panose="02040503050406030204" pitchFamily="18" charset="0"/>
-                          </a:rPr>
-                          <m:t>𝟏</m:t>
-                        </m:r>
-                        <m:r>
-                          <a:rPr lang="en-US" sz="2000" b="1" i="1" smtClean="0">
-                            <a:latin typeface="Cambria Math" panose="02040503050406030204" pitchFamily="18" charset="0"/>
-                          </a:rPr>
-                          <m:t>𝒐</m:t>
-                        </m:r>
-                        <m:r>
-                          <a:rPr lang="en-US" sz="2000" b="1" i="1" smtClean="0">
-                            <a:latin typeface="Cambria Math" panose="02040503050406030204" pitchFamily="18" charset="0"/>
-                          </a:rPr>
-                          <m:t>𝟏</m:t>
-                        </m:r>
-                      </m:sub>
-                    </m:sSub>
-                  </m:oMath>
+                  <m:oMathPara xmlns:m="http://schemas.openxmlformats.org/officeDocument/2006/math">
+                    <m:oMathParaPr>
+                      <m:jc m:val="centerGroup"/>
+                    </m:oMathParaPr>
+                    <m:oMath xmlns:m="http://schemas.openxmlformats.org/officeDocument/2006/math">
+                      <m:sSub>
+                        <m:sSubPr>
+                          <m:ctrlPr>
+                            <a:rPr lang="en-US" sz="1800" b="0" i="1" dirty="0" smtClean="0">
+                              <a:latin typeface="Cambria Math" panose="02040503050406030204" pitchFamily="18" charset="0"/>
+                            </a:rPr>
+                          </m:ctrlPr>
+                        </m:sSubPr>
+                        <m:e>
+                          <m:r>
+                            <a:rPr lang="en-US" sz="1800" b="0" i="1" dirty="0" smtClean="0">
+                              <a:latin typeface="Cambria Math" panose="02040503050406030204" pitchFamily="18" charset="0"/>
+                            </a:rPr>
+                            <m:t>𝜆</m:t>
+                          </m:r>
+                        </m:e>
+                        <m:sub>
+                          <m:r>
+                            <a:rPr lang="en-US" sz="1800" b="0" i="1" dirty="0" smtClean="0">
+                              <a:latin typeface="Cambria Math" panose="02040503050406030204" pitchFamily="18" charset="0"/>
+                            </a:rPr>
+                            <m:t>𝑜</m:t>
+                          </m:r>
+                          <m:r>
+                            <a:rPr lang="en-US" sz="1800" i="1" dirty="0" smtClean="0">
+                              <a:latin typeface="Cambria Math" panose="02040503050406030204" pitchFamily="18" charset="0"/>
+                            </a:rPr>
+                            <m:t>1</m:t>
+                          </m:r>
+                          <m:r>
+                            <a:rPr lang="en-US" sz="1800" b="0" i="1" dirty="0" smtClean="0">
+                              <a:latin typeface="Cambria Math" panose="02040503050406030204" pitchFamily="18" charset="0"/>
+                            </a:rPr>
+                            <m:t>𝑜</m:t>
+                          </m:r>
+                          <m:r>
+                            <a:rPr lang="en-US" sz="1800" b="0" i="1" dirty="0" smtClean="0">
+                              <a:latin typeface="Cambria Math" panose="02040503050406030204" pitchFamily="18" charset="0"/>
+                            </a:rPr>
+                            <m:t>2</m:t>
+                          </m:r>
+                        </m:sub>
+                      </m:sSub>
+                    </m:oMath>
+                  </m:oMathPara>
                 </a14:m>
-                <a:endParaRPr lang="en-US" sz="1400" b="1" dirty="0" err="1"/>
+                <a:endParaRPr lang="en-US" sz="1800" dirty="0"/>
               </a:p>
             </p:txBody>
           </p:sp>
@@ -23253,10 +23124,10 @@
         <mc:Fallback>
           <p:sp>
             <p:nvSpPr>
-              <p:cNvPr id="10" name="TextBox 9">
+              <p:cNvPr id="40" name="TextBox 39">
                 <a:extLst>
                   <a:ext uri="{FF2B5EF4-FFF2-40B4-BE49-F238E27FC236}">
-                    <a16:creationId xmlns:a16="http://schemas.microsoft.com/office/drawing/2014/main" id="{4EC30ED6-28C9-404E-9E6D-FF7C822FAFE9}"/>
+                    <a16:creationId xmlns:a16="http://schemas.microsoft.com/office/drawing/2014/main" id="{D3B0BB19-D3F1-4FEC-8035-D89A575EECF0}"/>
                   </a:ext>
                 </a:extLst>
               </p:cNvPr>
@@ -23267,8 +23138,8 @@
             </p:nvSpPr>
             <p:spPr bwMode="gray">
               <a:xfrm>
-                <a:off x="7834857" y="1824648"/>
-                <a:ext cx="3625826" cy="384276"/>
+                <a:off x="599638" y="2529554"/>
+                <a:ext cx="1059600" cy="369332"/>
               </a:xfrm>
               <a:prstGeom prst="rect">
                 <a:avLst/>
@@ -23276,7 +23147,156 @@
               <a:blipFill>
                 <a:blip r:embed="rId11"/>
                 <a:stretch>
-                  <a:fillRect l="-3025" r="-16639" b="-3175"/>
+                  <a:fillRect b="-1639"/>
+                </a:stretch>
+              </a:blipFill>
+            </p:spPr>
+            <p:txBody>
+              <a:bodyPr/>
+              <a:lstStyle/>
+              <a:p>
+                <a:r>
+                  <a:rPr lang="en-US">
+                    <a:noFill/>
+                  </a:rPr>
+                  <a:t> </a:t>
+                </a:r>
+              </a:p>
+            </p:txBody>
+          </p:sp>
+        </mc:Fallback>
+      </mc:AlternateContent>
+      <mc:AlternateContent xmlns:mc="http://schemas.openxmlformats.org/markup-compatibility/2006">
+        <mc:Choice xmlns:a14="http://schemas.microsoft.com/office/drawing/2010/main" Requires="a14">
+          <p:sp>
+            <p:nvSpPr>
+              <p:cNvPr id="41" name="TextBox 40">
+                <a:extLst>
+                  <a:ext uri="{FF2B5EF4-FFF2-40B4-BE49-F238E27FC236}">
+                    <a16:creationId xmlns:a16="http://schemas.microsoft.com/office/drawing/2014/main" id="{9C508254-A990-444C-9D54-2DC084E78B49}"/>
+                  </a:ext>
+                </a:extLst>
+              </p:cNvPr>
+              <p:cNvSpPr txBox="1"/>
+              <p:nvPr/>
+            </p:nvSpPr>
+            <p:spPr bwMode="gray">
+              <a:xfrm>
+                <a:off x="55111" y="1895605"/>
+                <a:ext cx="1059600" cy="369332"/>
+              </a:xfrm>
+              <a:prstGeom prst="rect">
+                <a:avLst/>
+              </a:prstGeom>
+              <a:noFill/>
+            </p:spPr>
+            <p:txBody>
+              <a:bodyPr wrap="square">
+                <a:spAutoFit/>
+              </a:bodyPr>
+              <a:lstStyle/>
+              <a:p>
+                <a:pPr marL="0" marR="0" lvl="0" indent="0" algn="ctr" defTabSz="1219170" rtl="0" eaLnBrk="1" fontAlgn="auto" latinLnBrk="0" hangingPunct="1">
+                  <a:lnSpc>
+                    <a:spcPct val="100000"/>
+                  </a:lnSpc>
+                  <a:spcBef>
+                    <a:spcPts val="0"/>
+                  </a:spcBef>
+                  <a:spcAft>
+                    <a:spcPts val="0"/>
+                  </a:spcAft>
+                  <a:buClrTx/>
+                  <a:buSzTx/>
+                  <a:buFontTx/>
+                  <a:buNone/>
+                  <a:tabLst/>
+                  <a:defRPr/>
+                </a:pPr>
+                <a14:m>
+                  <m:oMathPara xmlns:m="http://schemas.openxmlformats.org/officeDocument/2006/math">
+                    <m:oMathParaPr>
+                      <m:jc m:val="centerGroup"/>
+                    </m:oMathParaPr>
+                    <m:oMath xmlns:m="http://schemas.openxmlformats.org/officeDocument/2006/math">
+                      <m:sSub>
+                        <m:sSubPr>
+                          <m:ctrlPr>
+                            <a:rPr lang="en-US" sz="1800" b="0" i="1" dirty="0" smtClean="0">
+                              <a:latin typeface="Cambria Math" panose="02040503050406030204" pitchFamily="18" charset="0"/>
+                            </a:rPr>
+                          </m:ctrlPr>
+                        </m:sSubPr>
+                        <m:e>
+                          <m:r>
+                            <a:rPr lang="en-US" sz="1800" b="0" i="1" dirty="0" smtClean="0">
+                              <a:latin typeface="Cambria Math" panose="02040503050406030204" pitchFamily="18" charset="0"/>
+                            </a:rPr>
+                            <m:t>𝜆</m:t>
+                          </m:r>
+                        </m:e>
+                        <m:sub>
+                          <m:r>
+                            <a:rPr lang="en-US" sz="1800" b="0" i="1" dirty="0" smtClean="0">
+                              <a:latin typeface="Cambria Math" panose="02040503050406030204" pitchFamily="18" charset="0"/>
+                            </a:rPr>
+                            <m:t>𝑜</m:t>
+                          </m:r>
+                          <m:r>
+                            <a:rPr lang="en-US" sz="1800" b="0" i="1" dirty="0" smtClean="0">
+                              <a:latin typeface="Cambria Math" panose="02040503050406030204" pitchFamily="18" charset="0"/>
+                            </a:rPr>
+                            <m:t>2</m:t>
+                          </m:r>
+                          <m:r>
+                            <a:rPr lang="en-US" sz="1800" b="0" i="1" dirty="0" smtClean="0">
+                              <a:latin typeface="Cambria Math" panose="02040503050406030204" pitchFamily="18" charset="0"/>
+                            </a:rPr>
+                            <m:t>𝑜</m:t>
+                          </m:r>
+                          <m:r>
+                            <a:rPr lang="en-US" sz="1800" b="0" i="1" dirty="0" smtClean="0">
+                              <a:latin typeface="Cambria Math" panose="02040503050406030204" pitchFamily="18" charset="0"/>
+                            </a:rPr>
+                            <m:t>1</m:t>
+                          </m:r>
+                        </m:sub>
+                      </m:sSub>
+                    </m:oMath>
+                  </m:oMathPara>
+                </a14:m>
+                <a:endParaRPr lang="en-US" sz="1800" dirty="0"/>
+              </a:p>
+            </p:txBody>
+          </p:sp>
+        </mc:Choice>
+        <mc:Fallback>
+          <p:sp>
+            <p:nvSpPr>
+              <p:cNvPr id="41" name="TextBox 40">
+                <a:extLst>
+                  <a:ext uri="{FF2B5EF4-FFF2-40B4-BE49-F238E27FC236}">
+                    <a16:creationId xmlns:a16="http://schemas.microsoft.com/office/drawing/2014/main" id="{9C508254-A990-444C-9D54-2DC084E78B49}"/>
+                  </a:ext>
+                </a:extLst>
+              </p:cNvPr>
+              <p:cNvSpPr txBox="1">
+                <a:spLocks noRot="1" noChangeAspect="1" noMove="1" noResize="1" noEditPoints="1" noAdjustHandles="1" noChangeArrowheads="1" noChangeShapeType="1" noTextEdit="1"/>
+              </p:cNvSpPr>
+              <p:nvPr/>
+            </p:nvSpPr>
+            <p:spPr bwMode="gray">
+              <a:xfrm>
+                <a:off x="55111" y="1895605"/>
+                <a:ext cx="1059600" cy="369332"/>
+              </a:xfrm>
+              <a:prstGeom prst="rect">
+                <a:avLst/>
+              </a:prstGeom>
+              <a:blipFill>
+                <a:blip r:embed="rId12"/>
+                <a:stretch>
+                  <a:fillRect b="-1639"/>
                 </a:stretch>
               </a:blipFill>
             </p:spPr>
@@ -23311,7 +23331,7 @@
 </p:sld>
 </file>
 
-<file path=ppt/slides/slide6.xml><?xml version="1.0" encoding="utf-8"?>
+<file path=ppt/slides/slide8.xml><?xml version="1.0" encoding="utf-8"?>
 <p:sld xmlns:a="http://schemas.openxmlformats.org/drawingml/2006/main" xmlns:r="http://schemas.openxmlformats.org/officeDocument/2006/relationships" xmlns:p="http://schemas.openxmlformats.org/presentationml/2006/main">
   <p:cSld>
     <p:spTree>
@@ -23389,7 +23409,7 @@
           <a:p>
             <a:fld id="{1915DC07-6425-4740-9695-FB9F2ED48CC1}" type="slidenum">
               <a:rPr lang="en-US" smtClean="0"/>
-              <a:t>6</a:t>
+              <a:t>8</a:t>
             </a:fld>
             <a:endParaRPr lang="en-US"/>
           </a:p>
@@ -33654,981 +33674,6 @@
 </p:sld>
 </file>
 
-<file path=ppt/slides/slide7.xml><?xml version="1.0" encoding="utf-8"?>
-<p:sld xmlns:a="http://schemas.openxmlformats.org/drawingml/2006/main" xmlns:r="http://schemas.openxmlformats.org/officeDocument/2006/relationships" xmlns:p="http://schemas.openxmlformats.org/presentationml/2006/main">
-  <p:cSld>
-    <p:spTree>
-      <p:nvGrpSpPr>
-        <p:cNvPr id="1" name=""/>
-        <p:cNvGrpSpPr/>
-        <p:nvPr/>
-      </p:nvGrpSpPr>
-      <p:grpSpPr>
-        <a:xfrm>
-          <a:off x="0" y="0"/>
-          <a:ext cx="0" cy="0"/>
-          <a:chOff x="0" y="0"/>
-          <a:chExt cx="0" cy="0"/>
-        </a:xfrm>
-      </p:grpSpPr>
-      <p:sp>
-        <p:nvSpPr>
-          <p:cNvPr id="2" name="Text Placeholder 1">
-            <a:extLst>
-              <a:ext uri="{FF2B5EF4-FFF2-40B4-BE49-F238E27FC236}">
-                <a16:creationId xmlns:a16="http://schemas.microsoft.com/office/drawing/2014/main" id="{9EC535CA-8467-4CEA-9F4D-9653547C4D44}"/>
-              </a:ext>
-            </a:extLst>
-          </p:cNvPr>
-          <p:cNvSpPr>
-            <a:spLocks noGrp="1"/>
-          </p:cNvSpPr>
-          <p:nvPr>
-            <p:ph type="body" sz="quarter" idx="13"/>
-          </p:nvPr>
-        </p:nvSpPr>
-        <p:spPr>
-          <a:xfrm>
-            <a:off x="478369" y="1225486"/>
-            <a:ext cx="11474451" cy="4938788"/>
-          </a:xfrm>
-        </p:spPr>
-        <p:txBody>
-          <a:bodyPr/>
-          <a:lstStyle/>
-          <a:p>
-            <a:pPr marL="457200" indent="-457200">
-              <a:buFont typeface="+mj-lt"/>
-              <a:buAutoNum type="arabicPeriod"/>
-            </a:pPr>
-            <a:r>
-              <a:rPr lang="en-US" dirty="0"/>
-              <a:t>Execute your RL environment and for each transition obtain the time since the execution started (initial timestamp minus current time). </a:t>
-            </a:r>
-          </a:p>
-          <a:p>
-            <a:pPr lvl="1"/>
-            <a:r>
-              <a:rPr lang="en-US" dirty="0"/>
-              <a:t>Each tuple is composed by the transition type, transition order, timestamp.</a:t>
-            </a:r>
-          </a:p>
-          <a:p>
-            <a:pPr lvl="1"/>
-            <a:r>
-              <a:rPr lang="en-US" u="sng" dirty="0"/>
-              <a:t>Example</a:t>
-            </a:r>
-            <a:r>
-              <a:rPr lang="en-US" dirty="0"/>
-              <a:t>: https://colab.research.google.com/github/hpi-sam/MarkovModels_Lecture/blob/main/CTMC_Transition_Timestamps.ipynb</a:t>
-            </a:r>
-          </a:p>
-          <a:p>
-            <a:pPr lvl="1"/>
-            <a:endParaRPr lang="en-US" dirty="0"/>
-          </a:p>
-          <a:p>
-            <a:pPr marL="457200" indent="-457200">
-              <a:buFont typeface="+mj-lt"/>
-              <a:buAutoNum type="arabicPeriod"/>
-            </a:pPr>
-            <a:r>
-              <a:rPr lang="en-US" dirty="0"/>
-              <a:t>For each episode of your agent, you will generate a sample of the timestamps for each transition.</a:t>
-            </a:r>
-          </a:p>
-          <a:p>
-            <a:pPr marL="457200" indent="-457200">
-              <a:buFont typeface="+mj-lt"/>
-              <a:buAutoNum type="arabicPeriod"/>
-            </a:pPr>
-            <a:endParaRPr lang="en-US" dirty="0"/>
-          </a:p>
-          <a:p>
-            <a:pPr marL="457200" indent="-457200">
-              <a:buFont typeface="+mj-lt"/>
-              <a:buAutoNum type="arabicPeriod"/>
-            </a:pPr>
-            <a:r>
-              <a:rPr lang="en-US" dirty="0"/>
-              <a:t>Aggregate (join) the data from 20 episodes</a:t>
-            </a:r>
-          </a:p>
-          <a:p>
-            <a:endParaRPr lang="en-US" dirty="0"/>
-          </a:p>
-          <a:p>
-            <a:pPr marL="0" indent="0">
-              <a:buNone/>
-            </a:pPr>
-            <a:r>
-              <a:rPr lang="en-US" dirty="0"/>
-              <a:t>This is the data that you will use to fit (learn) the density functions</a:t>
-            </a:r>
-          </a:p>
-        </p:txBody>
-      </p:sp>
-      <p:sp>
-        <p:nvSpPr>
-          <p:cNvPr id="3" name="Title 2">
-            <a:extLst>
-              <a:ext uri="{FF2B5EF4-FFF2-40B4-BE49-F238E27FC236}">
-                <a16:creationId xmlns:a16="http://schemas.microsoft.com/office/drawing/2014/main" id="{5B8E25EF-9265-4737-AF9B-33498A05BEAE}"/>
-              </a:ext>
-            </a:extLst>
-          </p:cNvPr>
-          <p:cNvSpPr>
-            <a:spLocks noGrp="1"/>
-          </p:cNvSpPr>
-          <p:nvPr>
-            <p:ph type="title"/>
-          </p:nvPr>
-        </p:nvSpPr>
-        <p:spPr/>
-        <p:txBody>
-          <a:bodyPr/>
-          <a:lstStyle/>
-          <a:p>
-            <a:r>
-              <a:rPr lang="en-US" dirty="0"/>
-              <a:t>Collecting the data </a:t>
-            </a:r>
-          </a:p>
-        </p:txBody>
-      </p:sp>
-      <p:sp>
-        <p:nvSpPr>
-          <p:cNvPr id="4" name="Slide Number Placeholder 3">
-            <a:extLst>
-              <a:ext uri="{FF2B5EF4-FFF2-40B4-BE49-F238E27FC236}">
-                <a16:creationId xmlns:a16="http://schemas.microsoft.com/office/drawing/2014/main" id="{8158FEB4-A7EF-4FB3-B760-66CE1B98A203}"/>
-              </a:ext>
-            </a:extLst>
-          </p:cNvPr>
-          <p:cNvSpPr>
-            <a:spLocks noGrp="1"/>
-          </p:cNvSpPr>
-          <p:nvPr>
-            <p:ph type="sldNum" sz="quarter" idx="16"/>
-          </p:nvPr>
-        </p:nvSpPr>
-        <p:spPr/>
-        <p:txBody>
-          <a:bodyPr/>
-          <a:lstStyle/>
-          <a:p>
-            <a:fld id="{1915DC07-6425-4740-9695-FB9F2ED48CC1}" type="slidenum">
-              <a:rPr lang="en-US" smtClean="0"/>
-              <a:t>7</a:t>
-            </a:fld>
-            <a:endParaRPr lang="en-US"/>
-          </a:p>
-        </p:txBody>
-      </p:sp>
-    </p:spTree>
-    <p:extLst>
-      <p:ext uri="{BB962C8B-B14F-4D97-AF65-F5344CB8AC3E}">
-        <p14:creationId xmlns:p14="http://schemas.microsoft.com/office/powerpoint/2010/main" val="3662169504"/>
-      </p:ext>
-    </p:extLst>
-  </p:cSld>
-  <p:clrMapOvr>
-    <a:masterClrMapping/>
-  </p:clrMapOvr>
-  <p:transition>
-    <p:fade/>
-  </p:transition>
-</p:sld>
-</file>
-
-<file path=ppt/slides/slide8.xml><?xml version="1.0" encoding="utf-8"?>
-<p:sld xmlns:a="http://schemas.openxmlformats.org/drawingml/2006/main" xmlns:r="http://schemas.openxmlformats.org/officeDocument/2006/relationships" xmlns:p="http://schemas.openxmlformats.org/presentationml/2006/main">
-  <p:cSld>
-    <p:spTree>
-      <p:nvGrpSpPr>
-        <p:cNvPr id="1" name=""/>
-        <p:cNvGrpSpPr/>
-        <p:nvPr/>
-      </p:nvGrpSpPr>
-      <p:grpSpPr>
-        <a:xfrm>
-          <a:off x="0" y="0"/>
-          <a:ext cx="0" cy="0"/>
-          <a:chOff x="0" y="0"/>
-          <a:chExt cx="0" cy="0"/>
-        </a:xfrm>
-      </p:grpSpPr>
-      <mc:AlternateContent xmlns:mc="http://schemas.openxmlformats.org/markup-compatibility/2006">
-        <mc:Choice xmlns:a14="http://schemas.microsoft.com/office/drawing/2010/main" Requires="a14">
-          <p:sp>
-            <p:nvSpPr>
-              <p:cNvPr id="2" name="Text Placeholder 1">
-                <a:extLst>
-                  <a:ext uri="{FF2B5EF4-FFF2-40B4-BE49-F238E27FC236}">
-                    <a16:creationId xmlns:a16="http://schemas.microsoft.com/office/drawing/2014/main" id="{6F29F639-346E-47BA-B904-DE306A90DC86}"/>
-                  </a:ext>
-                </a:extLst>
-              </p:cNvPr>
-              <p:cNvSpPr>
-                <a:spLocks noGrp="1"/>
-              </p:cNvSpPr>
-              <p:nvPr>
-                <p:ph type="body" sz="quarter" idx="13"/>
-              </p:nvPr>
-            </p:nvSpPr>
-            <p:spPr>
-              <a:xfrm>
-                <a:off x="478369" y="899162"/>
-                <a:ext cx="11474451" cy="2689069"/>
-              </a:xfrm>
-            </p:spPr>
-            <p:txBody>
-              <a:bodyPr/>
-              <a:lstStyle/>
-              <a:p>
-                <a:pPr marL="0" indent="0">
-                  <a:lnSpc>
-                    <a:spcPct val="100000"/>
-                  </a:lnSpc>
-                  <a:buNone/>
-                </a:pPr>
-                <a:r>
-                  <a:rPr lang="en-US" sz="1600" dirty="0"/>
-                  <a:t>Exponential Distribution</a:t>
-                </a:r>
-              </a:p>
-              <a:p>
-                <a:pPr marL="0" indent="0">
-                  <a:lnSpc>
-                    <a:spcPct val="100000"/>
-                  </a:lnSpc>
-                  <a:buNone/>
-                </a:pPr>
-                <a:r>
-                  <a:rPr lang="en-US" sz="1400" dirty="0"/>
-                  <a:t>For fitting </a:t>
-                </a:r>
-                <a:r>
-                  <a:rPr lang="en-US" sz="1400" b="0" dirty="0">
-                    <a:ea typeface="Cambria Math" panose="02040503050406030204" pitchFamily="18" charset="0"/>
-                  </a:rPr>
-                  <a:t>:  </a:t>
-                </a:r>
-                <a14:m>
-                  <m:oMath xmlns:m="http://schemas.openxmlformats.org/officeDocument/2006/math">
-                    <m:r>
-                      <a:rPr lang="en-US" sz="1400" i="1">
-                        <a:latin typeface="Cambria Math" panose="02040503050406030204" pitchFamily="18" charset="0"/>
-                        <a:ea typeface="Cambria Math" panose="02040503050406030204" pitchFamily="18" charset="0"/>
-                      </a:rPr>
-                      <m:t>𝐹</m:t>
-                    </m:r>
-                    <m:d>
-                      <m:dPr>
-                        <m:ctrlPr>
-                          <a:rPr lang="en-US" sz="1400" i="1">
-                            <a:latin typeface="Cambria Math" panose="02040503050406030204" pitchFamily="18" charset="0"/>
-                            <a:ea typeface="Cambria Math" panose="02040503050406030204" pitchFamily="18" charset="0"/>
-                          </a:rPr>
-                        </m:ctrlPr>
-                      </m:dPr>
-                      <m:e>
-                        <m:r>
-                          <a:rPr lang="en-US" sz="1400" i="1">
-                            <a:latin typeface="Cambria Math" panose="02040503050406030204" pitchFamily="18" charset="0"/>
-                            <a:ea typeface="Cambria Math" panose="02040503050406030204" pitchFamily="18" charset="0"/>
-                          </a:rPr>
-                          <m:t>𝑥</m:t>
-                        </m:r>
-                      </m:e>
-                    </m:d>
-                    <m:r>
-                      <a:rPr lang="en-US" sz="1400" i="1">
-                        <a:latin typeface="Cambria Math" panose="02040503050406030204" pitchFamily="18" charset="0"/>
-                        <a:ea typeface="Cambria Math" panose="02040503050406030204" pitchFamily="18" charset="0"/>
-                      </a:rPr>
-                      <m:t>=</m:t>
-                    </m:r>
-                    <m:r>
-                      <m:rPr>
-                        <m:sty m:val="p"/>
-                      </m:rPr>
-                      <a:rPr lang="en-US" sz="1400" b="0" i="0" smtClean="0">
-                        <a:latin typeface="Cambria Math" panose="02040503050406030204" pitchFamily="18" charset="0"/>
-                        <a:ea typeface="Cambria Math" panose="02040503050406030204" pitchFamily="18" charset="0"/>
-                      </a:rPr>
-                      <m:t>a</m:t>
-                    </m:r>
-                    <m:r>
-                      <a:rPr lang="en-US" sz="1400" b="0" i="1" smtClean="0">
-                        <a:latin typeface="Cambria Math" panose="02040503050406030204" pitchFamily="18" charset="0"/>
-                        <a:ea typeface="Cambria Math" panose="02040503050406030204" pitchFamily="18" charset="0"/>
-                      </a:rPr>
-                      <m:t>∗</m:t>
-                    </m:r>
-                    <m:func>
-                      <m:funcPr>
-                        <m:ctrlPr>
-                          <a:rPr lang="en-US" sz="1400" b="0" i="1" smtClean="0">
-                            <a:latin typeface="Cambria Math" panose="02040503050406030204" pitchFamily="18" charset="0"/>
-                            <a:ea typeface="Cambria Math" panose="02040503050406030204" pitchFamily="18" charset="0"/>
-                          </a:rPr>
-                        </m:ctrlPr>
-                      </m:funcPr>
-                      <m:fName>
-                        <m:sSup>
-                          <m:sSupPr>
-                            <m:ctrlPr>
-                              <a:rPr lang="en-US" sz="1400" b="0" i="1" smtClean="0">
-                                <a:latin typeface="Cambria Math" panose="02040503050406030204" pitchFamily="18" charset="0"/>
-                                <a:ea typeface="Cambria Math" panose="02040503050406030204" pitchFamily="18" charset="0"/>
-                              </a:rPr>
-                            </m:ctrlPr>
-                          </m:sSupPr>
-                          <m:e>
-                            <m:r>
-                              <m:rPr>
-                                <m:sty m:val="p"/>
-                              </m:rPr>
-                              <a:rPr lang="en-US" sz="1400" b="0" i="0" smtClean="0">
-                                <a:latin typeface="Cambria Math" panose="02040503050406030204" pitchFamily="18" charset="0"/>
-                                <a:ea typeface="Cambria Math" panose="02040503050406030204" pitchFamily="18" charset="0"/>
-                              </a:rPr>
-                              <m:t>exp</m:t>
-                            </m:r>
-                          </m:e>
-                          <m:sup>
-                            <m:r>
-                              <a:rPr lang="en-US" sz="1400" b="0" i="1" smtClean="0">
-                                <a:latin typeface="Cambria Math" panose="02040503050406030204" pitchFamily="18" charset="0"/>
-                                <a:ea typeface="Cambria Math" panose="02040503050406030204" pitchFamily="18" charset="0"/>
-                              </a:rPr>
-                              <m:t>𝑏</m:t>
-                            </m:r>
-                            <m:r>
-                              <a:rPr lang="en-US" sz="1400" b="0" i="1" smtClean="0">
-                                <a:latin typeface="Cambria Math" panose="02040503050406030204" pitchFamily="18" charset="0"/>
-                                <a:ea typeface="Cambria Math" panose="02040503050406030204" pitchFamily="18" charset="0"/>
-                              </a:rPr>
-                              <m:t>∗</m:t>
-                            </m:r>
-                            <m:r>
-                              <a:rPr lang="en-US" sz="1400" b="0" i="1" smtClean="0">
-                                <a:latin typeface="Cambria Math" panose="02040503050406030204" pitchFamily="18" charset="0"/>
-                                <a:ea typeface="Cambria Math" panose="02040503050406030204" pitchFamily="18" charset="0"/>
-                              </a:rPr>
-                              <m:t>𝑥</m:t>
-                            </m:r>
-                          </m:sup>
-                        </m:sSup>
-                      </m:fName>
-                      <m:e>
-                        <m:r>
-                          <a:rPr lang="en-US" sz="1400" b="0" i="1" smtClean="0">
-                            <a:latin typeface="Cambria Math" panose="02040503050406030204" pitchFamily="18" charset="0"/>
-                            <a:ea typeface="Cambria Math" panose="02040503050406030204" pitchFamily="18" charset="0"/>
-                          </a:rPr>
-                          <m:t> </m:t>
-                        </m:r>
-                      </m:e>
-                    </m:func>
-                    <m:r>
-                      <a:rPr lang="en-US" sz="1400" b="0" i="0" smtClean="0">
-                        <a:latin typeface="Cambria Math" panose="02040503050406030204" pitchFamily="18" charset="0"/>
-                        <a:ea typeface="Cambria Math" panose="02040503050406030204" pitchFamily="18" charset="0"/>
-                      </a:rPr>
-                      <m:t> </m:t>
-                    </m:r>
-                  </m:oMath>
-                </a14:m>
-                <a:r>
-                  <a:rPr lang="en-US" sz="1400" b="0" i="0" dirty="0">
-                    <a:latin typeface="Cambria Math" panose="02040503050406030204" pitchFamily="18" charset="0"/>
-                    <a:ea typeface="Cambria Math" panose="02040503050406030204" pitchFamily="18" charset="0"/>
-                  </a:rPr>
-                  <a:t>we can take the log on both sides, which will give us: </a:t>
-                </a:r>
-                <a14:m>
-                  <m:oMath xmlns:m="http://schemas.openxmlformats.org/officeDocument/2006/math">
-                    <m:func>
-                      <m:funcPr>
-                        <m:ctrlPr>
-                          <a:rPr lang="en-US" sz="1400" b="0" i="1" smtClean="0">
-                            <a:latin typeface="Cambria Math" panose="02040503050406030204" pitchFamily="18" charset="0"/>
-                            <a:ea typeface="Cambria Math" panose="02040503050406030204" pitchFamily="18" charset="0"/>
-                          </a:rPr>
-                        </m:ctrlPr>
-                      </m:funcPr>
-                      <m:fName>
-                        <m:r>
-                          <m:rPr>
-                            <m:sty m:val="p"/>
-                          </m:rPr>
-                          <a:rPr lang="en-US" sz="1400" b="0" i="0" smtClean="0">
-                            <a:latin typeface="Cambria Math" panose="02040503050406030204" pitchFamily="18" charset="0"/>
-                            <a:ea typeface="Cambria Math" panose="02040503050406030204" pitchFamily="18" charset="0"/>
-                          </a:rPr>
-                          <m:t>log</m:t>
-                        </m:r>
-                      </m:fName>
-                      <m:e>
-                        <m:d>
-                          <m:dPr>
-                            <m:ctrlPr>
-                              <a:rPr lang="en-US" sz="1400" b="0" i="1" smtClean="0">
-                                <a:latin typeface="Cambria Math" panose="02040503050406030204" pitchFamily="18" charset="0"/>
-                                <a:ea typeface="Cambria Math" panose="02040503050406030204" pitchFamily="18" charset="0"/>
-                              </a:rPr>
-                            </m:ctrlPr>
-                          </m:dPr>
-                          <m:e>
-                            <m:r>
-                              <a:rPr lang="en-US" sz="1400" b="0" i="1" smtClean="0">
-                                <a:latin typeface="Cambria Math" panose="02040503050406030204" pitchFamily="18" charset="0"/>
-                                <a:ea typeface="Cambria Math" panose="02040503050406030204" pitchFamily="18" charset="0"/>
-                              </a:rPr>
-                              <m:t>𝐹</m:t>
-                            </m:r>
-                            <m:d>
-                              <m:dPr>
-                                <m:ctrlPr>
-                                  <a:rPr lang="en-US" sz="1400" b="0" i="1" smtClean="0">
-                                    <a:latin typeface="Cambria Math" panose="02040503050406030204" pitchFamily="18" charset="0"/>
-                                    <a:ea typeface="Cambria Math" panose="02040503050406030204" pitchFamily="18" charset="0"/>
-                                  </a:rPr>
-                                </m:ctrlPr>
-                              </m:dPr>
-                              <m:e>
-                                <m:r>
-                                  <a:rPr lang="en-US" sz="1400" b="0" i="1" smtClean="0">
-                                    <a:latin typeface="Cambria Math" panose="02040503050406030204" pitchFamily="18" charset="0"/>
-                                    <a:ea typeface="Cambria Math" panose="02040503050406030204" pitchFamily="18" charset="0"/>
-                                  </a:rPr>
-                                  <m:t>𝑥</m:t>
-                                </m:r>
-                              </m:e>
-                            </m:d>
-                          </m:e>
-                        </m:d>
-                      </m:e>
-                    </m:func>
-                    <m:r>
-                      <a:rPr lang="en-US" sz="1400" b="0" i="1" smtClean="0">
-                        <a:latin typeface="Cambria Math" panose="02040503050406030204" pitchFamily="18" charset="0"/>
-                        <a:ea typeface="Cambria Math" panose="02040503050406030204" pitchFamily="18" charset="0"/>
-                      </a:rPr>
-                      <m:t>=</m:t>
-                    </m:r>
-                    <m:r>
-                      <a:rPr lang="en-US" sz="1400" b="0" i="1" smtClean="0">
-                        <a:latin typeface="Cambria Math" panose="02040503050406030204" pitchFamily="18" charset="0"/>
-                        <a:ea typeface="Cambria Math" panose="02040503050406030204" pitchFamily="18" charset="0"/>
-                      </a:rPr>
-                      <m:t>𝑎</m:t>
-                    </m:r>
-                    <m:r>
-                      <a:rPr lang="en-US" sz="1400" b="0" i="1" smtClean="0">
-                        <a:latin typeface="Cambria Math" panose="02040503050406030204" pitchFamily="18" charset="0"/>
-                        <a:ea typeface="Cambria Math" panose="02040503050406030204" pitchFamily="18" charset="0"/>
-                      </a:rPr>
-                      <m:t>+</m:t>
-                    </m:r>
-                    <m:r>
-                      <a:rPr lang="en-US" sz="1400" b="0" i="1" smtClean="0">
-                        <a:latin typeface="Cambria Math" panose="02040503050406030204" pitchFamily="18" charset="0"/>
-                        <a:ea typeface="Cambria Math" panose="02040503050406030204" pitchFamily="18" charset="0"/>
-                      </a:rPr>
-                      <m:t>𝑏</m:t>
-                    </m:r>
-                    <m:r>
-                      <a:rPr lang="en-US" sz="1400" b="0" i="1" smtClean="0">
-                        <a:latin typeface="Cambria Math" panose="02040503050406030204" pitchFamily="18" charset="0"/>
-                        <a:ea typeface="Cambria Math" panose="02040503050406030204" pitchFamily="18" charset="0"/>
-                      </a:rPr>
-                      <m:t>∗</m:t>
-                    </m:r>
-                    <m:func>
-                      <m:funcPr>
-                        <m:ctrlPr>
-                          <a:rPr lang="en-US" sz="1400" b="0" i="1" smtClean="0">
-                            <a:latin typeface="Cambria Math" panose="02040503050406030204" pitchFamily="18" charset="0"/>
-                            <a:ea typeface="Cambria Math" panose="02040503050406030204" pitchFamily="18" charset="0"/>
-                          </a:rPr>
-                        </m:ctrlPr>
-                      </m:funcPr>
-                      <m:fName>
-                        <m:r>
-                          <m:rPr>
-                            <m:sty m:val="p"/>
-                          </m:rPr>
-                          <a:rPr lang="en-US" sz="1400" b="0" i="0" smtClean="0">
-                            <a:latin typeface="Cambria Math" panose="02040503050406030204" pitchFamily="18" charset="0"/>
-                            <a:ea typeface="Cambria Math" panose="02040503050406030204" pitchFamily="18" charset="0"/>
-                          </a:rPr>
-                          <m:t>log</m:t>
-                        </m:r>
-                      </m:fName>
-                      <m:e>
-                        <m:d>
-                          <m:dPr>
-                            <m:ctrlPr>
-                              <a:rPr lang="en-US" sz="1400" b="0" i="1" smtClean="0">
-                                <a:latin typeface="Cambria Math" panose="02040503050406030204" pitchFamily="18" charset="0"/>
-                                <a:ea typeface="Cambria Math" panose="02040503050406030204" pitchFamily="18" charset="0"/>
-                              </a:rPr>
-                            </m:ctrlPr>
-                          </m:dPr>
-                          <m:e>
-                            <m:r>
-                              <a:rPr lang="en-US" sz="1400" b="0" i="1" smtClean="0">
-                                <a:latin typeface="Cambria Math" panose="02040503050406030204" pitchFamily="18" charset="0"/>
-                                <a:ea typeface="Cambria Math" panose="02040503050406030204" pitchFamily="18" charset="0"/>
-                              </a:rPr>
-                              <m:t>𝑥</m:t>
-                            </m:r>
-                          </m:e>
-                        </m:d>
-                      </m:e>
-                    </m:func>
-                  </m:oMath>
-                </a14:m>
-                <a:endParaRPr lang="en-US" sz="1400" b="0" i="0" dirty="0">
-                  <a:latin typeface="Cambria Math" panose="02040503050406030204" pitchFamily="18" charset="0"/>
-                  <a:ea typeface="Cambria Math" panose="02040503050406030204" pitchFamily="18" charset="0"/>
-                </a:endParaRPr>
-              </a:p>
-              <a:p>
-                <a:pPr marL="0" indent="0">
-                  <a:lnSpc>
-                    <a:spcPct val="100000"/>
-                  </a:lnSpc>
-                  <a:buNone/>
-                </a:pPr>
-                <a:r>
-                  <a:rPr lang="en-US" sz="1400" dirty="0">
-                    <a:latin typeface="Cambria Math" panose="02040503050406030204" pitchFamily="18" charset="0"/>
-                    <a:ea typeface="Cambria Math" panose="02040503050406030204" pitchFamily="18" charset="0"/>
-                  </a:rPr>
-                  <a:t>Now we fit the </a:t>
-                </a:r>
-                <a14:m>
-                  <m:oMath xmlns:m="http://schemas.openxmlformats.org/officeDocument/2006/math">
-                    <m:func>
-                      <m:funcPr>
-                        <m:ctrlPr>
-                          <a:rPr lang="en-US" sz="1400" b="0" i="1" smtClean="0">
-                            <a:latin typeface="Cambria Math" panose="02040503050406030204" pitchFamily="18" charset="0"/>
-                            <a:ea typeface="Cambria Math" panose="02040503050406030204" pitchFamily="18" charset="0"/>
-                          </a:rPr>
-                        </m:ctrlPr>
-                      </m:funcPr>
-                      <m:fName>
-                        <m:r>
-                          <m:rPr>
-                            <m:sty m:val="p"/>
-                          </m:rPr>
-                          <a:rPr lang="en-US" sz="1400" b="0" i="0" smtClean="0">
-                            <a:latin typeface="Cambria Math" panose="02040503050406030204" pitchFamily="18" charset="0"/>
-                            <a:ea typeface="Cambria Math" panose="02040503050406030204" pitchFamily="18" charset="0"/>
-                          </a:rPr>
-                          <m:t>log</m:t>
-                        </m:r>
-                      </m:fName>
-                      <m:e>
-                        <m:d>
-                          <m:dPr>
-                            <m:ctrlPr>
-                              <a:rPr lang="en-US" sz="1400" b="0" i="1" smtClean="0">
-                                <a:latin typeface="Cambria Math" panose="02040503050406030204" pitchFamily="18" charset="0"/>
-                                <a:ea typeface="Cambria Math" panose="02040503050406030204" pitchFamily="18" charset="0"/>
-                              </a:rPr>
-                            </m:ctrlPr>
-                          </m:dPr>
-                          <m:e>
-                            <m:r>
-                              <a:rPr lang="en-US" sz="1400" b="0" i="1" smtClean="0">
-                                <a:latin typeface="Cambria Math" panose="02040503050406030204" pitchFamily="18" charset="0"/>
-                                <a:ea typeface="Cambria Math" panose="02040503050406030204" pitchFamily="18" charset="0"/>
-                              </a:rPr>
-                              <m:t>𝐹</m:t>
-                            </m:r>
-                            <m:d>
-                              <m:dPr>
-                                <m:ctrlPr>
-                                  <a:rPr lang="en-US" sz="1400" b="0" i="1" smtClean="0">
-                                    <a:latin typeface="Cambria Math" panose="02040503050406030204" pitchFamily="18" charset="0"/>
-                                    <a:ea typeface="Cambria Math" panose="02040503050406030204" pitchFamily="18" charset="0"/>
-                                  </a:rPr>
-                                </m:ctrlPr>
-                              </m:dPr>
-                              <m:e>
-                                <m:r>
-                                  <a:rPr lang="en-US" sz="1400" b="0" i="1" smtClean="0">
-                                    <a:latin typeface="Cambria Math" panose="02040503050406030204" pitchFamily="18" charset="0"/>
-                                    <a:ea typeface="Cambria Math" panose="02040503050406030204" pitchFamily="18" charset="0"/>
-                                  </a:rPr>
-                                  <m:t>𝑥</m:t>
-                                </m:r>
-                              </m:e>
-                            </m:d>
-                          </m:e>
-                        </m:d>
-                      </m:e>
-                    </m:func>
-                  </m:oMath>
-                </a14:m>
-                <a:r>
-                  <a:rPr lang="en-US" sz="1400" b="0" i="0" dirty="0">
-                    <a:latin typeface="Cambria Math" panose="02040503050406030204" pitchFamily="18" charset="0"/>
-                    <a:ea typeface="Cambria Math" panose="02040503050406030204" pitchFamily="18" charset="0"/>
-                  </a:rPr>
-                  <a:t> against </a:t>
-                </a:r>
-                <a14:m>
-                  <m:oMath xmlns:m="http://schemas.openxmlformats.org/officeDocument/2006/math">
-                    <m:r>
-                      <a:rPr lang="en-US" sz="1400" b="0" i="1" dirty="0" smtClean="0">
-                        <a:latin typeface="Cambria Math" panose="02040503050406030204" pitchFamily="18" charset="0"/>
-                        <a:ea typeface="Cambria Math" panose="02040503050406030204" pitchFamily="18" charset="0"/>
-                      </a:rPr>
-                      <m:t>𝑥</m:t>
-                    </m:r>
-                  </m:oMath>
-                </a14:m>
-                <a:r>
-                  <a:rPr lang="en-US" sz="1400" b="0" i="0" dirty="0">
-                    <a:latin typeface="Cambria Math" panose="02040503050406030204" pitchFamily="18" charset="0"/>
-                    <a:ea typeface="Cambria Math" panose="02040503050406030204" pitchFamily="18" charset="0"/>
-                  </a:rPr>
-                  <a:t>, the code below </a:t>
-                </a:r>
-                <a14:m>
-                  <m:oMath xmlns:m="http://schemas.openxmlformats.org/officeDocument/2006/math">
-                    <m:r>
-                      <a:rPr lang="en-US" sz="1400" b="0" i="1" dirty="0" smtClean="0">
-                        <a:latin typeface="Cambria Math" panose="02040503050406030204" pitchFamily="18" charset="0"/>
-                        <a:ea typeface="Cambria Math" panose="02040503050406030204" pitchFamily="18" charset="0"/>
-                      </a:rPr>
-                      <m:t>𝑦</m:t>
-                    </m:r>
-                    <m:r>
-                      <a:rPr lang="en-US" sz="1400" b="0" i="1" dirty="0" smtClean="0">
-                        <a:latin typeface="Cambria Math" panose="02040503050406030204" pitchFamily="18" charset="0"/>
-                        <a:ea typeface="Cambria Math" panose="02040503050406030204" pitchFamily="18" charset="0"/>
-                      </a:rPr>
-                      <m:t> = </m:t>
-                    </m:r>
-                    <m:r>
-                      <m:rPr>
-                        <m:sty m:val="p"/>
-                      </m:rPr>
-                      <a:rPr lang="en-US" sz="1400" b="0" i="1" dirty="0" smtClean="0">
-                        <a:latin typeface="Cambria Math" panose="02040503050406030204" pitchFamily="18" charset="0"/>
-                        <a:ea typeface="Cambria Math" panose="02040503050406030204" pitchFamily="18" charset="0"/>
-                      </a:rPr>
-                      <m:t>log</m:t>
-                    </m:r>
-                    <m:r>
-                      <a:rPr lang="en-US" sz="1400" b="0" i="1" dirty="0" smtClean="0">
-                        <a:latin typeface="Cambria Math" panose="02040503050406030204" pitchFamily="18" charset="0"/>
-                        <a:ea typeface="Cambria Math" panose="02040503050406030204" pitchFamily="18" charset="0"/>
-                      </a:rPr>
-                      <m:t>⁡(</m:t>
-                    </m:r>
-                    <m:r>
-                      <a:rPr lang="en-US" sz="1400" b="0" i="1" dirty="0" smtClean="0">
-                        <a:latin typeface="Cambria Math" panose="02040503050406030204" pitchFamily="18" charset="0"/>
-                        <a:ea typeface="Cambria Math" panose="02040503050406030204" pitchFamily="18" charset="0"/>
-                      </a:rPr>
-                      <m:t>𝐹</m:t>
-                    </m:r>
-                    <m:r>
-                      <a:rPr lang="en-US" sz="1400" b="0" i="1" dirty="0" smtClean="0">
-                        <a:latin typeface="Cambria Math" panose="02040503050406030204" pitchFamily="18" charset="0"/>
-                        <a:ea typeface="Cambria Math" panose="02040503050406030204" pitchFamily="18" charset="0"/>
-                      </a:rPr>
-                      <m:t>(</m:t>
-                    </m:r>
-                    <m:r>
-                      <a:rPr lang="en-US" sz="1400" b="0" i="1" dirty="0" smtClean="0">
-                        <a:latin typeface="Cambria Math" panose="02040503050406030204" pitchFamily="18" charset="0"/>
-                        <a:ea typeface="Cambria Math" panose="02040503050406030204" pitchFamily="18" charset="0"/>
-                      </a:rPr>
-                      <m:t>𝑥</m:t>
-                    </m:r>
-                    <m:r>
-                      <a:rPr lang="en-US" sz="1400" b="0" i="1" dirty="0" smtClean="0">
-                        <a:latin typeface="Cambria Math" panose="02040503050406030204" pitchFamily="18" charset="0"/>
-                        <a:ea typeface="Cambria Math" panose="02040503050406030204" pitchFamily="18" charset="0"/>
-                      </a:rPr>
-                      <m:t>))</m:t>
-                    </m:r>
-                  </m:oMath>
-                </a14:m>
-                <a:endParaRPr lang="en-US" sz="1400" b="0" i="0" dirty="0">
-                  <a:latin typeface="Cambria Math" panose="02040503050406030204" pitchFamily="18" charset="0"/>
-                  <a:ea typeface="Cambria Math" panose="02040503050406030204" pitchFamily="18" charset="0"/>
-                </a:endParaRPr>
-              </a:p>
-              <a:p>
-                <a:pPr marL="0" indent="0">
-                  <a:buNone/>
-                </a:pPr>
-                <a:r>
-                  <a:rPr lang="en-US" sz="1400" b="0" i="0" dirty="0">
-                    <a:latin typeface="Cambria Math" panose="02040503050406030204" pitchFamily="18" charset="0"/>
-                    <a:ea typeface="Cambria Math" panose="02040503050406030204" pitchFamily="18" charset="0"/>
-                  </a:rPr>
-                  <a:t> </a:t>
-                </a:r>
-              </a:p>
-              <a:p>
-                <a:pPr marL="0" indent="0">
-                  <a:buNone/>
-                </a:pPr>
-                <a:endParaRPr lang="en-US" sz="1400" b="0" i="0" dirty="0">
-                  <a:latin typeface="Cambria Math" panose="02040503050406030204" pitchFamily="18" charset="0"/>
-                  <a:ea typeface="Cambria Math" panose="02040503050406030204" pitchFamily="18" charset="0"/>
-                </a:endParaRPr>
-              </a:p>
-              <a:p>
-                <a:pPr marL="0" indent="0">
-                  <a:buNone/>
-                </a:pPr>
-                <a:r>
-                  <a:rPr lang="en-US" sz="1400" dirty="0"/>
-                  <a:t>  </a:t>
-                </a:r>
-                <a:endParaRPr lang="en-US" sz="1600" dirty="0"/>
-              </a:p>
-              <a:p>
-                <a:pPr marL="0" indent="0">
-                  <a:buNone/>
-                </a:pPr>
-                <a:endParaRPr lang="en-US" sz="1600" dirty="0"/>
-              </a:p>
-            </p:txBody>
-          </p:sp>
-        </mc:Choice>
-        <mc:Fallback>
-          <p:sp>
-            <p:nvSpPr>
-              <p:cNvPr id="2" name="Text Placeholder 1">
-                <a:extLst>
-                  <a:ext uri="{FF2B5EF4-FFF2-40B4-BE49-F238E27FC236}">
-                    <a16:creationId xmlns:a16="http://schemas.microsoft.com/office/drawing/2014/main" id="{6F29F639-346E-47BA-B904-DE306A90DC86}"/>
-                  </a:ext>
-                </a:extLst>
-              </p:cNvPr>
-              <p:cNvSpPr>
-                <a:spLocks noGrp="1" noRot="1" noChangeAspect="1" noMove="1" noResize="1" noEditPoints="1" noAdjustHandles="1" noChangeArrowheads="1" noChangeShapeType="1" noTextEdit="1"/>
-              </p:cNvSpPr>
-              <p:nvPr>
-                <p:ph type="body" sz="quarter" idx="13"/>
-              </p:nvPr>
-            </p:nvSpPr>
-            <p:spPr>
-              <a:xfrm>
-                <a:off x="478369" y="899162"/>
-                <a:ext cx="11474451" cy="2689069"/>
-              </a:xfrm>
-              <a:blipFill>
-                <a:blip r:embed="rId2"/>
-                <a:stretch>
-                  <a:fillRect l="-1062" t="-2494"/>
-                </a:stretch>
-              </a:blipFill>
-            </p:spPr>
-            <p:txBody>
-              <a:bodyPr/>
-              <a:lstStyle/>
-              <a:p>
-                <a:r>
-                  <a:rPr lang="en-US">
-                    <a:noFill/>
-                  </a:rPr>
-                  <a:t> </a:t>
-                </a:r>
-              </a:p>
-            </p:txBody>
-          </p:sp>
-        </mc:Fallback>
-      </mc:AlternateContent>
-      <p:sp>
-        <p:nvSpPr>
-          <p:cNvPr id="3" name="Title 2">
-            <a:extLst>
-              <a:ext uri="{FF2B5EF4-FFF2-40B4-BE49-F238E27FC236}">
-                <a16:creationId xmlns:a16="http://schemas.microsoft.com/office/drawing/2014/main" id="{0CF65B55-91BD-4437-B363-117FC65A7051}"/>
-              </a:ext>
-            </a:extLst>
-          </p:cNvPr>
-          <p:cNvSpPr>
-            <a:spLocks noGrp="1"/>
-          </p:cNvSpPr>
-          <p:nvPr>
-            <p:ph type="title"/>
-          </p:nvPr>
-        </p:nvSpPr>
-        <p:spPr/>
-        <p:txBody>
-          <a:bodyPr/>
-          <a:lstStyle/>
-          <a:p>
-            <a:r>
-              <a:rPr lang="en-US" dirty="0"/>
-              <a:t>Fit Density Functions</a:t>
-            </a:r>
-          </a:p>
-        </p:txBody>
-      </p:sp>
-      <p:sp>
-        <p:nvSpPr>
-          <p:cNvPr id="4" name="Slide Number Placeholder 3">
-            <a:extLst>
-              <a:ext uri="{FF2B5EF4-FFF2-40B4-BE49-F238E27FC236}">
-                <a16:creationId xmlns:a16="http://schemas.microsoft.com/office/drawing/2014/main" id="{6262264E-8ACB-4043-8F84-B948D9472A74}"/>
-              </a:ext>
-            </a:extLst>
-          </p:cNvPr>
-          <p:cNvSpPr>
-            <a:spLocks noGrp="1"/>
-          </p:cNvSpPr>
-          <p:nvPr>
-            <p:ph type="sldNum" sz="quarter" idx="16"/>
-          </p:nvPr>
-        </p:nvSpPr>
-        <p:spPr/>
-        <p:txBody>
-          <a:bodyPr/>
-          <a:lstStyle/>
-          <a:p>
-            <a:fld id="{1915DC07-6425-4740-9695-FB9F2ED48CC1}" type="slidenum">
-              <a:rPr lang="en-US" smtClean="0"/>
-              <a:t>8</a:t>
-            </a:fld>
-            <a:endParaRPr lang="en-US"/>
-          </a:p>
-        </p:txBody>
-      </p:sp>
-      <p:pic>
-        <p:nvPicPr>
-          <p:cNvPr id="7" name="Picture 6">
-            <a:extLst>
-              <a:ext uri="{FF2B5EF4-FFF2-40B4-BE49-F238E27FC236}">
-                <a16:creationId xmlns:a16="http://schemas.microsoft.com/office/drawing/2014/main" id="{C3B5FF42-3124-448B-8B33-B0A1FF8AFB75}"/>
-              </a:ext>
-            </a:extLst>
-          </p:cNvPr>
-          <p:cNvPicPr>
-            <a:picLocks noChangeAspect="1"/>
-          </p:cNvPicPr>
-          <p:nvPr/>
-        </p:nvPicPr>
-        <p:blipFill>
-          <a:blip r:embed="rId3"/>
-          <a:stretch>
-            <a:fillRect/>
-          </a:stretch>
-        </p:blipFill>
-        <p:spPr>
-          <a:xfrm>
-            <a:off x="754416" y="1943412"/>
-            <a:ext cx="9071637" cy="2258436"/>
-          </a:xfrm>
-          <a:prstGeom prst="rect">
-            <a:avLst/>
-          </a:prstGeom>
-        </p:spPr>
-      </p:pic>
-      <p:pic>
-        <p:nvPicPr>
-          <p:cNvPr id="10" name="Picture 9">
-            <a:extLst>
-              <a:ext uri="{FF2B5EF4-FFF2-40B4-BE49-F238E27FC236}">
-                <a16:creationId xmlns:a16="http://schemas.microsoft.com/office/drawing/2014/main" id="{C6A7D0ED-99AE-4FF2-816E-D9E61FDAF5E3}"/>
-              </a:ext>
-            </a:extLst>
-          </p:cNvPr>
-          <p:cNvPicPr>
-            <a:picLocks noChangeAspect="1"/>
-          </p:cNvPicPr>
-          <p:nvPr/>
-        </p:nvPicPr>
-        <p:blipFill>
-          <a:blip r:embed="rId4"/>
-          <a:stretch>
-            <a:fillRect/>
-          </a:stretch>
-        </p:blipFill>
-        <p:spPr>
-          <a:xfrm>
-            <a:off x="754416" y="4864769"/>
-            <a:ext cx="4429359" cy="1243814"/>
-          </a:xfrm>
-          <a:prstGeom prst="rect">
-            <a:avLst/>
-          </a:prstGeom>
-        </p:spPr>
-      </p:pic>
-      <p:sp>
-        <p:nvSpPr>
-          <p:cNvPr id="12" name="TextBox 11">
-            <a:extLst>
-              <a:ext uri="{FF2B5EF4-FFF2-40B4-BE49-F238E27FC236}">
-                <a16:creationId xmlns:a16="http://schemas.microsoft.com/office/drawing/2014/main" id="{FEEC5FD8-5C5E-4F94-9E0D-1C0E25B672CE}"/>
-              </a:ext>
-            </a:extLst>
-          </p:cNvPr>
-          <p:cNvSpPr txBox="1"/>
-          <p:nvPr/>
-        </p:nvSpPr>
-        <p:spPr bwMode="gray">
-          <a:xfrm>
-            <a:off x="400988" y="4419846"/>
-            <a:ext cx="6243402" cy="369332"/>
-          </a:xfrm>
-          <a:prstGeom prst="rect">
-            <a:avLst/>
-          </a:prstGeom>
-          <a:noFill/>
-        </p:spPr>
-        <p:txBody>
-          <a:bodyPr wrap="square">
-            <a:spAutoFit/>
-          </a:bodyPr>
-          <a:lstStyle/>
-          <a:p>
-            <a:pPr marL="0" indent="0">
-              <a:lnSpc>
-                <a:spcPct val="100000"/>
-              </a:lnSpc>
-              <a:buNone/>
-            </a:pPr>
-            <a:r>
-              <a:rPr lang="en-US" sz="1800" dirty="0"/>
-              <a:t>Normal Distribution</a:t>
-            </a:r>
-          </a:p>
-        </p:txBody>
-      </p:sp>
-    </p:spTree>
-    <p:extLst>
-      <p:ext uri="{BB962C8B-B14F-4D97-AF65-F5344CB8AC3E}">
-        <p14:creationId xmlns:p14="http://schemas.microsoft.com/office/powerpoint/2010/main" val="2697584393"/>
-      </p:ext>
-    </p:extLst>
-  </p:cSld>
-  <p:clrMapOvr>
-    <a:masterClrMapping/>
-  </p:clrMapOvr>
-  <p:transition>
-    <p:fade/>
-  </p:transition>
-</p:sld>
-</file>
-
 <file path=ppt/slides/slide9.xml><?xml version="1.0" encoding="utf-8"?>
 <p:sld xmlns:a="http://schemas.openxmlformats.org/drawingml/2006/main" xmlns:r="http://schemas.openxmlformats.org/officeDocument/2006/relationships" xmlns:p="http://schemas.openxmlformats.org/presentationml/2006/main">
   <p:cSld>
@@ -34665,7 +33710,7 @@
         <p:spPr>
           <a:xfrm>
             <a:off x="478369" y="1225486"/>
-            <a:ext cx="11474451" cy="2104679"/>
+            <a:ext cx="11474451" cy="1655838"/>
           </a:xfrm>
         </p:spPr>
         <p:txBody>
@@ -34677,22 +33722,7 @@
             </a:pPr>
             <a:r>
               <a:rPr lang="en-US" dirty="0"/>
-              <a:t>Rerun the same convergence charts of Project-3 in the two scenarios:</a:t>
-            </a:r>
-          </a:p>
-          <a:p>
-            <a:pPr marL="0" indent="0">
-              <a:buNone/>
-            </a:pPr>
-            <a:endParaRPr lang="en-US" dirty="0"/>
-          </a:p>
-          <a:p>
-            <a:pPr marL="0" indent="0">
-              <a:buNone/>
-            </a:pPr>
-            <a:r>
-              <a:rPr lang="en-US" dirty="0"/>
-              <a:t>All transitions have normal distributions</a:t>
+              <a:t>Use the example</a:t>
             </a:r>
           </a:p>
           <a:p>
@@ -34701,13 +33731,29 @@
             </a:pPr>
             <a:r>
               <a:rPr lang="en-US" dirty="0"/>
-              <a:t>All transitions have exponential distributions</a:t>
+              <a:t>Compute the infinitesimal generator matrix Q </a:t>
             </a:r>
           </a:p>
           <a:p>
-            <a:pPr marL="697194" lvl="1" indent="-457200">
-              <a:buFont typeface="+mj-lt"/>
-              <a:buAutoNum type="arabicPeriod"/>
+            <a:pPr marL="0" indent="0">
+              <a:buNone/>
+            </a:pPr>
+            <a:r>
+              <a:rPr lang="en-US" dirty="0"/>
+              <a:t>Simulate the example using </a:t>
+            </a:r>
+            <a:r>
+              <a:rPr lang="en-US" dirty="0" err="1"/>
+              <a:t>Sympy</a:t>
+            </a:r>
+            <a:r>
+              <a:rPr lang="en-US" dirty="0"/>
+              <a:t> (compute the limiting distributions)</a:t>
+            </a:r>
+          </a:p>
+          <a:p>
+            <a:pPr marL="0" indent="0">
+              <a:buNone/>
             </a:pPr>
             <a:endParaRPr lang="en-US" dirty="0"/>
           </a:p>
@@ -34736,7 +33782,7 @@
           <a:p>
             <a:r>
               <a:rPr lang="en-US" dirty="0"/>
-              <a:t>Task</a:t>
+              <a:t>Task-1</a:t>
             </a:r>
           </a:p>
         </p:txBody>
@@ -34770,6 +33816,36 @@
           </a:p>
         </p:txBody>
       </p:sp>
+      <p:pic>
+        <p:nvPicPr>
+          <p:cNvPr id="6" name="Picture 5">
+            <a:extLst>
+              <a:ext uri="{FF2B5EF4-FFF2-40B4-BE49-F238E27FC236}">
+                <a16:creationId xmlns:a16="http://schemas.microsoft.com/office/drawing/2014/main" id="{1E2BFC73-3E97-432B-BCE4-CBEAF883871B}"/>
+              </a:ext>
+            </a:extLst>
+          </p:cNvPr>
+          <p:cNvPicPr>
+            <a:picLocks noChangeAspect="1"/>
+          </p:cNvPicPr>
+          <p:nvPr/>
+        </p:nvPicPr>
+        <p:blipFill>
+          <a:blip r:embed="rId2"/>
+          <a:stretch>
+            <a:fillRect/>
+          </a:stretch>
+        </p:blipFill>
+        <p:spPr>
+          <a:xfrm>
+            <a:off x="1298063" y="2881324"/>
+            <a:ext cx="10156281" cy="2406366"/>
+          </a:xfrm>
+          <a:prstGeom prst="rect">
+            <a:avLst/>
+          </a:prstGeom>
+        </p:spPr>
+      </p:pic>
     </p:spTree>
     <p:extLst>
       <p:ext uri="{BB962C8B-B14F-4D97-AF65-F5344CB8AC3E}">

--- a/projects/CTMC/P4 - Continuous Time Markov Chains.pptx
+++ b/projects/CTMC/P4 - Continuous Time Markov Chains.pptx
@@ -5,23 +5,22 @@
     <p:sldMasterId id="2147483660" r:id="rId1"/>
   </p:sldMasterIdLst>
   <p:notesMasterIdLst>
-    <p:notesMasterId r:id="rId16"/>
+    <p:notesMasterId r:id="rId15"/>
   </p:notesMasterIdLst>
   <p:sldIdLst>
     <p:sldId id="256" r:id="rId2"/>
     <p:sldId id="440" r:id="rId3"/>
-    <p:sldId id="441" r:id="rId4"/>
-    <p:sldId id="443" r:id="rId5"/>
-    <p:sldId id="453" r:id="rId6"/>
-    <p:sldId id="455" r:id="rId7"/>
-    <p:sldId id="451" r:id="rId8"/>
-    <p:sldId id="447" r:id="rId9"/>
-    <p:sldId id="446" r:id="rId10"/>
-    <p:sldId id="454" r:id="rId11"/>
-    <p:sldId id="452" r:id="rId12"/>
-    <p:sldId id="449" r:id="rId13"/>
-    <p:sldId id="267" r:id="rId14"/>
-    <p:sldId id="257" r:id="rId15"/>
+    <p:sldId id="443" r:id="rId4"/>
+    <p:sldId id="453" r:id="rId5"/>
+    <p:sldId id="455" r:id="rId6"/>
+    <p:sldId id="451" r:id="rId7"/>
+    <p:sldId id="447" r:id="rId8"/>
+    <p:sldId id="446" r:id="rId9"/>
+    <p:sldId id="454" r:id="rId10"/>
+    <p:sldId id="452" r:id="rId11"/>
+    <p:sldId id="449" r:id="rId12"/>
+    <p:sldId id="267" r:id="rId13"/>
+    <p:sldId id="257" r:id="rId14"/>
   </p:sldIdLst>
   <p:sldSz cx="12192000" cy="6858000"/>
   <p:notesSz cx="6858000" cy="9144000"/>
@@ -629,7 +628,7 @@
           <a:p>
             <a:fld id="{63CC9EBA-D40F-4B2C-8629-D756AD22D0E0}" type="slidenum">
               <a:rPr lang="en-US" smtClean="0"/>
-              <a:t>13</a:t>
+              <a:t>12</a:t>
             </a:fld>
             <a:endParaRPr lang="en-US"/>
           </a:p>
@@ -9782,205 +9781,6 @@
           <p:cNvPr id="2" name="Text Placeholder 1">
             <a:extLst>
               <a:ext uri="{FF2B5EF4-FFF2-40B4-BE49-F238E27FC236}">
-                <a16:creationId xmlns:a16="http://schemas.microsoft.com/office/drawing/2014/main" id="{CA0539D6-7004-49B9-8C98-B1C8FE42827D}"/>
-              </a:ext>
-            </a:extLst>
-          </p:cNvPr>
-          <p:cNvSpPr>
-            <a:spLocks noGrp="1"/>
-          </p:cNvSpPr>
-          <p:nvPr>
-            <p:ph type="body" sz="quarter" idx="13"/>
-          </p:nvPr>
-        </p:nvSpPr>
-        <p:spPr>
-          <a:xfrm>
-            <a:off x="478369" y="1225486"/>
-            <a:ext cx="11474451" cy="3959802"/>
-          </a:xfrm>
-        </p:spPr>
-        <p:txBody>
-          <a:bodyPr/>
-          <a:lstStyle/>
-          <a:p>
-            <a:pPr marL="0" indent="0">
-              <a:lnSpc>
-                <a:spcPct val="150000"/>
-              </a:lnSpc>
-              <a:buNone/>
-            </a:pPr>
-            <a:r>
-              <a:rPr lang="en-US" dirty="0"/>
-              <a:t>For your MDP from project-3:</a:t>
-            </a:r>
-          </a:p>
-          <a:p>
-            <a:pPr marL="457200" indent="-457200">
-              <a:lnSpc>
-                <a:spcPct val="150000"/>
-              </a:lnSpc>
-              <a:buFont typeface="+mj-lt"/>
-              <a:buAutoNum type="arabicPeriod"/>
-            </a:pPr>
-            <a:r>
-              <a:rPr lang="en-US" dirty="0"/>
-              <a:t>Estimate the rates</a:t>
-            </a:r>
-          </a:p>
-          <a:p>
-            <a:pPr marL="697194" lvl="1" indent="-457200">
-              <a:lnSpc>
-                <a:spcPct val="150000"/>
-              </a:lnSpc>
-            </a:pPr>
-            <a:r>
-              <a:rPr lang="en-US" dirty="0"/>
-              <a:t>Sample timestamps from the DTMC (project-3)</a:t>
-            </a:r>
-          </a:p>
-          <a:p>
-            <a:pPr marL="697194" lvl="1" indent="-457200">
-              <a:lnSpc>
-                <a:spcPct val="150000"/>
-              </a:lnSpc>
-            </a:pPr>
-            <a:r>
-              <a:rPr lang="en-US" dirty="0"/>
-              <a:t>Fit the exponential distributions for each transition</a:t>
-            </a:r>
-          </a:p>
-          <a:p>
-            <a:pPr marL="457200" indent="-457200">
-              <a:lnSpc>
-                <a:spcPct val="150000"/>
-              </a:lnSpc>
-              <a:buFont typeface="+mj-lt"/>
-              <a:buAutoNum type="arabicPeriod"/>
-            </a:pPr>
-            <a:r>
-              <a:rPr lang="en-US" dirty="0"/>
-              <a:t>Adapt the code to use the density functions instead of the transition probabilities</a:t>
-            </a:r>
-          </a:p>
-          <a:p>
-            <a:pPr marL="457200" indent="-457200">
-              <a:lnSpc>
-                <a:spcPct val="150000"/>
-              </a:lnSpc>
-              <a:buFont typeface="+mj-lt"/>
-              <a:buAutoNum type="arabicPeriod"/>
-            </a:pPr>
-            <a:r>
-              <a:rPr lang="en-US" dirty="0"/>
-              <a:t>Rerun the same convergence charts </a:t>
-            </a:r>
-          </a:p>
-          <a:p>
-            <a:pPr marL="239994" lvl="1" indent="0">
-              <a:buNone/>
-            </a:pPr>
-            <a:endParaRPr lang="en-US" dirty="0"/>
-          </a:p>
-          <a:p>
-            <a:endParaRPr lang="en-US" dirty="0"/>
-          </a:p>
-        </p:txBody>
-      </p:sp>
-      <p:sp>
-        <p:nvSpPr>
-          <p:cNvPr id="3" name="Title 2">
-            <a:extLst>
-              <a:ext uri="{FF2B5EF4-FFF2-40B4-BE49-F238E27FC236}">
-                <a16:creationId xmlns:a16="http://schemas.microsoft.com/office/drawing/2014/main" id="{3D6EA5F4-01A3-425D-A9A2-E8F701051409}"/>
-              </a:ext>
-            </a:extLst>
-          </p:cNvPr>
-          <p:cNvSpPr>
-            <a:spLocks noGrp="1"/>
-          </p:cNvSpPr>
-          <p:nvPr>
-            <p:ph type="title"/>
-          </p:nvPr>
-        </p:nvSpPr>
-        <p:spPr/>
-        <p:txBody>
-          <a:bodyPr/>
-          <a:lstStyle/>
-          <a:p>
-            <a:r>
-              <a:rPr lang="en-US" dirty="0"/>
-              <a:t>Task-2</a:t>
-            </a:r>
-          </a:p>
-        </p:txBody>
-      </p:sp>
-      <p:sp>
-        <p:nvSpPr>
-          <p:cNvPr id="4" name="Slide Number Placeholder 3">
-            <a:extLst>
-              <a:ext uri="{FF2B5EF4-FFF2-40B4-BE49-F238E27FC236}">
-                <a16:creationId xmlns:a16="http://schemas.microsoft.com/office/drawing/2014/main" id="{875EDB8B-EFD1-4E68-B528-0AD91D9A4887}"/>
-              </a:ext>
-            </a:extLst>
-          </p:cNvPr>
-          <p:cNvSpPr>
-            <a:spLocks noGrp="1"/>
-          </p:cNvSpPr>
-          <p:nvPr>
-            <p:ph type="sldNum" sz="quarter" idx="16"/>
-          </p:nvPr>
-        </p:nvSpPr>
-        <p:spPr/>
-        <p:txBody>
-          <a:bodyPr/>
-          <a:lstStyle/>
-          <a:p>
-            <a:fld id="{1915DC07-6425-4740-9695-FB9F2ED48CC1}" type="slidenum">
-              <a:rPr lang="en-US" smtClean="0"/>
-              <a:t>10</a:t>
-            </a:fld>
-            <a:endParaRPr lang="en-US"/>
-          </a:p>
-        </p:txBody>
-      </p:sp>
-    </p:spTree>
-    <p:extLst>
-      <p:ext uri="{BB962C8B-B14F-4D97-AF65-F5344CB8AC3E}">
-        <p14:creationId xmlns:p14="http://schemas.microsoft.com/office/powerpoint/2010/main" val="3483294274"/>
-      </p:ext>
-    </p:extLst>
-  </p:cSld>
-  <p:clrMapOvr>
-    <a:masterClrMapping/>
-  </p:clrMapOvr>
-  <p:transition>
-    <p:fade/>
-  </p:transition>
-</p:sld>
-</file>
-
-<file path=ppt/slides/slide11.xml><?xml version="1.0" encoding="utf-8"?>
-<p:sld xmlns:a="http://schemas.openxmlformats.org/drawingml/2006/main" xmlns:r="http://schemas.openxmlformats.org/officeDocument/2006/relationships" xmlns:p="http://schemas.openxmlformats.org/presentationml/2006/main">
-  <p:cSld>
-    <p:spTree>
-      <p:nvGrpSpPr>
-        <p:cNvPr id="1" name=""/>
-        <p:cNvGrpSpPr/>
-        <p:nvPr/>
-      </p:nvGrpSpPr>
-      <p:grpSpPr>
-        <a:xfrm>
-          <a:off x="0" y="0"/>
-          <a:ext cx="0" cy="0"/>
-          <a:chOff x="0" y="0"/>
-          <a:chExt cx="0" cy="0"/>
-        </a:xfrm>
-      </p:grpSpPr>
-      <p:sp>
-        <p:nvSpPr>
-          <p:cNvPr id="2" name="Text Placeholder 1">
-            <a:extLst>
-              <a:ext uri="{FF2B5EF4-FFF2-40B4-BE49-F238E27FC236}">
                 <a16:creationId xmlns:a16="http://schemas.microsoft.com/office/drawing/2014/main" id="{9EC535CA-8467-4CEA-9F4D-9653547C4D44}"/>
               </a:ext>
             </a:extLst>
@@ -10125,7 +9925,7 @@
           <a:p>
             <a:fld id="{1915DC07-6425-4740-9695-FB9F2ED48CC1}" type="slidenum">
               <a:rPr lang="en-US" smtClean="0"/>
-              <a:t>11</a:t>
+              <a:t>10</a:t>
             </a:fld>
             <a:endParaRPr lang="en-US"/>
           </a:p>
@@ -10147,7 +9947,7 @@
 </p:sld>
 </file>
 
-<file path=ppt/slides/slide12.xml><?xml version="1.0" encoding="utf-8"?>
+<file path=ppt/slides/slide11.xml><?xml version="1.0" encoding="utf-8"?>
 <p:sld xmlns:a="http://schemas.openxmlformats.org/drawingml/2006/main" xmlns:r="http://schemas.openxmlformats.org/officeDocument/2006/relationships" xmlns:p="http://schemas.openxmlformats.org/presentationml/2006/main">
   <p:cSld>
     <p:spTree>
@@ -10667,7 +10467,7 @@
           <a:p>
             <a:fld id="{1915DC07-6425-4740-9695-FB9F2ED48CC1}" type="slidenum">
               <a:rPr lang="en-US" smtClean="0"/>
-              <a:t>12</a:t>
+              <a:t>11</a:t>
             </a:fld>
             <a:endParaRPr lang="en-US"/>
           </a:p>
@@ -10719,7 +10519,7 @@
 </p:sld>
 </file>
 
-<file path=ppt/slides/slide13.xml><?xml version="1.0" encoding="utf-8"?>
+<file path=ppt/slides/slide12.xml><?xml version="1.0" encoding="utf-8"?>
 <p:sld xmlns:a="http://schemas.openxmlformats.org/drawingml/2006/main" xmlns:r="http://schemas.openxmlformats.org/officeDocument/2006/relationships" xmlns:p="http://schemas.openxmlformats.org/presentationml/2006/main">
   <p:cSld>
     <p:spTree>
@@ -10782,7 +10582,7 @@
 </p:sld>
 </file>
 
-<file path=ppt/slides/slide14.xml><?xml version="1.0" encoding="utf-8"?>
+<file path=ppt/slides/slide13.xml><?xml version="1.0" encoding="utf-8"?>
 <p:sld xmlns:a="http://schemas.openxmlformats.org/drawingml/2006/main" xmlns:r="http://schemas.openxmlformats.org/officeDocument/2006/relationships" xmlns:p="http://schemas.openxmlformats.org/presentationml/2006/main">
   <p:cSld>
     <p:spTree>
@@ -12514,107 +12314,6 @@
           <a:chExt cx="0" cy="0"/>
         </a:xfrm>
       </p:grpSpPr>
-      <p:sp>
-        <p:nvSpPr>
-          <p:cNvPr id="5" name="Title 4">
-            <a:extLst>
-              <a:ext uri="{FF2B5EF4-FFF2-40B4-BE49-F238E27FC236}">
-                <a16:creationId xmlns:a16="http://schemas.microsoft.com/office/drawing/2014/main" id="{BB75297A-0974-46C3-B0C6-82A5EEF1B5D8}"/>
-              </a:ext>
-            </a:extLst>
-          </p:cNvPr>
-          <p:cNvSpPr>
-            <a:spLocks noGrp="1"/>
-          </p:cNvSpPr>
-          <p:nvPr>
-            <p:ph type="ctrTitle"/>
-          </p:nvPr>
-        </p:nvSpPr>
-        <p:spPr>
-          <a:xfrm>
-            <a:off x="478564" y="4707852"/>
-            <a:ext cx="10835609" cy="1001364"/>
-          </a:xfrm>
-          <a:noFill/>
-        </p:spPr>
-        <p:txBody>
-          <a:bodyPr/>
-          <a:lstStyle/>
-          <a:p>
-            <a:r>
-              <a:rPr lang="en-US" dirty="0"/>
-              <a:t>Project-1: Use of DTMC to Predict Event Masking</a:t>
-            </a:r>
-          </a:p>
-        </p:txBody>
-      </p:sp>
-      <p:sp>
-        <p:nvSpPr>
-          <p:cNvPr id="4" name="Slide Number Placeholder 3">
-            <a:extLst>
-              <a:ext uri="{FF2B5EF4-FFF2-40B4-BE49-F238E27FC236}">
-                <a16:creationId xmlns:a16="http://schemas.microsoft.com/office/drawing/2014/main" id="{722BE993-A47B-4BD2-9355-42CD7CDFDE4F}"/>
-              </a:ext>
-            </a:extLst>
-          </p:cNvPr>
-          <p:cNvSpPr>
-            <a:spLocks noGrp="1"/>
-          </p:cNvSpPr>
-          <p:nvPr>
-            <p:ph type="sldNum" sz="quarter" idx="4294967295"/>
-          </p:nvPr>
-        </p:nvSpPr>
-        <p:spPr>
-          <a:xfrm>
-            <a:off x="11420475" y="6486525"/>
-            <a:ext cx="771525" cy="260350"/>
-          </a:xfrm>
-        </p:spPr>
-        <p:txBody>
-          <a:bodyPr/>
-          <a:lstStyle/>
-          <a:p>
-            <a:fld id="{81561042-0DC2-4A04-AA50-F6D44EB20EBA}" type="slidenum">
-              <a:rPr lang="en-US" smtClean="0"/>
-              <a:t>3</a:t>
-            </a:fld>
-            <a:endParaRPr lang="en-US"/>
-          </a:p>
-        </p:txBody>
-      </p:sp>
-    </p:spTree>
-    <p:extLst>
-      <p:ext uri="{BB962C8B-B14F-4D97-AF65-F5344CB8AC3E}">
-        <p14:creationId xmlns:p14="http://schemas.microsoft.com/office/powerpoint/2010/main" val="1860753774"/>
-      </p:ext>
-    </p:extLst>
-  </p:cSld>
-  <p:clrMapOvr>
-    <a:masterClrMapping/>
-  </p:clrMapOvr>
-  <p:transition spd="slow">
-    <p:wipe dir="d"/>
-  </p:transition>
-</p:sld>
-</file>
-
-<file path=ppt/slides/slide4.xml><?xml version="1.0" encoding="utf-8"?>
-<p:sld xmlns:a="http://schemas.openxmlformats.org/drawingml/2006/main" xmlns:r="http://schemas.openxmlformats.org/officeDocument/2006/relationships" xmlns:p="http://schemas.openxmlformats.org/presentationml/2006/main">
-  <p:cSld>
-    <p:spTree>
-      <p:nvGrpSpPr>
-        <p:cNvPr id="1" name=""/>
-        <p:cNvGrpSpPr/>
-        <p:nvPr/>
-      </p:nvGrpSpPr>
-      <p:grpSpPr>
-        <a:xfrm>
-          <a:off x="0" y="0"/>
-          <a:ext cx="0" cy="0"/>
-          <a:chOff x="0" y="0"/>
-          <a:chExt cx="0" cy="0"/>
-        </a:xfrm>
-      </p:grpSpPr>
       <mc:AlternateContent xmlns:mc="http://schemas.openxmlformats.org/markup-compatibility/2006">
         <mc:Choice xmlns:a14="http://schemas.microsoft.com/office/drawing/2010/main" Requires="a14">
           <p:sp>
@@ -12929,7 +12628,7 @@
           <a:p>
             <a:fld id="{1915DC07-6425-4740-9695-FB9F2ED48CC1}" type="slidenum">
               <a:rPr lang="en-US" smtClean="0"/>
-              <a:t>4</a:t>
+              <a:t>3</a:t>
             </a:fld>
             <a:endParaRPr lang="en-US"/>
           </a:p>
@@ -12951,7 +12650,7 @@
 </p:sld>
 </file>
 
-<file path=ppt/slides/slide5.xml><?xml version="1.0" encoding="utf-8"?>
+<file path=ppt/slides/slide4.xml><?xml version="1.0" encoding="utf-8"?>
 <p:sld xmlns:a="http://schemas.openxmlformats.org/drawingml/2006/main" xmlns:r="http://schemas.openxmlformats.org/officeDocument/2006/relationships" xmlns:p="http://schemas.openxmlformats.org/presentationml/2006/main">
   <p:cSld>
     <p:spTree>
@@ -13019,7 +12718,7 @@
           <a:p>
             <a:fld id="{1915DC07-6425-4740-9695-FB9F2ED48CC1}" type="slidenum">
               <a:rPr lang="en-US" smtClean="0"/>
-              <a:t>5</a:t>
+              <a:t>4</a:t>
             </a:fld>
             <a:endParaRPr lang="en-US"/>
           </a:p>
@@ -13071,7 +12770,7 @@
 </p:sld>
 </file>
 
-<file path=ppt/slides/slide6.xml><?xml version="1.0" encoding="utf-8"?>
+<file path=ppt/slides/slide5.xml><?xml version="1.0" encoding="utf-8"?>
 <p:sld xmlns:a="http://schemas.openxmlformats.org/drawingml/2006/main" xmlns:r="http://schemas.openxmlformats.org/officeDocument/2006/relationships" xmlns:p="http://schemas.openxmlformats.org/presentationml/2006/main">
   <p:cSld>
     <p:spTree>
@@ -13139,7 +12838,7 @@
           <a:p>
             <a:fld id="{1915DC07-6425-4740-9695-FB9F2ED48CC1}" type="slidenum">
               <a:rPr lang="en-US" smtClean="0"/>
-              <a:t>6</a:t>
+              <a:t>5</a:t>
             </a:fld>
             <a:endParaRPr lang="en-US"/>
           </a:p>
@@ -13191,7 +12890,7 @@
 </p:sld>
 </file>
 
-<file path=ppt/slides/slide7.xml><?xml version="1.0" encoding="utf-8"?>
+<file path=ppt/slides/slide6.xml><?xml version="1.0" encoding="utf-8"?>
 <p:sld xmlns:a="http://schemas.openxmlformats.org/drawingml/2006/main" xmlns:r="http://schemas.openxmlformats.org/officeDocument/2006/relationships" xmlns:p="http://schemas.openxmlformats.org/presentationml/2006/main">
   <p:cSld>
     <p:spTree>
@@ -13259,7 +12958,7 @@
           <a:p>
             <a:fld id="{1915DC07-6425-4740-9695-FB9F2ED48CC1}" type="slidenum">
               <a:rPr lang="en-US" smtClean="0"/>
-              <a:t>7</a:t>
+              <a:t>6</a:t>
             </a:fld>
             <a:endParaRPr lang="en-US" dirty="0"/>
           </a:p>
@@ -14945,7 +14644,7 @@
               <p:nvPr>
                 <p:extLst>
                   <p:ext uri="{D42A27DB-BD31-4B8C-83A1-F6EECF244321}">
-                    <p14:modId xmlns:p14="http://schemas.microsoft.com/office/powerpoint/2010/main" val="97725323"/>
+                    <p14:modId xmlns:p14="http://schemas.microsoft.com/office/powerpoint/2010/main" val="1187619643"/>
                   </p:ext>
                 </p:extLst>
               </p:nvPr>
@@ -18494,7 +18193,7 @@
                           </a:pPr>
                           <a:r>
                             <a:rPr lang="en-US" sz="1800" dirty="0"/>
-                            <a:t>0.05</a:t>
+                            <a:t>20</a:t>
                           </a:r>
                         </a:p>
                       </a:txBody>
@@ -19204,7 +18903,7 @@
               <p:nvPr>
                 <p:extLst>
                   <p:ext uri="{D42A27DB-BD31-4B8C-83A1-F6EECF244321}">
-                    <p14:modId xmlns:p14="http://schemas.microsoft.com/office/powerpoint/2010/main" val="97725323"/>
+                    <p14:modId xmlns:p14="http://schemas.microsoft.com/office/powerpoint/2010/main" val="1187619643"/>
                   </p:ext>
                 </p:extLst>
               </p:nvPr>
@@ -21859,7 +21558,7 @@
                           </a:pPr>
                           <a:r>
                             <a:rPr lang="en-US" sz="1800" dirty="0"/>
-                            <a:t>0.05</a:t>
+                            <a:t>20</a:t>
                           </a:r>
                         </a:p>
                       </a:txBody>
@@ -23331,7 +23030,7 @@
 </p:sld>
 </file>
 
-<file path=ppt/slides/slide8.xml><?xml version="1.0" encoding="utf-8"?>
+<file path=ppt/slides/slide7.xml><?xml version="1.0" encoding="utf-8"?>
 <p:sld xmlns:a="http://schemas.openxmlformats.org/drawingml/2006/main" xmlns:r="http://schemas.openxmlformats.org/officeDocument/2006/relationships" xmlns:p="http://schemas.openxmlformats.org/presentationml/2006/main">
   <p:cSld>
     <p:spTree>
@@ -23409,7 +23108,7 @@
           <a:p>
             <a:fld id="{1915DC07-6425-4740-9695-FB9F2ED48CC1}" type="slidenum">
               <a:rPr lang="en-US" smtClean="0"/>
-              <a:t>8</a:t>
+              <a:t>7</a:t>
             </a:fld>
             <a:endParaRPr lang="en-US"/>
           </a:p>
@@ -33674,7 +33373,7 @@
 </p:sld>
 </file>
 
-<file path=ppt/slides/slide9.xml><?xml version="1.0" encoding="utf-8"?>
+<file path=ppt/slides/slide8.xml><?xml version="1.0" encoding="utf-8"?>
 <p:sld xmlns:a="http://schemas.openxmlformats.org/drawingml/2006/main" xmlns:r="http://schemas.openxmlformats.org/officeDocument/2006/relationships" xmlns:p="http://schemas.openxmlformats.org/presentationml/2006/main">
   <p:cSld>
     <p:spTree>
@@ -33810,7 +33509,7 @@
           <a:p>
             <a:fld id="{1915DC07-6425-4740-9695-FB9F2ED48CC1}" type="slidenum">
               <a:rPr lang="en-US" smtClean="0"/>
-              <a:t>9</a:t>
+              <a:t>8</a:t>
             </a:fld>
             <a:endParaRPr lang="en-US"/>
           </a:p>
@@ -33850,6 +33549,205 @@
     <p:extLst>
       <p:ext uri="{BB962C8B-B14F-4D97-AF65-F5344CB8AC3E}">
         <p14:creationId xmlns:p14="http://schemas.microsoft.com/office/powerpoint/2010/main" val="3278654512"/>
+      </p:ext>
+    </p:extLst>
+  </p:cSld>
+  <p:clrMapOvr>
+    <a:masterClrMapping/>
+  </p:clrMapOvr>
+  <p:transition>
+    <p:fade/>
+  </p:transition>
+</p:sld>
+</file>
+
+<file path=ppt/slides/slide9.xml><?xml version="1.0" encoding="utf-8"?>
+<p:sld xmlns:a="http://schemas.openxmlformats.org/drawingml/2006/main" xmlns:r="http://schemas.openxmlformats.org/officeDocument/2006/relationships" xmlns:p="http://schemas.openxmlformats.org/presentationml/2006/main">
+  <p:cSld>
+    <p:spTree>
+      <p:nvGrpSpPr>
+        <p:cNvPr id="1" name=""/>
+        <p:cNvGrpSpPr/>
+        <p:nvPr/>
+      </p:nvGrpSpPr>
+      <p:grpSpPr>
+        <a:xfrm>
+          <a:off x="0" y="0"/>
+          <a:ext cx="0" cy="0"/>
+          <a:chOff x="0" y="0"/>
+          <a:chExt cx="0" cy="0"/>
+        </a:xfrm>
+      </p:grpSpPr>
+      <p:sp>
+        <p:nvSpPr>
+          <p:cNvPr id="2" name="Text Placeholder 1">
+            <a:extLst>
+              <a:ext uri="{FF2B5EF4-FFF2-40B4-BE49-F238E27FC236}">
+                <a16:creationId xmlns:a16="http://schemas.microsoft.com/office/drawing/2014/main" id="{CA0539D6-7004-49B9-8C98-B1C8FE42827D}"/>
+              </a:ext>
+            </a:extLst>
+          </p:cNvPr>
+          <p:cNvSpPr>
+            <a:spLocks noGrp="1"/>
+          </p:cNvSpPr>
+          <p:nvPr>
+            <p:ph type="body" sz="quarter" idx="13"/>
+          </p:nvPr>
+        </p:nvSpPr>
+        <p:spPr>
+          <a:xfrm>
+            <a:off x="478369" y="1225486"/>
+            <a:ext cx="11474451" cy="3959802"/>
+          </a:xfrm>
+        </p:spPr>
+        <p:txBody>
+          <a:bodyPr/>
+          <a:lstStyle/>
+          <a:p>
+            <a:pPr marL="0" indent="0">
+              <a:lnSpc>
+                <a:spcPct val="150000"/>
+              </a:lnSpc>
+              <a:buNone/>
+            </a:pPr>
+            <a:r>
+              <a:rPr lang="en-US" dirty="0"/>
+              <a:t>For your MDP from project-3:</a:t>
+            </a:r>
+          </a:p>
+          <a:p>
+            <a:pPr marL="457200" indent="-457200">
+              <a:lnSpc>
+                <a:spcPct val="150000"/>
+              </a:lnSpc>
+              <a:buFont typeface="+mj-lt"/>
+              <a:buAutoNum type="arabicPeriod"/>
+            </a:pPr>
+            <a:r>
+              <a:rPr lang="en-US" dirty="0"/>
+              <a:t>Estimate the rates</a:t>
+            </a:r>
+          </a:p>
+          <a:p>
+            <a:pPr marL="697194" lvl="1" indent="-457200">
+              <a:lnSpc>
+                <a:spcPct val="150000"/>
+              </a:lnSpc>
+            </a:pPr>
+            <a:r>
+              <a:rPr lang="en-US" dirty="0"/>
+              <a:t>Sample timestamps from the DTMC (project-3)</a:t>
+            </a:r>
+          </a:p>
+          <a:p>
+            <a:pPr marL="697194" lvl="1" indent="-457200">
+              <a:lnSpc>
+                <a:spcPct val="150000"/>
+              </a:lnSpc>
+            </a:pPr>
+            <a:r>
+              <a:rPr lang="en-US" dirty="0"/>
+              <a:t>Fit the exponential distributions for each transition</a:t>
+            </a:r>
+          </a:p>
+          <a:p>
+            <a:pPr marL="457200" indent="-457200">
+              <a:lnSpc>
+                <a:spcPct val="150000"/>
+              </a:lnSpc>
+              <a:buFont typeface="+mj-lt"/>
+              <a:buAutoNum type="arabicPeriod"/>
+            </a:pPr>
+            <a:r>
+              <a:rPr lang="en-US" dirty="0"/>
+              <a:t>Adapt the code to use the density functions instead of the transition probabilities</a:t>
+            </a:r>
+          </a:p>
+          <a:p>
+            <a:pPr marL="457200" indent="-457200">
+              <a:lnSpc>
+                <a:spcPct val="150000"/>
+              </a:lnSpc>
+              <a:buFont typeface="+mj-lt"/>
+              <a:buAutoNum type="arabicPeriod"/>
+            </a:pPr>
+            <a:r>
+              <a:rPr lang="en-US" dirty="0"/>
+              <a:t>Rerun the same convergence charts </a:t>
+            </a:r>
+          </a:p>
+          <a:p>
+            <a:pPr marL="239994" lvl="1" indent="0">
+              <a:buNone/>
+            </a:pPr>
+            <a:endParaRPr lang="en-US" dirty="0"/>
+          </a:p>
+          <a:p>
+            <a:endParaRPr lang="en-US" dirty="0"/>
+          </a:p>
+        </p:txBody>
+      </p:sp>
+      <p:sp>
+        <p:nvSpPr>
+          <p:cNvPr id="3" name="Title 2">
+            <a:extLst>
+              <a:ext uri="{FF2B5EF4-FFF2-40B4-BE49-F238E27FC236}">
+                <a16:creationId xmlns:a16="http://schemas.microsoft.com/office/drawing/2014/main" id="{3D6EA5F4-01A3-425D-A9A2-E8F701051409}"/>
+              </a:ext>
+            </a:extLst>
+          </p:cNvPr>
+          <p:cNvSpPr>
+            <a:spLocks noGrp="1"/>
+          </p:cNvSpPr>
+          <p:nvPr>
+            <p:ph type="title"/>
+          </p:nvPr>
+        </p:nvSpPr>
+        <p:spPr/>
+        <p:txBody>
+          <a:bodyPr/>
+          <a:lstStyle/>
+          <a:p>
+            <a:r>
+              <a:rPr lang="en-US" dirty="0"/>
+              <a:t>Task-2</a:t>
+            </a:r>
+          </a:p>
+        </p:txBody>
+      </p:sp>
+      <p:sp>
+        <p:nvSpPr>
+          <p:cNvPr id="4" name="Slide Number Placeholder 3">
+            <a:extLst>
+              <a:ext uri="{FF2B5EF4-FFF2-40B4-BE49-F238E27FC236}">
+                <a16:creationId xmlns:a16="http://schemas.microsoft.com/office/drawing/2014/main" id="{875EDB8B-EFD1-4E68-B528-0AD91D9A4887}"/>
+              </a:ext>
+            </a:extLst>
+          </p:cNvPr>
+          <p:cNvSpPr>
+            <a:spLocks noGrp="1"/>
+          </p:cNvSpPr>
+          <p:nvPr>
+            <p:ph type="sldNum" sz="quarter" idx="16"/>
+          </p:nvPr>
+        </p:nvSpPr>
+        <p:spPr/>
+        <p:txBody>
+          <a:bodyPr/>
+          <a:lstStyle/>
+          <a:p>
+            <a:fld id="{1915DC07-6425-4740-9695-FB9F2ED48CC1}" type="slidenum">
+              <a:rPr lang="en-US" smtClean="0"/>
+              <a:t>9</a:t>
+            </a:fld>
+            <a:endParaRPr lang="en-US"/>
+          </a:p>
+        </p:txBody>
+      </p:sp>
+    </p:spTree>
+    <p:extLst>
+      <p:ext uri="{BB962C8B-B14F-4D97-AF65-F5344CB8AC3E}">
+        <p14:creationId xmlns:p14="http://schemas.microsoft.com/office/powerpoint/2010/main" val="3483294274"/>
       </p:ext>
     </p:extLst>
   </p:cSld>

--- a/projects/CTMC/P4 - Continuous Time Markov Chains.pptx
+++ b/projects/CTMC/P4 - Continuous Time Markov Chains.pptx
@@ -5,22 +5,23 @@
     <p:sldMasterId id="2147483660" r:id="rId1"/>
   </p:sldMasterIdLst>
   <p:notesMasterIdLst>
-    <p:notesMasterId r:id="rId15"/>
+    <p:notesMasterId r:id="rId16"/>
   </p:notesMasterIdLst>
   <p:sldIdLst>
     <p:sldId id="256" r:id="rId2"/>
     <p:sldId id="440" r:id="rId3"/>
-    <p:sldId id="443" r:id="rId4"/>
-    <p:sldId id="453" r:id="rId5"/>
-    <p:sldId id="455" r:id="rId6"/>
-    <p:sldId id="451" r:id="rId7"/>
-    <p:sldId id="447" r:id="rId8"/>
-    <p:sldId id="446" r:id="rId9"/>
-    <p:sldId id="454" r:id="rId10"/>
-    <p:sldId id="452" r:id="rId11"/>
-    <p:sldId id="449" r:id="rId12"/>
-    <p:sldId id="267" r:id="rId13"/>
-    <p:sldId id="257" r:id="rId14"/>
+    <p:sldId id="441" r:id="rId4"/>
+    <p:sldId id="443" r:id="rId5"/>
+    <p:sldId id="453" r:id="rId6"/>
+    <p:sldId id="455" r:id="rId7"/>
+    <p:sldId id="451" r:id="rId8"/>
+    <p:sldId id="447" r:id="rId9"/>
+    <p:sldId id="446" r:id="rId10"/>
+    <p:sldId id="454" r:id="rId11"/>
+    <p:sldId id="452" r:id="rId12"/>
+    <p:sldId id="449" r:id="rId13"/>
+    <p:sldId id="267" r:id="rId14"/>
+    <p:sldId id="257" r:id="rId15"/>
   </p:sldIdLst>
   <p:sldSz cx="12192000" cy="6858000"/>
   <p:notesSz cx="6858000" cy="9144000"/>
@@ -209,7 +210,7 @@
           <a:p>
             <a:fld id="{A0C1F70C-5BF6-43D2-96A0-6511110BD68E}" type="datetimeFigureOut">
               <a:rPr lang="en-US" smtClean="0"/>
-              <a:t>12/17/2020</a:t>
+              <a:t>1/15/2021</a:t>
             </a:fld>
             <a:endParaRPr lang="en-US"/>
           </a:p>
@@ -628,7 +629,7 @@
           <a:p>
             <a:fld id="{63CC9EBA-D40F-4B2C-8629-D756AD22D0E0}" type="slidenum">
               <a:rPr lang="en-US" smtClean="0"/>
-              <a:t>12</a:t>
+              <a:t>13</a:t>
             </a:fld>
             <a:endParaRPr lang="en-US"/>
           </a:p>
@@ -2371,7 +2372,7 @@
           <a:p>
             <a:fld id="{D56A5F13-4F86-5646-9B99-A42325757066}" type="datetime1">
               <a:rPr lang="en-US" smtClean="0"/>
-              <a:t>12/17/2020</a:t>
+              <a:t>1/15/2021</a:t>
             </a:fld>
             <a:endParaRPr lang="en-US"/>
           </a:p>
@@ -2660,7 +2661,7 @@
           <a:p>
             <a:fld id="{34C8E77E-B710-C741-B9C3-BDFAF2BD28F5}" type="datetime1">
               <a:rPr lang="en-US" smtClean="0"/>
-              <a:t>12/17/2020</a:t>
+              <a:t>1/15/2021</a:t>
             </a:fld>
             <a:endParaRPr lang="en-US"/>
           </a:p>
@@ -2949,7 +2950,7 @@
           <a:p>
             <a:fld id="{3CC70E32-BC87-A748-B8DC-BBE1A8E155BB}" type="datetime1">
               <a:rPr lang="en-US" smtClean="0"/>
-              <a:t>12/17/2020</a:t>
+              <a:t>1/15/2021</a:t>
             </a:fld>
             <a:endParaRPr lang="en-US"/>
           </a:p>
@@ -3238,7 +3239,7 @@
           <a:p>
             <a:fld id="{FF80D806-2732-D74C-AA54-685EF616F24A}" type="datetime1">
               <a:rPr lang="en-US" smtClean="0"/>
-              <a:t>12/17/2020</a:t>
+              <a:t>1/15/2021</a:t>
             </a:fld>
             <a:endParaRPr lang="en-US"/>
           </a:p>
@@ -3475,7 +3476,7 @@
           <a:p>
             <a:fld id="{7EE62EE2-D39B-DB40-8504-5F31AB3A7B1B}" type="datetime1">
               <a:rPr lang="en-US" smtClean="0"/>
-              <a:t>12/17/2020</a:t>
+              <a:t>1/15/2021</a:t>
             </a:fld>
             <a:endParaRPr lang="en-US"/>
           </a:p>
@@ -3932,7 +3933,7 @@
           <a:p>
             <a:fld id="{F2C6AE98-BAC0-8443-BBA0-C97A4F30D31A}" type="datetime1">
               <a:rPr lang="en-US" smtClean="0"/>
-              <a:t>12/17/2020</a:t>
+              <a:t>1/15/2021</a:t>
             </a:fld>
             <a:endParaRPr lang="en-US"/>
           </a:p>
@@ -4200,7 +4201,7 @@
           <a:p>
             <a:fld id="{88DBBF51-3929-3A49-BA7D-3AF73092A0AD}" type="datetime1">
               <a:rPr lang="en-US" smtClean="0"/>
-              <a:t>12/17/2020</a:t>
+              <a:t>1/15/2021</a:t>
             </a:fld>
             <a:endParaRPr lang="en-US"/>
           </a:p>
@@ -4398,7 +4399,7 @@
           <a:p>
             <a:fld id="{36C5C674-12AF-41F5-BDE5-1132B29F8CB8}" type="datetime1">
               <a:rPr lang="en-US" smtClean="0"/>
-              <a:t>12/17/2020</a:t>
+              <a:t>1/15/2021</a:t>
             </a:fld>
             <a:endParaRPr lang="en-US"/>
           </a:p>
@@ -6771,7 +6772,7 @@
           <a:p>
             <a:fld id="{3D457031-A04F-0040-B79E-439CA9E02781}" type="datetime1">
               <a:rPr lang="en-US" smtClean="0"/>
-              <a:t>12/17/2020</a:t>
+              <a:t>1/15/2021</a:t>
             </a:fld>
             <a:endParaRPr lang="en-US"/>
           </a:p>
@@ -7021,7 +7022,7 @@
           <a:p>
             <a:fld id="{641269E8-56DE-E044-B0E5-B498755A2633}" type="datetime1">
               <a:rPr lang="en-US" smtClean="0"/>
-              <a:t>12/17/2020</a:t>
+              <a:t>1/15/2021</a:t>
             </a:fld>
             <a:endParaRPr lang="en-US"/>
           </a:p>
@@ -7407,7 +7408,7 @@
           <a:p>
             <a:fld id="{219B2A40-E9E6-7E49-9EE5-F8C2FAB652F4}" type="datetime1">
               <a:rPr lang="en-US" smtClean="0"/>
-              <a:t>12/17/2020</a:t>
+              <a:t>1/15/2021</a:t>
             </a:fld>
             <a:endParaRPr lang="en-US"/>
           </a:p>
@@ -7667,7 +7668,7 @@
           <a:p>
             <a:fld id="{08D12B45-3253-4A45-B8F9-2E00FEB0C480}" type="datetime1">
               <a:rPr lang="en-US" smtClean="0"/>
-              <a:t>12/17/2020</a:t>
+              <a:t>1/15/2021</a:t>
             </a:fld>
             <a:endParaRPr lang="en-US"/>
           </a:p>
@@ -9781,6 +9782,205 @@
           <p:cNvPr id="2" name="Text Placeholder 1">
             <a:extLst>
               <a:ext uri="{FF2B5EF4-FFF2-40B4-BE49-F238E27FC236}">
+                <a16:creationId xmlns:a16="http://schemas.microsoft.com/office/drawing/2014/main" id="{CA0539D6-7004-49B9-8C98-B1C8FE42827D}"/>
+              </a:ext>
+            </a:extLst>
+          </p:cNvPr>
+          <p:cNvSpPr>
+            <a:spLocks noGrp="1"/>
+          </p:cNvSpPr>
+          <p:nvPr>
+            <p:ph type="body" sz="quarter" idx="13"/>
+          </p:nvPr>
+        </p:nvSpPr>
+        <p:spPr>
+          <a:xfrm>
+            <a:off x="478369" y="1225486"/>
+            <a:ext cx="11474451" cy="3959802"/>
+          </a:xfrm>
+        </p:spPr>
+        <p:txBody>
+          <a:bodyPr/>
+          <a:lstStyle/>
+          <a:p>
+            <a:pPr marL="0" indent="0">
+              <a:lnSpc>
+                <a:spcPct val="150000"/>
+              </a:lnSpc>
+              <a:buNone/>
+            </a:pPr>
+            <a:r>
+              <a:rPr lang="en-US" dirty="0"/>
+              <a:t>For your MDP from project-3:</a:t>
+            </a:r>
+          </a:p>
+          <a:p>
+            <a:pPr marL="457200" indent="-457200">
+              <a:lnSpc>
+                <a:spcPct val="150000"/>
+              </a:lnSpc>
+              <a:buFont typeface="+mj-lt"/>
+              <a:buAutoNum type="arabicPeriod"/>
+            </a:pPr>
+            <a:r>
+              <a:rPr lang="en-US" dirty="0"/>
+              <a:t>Estimate the rates</a:t>
+            </a:r>
+          </a:p>
+          <a:p>
+            <a:pPr marL="697194" lvl="1" indent="-457200">
+              <a:lnSpc>
+                <a:spcPct val="150000"/>
+              </a:lnSpc>
+            </a:pPr>
+            <a:r>
+              <a:rPr lang="en-US" dirty="0"/>
+              <a:t>Sample timestamps from the DTMC (project-3)</a:t>
+            </a:r>
+          </a:p>
+          <a:p>
+            <a:pPr marL="697194" lvl="1" indent="-457200">
+              <a:lnSpc>
+                <a:spcPct val="150000"/>
+              </a:lnSpc>
+            </a:pPr>
+            <a:r>
+              <a:rPr lang="en-US" dirty="0"/>
+              <a:t>Fit the exponential distributions for each transition</a:t>
+            </a:r>
+          </a:p>
+          <a:p>
+            <a:pPr marL="457200" indent="-457200">
+              <a:lnSpc>
+                <a:spcPct val="150000"/>
+              </a:lnSpc>
+              <a:buFont typeface="+mj-lt"/>
+              <a:buAutoNum type="arabicPeriod"/>
+            </a:pPr>
+            <a:r>
+              <a:rPr lang="en-US" dirty="0"/>
+              <a:t>Adapt the code to use the density functions instead of the transition probabilities</a:t>
+            </a:r>
+          </a:p>
+          <a:p>
+            <a:pPr marL="457200" indent="-457200">
+              <a:lnSpc>
+                <a:spcPct val="150000"/>
+              </a:lnSpc>
+              <a:buFont typeface="+mj-lt"/>
+              <a:buAutoNum type="arabicPeriod"/>
+            </a:pPr>
+            <a:r>
+              <a:rPr lang="en-US" dirty="0"/>
+              <a:t>Rerun the same convergence charts </a:t>
+            </a:r>
+          </a:p>
+          <a:p>
+            <a:pPr marL="239994" lvl="1" indent="0">
+              <a:buNone/>
+            </a:pPr>
+            <a:endParaRPr lang="en-US" dirty="0"/>
+          </a:p>
+          <a:p>
+            <a:endParaRPr lang="en-US" dirty="0"/>
+          </a:p>
+        </p:txBody>
+      </p:sp>
+      <p:sp>
+        <p:nvSpPr>
+          <p:cNvPr id="3" name="Title 2">
+            <a:extLst>
+              <a:ext uri="{FF2B5EF4-FFF2-40B4-BE49-F238E27FC236}">
+                <a16:creationId xmlns:a16="http://schemas.microsoft.com/office/drawing/2014/main" id="{3D6EA5F4-01A3-425D-A9A2-E8F701051409}"/>
+              </a:ext>
+            </a:extLst>
+          </p:cNvPr>
+          <p:cNvSpPr>
+            <a:spLocks noGrp="1"/>
+          </p:cNvSpPr>
+          <p:nvPr>
+            <p:ph type="title"/>
+          </p:nvPr>
+        </p:nvSpPr>
+        <p:spPr/>
+        <p:txBody>
+          <a:bodyPr/>
+          <a:lstStyle/>
+          <a:p>
+            <a:r>
+              <a:rPr lang="en-US" dirty="0"/>
+              <a:t>Task-2</a:t>
+            </a:r>
+          </a:p>
+        </p:txBody>
+      </p:sp>
+      <p:sp>
+        <p:nvSpPr>
+          <p:cNvPr id="4" name="Slide Number Placeholder 3">
+            <a:extLst>
+              <a:ext uri="{FF2B5EF4-FFF2-40B4-BE49-F238E27FC236}">
+                <a16:creationId xmlns:a16="http://schemas.microsoft.com/office/drawing/2014/main" id="{875EDB8B-EFD1-4E68-B528-0AD91D9A4887}"/>
+              </a:ext>
+            </a:extLst>
+          </p:cNvPr>
+          <p:cNvSpPr>
+            <a:spLocks noGrp="1"/>
+          </p:cNvSpPr>
+          <p:nvPr>
+            <p:ph type="sldNum" sz="quarter" idx="16"/>
+          </p:nvPr>
+        </p:nvSpPr>
+        <p:spPr/>
+        <p:txBody>
+          <a:bodyPr/>
+          <a:lstStyle/>
+          <a:p>
+            <a:fld id="{1915DC07-6425-4740-9695-FB9F2ED48CC1}" type="slidenum">
+              <a:rPr lang="en-US" smtClean="0"/>
+              <a:t>10</a:t>
+            </a:fld>
+            <a:endParaRPr lang="en-US"/>
+          </a:p>
+        </p:txBody>
+      </p:sp>
+    </p:spTree>
+    <p:extLst>
+      <p:ext uri="{BB962C8B-B14F-4D97-AF65-F5344CB8AC3E}">
+        <p14:creationId xmlns:p14="http://schemas.microsoft.com/office/powerpoint/2010/main" val="3483294274"/>
+      </p:ext>
+    </p:extLst>
+  </p:cSld>
+  <p:clrMapOvr>
+    <a:masterClrMapping/>
+  </p:clrMapOvr>
+  <p:transition>
+    <p:fade/>
+  </p:transition>
+</p:sld>
+</file>
+
+<file path=ppt/slides/slide11.xml><?xml version="1.0" encoding="utf-8"?>
+<p:sld xmlns:a="http://schemas.openxmlformats.org/drawingml/2006/main" xmlns:r="http://schemas.openxmlformats.org/officeDocument/2006/relationships" xmlns:p="http://schemas.openxmlformats.org/presentationml/2006/main">
+  <p:cSld>
+    <p:spTree>
+      <p:nvGrpSpPr>
+        <p:cNvPr id="1" name=""/>
+        <p:cNvGrpSpPr/>
+        <p:nvPr/>
+      </p:nvGrpSpPr>
+      <p:grpSpPr>
+        <a:xfrm>
+          <a:off x="0" y="0"/>
+          <a:ext cx="0" cy="0"/>
+          <a:chOff x="0" y="0"/>
+          <a:chExt cx="0" cy="0"/>
+        </a:xfrm>
+      </p:grpSpPr>
+      <p:sp>
+        <p:nvSpPr>
+          <p:cNvPr id="2" name="Text Placeholder 1">
+            <a:extLst>
+              <a:ext uri="{FF2B5EF4-FFF2-40B4-BE49-F238E27FC236}">
                 <a16:creationId xmlns:a16="http://schemas.microsoft.com/office/drawing/2014/main" id="{9EC535CA-8467-4CEA-9F4D-9653547C4D44}"/>
               </a:ext>
             </a:extLst>
@@ -9925,7 +10125,7 @@
           <a:p>
             <a:fld id="{1915DC07-6425-4740-9695-FB9F2ED48CC1}" type="slidenum">
               <a:rPr lang="en-US" smtClean="0"/>
-              <a:t>10</a:t>
+              <a:t>11</a:t>
             </a:fld>
             <a:endParaRPr lang="en-US"/>
           </a:p>
@@ -9947,7 +10147,7 @@
 </p:sld>
 </file>
 
-<file path=ppt/slides/slide11.xml><?xml version="1.0" encoding="utf-8"?>
+<file path=ppt/slides/slide12.xml><?xml version="1.0" encoding="utf-8"?>
 <p:sld xmlns:a="http://schemas.openxmlformats.org/drawingml/2006/main" xmlns:r="http://schemas.openxmlformats.org/officeDocument/2006/relationships" xmlns:p="http://schemas.openxmlformats.org/presentationml/2006/main">
   <p:cSld>
     <p:spTree>
@@ -9964,8 +10164,8 @@
           <a:chExt cx="0" cy="0"/>
         </a:xfrm>
       </p:grpSpPr>
-      <mc:AlternateContent xmlns:mc="http://schemas.openxmlformats.org/markup-compatibility/2006">
-        <mc:Choice xmlns:a14="http://schemas.microsoft.com/office/drawing/2010/main" Requires="a14">
+      <mc:AlternateContent xmlns:mc="http://schemas.openxmlformats.org/markup-compatibility/2006" xmlns:a14="http://schemas.microsoft.com/office/drawing/2010/main">
+        <mc:Choice Requires="a14">
           <p:sp>
             <p:nvSpPr>
               <p:cNvPr id="2" name="Text Placeholder 1">
@@ -10372,7 +10572,7 @@
             </p:txBody>
           </p:sp>
         </mc:Choice>
-        <mc:Fallback>
+        <mc:Fallback xmlns="">
           <p:sp>
             <p:nvSpPr>
               <p:cNvPr id="2" name="Text Placeholder 1">
@@ -10467,7 +10667,7 @@
           <a:p>
             <a:fld id="{1915DC07-6425-4740-9695-FB9F2ED48CC1}" type="slidenum">
               <a:rPr lang="en-US" smtClean="0"/>
-              <a:t>11</a:t>
+              <a:t>12</a:t>
             </a:fld>
             <a:endParaRPr lang="en-US"/>
           </a:p>
@@ -10519,7 +10719,7 @@
 </p:sld>
 </file>
 
-<file path=ppt/slides/slide12.xml><?xml version="1.0" encoding="utf-8"?>
+<file path=ppt/slides/slide13.xml><?xml version="1.0" encoding="utf-8"?>
 <p:sld xmlns:a="http://schemas.openxmlformats.org/drawingml/2006/main" xmlns:r="http://schemas.openxmlformats.org/officeDocument/2006/relationships" xmlns:p="http://schemas.openxmlformats.org/presentationml/2006/main">
   <p:cSld>
     <p:spTree>
@@ -10582,7 +10782,7 @@
 </p:sld>
 </file>
 
-<file path=ppt/slides/slide13.xml><?xml version="1.0" encoding="utf-8"?>
+<file path=ppt/slides/slide14.xml><?xml version="1.0" encoding="utf-8"?>
 <p:sld xmlns:a="http://schemas.openxmlformats.org/drawingml/2006/main" xmlns:r="http://schemas.openxmlformats.org/officeDocument/2006/relationships" xmlns:p="http://schemas.openxmlformats.org/presentationml/2006/main">
   <p:cSld>
     <p:spTree>
@@ -12314,8 +12514,109 @@
           <a:chExt cx="0" cy="0"/>
         </a:xfrm>
       </p:grpSpPr>
-      <mc:AlternateContent xmlns:mc="http://schemas.openxmlformats.org/markup-compatibility/2006">
-        <mc:Choice xmlns:a14="http://schemas.microsoft.com/office/drawing/2010/main" Requires="a14">
+      <p:sp>
+        <p:nvSpPr>
+          <p:cNvPr id="5" name="Title 4">
+            <a:extLst>
+              <a:ext uri="{FF2B5EF4-FFF2-40B4-BE49-F238E27FC236}">
+                <a16:creationId xmlns:a16="http://schemas.microsoft.com/office/drawing/2014/main" id="{BB75297A-0974-46C3-B0C6-82A5EEF1B5D8}"/>
+              </a:ext>
+            </a:extLst>
+          </p:cNvPr>
+          <p:cNvSpPr>
+            <a:spLocks noGrp="1"/>
+          </p:cNvSpPr>
+          <p:nvPr>
+            <p:ph type="ctrTitle"/>
+          </p:nvPr>
+        </p:nvSpPr>
+        <p:spPr>
+          <a:xfrm>
+            <a:off x="478564" y="4707852"/>
+            <a:ext cx="10835609" cy="1001364"/>
+          </a:xfrm>
+          <a:noFill/>
+        </p:spPr>
+        <p:txBody>
+          <a:bodyPr/>
+          <a:lstStyle/>
+          <a:p>
+            <a:r>
+              <a:rPr lang="en-US" dirty="0"/>
+              <a:t>Project-1: Use of DTMC to Predict Event Masking</a:t>
+            </a:r>
+          </a:p>
+        </p:txBody>
+      </p:sp>
+      <p:sp>
+        <p:nvSpPr>
+          <p:cNvPr id="4" name="Slide Number Placeholder 3">
+            <a:extLst>
+              <a:ext uri="{FF2B5EF4-FFF2-40B4-BE49-F238E27FC236}">
+                <a16:creationId xmlns:a16="http://schemas.microsoft.com/office/drawing/2014/main" id="{722BE993-A47B-4BD2-9355-42CD7CDFDE4F}"/>
+              </a:ext>
+            </a:extLst>
+          </p:cNvPr>
+          <p:cNvSpPr>
+            <a:spLocks noGrp="1"/>
+          </p:cNvSpPr>
+          <p:nvPr>
+            <p:ph type="sldNum" sz="quarter" idx="4294967295"/>
+          </p:nvPr>
+        </p:nvSpPr>
+        <p:spPr>
+          <a:xfrm>
+            <a:off x="11420475" y="6486525"/>
+            <a:ext cx="771525" cy="260350"/>
+          </a:xfrm>
+        </p:spPr>
+        <p:txBody>
+          <a:bodyPr/>
+          <a:lstStyle/>
+          <a:p>
+            <a:fld id="{81561042-0DC2-4A04-AA50-F6D44EB20EBA}" type="slidenum">
+              <a:rPr lang="en-US" smtClean="0"/>
+              <a:t>3</a:t>
+            </a:fld>
+            <a:endParaRPr lang="en-US"/>
+          </a:p>
+        </p:txBody>
+      </p:sp>
+    </p:spTree>
+    <p:extLst>
+      <p:ext uri="{BB962C8B-B14F-4D97-AF65-F5344CB8AC3E}">
+        <p14:creationId xmlns:p14="http://schemas.microsoft.com/office/powerpoint/2010/main" val="1860753774"/>
+      </p:ext>
+    </p:extLst>
+  </p:cSld>
+  <p:clrMapOvr>
+    <a:masterClrMapping/>
+  </p:clrMapOvr>
+  <p:transition spd="slow">
+    <p:wipe dir="d"/>
+  </p:transition>
+</p:sld>
+</file>
+
+<file path=ppt/slides/slide4.xml><?xml version="1.0" encoding="utf-8"?>
+<p:sld xmlns:a="http://schemas.openxmlformats.org/drawingml/2006/main" xmlns:r="http://schemas.openxmlformats.org/officeDocument/2006/relationships" xmlns:p="http://schemas.openxmlformats.org/presentationml/2006/main">
+  <p:cSld>
+    <p:spTree>
+      <p:nvGrpSpPr>
+        <p:cNvPr id="1" name=""/>
+        <p:cNvGrpSpPr/>
+        <p:nvPr/>
+      </p:nvGrpSpPr>
+      <p:grpSpPr>
+        <a:xfrm>
+          <a:off x="0" y="0"/>
+          <a:ext cx="0" cy="0"/>
+          <a:chOff x="0" y="0"/>
+          <a:chExt cx="0" cy="0"/>
+        </a:xfrm>
+      </p:grpSpPr>
+      <mc:AlternateContent xmlns:mc="http://schemas.openxmlformats.org/markup-compatibility/2006" xmlns:a14="http://schemas.microsoft.com/office/drawing/2010/main">
+        <mc:Choice Requires="a14">
           <p:sp>
             <p:nvSpPr>
               <p:cNvPr id="2" name="Text Placeholder 1">
@@ -12533,7 +12834,7 @@
             </p:txBody>
           </p:sp>
         </mc:Choice>
-        <mc:Fallback>
+        <mc:Fallback xmlns="">
           <p:sp>
             <p:nvSpPr>
               <p:cNvPr id="2" name="Text Placeholder 1">
@@ -12628,7 +12929,7 @@
           <a:p>
             <a:fld id="{1915DC07-6425-4740-9695-FB9F2ED48CC1}" type="slidenum">
               <a:rPr lang="en-US" smtClean="0"/>
-              <a:t>3</a:t>
+              <a:t>4</a:t>
             </a:fld>
             <a:endParaRPr lang="en-US"/>
           </a:p>
@@ -12650,7 +12951,7 @@
 </p:sld>
 </file>
 
-<file path=ppt/slides/slide4.xml><?xml version="1.0" encoding="utf-8"?>
+<file path=ppt/slides/slide5.xml><?xml version="1.0" encoding="utf-8"?>
 <p:sld xmlns:a="http://schemas.openxmlformats.org/drawingml/2006/main" xmlns:r="http://schemas.openxmlformats.org/officeDocument/2006/relationships" xmlns:p="http://schemas.openxmlformats.org/presentationml/2006/main">
   <p:cSld>
     <p:spTree>
@@ -12718,7 +13019,7 @@
           <a:p>
             <a:fld id="{1915DC07-6425-4740-9695-FB9F2ED48CC1}" type="slidenum">
               <a:rPr lang="en-US" smtClean="0"/>
-              <a:t>4</a:t>
+              <a:t>5</a:t>
             </a:fld>
             <a:endParaRPr lang="en-US"/>
           </a:p>
@@ -12770,7 +13071,7 @@
 </p:sld>
 </file>
 
-<file path=ppt/slides/slide5.xml><?xml version="1.0" encoding="utf-8"?>
+<file path=ppt/slides/slide6.xml><?xml version="1.0" encoding="utf-8"?>
 <p:sld xmlns:a="http://schemas.openxmlformats.org/drawingml/2006/main" xmlns:r="http://schemas.openxmlformats.org/officeDocument/2006/relationships" xmlns:p="http://schemas.openxmlformats.org/presentationml/2006/main">
   <p:cSld>
     <p:spTree>
@@ -12838,7 +13139,7 @@
           <a:p>
             <a:fld id="{1915DC07-6425-4740-9695-FB9F2ED48CC1}" type="slidenum">
               <a:rPr lang="en-US" smtClean="0"/>
-              <a:t>5</a:t>
+              <a:t>6</a:t>
             </a:fld>
             <a:endParaRPr lang="en-US"/>
           </a:p>
@@ -12890,7 +13191,7 @@
 </p:sld>
 </file>
 
-<file path=ppt/slides/slide6.xml><?xml version="1.0" encoding="utf-8"?>
+<file path=ppt/slides/slide7.xml><?xml version="1.0" encoding="utf-8"?>
 <p:sld xmlns:a="http://schemas.openxmlformats.org/drawingml/2006/main" xmlns:r="http://schemas.openxmlformats.org/officeDocument/2006/relationships" xmlns:p="http://schemas.openxmlformats.org/presentationml/2006/main">
   <p:cSld>
     <p:spTree>
@@ -12958,7 +13259,7 @@
           <a:p>
             <a:fld id="{1915DC07-6425-4740-9695-FB9F2ED48CC1}" type="slidenum">
               <a:rPr lang="en-US" smtClean="0"/>
-              <a:t>6</a:t>
+              <a:t>7</a:t>
             </a:fld>
             <a:endParaRPr lang="en-US" dirty="0"/>
           </a:p>
@@ -14644,7 +14945,7 @@
               <p:nvPr>
                 <p:extLst>
                   <p:ext uri="{D42A27DB-BD31-4B8C-83A1-F6EECF244321}">
-                    <p14:modId xmlns:p14="http://schemas.microsoft.com/office/powerpoint/2010/main" val="1187619643"/>
+                    <p14:modId xmlns:p14="http://schemas.microsoft.com/office/powerpoint/2010/main" val="1969800116"/>
                   </p:ext>
                 </p:extLst>
               </p:nvPr>
@@ -15769,8 +16070,8 @@
                         <a:p>
                           <a:pPr algn="ctr"/>
                           <a:r>
-                            <a:rPr lang="en-US" sz="1800" dirty="0"/>
-                            <a:t>2</a:t>
+                            <a:rPr lang="en-US" sz="1600" dirty="0"/>
+                            <a:t>1/0.50</a:t>
                           </a:r>
                         </a:p>
                       </a:txBody>
@@ -15833,8 +16134,8 @@
                         <a:p>
                           <a:pPr algn="ctr"/>
                           <a:r>
-                            <a:rPr lang="en-US" sz="1800" dirty="0"/>
-                            <a:t>4</a:t>
+                            <a:rPr lang="en-US" sz="1600" dirty="0"/>
+                            <a:t>1/0.25</a:t>
                           </a:r>
                         </a:p>
                       </a:txBody>
@@ -15897,8 +16198,8 @@
                         <a:p>
                           <a:pPr algn="ctr"/>
                           <a:r>
-                            <a:rPr lang="en-US" sz="1800" dirty="0"/>
-                            <a:t>1.25</a:t>
+                            <a:rPr lang="en-US" sz="1600" dirty="0"/>
+                            <a:t>1/0.80</a:t>
                           </a:r>
                         </a:p>
                       </a:txBody>
@@ -15961,7 +16262,7 @@
                         <a:p>
                           <a:pPr algn="ctr"/>
                           <a:r>
-                            <a:rPr lang="en-US" sz="1800" dirty="0"/>
+                            <a:rPr lang="en-US" sz="1600" dirty="0"/>
                             <a:t>0.0</a:t>
                           </a:r>
                         </a:p>
@@ -16041,8 +16342,8 @@
                             <a:defRPr/>
                           </a:pPr>
                           <a:r>
-                            <a:rPr lang="en-US" sz="1800" dirty="0"/>
-                            <a:t>4</a:t>
+                            <a:rPr lang="en-US" sz="1600" dirty="0"/>
+                            <a:t>1/0.25</a:t>
                           </a:r>
                         </a:p>
                       </a:txBody>
@@ -16378,8 +16679,8 @@
                         <a:p>
                           <a:pPr algn="ctr"/>
                           <a:r>
-                            <a:rPr lang="en-US" sz="1800" dirty="0"/>
-                            <a:t>4</a:t>
+                            <a:rPr lang="en-US" sz="1600" dirty="0"/>
+                            <a:t>1/0.25</a:t>
                           </a:r>
                         </a:p>
                       </a:txBody>
@@ -16442,7 +16743,7 @@
                         <a:p>
                           <a:pPr algn="ctr"/>
                           <a:r>
-                            <a:rPr lang="en-US" sz="1800" dirty="0"/>
+                            <a:rPr lang="en-US" sz="1600" dirty="0"/>
                             <a:t>0.0</a:t>
                           </a:r>
                         </a:p>
@@ -16506,7 +16807,7 @@
                         <a:p>
                           <a:pPr algn="ctr"/>
                           <a:r>
-                            <a:rPr lang="en-US" sz="1800" dirty="0"/>
+                            <a:rPr lang="en-US" sz="1600" dirty="0"/>
                             <a:t>0.0</a:t>
                           </a:r>
                         </a:p>
@@ -16570,7 +16871,7 @@
                         <a:p>
                           <a:pPr algn="ctr"/>
                           <a:r>
-                            <a:rPr lang="en-US" sz="1800" dirty="0"/>
+                            <a:rPr lang="en-US" sz="1600" dirty="0"/>
                             <a:t>0.0</a:t>
                           </a:r>
                         </a:p>
@@ -16634,7 +16935,7 @@
                         <a:p>
                           <a:pPr algn="ctr"/>
                           <a:r>
-                            <a:rPr lang="en-US" sz="1800" dirty="0"/>
+                            <a:rPr lang="en-US" sz="1600" dirty="0"/>
                             <a:t>0.0</a:t>
                           </a:r>
                         </a:p>
@@ -16909,8 +17210,8 @@
                             <a:defRPr/>
                           </a:pPr>
                           <a:r>
-                            <a:rPr lang="en-US" sz="1800" dirty="0"/>
-                            <a:t>10</a:t>
+                            <a:rPr lang="en-US" sz="1600" dirty="0"/>
+                            <a:t>1/0.10</a:t>
                           </a:r>
                         </a:p>
                       </a:txBody>
@@ -16973,8 +17274,8 @@
                         <a:p>
                           <a:pPr algn="ctr"/>
                           <a:r>
-                            <a:rPr lang="en-US" sz="1800" dirty="0"/>
-                            <a:t>2</a:t>
+                            <a:rPr lang="en-US" sz="1600" dirty="0"/>
+                            <a:t>1/0.50</a:t>
                           </a:r>
                         </a:p>
                       </a:txBody>
@@ -17037,7 +17338,7 @@
                         <a:p>
                           <a:pPr algn="ctr"/>
                           <a:r>
-                            <a:rPr lang="en-US" sz="1800" dirty="0"/>
+                            <a:rPr lang="en-US" sz="1600" dirty="0"/>
                             <a:t>0.0</a:t>
                           </a:r>
                         </a:p>
@@ -17101,10 +17402,10 @@
                         <a:p>
                           <a:pPr algn="ctr"/>
                           <a:r>
-                            <a:rPr lang="en-US" sz="1800"/>
+                            <a:rPr lang="en-US" sz="1600"/>
                             <a:t>0.0</a:t>
                           </a:r>
-                          <a:endParaRPr lang="en-US" sz="1800" dirty="0"/>
+                          <a:endParaRPr lang="en-US" sz="1600" dirty="0"/>
                         </a:p>
                       </a:txBody>
                       <a:tcPr>
@@ -17166,7 +17467,7 @@
                         <a:p>
                           <a:pPr algn="ctr"/>
                           <a:r>
-                            <a:rPr lang="en-US" sz="1800" dirty="0"/>
+                            <a:rPr lang="en-US" sz="1600" dirty="0"/>
                             <a:t>0.0</a:t>
                           </a:r>
                         </a:p>
@@ -17494,7 +17795,7 @@
                         <a:p>
                           <a:pPr algn="ctr"/>
                           <a:r>
-                            <a:rPr lang="en-US" sz="1800" dirty="0"/>
+                            <a:rPr lang="en-US" sz="1600" dirty="0"/>
                             <a:t>0.0</a:t>
                           </a:r>
                         </a:p>
@@ -17558,89 +17859,8 @@
                         <a:p>
                           <a:pPr algn="ctr"/>
                           <a:r>
-                            <a:rPr lang="en-US" sz="1800"/>
+                            <a:rPr lang="en-US" sz="1600" dirty="0"/>
                             <a:t>0.0</a:t>
-                          </a:r>
-                          <a:endParaRPr lang="en-US" sz="1800" dirty="0"/>
-                        </a:p>
-                      </a:txBody>
-                      <a:tcPr>
-                        <a:lnL w="12700" cap="flat" cmpd="sng" algn="ctr">
-                          <a:solidFill>
-                            <a:schemeClr val="tx1"/>
-                          </a:solidFill>
-                          <a:prstDash val="solid"/>
-                          <a:round/>
-                          <a:headEnd type="none" w="med" len="med"/>
-                          <a:tailEnd type="none" w="med" len="med"/>
-                        </a:lnL>
-                        <a:lnR w="12700" cap="flat" cmpd="sng" algn="ctr">
-                          <a:solidFill>
-                            <a:schemeClr val="tx1"/>
-                          </a:solidFill>
-                          <a:prstDash val="solid"/>
-                          <a:round/>
-                          <a:headEnd type="none" w="med" len="med"/>
-                          <a:tailEnd type="none" w="med" len="med"/>
-                        </a:lnR>
-                        <a:lnT w="12700" cap="flat" cmpd="sng" algn="ctr">
-                          <a:solidFill>
-                            <a:schemeClr val="tx1"/>
-                          </a:solidFill>
-                          <a:prstDash val="solid"/>
-                          <a:round/>
-                          <a:headEnd type="none" w="med" len="med"/>
-                          <a:tailEnd type="none" w="med" len="med"/>
-                        </a:lnT>
-                        <a:lnB w="12700" cap="flat" cmpd="sng" algn="ctr">
-                          <a:solidFill>
-                            <a:schemeClr val="tx1"/>
-                          </a:solidFill>
-                          <a:prstDash val="solid"/>
-                          <a:round/>
-                          <a:headEnd type="none" w="med" len="med"/>
-                          <a:tailEnd type="none" w="med" len="med"/>
-                        </a:lnB>
-                        <a:lnTlToBr w="12700" cmpd="sng">
-                          <a:noFill/>
-                          <a:prstDash val="solid"/>
-                        </a:lnTlToBr>
-                        <a:lnBlToTr w="12700" cmpd="sng">
-                          <a:noFill/>
-                          <a:prstDash val="solid"/>
-                        </a:lnBlToTr>
-                        <a:solidFill>
-                          <a:schemeClr val="bg1">
-                            <a:lumMod val="95000"/>
-                          </a:schemeClr>
-                        </a:solidFill>
-                      </a:tcPr>
-                    </a:tc>
-                    <a:tc>
-                      <a:txBody>
-                        <a:bodyPr/>
-                        <a:lstStyle/>
-                        <a:p>
-                          <a:pPr marL="0" marR="0" lvl="0" indent="0" algn="ctr" defTabSz="1219170" rtl="0" eaLnBrk="1" fontAlgn="auto" latinLnBrk="0" hangingPunct="1">
-                            <a:lnSpc>
-                              <a:spcPct val="100000"/>
-                            </a:lnSpc>
-                            <a:spcBef>
-                              <a:spcPts val="0"/>
-                            </a:spcBef>
-                            <a:spcAft>
-                              <a:spcPts val="0"/>
-                            </a:spcAft>
-                            <a:buClrTx/>
-                            <a:buSzTx/>
-                            <a:buFontTx/>
-                            <a:buNone/>
-                            <a:tabLst/>
-                            <a:defRPr/>
-                          </a:pPr>
-                          <a:r>
-                            <a:rPr lang="en-US" sz="1800" dirty="0"/>
-                            <a:t>6.67</a:t>
                           </a:r>
                         </a:p>
                       </a:txBody>
@@ -17703,8 +17923,8 @@
                         <a:p>
                           <a:pPr algn="ctr"/>
                           <a:r>
-                            <a:rPr lang="en-US" sz="1800" dirty="0"/>
-                            <a:t>2</a:t>
+                            <a:rPr lang="en-US" sz="1600" dirty="0"/>
+                            <a:t>1/0.15</a:t>
                           </a:r>
                         </a:p>
                       </a:txBody>
@@ -17767,8 +17987,72 @@
                         <a:p>
                           <a:pPr algn="ctr"/>
                           <a:r>
-                            <a:rPr lang="en-US" sz="1800" dirty="0"/>
-                            <a:t>4</a:t>
+                            <a:rPr lang="en-US" sz="1600" dirty="0"/>
+                            <a:t>1/0.50</a:t>
+                          </a:r>
+                        </a:p>
+                      </a:txBody>
+                      <a:tcPr>
+                        <a:lnL w="12700" cap="flat" cmpd="sng" algn="ctr">
+                          <a:solidFill>
+                            <a:schemeClr val="tx1"/>
+                          </a:solidFill>
+                          <a:prstDash val="solid"/>
+                          <a:round/>
+                          <a:headEnd type="none" w="med" len="med"/>
+                          <a:tailEnd type="none" w="med" len="med"/>
+                        </a:lnL>
+                        <a:lnR w="12700" cap="flat" cmpd="sng" algn="ctr">
+                          <a:solidFill>
+                            <a:schemeClr val="tx1"/>
+                          </a:solidFill>
+                          <a:prstDash val="solid"/>
+                          <a:round/>
+                          <a:headEnd type="none" w="med" len="med"/>
+                          <a:tailEnd type="none" w="med" len="med"/>
+                        </a:lnR>
+                        <a:lnT w="12700" cap="flat" cmpd="sng" algn="ctr">
+                          <a:solidFill>
+                            <a:schemeClr val="tx1"/>
+                          </a:solidFill>
+                          <a:prstDash val="solid"/>
+                          <a:round/>
+                          <a:headEnd type="none" w="med" len="med"/>
+                          <a:tailEnd type="none" w="med" len="med"/>
+                        </a:lnT>
+                        <a:lnB w="12700" cap="flat" cmpd="sng" algn="ctr">
+                          <a:solidFill>
+                            <a:schemeClr val="tx1"/>
+                          </a:solidFill>
+                          <a:prstDash val="solid"/>
+                          <a:round/>
+                          <a:headEnd type="none" w="med" len="med"/>
+                          <a:tailEnd type="none" w="med" len="med"/>
+                        </a:lnB>
+                        <a:lnTlToBr w="12700" cmpd="sng">
+                          <a:noFill/>
+                          <a:prstDash val="solid"/>
+                        </a:lnTlToBr>
+                        <a:lnBlToTr w="12700" cmpd="sng">
+                          <a:noFill/>
+                          <a:prstDash val="solid"/>
+                        </a:lnBlToTr>
+                        <a:solidFill>
+                          <a:schemeClr val="bg1">
+                            <a:lumMod val="95000"/>
+                          </a:schemeClr>
+                        </a:solidFill>
+                      </a:tcPr>
+                    </a:tc>
+                    <a:tc>
+                      <a:txBody>
+                        <a:bodyPr/>
+                        <a:lstStyle/>
+                        <a:p>
+                          <a:pPr algn="ctr"/>
+                          <a:r>
+                            <a:rPr lang="en-US" sz="1600" dirty="0"/>
+                            <a:t>1/0.25</a:t>
                           </a:r>
                         </a:p>
                       </a:txBody>
@@ -17966,10 +18250,9 @@
                         <a:p>
                           <a:pPr algn="ctr"/>
                           <a:r>
-                            <a:rPr lang="en-US" sz="1800"/>
+                            <a:rPr lang="en-US" sz="1800" dirty="0"/>
                             <a:t>0.0</a:t>
                           </a:r>
-                          <a:endParaRPr lang="en-US" sz="1800" dirty="0"/>
                         </a:p>
                       </a:txBody>
                       <a:tcPr>
@@ -18047,8 +18330,8 @@
                             <a:defRPr/>
                           </a:pPr>
                           <a:r>
-                            <a:rPr lang="en-US" sz="1800" dirty="0"/>
-                            <a:t>6.67</a:t>
+                            <a:rPr lang="en-US" sz="1600" dirty="0"/>
+                            <a:t>1/0.15</a:t>
                           </a:r>
                         </a:p>
                       </a:txBody>
@@ -18111,10 +18394,9 @@
                         <a:p>
                           <a:pPr algn="ctr"/>
                           <a:r>
-                            <a:rPr lang="en-US" sz="1800"/>
+                            <a:rPr lang="en-US" sz="1600" dirty="0"/>
                             <a:t>0.0</a:t>
                           </a:r>
-                          <a:endParaRPr lang="en-US" sz="1800" dirty="0"/>
                         </a:p>
                       </a:txBody>
                       <a:tcPr>
@@ -18192,8 +18474,8 @@
                             <a:defRPr/>
                           </a:pPr>
                           <a:r>
-                            <a:rPr lang="en-US" sz="1800" dirty="0"/>
-                            <a:t>20</a:t>
+                            <a:rPr lang="en-US" sz="1600" dirty="0"/>
+                            <a:t>1/0.05</a:t>
                           </a:r>
                         </a:p>
                       </a:txBody>
@@ -18256,8 +18538,8 @@
                         <a:p>
                           <a:pPr algn="ctr"/>
                           <a:r>
-                            <a:rPr lang="en-US" sz="1800" dirty="0"/>
-                            <a:t>4</a:t>
+                            <a:rPr lang="en-US" sz="1600" dirty="0"/>
+                            <a:t>1/0.25</a:t>
                           </a:r>
                         </a:p>
                       </a:txBody>
@@ -18320,7 +18602,7 @@
                         <a:p>
                           <a:pPr algn="ctr"/>
                           <a:r>
-                            <a:rPr lang="en-US" sz="1800" dirty="0"/>
+                            <a:rPr lang="en-US" sz="1600" dirty="0"/>
                             <a:t>0.0</a:t>
                           </a:r>
                         </a:p>
@@ -18563,7 +18845,7 @@
                         <a:p>
                           <a:pPr algn="ctr"/>
                           <a:r>
-                            <a:rPr lang="en-US" sz="1800" dirty="0"/>
+                            <a:rPr lang="en-US" sz="1600" dirty="0"/>
                             <a:t>0.0</a:t>
                           </a:r>
                         </a:p>
@@ -18627,8 +18909,8 @@
                         <a:p>
                           <a:pPr algn="ctr"/>
                           <a:r>
-                            <a:rPr lang="en-US" sz="1800" dirty="0"/>
-                            <a:t>4</a:t>
+                            <a:rPr lang="en-US" sz="1600" dirty="0"/>
+                            <a:t>1/0.25</a:t>
                           </a:r>
                         </a:p>
                       </a:txBody>
@@ -18691,7 +18973,7 @@
                         <a:p>
                           <a:pPr algn="ctr"/>
                           <a:r>
-                            <a:rPr lang="en-US" sz="1800" dirty="0"/>
+                            <a:rPr lang="en-US" sz="1600" dirty="0"/>
                             <a:t>0.0</a:t>
                           </a:r>
                         </a:p>
@@ -18755,8 +19037,8 @@
                         <a:p>
                           <a:pPr algn="ctr"/>
                           <a:r>
-                            <a:rPr lang="en-US" sz="1800" dirty="0"/>
-                            <a:t>4</a:t>
+                            <a:rPr lang="en-US" sz="1600" dirty="0"/>
+                            <a:t>1/0.25</a:t>
                           </a:r>
                         </a:p>
                       </a:txBody>
@@ -18819,8 +19101,8 @@
                         <a:p>
                           <a:pPr algn="ctr"/>
                           <a:r>
-                            <a:rPr lang="en-US" sz="1800" dirty="0"/>
-                            <a:t>2</a:t>
+                            <a:rPr lang="en-US" sz="1600" dirty="0"/>
+                            <a:t>1/0.50</a:t>
                           </a:r>
                         </a:p>
                       </a:txBody>
@@ -18903,7 +19185,7 @@
               <p:nvPr>
                 <p:extLst>
                   <p:ext uri="{D42A27DB-BD31-4B8C-83A1-F6EECF244321}">
-                    <p14:modId xmlns:p14="http://schemas.microsoft.com/office/powerpoint/2010/main" val="1187619643"/>
+                    <p14:modId xmlns:p14="http://schemas.microsoft.com/office/powerpoint/2010/main" val="1969800116"/>
                   </p:ext>
                 </p:extLst>
               </p:nvPr>
@@ -19527,8 +19809,8 @@
                         <a:p>
                           <a:pPr algn="ctr"/>
                           <a:r>
-                            <a:rPr lang="en-US" sz="1800" dirty="0"/>
-                            <a:t>2</a:t>
+                            <a:rPr lang="en-US" sz="1600" dirty="0"/>
+                            <a:t>1/0.50</a:t>
                           </a:r>
                         </a:p>
                       </a:txBody>
@@ -19591,8 +19873,8 @@
                         <a:p>
                           <a:pPr algn="ctr"/>
                           <a:r>
-                            <a:rPr lang="en-US" sz="1800" dirty="0"/>
-                            <a:t>4</a:t>
+                            <a:rPr lang="en-US" sz="1600" dirty="0"/>
+                            <a:t>1/0.25</a:t>
                           </a:r>
                         </a:p>
                       </a:txBody>
@@ -19655,8 +19937,8 @@
                         <a:p>
                           <a:pPr algn="ctr"/>
                           <a:r>
-                            <a:rPr lang="en-US" sz="1800" dirty="0"/>
-                            <a:t>1.25</a:t>
+                            <a:rPr lang="en-US" sz="1600" dirty="0"/>
+                            <a:t>1/0.80</a:t>
                           </a:r>
                         </a:p>
                       </a:txBody>
@@ -19719,7 +20001,7 @@
                         <a:p>
                           <a:pPr algn="ctr"/>
                           <a:r>
-                            <a:rPr lang="en-US" sz="1800" dirty="0"/>
+                            <a:rPr lang="en-US" sz="1600" dirty="0"/>
                             <a:t>0.0</a:t>
                           </a:r>
                         </a:p>
@@ -19799,8 +20081,8 @@
                             <a:defRPr/>
                           </a:pPr>
                           <a:r>
-                            <a:rPr lang="en-US" sz="1800" dirty="0"/>
-                            <a:t>4</a:t>
+                            <a:rPr lang="en-US" sz="1600" dirty="0"/>
+                            <a:t>1/0.25</a:t>
                           </a:r>
                         </a:p>
                       </a:txBody>
@@ -19992,8 +20274,8 @@
                         <a:p>
                           <a:pPr algn="ctr"/>
                           <a:r>
-                            <a:rPr lang="en-US" sz="1800" dirty="0"/>
-                            <a:t>4</a:t>
+                            <a:rPr lang="en-US" sz="1600" dirty="0"/>
+                            <a:t>1/0.25</a:t>
                           </a:r>
                         </a:p>
                       </a:txBody>
@@ -20056,7 +20338,7 @@
                         <a:p>
                           <a:pPr algn="ctr"/>
                           <a:r>
-                            <a:rPr lang="en-US" sz="1800" dirty="0"/>
+                            <a:rPr lang="en-US" sz="1600" dirty="0"/>
                             <a:t>0.0</a:t>
                           </a:r>
                         </a:p>
@@ -20120,7 +20402,7 @@
                         <a:p>
                           <a:pPr algn="ctr"/>
                           <a:r>
-                            <a:rPr lang="en-US" sz="1800" dirty="0"/>
+                            <a:rPr lang="en-US" sz="1600" dirty="0"/>
                             <a:t>0.0</a:t>
                           </a:r>
                         </a:p>
@@ -20184,7 +20466,7 @@
                         <a:p>
                           <a:pPr algn="ctr"/>
                           <a:r>
-                            <a:rPr lang="en-US" sz="1800" dirty="0"/>
+                            <a:rPr lang="en-US" sz="1600" dirty="0"/>
                             <a:t>0.0</a:t>
                           </a:r>
                         </a:p>
@@ -20248,7 +20530,7 @@
                         <a:p>
                           <a:pPr algn="ctr"/>
                           <a:r>
-                            <a:rPr lang="en-US" sz="1800" dirty="0"/>
+                            <a:rPr lang="en-US" sz="1600" dirty="0"/>
                             <a:t>0.0</a:t>
                           </a:r>
                         </a:p>
@@ -20476,8 +20758,8 @@
                             <a:defRPr/>
                           </a:pPr>
                           <a:r>
-                            <a:rPr lang="en-US" sz="1800" dirty="0"/>
-                            <a:t>10</a:t>
+                            <a:rPr lang="en-US" sz="1600" dirty="0"/>
+                            <a:t>1/0.10</a:t>
                           </a:r>
                         </a:p>
                       </a:txBody>
@@ -20540,8 +20822,8 @@
                         <a:p>
                           <a:pPr algn="ctr"/>
                           <a:r>
-                            <a:rPr lang="en-US" sz="1800" dirty="0"/>
-                            <a:t>2</a:t>
+                            <a:rPr lang="en-US" sz="1600" dirty="0"/>
+                            <a:t>1/0.50</a:t>
                           </a:r>
                         </a:p>
                       </a:txBody>
@@ -20604,7 +20886,7 @@
                         <a:p>
                           <a:pPr algn="ctr"/>
                           <a:r>
-                            <a:rPr lang="en-US" sz="1800" dirty="0"/>
+                            <a:rPr lang="en-US" sz="1600" dirty="0"/>
                             <a:t>0.0</a:t>
                           </a:r>
                         </a:p>
@@ -20668,10 +20950,10 @@
                         <a:p>
                           <a:pPr algn="ctr"/>
                           <a:r>
-                            <a:rPr lang="en-US" sz="1800"/>
+                            <a:rPr lang="en-US" sz="1600"/>
                             <a:t>0.0</a:t>
                           </a:r>
-                          <a:endParaRPr lang="en-US" sz="1800" dirty="0"/>
+                          <a:endParaRPr lang="en-US" sz="1600" dirty="0"/>
                         </a:p>
                       </a:txBody>
                       <a:tcPr>
@@ -20733,7 +21015,7 @@
                         <a:p>
                           <a:pPr algn="ctr"/>
                           <a:r>
-                            <a:rPr lang="en-US" sz="1800" dirty="0"/>
+                            <a:rPr lang="en-US" sz="1600" dirty="0"/>
                             <a:t>0.0</a:t>
                           </a:r>
                         </a:p>
@@ -20926,7 +21208,7 @@
                         <a:p>
                           <a:pPr algn="ctr"/>
                           <a:r>
-                            <a:rPr lang="en-US" sz="1800" dirty="0"/>
+                            <a:rPr lang="en-US" sz="1600" dirty="0"/>
                             <a:t>0.0</a:t>
                           </a:r>
                         </a:p>
@@ -20990,10 +21272,333 @@
                         <a:p>
                           <a:pPr algn="ctr"/>
                           <a:r>
-                            <a:rPr lang="en-US" sz="1800"/>
+                            <a:rPr lang="en-US" sz="1600" dirty="0"/>
                             <a:t>0.0</a:t>
                           </a:r>
-                          <a:endParaRPr lang="en-US" sz="1800" dirty="0"/>
+                        </a:p>
+                      </a:txBody>
+                      <a:tcPr>
+                        <a:lnL w="12700" cap="flat" cmpd="sng" algn="ctr">
+                          <a:solidFill>
+                            <a:schemeClr val="tx1"/>
+                          </a:solidFill>
+                          <a:prstDash val="solid"/>
+                          <a:round/>
+                          <a:headEnd type="none" w="med" len="med"/>
+                          <a:tailEnd type="none" w="med" len="med"/>
+                        </a:lnL>
+                        <a:lnR w="12700" cap="flat" cmpd="sng" algn="ctr">
+                          <a:solidFill>
+                            <a:schemeClr val="tx1"/>
+                          </a:solidFill>
+                          <a:prstDash val="solid"/>
+                          <a:round/>
+                          <a:headEnd type="none" w="med" len="med"/>
+                          <a:tailEnd type="none" w="med" len="med"/>
+                        </a:lnR>
+                        <a:lnT w="12700" cap="flat" cmpd="sng" algn="ctr">
+                          <a:solidFill>
+                            <a:schemeClr val="tx1"/>
+                          </a:solidFill>
+                          <a:prstDash val="solid"/>
+                          <a:round/>
+                          <a:headEnd type="none" w="med" len="med"/>
+                          <a:tailEnd type="none" w="med" len="med"/>
+                        </a:lnT>
+                        <a:lnB w="12700" cap="flat" cmpd="sng" algn="ctr">
+                          <a:solidFill>
+                            <a:schemeClr val="tx1"/>
+                          </a:solidFill>
+                          <a:prstDash val="solid"/>
+                          <a:round/>
+                          <a:headEnd type="none" w="med" len="med"/>
+                          <a:tailEnd type="none" w="med" len="med"/>
+                        </a:lnB>
+                        <a:lnTlToBr w="12700" cmpd="sng">
+                          <a:noFill/>
+                          <a:prstDash val="solid"/>
+                        </a:lnTlToBr>
+                        <a:lnBlToTr w="12700" cmpd="sng">
+                          <a:noFill/>
+                          <a:prstDash val="solid"/>
+                        </a:lnBlToTr>
+                        <a:solidFill>
+                          <a:schemeClr val="bg1">
+                            <a:lumMod val="95000"/>
+                          </a:schemeClr>
+                        </a:solidFill>
+                      </a:tcPr>
+                    </a:tc>
+                    <a:tc>
+                      <a:txBody>
+                        <a:bodyPr/>
+                        <a:lstStyle/>
+                        <a:p>
+                          <a:pPr algn="ctr"/>
+                          <a:r>
+                            <a:rPr lang="en-US" sz="1600" dirty="0"/>
+                            <a:t>1/0.15</a:t>
+                          </a:r>
+                        </a:p>
+                      </a:txBody>
+                      <a:tcPr>
+                        <a:lnL w="12700" cap="flat" cmpd="sng" algn="ctr">
+                          <a:solidFill>
+                            <a:schemeClr val="tx1"/>
+                          </a:solidFill>
+                          <a:prstDash val="solid"/>
+                          <a:round/>
+                          <a:headEnd type="none" w="med" len="med"/>
+                          <a:tailEnd type="none" w="med" len="med"/>
+                        </a:lnL>
+                        <a:lnR w="12700" cap="flat" cmpd="sng" algn="ctr">
+                          <a:solidFill>
+                            <a:schemeClr val="tx1"/>
+                          </a:solidFill>
+                          <a:prstDash val="solid"/>
+                          <a:round/>
+                          <a:headEnd type="none" w="med" len="med"/>
+                          <a:tailEnd type="none" w="med" len="med"/>
+                        </a:lnR>
+                        <a:lnT w="12700" cap="flat" cmpd="sng" algn="ctr">
+                          <a:solidFill>
+                            <a:schemeClr val="tx1"/>
+                          </a:solidFill>
+                          <a:prstDash val="solid"/>
+                          <a:round/>
+                          <a:headEnd type="none" w="med" len="med"/>
+                          <a:tailEnd type="none" w="med" len="med"/>
+                        </a:lnT>
+                        <a:lnB w="12700" cap="flat" cmpd="sng" algn="ctr">
+                          <a:solidFill>
+                            <a:schemeClr val="tx1"/>
+                          </a:solidFill>
+                          <a:prstDash val="solid"/>
+                          <a:round/>
+                          <a:headEnd type="none" w="med" len="med"/>
+                          <a:tailEnd type="none" w="med" len="med"/>
+                        </a:lnB>
+                        <a:lnTlToBr w="12700" cmpd="sng">
+                          <a:noFill/>
+                          <a:prstDash val="solid"/>
+                        </a:lnTlToBr>
+                        <a:lnBlToTr w="12700" cmpd="sng">
+                          <a:noFill/>
+                          <a:prstDash val="solid"/>
+                        </a:lnBlToTr>
+                        <a:solidFill>
+                          <a:schemeClr val="bg1">
+                            <a:lumMod val="95000"/>
+                          </a:schemeClr>
+                        </a:solidFill>
+                      </a:tcPr>
+                    </a:tc>
+                    <a:tc>
+                      <a:txBody>
+                        <a:bodyPr/>
+                        <a:lstStyle/>
+                        <a:p>
+                          <a:pPr algn="ctr"/>
+                          <a:r>
+                            <a:rPr lang="en-US" sz="1600" dirty="0"/>
+                            <a:t>1/0.50</a:t>
+                          </a:r>
+                        </a:p>
+                      </a:txBody>
+                      <a:tcPr>
+                        <a:lnL w="12700" cap="flat" cmpd="sng" algn="ctr">
+                          <a:solidFill>
+                            <a:schemeClr val="tx1"/>
+                          </a:solidFill>
+                          <a:prstDash val="solid"/>
+                          <a:round/>
+                          <a:headEnd type="none" w="med" len="med"/>
+                          <a:tailEnd type="none" w="med" len="med"/>
+                        </a:lnL>
+                        <a:lnR w="12700" cap="flat" cmpd="sng" algn="ctr">
+                          <a:solidFill>
+                            <a:schemeClr val="tx1"/>
+                          </a:solidFill>
+                          <a:prstDash val="solid"/>
+                          <a:round/>
+                          <a:headEnd type="none" w="med" len="med"/>
+                          <a:tailEnd type="none" w="med" len="med"/>
+                        </a:lnR>
+                        <a:lnT w="12700" cap="flat" cmpd="sng" algn="ctr">
+                          <a:solidFill>
+                            <a:schemeClr val="tx1"/>
+                          </a:solidFill>
+                          <a:prstDash val="solid"/>
+                          <a:round/>
+                          <a:headEnd type="none" w="med" len="med"/>
+                          <a:tailEnd type="none" w="med" len="med"/>
+                        </a:lnT>
+                        <a:lnB w="12700" cap="flat" cmpd="sng" algn="ctr">
+                          <a:solidFill>
+                            <a:schemeClr val="tx1"/>
+                          </a:solidFill>
+                          <a:prstDash val="solid"/>
+                          <a:round/>
+                          <a:headEnd type="none" w="med" len="med"/>
+                          <a:tailEnd type="none" w="med" len="med"/>
+                        </a:lnB>
+                        <a:lnTlToBr w="12700" cmpd="sng">
+                          <a:noFill/>
+                          <a:prstDash val="solid"/>
+                        </a:lnTlToBr>
+                        <a:lnBlToTr w="12700" cmpd="sng">
+                          <a:noFill/>
+                          <a:prstDash val="solid"/>
+                        </a:lnBlToTr>
+                        <a:solidFill>
+                          <a:schemeClr val="bg1">
+                            <a:lumMod val="95000"/>
+                          </a:schemeClr>
+                        </a:solidFill>
+                      </a:tcPr>
+                    </a:tc>
+                    <a:tc>
+                      <a:txBody>
+                        <a:bodyPr/>
+                        <a:lstStyle/>
+                        <a:p>
+                          <a:pPr algn="ctr"/>
+                          <a:r>
+                            <a:rPr lang="en-US" sz="1600" dirty="0"/>
+                            <a:t>1/0.25</a:t>
+                          </a:r>
+                        </a:p>
+                      </a:txBody>
+                      <a:tcPr>
+                        <a:lnL w="12700" cap="flat" cmpd="sng" algn="ctr">
+                          <a:solidFill>
+                            <a:schemeClr val="tx1"/>
+                          </a:solidFill>
+                          <a:prstDash val="solid"/>
+                          <a:round/>
+                          <a:headEnd type="none" w="med" len="med"/>
+                          <a:tailEnd type="none" w="med" len="med"/>
+                        </a:lnL>
+                        <a:lnR w="12700" cap="flat" cmpd="sng" algn="ctr">
+                          <a:solidFill>
+                            <a:schemeClr val="tx1"/>
+                          </a:solidFill>
+                          <a:prstDash val="solid"/>
+                          <a:round/>
+                          <a:headEnd type="none" w="med" len="med"/>
+                          <a:tailEnd type="none" w="med" len="med"/>
+                        </a:lnR>
+                        <a:lnT w="12700" cap="flat" cmpd="sng" algn="ctr">
+                          <a:solidFill>
+                            <a:schemeClr val="tx1"/>
+                          </a:solidFill>
+                          <a:prstDash val="solid"/>
+                          <a:round/>
+                          <a:headEnd type="none" w="med" len="med"/>
+                          <a:tailEnd type="none" w="med" len="med"/>
+                        </a:lnT>
+                        <a:lnB w="12700" cap="flat" cmpd="sng" algn="ctr">
+                          <a:solidFill>
+                            <a:schemeClr val="tx1"/>
+                          </a:solidFill>
+                          <a:prstDash val="solid"/>
+                          <a:round/>
+                          <a:headEnd type="none" w="med" len="med"/>
+                          <a:tailEnd type="none" w="med" len="med"/>
+                        </a:lnB>
+                        <a:lnTlToBr w="12700" cmpd="sng">
+                          <a:noFill/>
+                          <a:prstDash val="solid"/>
+                        </a:lnTlToBr>
+                        <a:lnBlToTr w="12700" cmpd="sng">
+                          <a:noFill/>
+                          <a:prstDash val="solid"/>
+                        </a:lnBlToTr>
+                        <a:solidFill>
+                          <a:schemeClr val="bg1">
+                            <a:lumMod val="95000"/>
+                          </a:schemeClr>
+                        </a:solidFill>
+                      </a:tcPr>
+                    </a:tc>
+                    <a:extLst>
+                      <a:ext uri="{0D108BD9-81ED-4DB2-BD59-A6C34878D82A}">
+                        <a16:rowId xmlns:a16="http://schemas.microsoft.com/office/drawing/2014/main" val="3238910779"/>
+                      </a:ext>
+                    </a:extLst>
+                  </a:tr>
+                  <a:tr h="457200">
+                    <a:tc>
+                      <a:txBody>
+                        <a:bodyPr/>
+                        <a:lstStyle/>
+                        <a:p>
+                          <a:endParaRPr lang="en-US"/>
+                        </a:p>
+                      </a:txBody>
+                      <a:tcPr>
+                        <a:lnL w="12700" cap="flat" cmpd="sng" algn="ctr">
+                          <a:solidFill>
+                            <a:schemeClr val="tx1"/>
+                          </a:solidFill>
+                          <a:prstDash val="solid"/>
+                          <a:round/>
+                          <a:headEnd type="none" w="med" len="med"/>
+                          <a:tailEnd type="none" w="med" len="med"/>
+                        </a:lnL>
+                        <a:lnR w="12700" cap="flat" cmpd="sng" algn="ctr">
+                          <a:solidFill>
+                            <a:schemeClr val="tx1"/>
+                          </a:solidFill>
+                          <a:prstDash val="solid"/>
+                          <a:round/>
+                          <a:headEnd type="none" w="med" len="med"/>
+                          <a:tailEnd type="none" w="med" len="med"/>
+                        </a:lnR>
+                        <a:lnT w="12700" cap="flat" cmpd="sng" algn="ctr">
+                          <a:solidFill>
+                            <a:schemeClr val="tx1"/>
+                          </a:solidFill>
+                          <a:prstDash val="solid"/>
+                          <a:round/>
+                          <a:headEnd type="none" w="med" len="med"/>
+                          <a:tailEnd type="none" w="med" len="med"/>
+                        </a:lnT>
+                        <a:lnB w="12700" cap="flat" cmpd="sng" algn="ctr">
+                          <a:solidFill>
+                            <a:schemeClr val="tx1"/>
+                          </a:solidFill>
+                          <a:prstDash val="solid"/>
+                          <a:round/>
+                          <a:headEnd type="none" w="med" len="med"/>
+                          <a:tailEnd type="none" w="med" len="med"/>
+                        </a:lnB>
+                        <a:lnTlToBr w="12700" cmpd="sng">
+                          <a:noFill/>
+                          <a:prstDash val="solid"/>
+                        </a:lnTlToBr>
+                        <a:lnBlToTr w="12700" cmpd="sng">
+                          <a:noFill/>
+                          <a:prstDash val="solid"/>
+                        </a:lnBlToTr>
+                        <a:blipFill>
+                          <a:blip r:embed="rId8"/>
+                          <a:stretch>
+                            <a:fillRect l="-671" t="-509333" r="-599329" b="-105333"/>
+                          </a:stretch>
+                        </a:blipFill>
+                      </a:tcPr>
+                    </a:tc>
+                    <a:tc>
+                      <a:txBody>
+                        <a:bodyPr/>
+                        <a:lstStyle/>
+                        <a:p>
+                          <a:pPr algn="ctr"/>
+                          <a:r>
+                            <a:rPr lang="en-US" sz="1800" dirty="0"/>
+                            <a:t>0.0</a:t>
+                          </a:r>
                         </a:p>
                       </a:txBody>
                       <a:tcPr>
@@ -21071,8 +21676,8 @@
                             <a:defRPr/>
                           </a:pPr>
                           <a:r>
-                            <a:rPr lang="en-US" sz="1800" dirty="0"/>
-                            <a:t>6.67</a:t>
+                            <a:rPr lang="en-US" sz="1600" dirty="0"/>
+                            <a:t>1/0.15</a:t>
                           </a:r>
                         </a:p>
                       </a:txBody>
@@ -21135,206 +21740,9 @@
                         <a:p>
                           <a:pPr algn="ctr"/>
                           <a:r>
-                            <a:rPr lang="en-US" sz="1800" dirty="0"/>
-                            <a:t>2</a:t>
-                          </a:r>
-                        </a:p>
-                      </a:txBody>
-                      <a:tcPr>
-                        <a:lnL w="12700" cap="flat" cmpd="sng" algn="ctr">
-                          <a:solidFill>
-                            <a:schemeClr val="tx1"/>
-                          </a:solidFill>
-                          <a:prstDash val="solid"/>
-                          <a:round/>
-                          <a:headEnd type="none" w="med" len="med"/>
-                          <a:tailEnd type="none" w="med" len="med"/>
-                        </a:lnL>
-                        <a:lnR w="12700" cap="flat" cmpd="sng" algn="ctr">
-                          <a:solidFill>
-                            <a:schemeClr val="tx1"/>
-                          </a:solidFill>
-                          <a:prstDash val="solid"/>
-                          <a:round/>
-                          <a:headEnd type="none" w="med" len="med"/>
-                          <a:tailEnd type="none" w="med" len="med"/>
-                        </a:lnR>
-                        <a:lnT w="12700" cap="flat" cmpd="sng" algn="ctr">
-                          <a:solidFill>
-                            <a:schemeClr val="tx1"/>
-                          </a:solidFill>
-                          <a:prstDash val="solid"/>
-                          <a:round/>
-                          <a:headEnd type="none" w="med" len="med"/>
-                          <a:tailEnd type="none" w="med" len="med"/>
-                        </a:lnT>
-                        <a:lnB w="12700" cap="flat" cmpd="sng" algn="ctr">
-                          <a:solidFill>
-                            <a:schemeClr val="tx1"/>
-                          </a:solidFill>
-                          <a:prstDash val="solid"/>
-                          <a:round/>
-                          <a:headEnd type="none" w="med" len="med"/>
-                          <a:tailEnd type="none" w="med" len="med"/>
-                        </a:lnB>
-                        <a:lnTlToBr w="12700" cmpd="sng">
-                          <a:noFill/>
-                          <a:prstDash val="solid"/>
-                        </a:lnTlToBr>
-                        <a:lnBlToTr w="12700" cmpd="sng">
-                          <a:noFill/>
-                          <a:prstDash val="solid"/>
-                        </a:lnBlToTr>
-                        <a:solidFill>
-                          <a:schemeClr val="bg1">
-                            <a:lumMod val="95000"/>
-                          </a:schemeClr>
-                        </a:solidFill>
-                      </a:tcPr>
-                    </a:tc>
-                    <a:tc>
-                      <a:txBody>
-                        <a:bodyPr/>
-                        <a:lstStyle/>
-                        <a:p>
-                          <a:pPr algn="ctr"/>
-                          <a:r>
-                            <a:rPr lang="en-US" sz="1800" dirty="0"/>
-                            <a:t>4</a:t>
-                          </a:r>
-                        </a:p>
-                      </a:txBody>
-                      <a:tcPr>
-                        <a:lnL w="12700" cap="flat" cmpd="sng" algn="ctr">
-                          <a:solidFill>
-                            <a:schemeClr val="tx1"/>
-                          </a:solidFill>
-                          <a:prstDash val="solid"/>
-                          <a:round/>
-                          <a:headEnd type="none" w="med" len="med"/>
-                          <a:tailEnd type="none" w="med" len="med"/>
-                        </a:lnL>
-                        <a:lnR w="12700" cap="flat" cmpd="sng" algn="ctr">
-                          <a:solidFill>
-                            <a:schemeClr val="tx1"/>
-                          </a:solidFill>
-                          <a:prstDash val="solid"/>
-                          <a:round/>
-                          <a:headEnd type="none" w="med" len="med"/>
-                          <a:tailEnd type="none" w="med" len="med"/>
-                        </a:lnR>
-                        <a:lnT w="12700" cap="flat" cmpd="sng" algn="ctr">
-                          <a:solidFill>
-                            <a:schemeClr val="tx1"/>
-                          </a:solidFill>
-                          <a:prstDash val="solid"/>
-                          <a:round/>
-                          <a:headEnd type="none" w="med" len="med"/>
-                          <a:tailEnd type="none" w="med" len="med"/>
-                        </a:lnT>
-                        <a:lnB w="12700" cap="flat" cmpd="sng" algn="ctr">
-                          <a:solidFill>
-                            <a:schemeClr val="tx1"/>
-                          </a:solidFill>
-                          <a:prstDash val="solid"/>
-                          <a:round/>
-                          <a:headEnd type="none" w="med" len="med"/>
-                          <a:tailEnd type="none" w="med" len="med"/>
-                        </a:lnB>
-                        <a:lnTlToBr w="12700" cmpd="sng">
-                          <a:noFill/>
-                          <a:prstDash val="solid"/>
-                        </a:lnTlToBr>
-                        <a:lnBlToTr w="12700" cmpd="sng">
-                          <a:noFill/>
-                          <a:prstDash val="solid"/>
-                        </a:lnBlToTr>
-                        <a:solidFill>
-                          <a:schemeClr val="bg1">
-                            <a:lumMod val="95000"/>
-                          </a:schemeClr>
-                        </a:solidFill>
-                      </a:tcPr>
-                    </a:tc>
-                    <a:extLst>
-                      <a:ext uri="{0D108BD9-81ED-4DB2-BD59-A6C34878D82A}">
-                        <a16:rowId xmlns:a16="http://schemas.microsoft.com/office/drawing/2014/main" val="3238910779"/>
-                      </a:ext>
-                    </a:extLst>
-                  </a:tr>
-                  <a:tr h="457200">
-                    <a:tc>
-                      <a:txBody>
-                        <a:bodyPr/>
-                        <a:lstStyle/>
-                        <a:p>
-                          <a:endParaRPr lang="en-US"/>
-                        </a:p>
-                      </a:txBody>
-                      <a:tcPr>
-                        <a:lnL w="12700" cap="flat" cmpd="sng" algn="ctr">
-                          <a:solidFill>
-                            <a:schemeClr val="tx1"/>
-                          </a:solidFill>
-                          <a:prstDash val="solid"/>
-                          <a:round/>
-                          <a:headEnd type="none" w="med" len="med"/>
-                          <a:tailEnd type="none" w="med" len="med"/>
-                        </a:lnL>
-                        <a:lnR w="12700" cap="flat" cmpd="sng" algn="ctr">
-                          <a:solidFill>
-                            <a:schemeClr val="tx1"/>
-                          </a:solidFill>
-                          <a:prstDash val="solid"/>
-                          <a:round/>
-                          <a:headEnd type="none" w="med" len="med"/>
-                          <a:tailEnd type="none" w="med" len="med"/>
-                        </a:lnR>
-                        <a:lnT w="12700" cap="flat" cmpd="sng" algn="ctr">
-                          <a:solidFill>
-                            <a:schemeClr val="tx1"/>
-                          </a:solidFill>
-                          <a:prstDash val="solid"/>
-                          <a:round/>
-                          <a:headEnd type="none" w="med" len="med"/>
-                          <a:tailEnd type="none" w="med" len="med"/>
-                        </a:lnT>
-                        <a:lnB w="12700" cap="flat" cmpd="sng" algn="ctr">
-                          <a:solidFill>
-                            <a:schemeClr val="tx1"/>
-                          </a:solidFill>
-                          <a:prstDash val="solid"/>
-                          <a:round/>
-                          <a:headEnd type="none" w="med" len="med"/>
-                          <a:tailEnd type="none" w="med" len="med"/>
-                        </a:lnB>
-                        <a:lnTlToBr w="12700" cmpd="sng">
-                          <a:noFill/>
-                          <a:prstDash val="solid"/>
-                        </a:lnTlToBr>
-                        <a:lnBlToTr w="12700" cmpd="sng">
-                          <a:noFill/>
-                          <a:prstDash val="solid"/>
-                        </a:lnBlToTr>
-                        <a:blipFill>
-                          <a:blip r:embed="rId8"/>
-                          <a:stretch>
-                            <a:fillRect l="-671" t="-509333" r="-599329" b="-105333"/>
-                          </a:stretch>
-                        </a:blipFill>
-                      </a:tcPr>
-                    </a:tc>
-                    <a:tc>
-                      <a:txBody>
-                        <a:bodyPr/>
-                        <a:lstStyle/>
-                        <a:p>
-                          <a:pPr algn="ctr"/>
-                          <a:r>
-                            <a:rPr lang="en-US" sz="1800"/>
+                            <a:rPr lang="en-US" sz="1600" dirty="0"/>
                             <a:t>0.0</a:t>
                           </a:r>
-                          <a:endParaRPr lang="en-US" sz="1800" dirty="0"/>
                         </a:p>
                       </a:txBody>
                       <a:tcPr>
@@ -21412,8 +21820,8 @@
                             <a:defRPr/>
                           </a:pPr>
                           <a:r>
-                            <a:rPr lang="en-US" sz="1800" dirty="0"/>
-                            <a:t>6.67</a:t>
+                            <a:rPr lang="en-US" sz="1600" dirty="0"/>
+                            <a:t>1/0.05</a:t>
                           </a:r>
                         </a:p>
                       </a:txBody>
@@ -21476,89 +21884,8 @@
                         <a:p>
                           <a:pPr algn="ctr"/>
                           <a:r>
-                            <a:rPr lang="en-US" sz="1800"/>
-                            <a:t>0.0</a:t>
-                          </a:r>
-                          <a:endParaRPr lang="en-US" sz="1800" dirty="0"/>
-                        </a:p>
-                      </a:txBody>
-                      <a:tcPr>
-                        <a:lnL w="12700" cap="flat" cmpd="sng" algn="ctr">
-                          <a:solidFill>
-                            <a:schemeClr val="tx1"/>
-                          </a:solidFill>
-                          <a:prstDash val="solid"/>
-                          <a:round/>
-                          <a:headEnd type="none" w="med" len="med"/>
-                          <a:tailEnd type="none" w="med" len="med"/>
-                        </a:lnL>
-                        <a:lnR w="12700" cap="flat" cmpd="sng" algn="ctr">
-                          <a:solidFill>
-                            <a:schemeClr val="tx1"/>
-                          </a:solidFill>
-                          <a:prstDash val="solid"/>
-                          <a:round/>
-                          <a:headEnd type="none" w="med" len="med"/>
-                          <a:tailEnd type="none" w="med" len="med"/>
-                        </a:lnR>
-                        <a:lnT w="12700" cap="flat" cmpd="sng" algn="ctr">
-                          <a:solidFill>
-                            <a:schemeClr val="tx1"/>
-                          </a:solidFill>
-                          <a:prstDash val="solid"/>
-                          <a:round/>
-                          <a:headEnd type="none" w="med" len="med"/>
-                          <a:tailEnd type="none" w="med" len="med"/>
-                        </a:lnT>
-                        <a:lnB w="12700" cap="flat" cmpd="sng" algn="ctr">
-                          <a:solidFill>
-                            <a:schemeClr val="tx1"/>
-                          </a:solidFill>
-                          <a:prstDash val="solid"/>
-                          <a:round/>
-                          <a:headEnd type="none" w="med" len="med"/>
-                          <a:tailEnd type="none" w="med" len="med"/>
-                        </a:lnB>
-                        <a:lnTlToBr w="12700" cmpd="sng">
-                          <a:noFill/>
-                          <a:prstDash val="solid"/>
-                        </a:lnTlToBr>
-                        <a:lnBlToTr w="12700" cmpd="sng">
-                          <a:noFill/>
-                          <a:prstDash val="solid"/>
-                        </a:lnBlToTr>
-                        <a:solidFill>
-                          <a:schemeClr val="bg1">
-                            <a:lumMod val="95000"/>
-                          </a:schemeClr>
-                        </a:solidFill>
-                      </a:tcPr>
-                    </a:tc>
-                    <a:tc>
-                      <a:txBody>
-                        <a:bodyPr/>
-                        <a:lstStyle/>
-                        <a:p>
-                          <a:pPr marL="0" marR="0" lvl="0" indent="0" algn="ctr" defTabSz="1219170" rtl="0" eaLnBrk="1" fontAlgn="auto" latinLnBrk="0" hangingPunct="1">
-                            <a:lnSpc>
-                              <a:spcPct val="100000"/>
-                            </a:lnSpc>
-                            <a:spcBef>
-                              <a:spcPts val="0"/>
-                            </a:spcBef>
-                            <a:spcAft>
-                              <a:spcPts val="0"/>
-                            </a:spcAft>
-                            <a:buClrTx/>
-                            <a:buSzTx/>
-                            <a:buFontTx/>
-                            <a:buNone/>
-                            <a:tabLst/>
-                            <a:defRPr/>
-                          </a:pPr>
-                          <a:r>
-                            <a:rPr lang="en-US" sz="1800" dirty="0"/>
-                            <a:t>20</a:t>
+                            <a:rPr lang="en-US" sz="1600" dirty="0"/>
+                            <a:t>1/0.25</a:t>
                           </a:r>
                         </a:p>
                       </a:txBody>
@@ -21621,71 +21948,7 @@
                         <a:p>
                           <a:pPr algn="ctr"/>
                           <a:r>
-                            <a:rPr lang="en-US" sz="1800" dirty="0"/>
-                            <a:t>4</a:t>
-                          </a:r>
-                        </a:p>
-                      </a:txBody>
-                      <a:tcPr>
-                        <a:lnL w="12700" cap="flat" cmpd="sng" algn="ctr">
-                          <a:solidFill>
-                            <a:schemeClr val="tx1"/>
-                          </a:solidFill>
-                          <a:prstDash val="solid"/>
-                          <a:round/>
-                          <a:headEnd type="none" w="med" len="med"/>
-                          <a:tailEnd type="none" w="med" len="med"/>
-                        </a:lnL>
-                        <a:lnR w="12700" cap="flat" cmpd="sng" algn="ctr">
-                          <a:solidFill>
-                            <a:schemeClr val="tx1"/>
-                          </a:solidFill>
-                          <a:prstDash val="solid"/>
-                          <a:round/>
-                          <a:headEnd type="none" w="med" len="med"/>
-                          <a:tailEnd type="none" w="med" len="med"/>
-                        </a:lnR>
-                        <a:lnT w="12700" cap="flat" cmpd="sng" algn="ctr">
-                          <a:solidFill>
-                            <a:schemeClr val="tx1"/>
-                          </a:solidFill>
-                          <a:prstDash val="solid"/>
-                          <a:round/>
-                          <a:headEnd type="none" w="med" len="med"/>
-                          <a:tailEnd type="none" w="med" len="med"/>
-                        </a:lnT>
-                        <a:lnB w="12700" cap="flat" cmpd="sng" algn="ctr">
-                          <a:solidFill>
-                            <a:schemeClr val="tx1"/>
-                          </a:solidFill>
-                          <a:prstDash val="solid"/>
-                          <a:round/>
-                          <a:headEnd type="none" w="med" len="med"/>
-                          <a:tailEnd type="none" w="med" len="med"/>
-                        </a:lnB>
-                        <a:lnTlToBr w="12700" cmpd="sng">
-                          <a:noFill/>
-                          <a:prstDash val="solid"/>
-                        </a:lnTlToBr>
-                        <a:lnBlToTr w="12700" cmpd="sng">
-                          <a:noFill/>
-                          <a:prstDash val="solid"/>
-                        </a:lnBlToTr>
-                        <a:solidFill>
-                          <a:schemeClr val="bg1">
-                            <a:lumMod val="95000"/>
-                          </a:schemeClr>
-                        </a:solidFill>
-                      </a:tcPr>
-                    </a:tc>
-                    <a:tc>
-                      <a:txBody>
-                        <a:bodyPr/>
-                        <a:lstStyle/>
-                        <a:p>
-                          <a:pPr algn="ctr"/>
-                          <a:r>
-                            <a:rPr lang="en-US" sz="1800" dirty="0"/>
+                            <a:rPr lang="en-US" sz="1600" dirty="0"/>
                             <a:t>0.0</a:t>
                           </a:r>
                         </a:p>
@@ -21881,7 +22144,7 @@
                         <a:p>
                           <a:pPr algn="ctr"/>
                           <a:r>
-                            <a:rPr lang="en-US" sz="1800" dirty="0"/>
+                            <a:rPr lang="en-US" sz="1600" dirty="0"/>
                             <a:t>0.0</a:t>
                           </a:r>
                         </a:p>
@@ -21945,8 +22208,8 @@
                         <a:p>
                           <a:pPr algn="ctr"/>
                           <a:r>
-                            <a:rPr lang="en-US" sz="1800" dirty="0"/>
-                            <a:t>4</a:t>
+                            <a:rPr lang="en-US" sz="1600" dirty="0"/>
+                            <a:t>1/0.25</a:t>
                           </a:r>
                         </a:p>
                       </a:txBody>
@@ -22009,7 +22272,7 @@
                         <a:p>
                           <a:pPr algn="ctr"/>
                           <a:r>
-                            <a:rPr lang="en-US" sz="1800" dirty="0"/>
+                            <a:rPr lang="en-US" sz="1600" dirty="0"/>
                             <a:t>0.0</a:t>
                           </a:r>
                         </a:p>
@@ -22073,8 +22336,8 @@
                         <a:p>
                           <a:pPr algn="ctr"/>
                           <a:r>
-                            <a:rPr lang="en-US" sz="1800" dirty="0"/>
-                            <a:t>4</a:t>
+                            <a:rPr lang="en-US" sz="1600" dirty="0"/>
+                            <a:t>1/0.25</a:t>
                           </a:r>
                         </a:p>
                       </a:txBody>
@@ -22137,8 +22400,8 @@
                         <a:p>
                           <a:pPr algn="ctr"/>
                           <a:r>
-                            <a:rPr lang="en-US" sz="1800" dirty="0"/>
-                            <a:t>2</a:t>
+                            <a:rPr lang="en-US" sz="1600" dirty="0"/>
+                            <a:t>1/0.50</a:t>
                           </a:r>
                         </a:p>
                       </a:txBody>
@@ -22206,8 +22469,8 @@
           </p:graphicFrame>
         </mc:Fallback>
       </mc:AlternateContent>
-      <mc:AlternateContent xmlns:mc="http://schemas.openxmlformats.org/markup-compatibility/2006">
-        <mc:Choice xmlns:a14="http://schemas.microsoft.com/office/drawing/2010/main" Requires="a14">
+      <mc:AlternateContent xmlns:mc="http://schemas.openxmlformats.org/markup-compatibility/2006" xmlns:a14="http://schemas.microsoft.com/office/drawing/2010/main">
+        <mc:Choice Requires="a14">
           <p:sp>
             <p:nvSpPr>
               <p:cNvPr id="133" name="TextBox 132">
@@ -22339,7 +22602,7 @@
             </p:txBody>
           </p:sp>
         </mc:Choice>
-        <mc:Fallback>
+        <mc:Fallback xmlns="">
           <p:sp>
             <p:nvSpPr>
               <p:cNvPr id="133" name="TextBox 132">
@@ -22574,8 +22837,8 @@
           </a:fontRef>
         </p:style>
       </p:cxnSp>
-      <mc:AlternateContent xmlns:mc="http://schemas.openxmlformats.org/markup-compatibility/2006">
-        <mc:Choice xmlns:a14="http://schemas.microsoft.com/office/drawing/2010/main" Requires="a14">
+      <mc:AlternateContent xmlns:mc="http://schemas.openxmlformats.org/markup-compatibility/2006" xmlns:a14="http://schemas.microsoft.com/office/drawing/2010/main">
+        <mc:Choice Requires="a14">
           <p:sp>
             <p:nvSpPr>
               <p:cNvPr id="39" name="TextBox 38">
@@ -22671,7 +22934,7 @@
             </p:txBody>
           </p:sp>
         </mc:Choice>
-        <mc:Fallback>
+        <mc:Fallback xmlns="">
           <p:sp>
             <p:nvSpPr>
               <p:cNvPr id="39" name="TextBox 38">
@@ -22716,8 +22979,8 @@
           </p:sp>
         </mc:Fallback>
       </mc:AlternateContent>
-      <mc:AlternateContent xmlns:mc="http://schemas.openxmlformats.org/markup-compatibility/2006">
-        <mc:Choice xmlns:a14="http://schemas.microsoft.com/office/drawing/2010/main" Requires="a14">
+      <mc:AlternateContent xmlns:mc="http://schemas.openxmlformats.org/markup-compatibility/2006" xmlns:a14="http://schemas.microsoft.com/office/drawing/2010/main">
+        <mc:Choice Requires="a14">
           <p:sp>
             <p:nvSpPr>
               <p:cNvPr id="40" name="TextBox 39">
@@ -22820,7 +23083,7 @@
             </p:txBody>
           </p:sp>
         </mc:Choice>
-        <mc:Fallback>
+        <mc:Fallback xmlns="">
           <p:sp>
             <p:nvSpPr>
               <p:cNvPr id="40" name="TextBox 39">
@@ -22865,8 +23128,8 @@
           </p:sp>
         </mc:Fallback>
       </mc:AlternateContent>
-      <mc:AlternateContent xmlns:mc="http://schemas.openxmlformats.org/markup-compatibility/2006">
-        <mc:Choice xmlns:a14="http://schemas.microsoft.com/office/drawing/2010/main" Requires="a14">
+      <mc:AlternateContent xmlns:mc="http://schemas.openxmlformats.org/markup-compatibility/2006" xmlns:a14="http://schemas.microsoft.com/office/drawing/2010/main">
+        <mc:Choice Requires="a14">
           <p:sp>
             <p:nvSpPr>
               <p:cNvPr id="41" name="TextBox 40">
@@ -22969,7 +23232,7 @@
             </p:txBody>
           </p:sp>
         </mc:Choice>
-        <mc:Fallback>
+        <mc:Fallback xmlns="">
           <p:sp>
             <p:nvSpPr>
               <p:cNvPr id="41" name="TextBox 40">
@@ -23014,6 +23277,254 @@
           </p:sp>
         </mc:Fallback>
       </mc:AlternateContent>
+      <mc:AlternateContent xmlns:mc="http://schemas.openxmlformats.org/markup-compatibility/2006">
+        <mc:Choice xmlns:a14="http://schemas.microsoft.com/office/drawing/2010/main" Requires="a14">
+          <p:sp>
+            <p:nvSpPr>
+              <p:cNvPr id="34" name="TextBox 33">
+                <a:extLst>
+                  <a:ext uri="{FF2B5EF4-FFF2-40B4-BE49-F238E27FC236}">
+                    <a16:creationId xmlns:a16="http://schemas.microsoft.com/office/drawing/2014/main" id="{64660764-96B8-4510-BF3E-B8E66E2965F1}"/>
+                  </a:ext>
+                </a:extLst>
+              </p:cNvPr>
+              <p:cNvSpPr txBox="1"/>
+              <p:nvPr/>
+            </p:nvSpPr>
+            <p:spPr bwMode="gray">
+              <a:xfrm>
+                <a:off x="5557604" y="5383956"/>
+                <a:ext cx="2701975" cy="923330"/>
+              </a:xfrm>
+              <a:prstGeom prst="rect">
+                <a:avLst/>
+              </a:prstGeom>
+              <a:noFill/>
+            </p:spPr>
+            <p:txBody>
+              <a:bodyPr wrap="square">
+                <a:spAutoFit/>
+              </a:bodyPr>
+              <a:lstStyle/>
+              <a:p>
+                <a:pPr/>
+                <a14:m>
+                  <m:oMath xmlns:m="http://schemas.openxmlformats.org/officeDocument/2006/math">
+                    <m:sSub>
+                      <m:sSubPr>
+                        <m:ctrlPr>
+                          <a:rPr lang="en-US" sz="1800" b="0" i="1" dirty="0" smtClean="0">
+                            <a:latin typeface="Cambria Math" panose="02040503050406030204" pitchFamily="18" charset="0"/>
+                          </a:rPr>
+                        </m:ctrlPr>
+                      </m:sSubPr>
+                      <m:e>
+                        <m:r>
+                          <a:rPr lang="en-US" sz="1800" b="0" i="1" dirty="0" smtClean="0">
+                            <a:latin typeface="Cambria Math" panose="02040503050406030204" pitchFamily="18" charset="0"/>
+                          </a:rPr>
+                          <m:t>𝜆</m:t>
+                        </m:r>
+                      </m:e>
+                      <m:sub>
+                        <m:r>
+                          <a:rPr lang="en-US" sz="1800" b="0" i="1" dirty="0" smtClean="0">
+                            <a:latin typeface="Cambria Math" panose="02040503050406030204" pitchFamily="18" charset="0"/>
+                          </a:rPr>
+                          <m:t>𝑜</m:t>
+                        </m:r>
+                        <m:r>
+                          <a:rPr lang="en-US" sz="1800" i="1" dirty="0" smtClean="0">
+                            <a:latin typeface="Cambria Math" panose="02040503050406030204" pitchFamily="18" charset="0"/>
+                          </a:rPr>
+                          <m:t>1</m:t>
+                        </m:r>
+                        <m:r>
+                          <a:rPr lang="en-US" sz="1800" b="0" i="1" dirty="0" smtClean="0">
+                            <a:latin typeface="Cambria Math" panose="02040503050406030204" pitchFamily="18" charset="0"/>
+                          </a:rPr>
+                          <m:t>𝑜</m:t>
+                        </m:r>
+                        <m:r>
+                          <a:rPr lang="en-US" sz="1800" i="1" dirty="0" smtClean="0">
+                            <a:latin typeface="Cambria Math" panose="02040503050406030204" pitchFamily="18" charset="0"/>
+                          </a:rPr>
+                          <m:t>1</m:t>
+                        </m:r>
+                      </m:sub>
+                    </m:sSub>
+                  </m:oMath>
+                </a14:m>
+                <a:r>
+                  <a:rPr lang="en-US" dirty="0"/>
+                  <a:t>=1/0.15 = 6.67</a:t>
+                </a:r>
+              </a:p>
+              <a:p>
+                <a:pPr/>
+                <a14:m>
+                  <m:oMath xmlns:m="http://schemas.openxmlformats.org/officeDocument/2006/math">
+                    <m:sSub>
+                      <m:sSubPr>
+                        <m:ctrlPr>
+                          <a:rPr lang="en-US" sz="1800" b="0" i="1" dirty="0" smtClean="0">
+                            <a:latin typeface="Cambria Math" panose="02040503050406030204" pitchFamily="18" charset="0"/>
+                          </a:rPr>
+                        </m:ctrlPr>
+                      </m:sSubPr>
+                      <m:e>
+                        <m:r>
+                          <m:rPr>
+                            <m:lit/>
+                          </m:rPr>
+                          <a:rPr lang="en-US" sz="1800" b="0" i="1" dirty="0" smtClean="0">
+                            <a:latin typeface="Cambria Math" panose="02040503050406030204" pitchFamily="18" charset="0"/>
+                          </a:rPr>
+                          <m:t> </m:t>
+                        </m:r>
+                        <m:r>
+                          <a:rPr lang="en-US" sz="1800" b="0" i="1" dirty="0" smtClean="0">
+                            <a:latin typeface="Cambria Math" panose="02040503050406030204" pitchFamily="18" charset="0"/>
+                          </a:rPr>
+                          <m:t>𝜆</m:t>
+                        </m:r>
+                      </m:e>
+                      <m:sub>
+                        <m:r>
+                          <a:rPr lang="en-US" sz="1800" b="0" i="1" dirty="0" smtClean="0">
+                            <a:latin typeface="Cambria Math" panose="02040503050406030204" pitchFamily="18" charset="0"/>
+                          </a:rPr>
+                          <m:t>𝑜</m:t>
+                        </m:r>
+                        <m:r>
+                          <a:rPr lang="en-US" sz="1800" i="1" dirty="0" smtClean="0">
+                            <a:latin typeface="Cambria Math" panose="02040503050406030204" pitchFamily="18" charset="0"/>
+                          </a:rPr>
+                          <m:t>1</m:t>
+                        </m:r>
+                        <m:r>
+                          <a:rPr lang="en-US" sz="1800" b="0" i="1" dirty="0" smtClean="0">
+                            <a:latin typeface="Cambria Math" panose="02040503050406030204" pitchFamily="18" charset="0"/>
+                          </a:rPr>
+                          <m:t>𝑑</m:t>
+                        </m:r>
+                        <m:r>
+                          <a:rPr lang="en-US" sz="1800" i="1" dirty="0" smtClean="0">
+                            <a:latin typeface="Cambria Math" panose="02040503050406030204" pitchFamily="18" charset="0"/>
+                          </a:rPr>
+                          <m:t>1</m:t>
+                        </m:r>
+                      </m:sub>
+                    </m:sSub>
+                  </m:oMath>
+                </a14:m>
+                <a:r>
+                  <a:rPr lang="en-US" dirty="0"/>
+                  <a:t>= 1/0.05 =20</a:t>
+                </a:r>
+              </a:p>
+              <a:p>
+                <a14:m>
+                  <m:oMath xmlns:m="http://schemas.openxmlformats.org/officeDocument/2006/math">
+                    <m:sSub>
+                      <m:sSubPr>
+                        <m:ctrlPr>
+                          <a:rPr lang="en-US" sz="1800" b="0" i="1" dirty="0" smtClean="0">
+                            <a:latin typeface="Cambria Math" panose="02040503050406030204" pitchFamily="18" charset="0"/>
+                          </a:rPr>
+                        </m:ctrlPr>
+                      </m:sSubPr>
+                      <m:e>
+                        <m:r>
+                          <a:rPr lang="en-US" sz="1800" b="0" i="1" dirty="0" smtClean="0">
+                            <a:latin typeface="Cambria Math" panose="02040503050406030204" pitchFamily="18" charset="0"/>
+                          </a:rPr>
+                          <m:t>𝜆</m:t>
+                        </m:r>
+                      </m:e>
+                      <m:sub>
+                        <m:r>
+                          <a:rPr lang="en-US" sz="1800" b="0" i="1" dirty="0" smtClean="0">
+                            <a:latin typeface="Cambria Math" panose="02040503050406030204" pitchFamily="18" charset="0"/>
+                          </a:rPr>
+                          <m:t>𝑜</m:t>
+                        </m:r>
+                        <m:r>
+                          <a:rPr lang="en-US" sz="1800" i="1" dirty="0" smtClean="0">
+                            <a:latin typeface="Cambria Math" panose="02040503050406030204" pitchFamily="18" charset="0"/>
+                          </a:rPr>
+                          <m:t>1</m:t>
+                        </m:r>
+                        <m:r>
+                          <a:rPr lang="en-US" sz="1800" b="0" i="1" dirty="0" smtClean="0">
+                            <a:latin typeface="Cambria Math" panose="02040503050406030204" pitchFamily="18" charset="0"/>
+                          </a:rPr>
+                          <m:t>𝑜</m:t>
+                        </m:r>
+                        <m:r>
+                          <a:rPr lang="en-US" sz="1800" b="0" i="1" dirty="0" smtClean="0">
+                            <a:latin typeface="Cambria Math" panose="02040503050406030204" pitchFamily="18" charset="0"/>
+                          </a:rPr>
+                          <m:t>2</m:t>
+                        </m:r>
+                      </m:sub>
+                    </m:sSub>
+                  </m:oMath>
+                </a14:m>
+                <a:r>
+                  <a:rPr lang="en-US" sz="1800" dirty="0"/>
+                  <a:t> =1/0.80 = 1.25</a:t>
+                </a:r>
+                <a:endParaRPr lang="en-US" dirty="0"/>
+              </a:p>
+            </p:txBody>
+          </p:sp>
+        </mc:Choice>
+        <mc:Fallback>
+          <p:sp>
+            <p:nvSpPr>
+              <p:cNvPr id="34" name="TextBox 33">
+                <a:extLst>
+                  <a:ext uri="{FF2B5EF4-FFF2-40B4-BE49-F238E27FC236}">
+                    <a16:creationId xmlns:a16="http://schemas.microsoft.com/office/drawing/2014/main" id="{64660764-96B8-4510-BF3E-B8E66E2965F1}"/>
+                  </a:ext>
+                </a:extLst>
+              </p:cNvPr>
+              <p:cNvSpPr txBox="1">
+                <a:spLocks noRot="1" noChangeAspect="1" noMove="1" noResize="1" noEditPoints="1" noAdjustHandles="1" noChangeArrowheads="1" noChangeShapeType="1" noTextEdit="1"/>
+              </p:cNvSpPr>
+              <p:nvPr/>
+            </p:nvSpPr>
+            <p:spPr bwMode="gray">
+              <a:xfrm>
+                <a:off x="5557604" y="5383956"/>
+                <a:ext cx="2701975" cy="923330"/>
+              </a:xfrm>
+              <a:prstGeom prst="rect">
+                <a:avLst/>
+              </a:prstGeom>
+              <a:blipFill>
+                <a:blip r:embed="rId13"/>
+                <a:stretch>
+                  <a:fillRect t="-3289" b="-9211"/>
+                </a:stretch>
+              </a:blipFill>
+            </p:spPr>
+            <p:txBody>
+              <a:bodyPr/>
+              <a:lstStyle/>
+              <a:p>
+                <a:r>
+                  <a:rPr lang="en-US">
+                    <a:noFill/>
+                  </a:rPr>
+                  <a:t> </a:t>
+                </a:r>
+              </a:p>
+            </p:txBody>
+          </p:sp>
+        </mc:Fallback>
+      </mc:AlternateContent>
     </p:spTree>
     <p:extLst>
       <p:ext uri="{BB962C8B-B14F-4D97-AF65-F5344CB8AC3E}">
@@ -23030,7 +23541,7 @@
 </p:sld>
 </file>
 
-<file path=ppt/slides/slide7.xml><?xml version="1.0" encoding="utf-8"?>
+<file path=ppt/slides/slide8.xml><?xml version="1.0" encoding="utf-8"?>
 <p:sld xmlns:a="http://schemas.openxmlformats.org/drawingml/2006/main" xmlns:r="http://schemas.openxmlformats.org/officeDocument/2006/relationships" xmlns:p="http://schemas.openxmlformats.org/presentationml/2006/main">
   <p:cSld>
     <p:spTree>
@@ -23108,7 +23619,7 @@
           <a:p>
             <a:fld id="{1915DC07-6425-4740-9695-FB9F2ED48CC1}" type="slidenum">
               <a:rPr lang="en-US" smtClean="0"/>
-              <a:t>7</a:t>
+              <a:t>8</a:t>
             </a:fld>
             <a:endParaRPr lang="en-US"/>
           </a:p>
@@ -33373,7 +33884,7 @@
 </p:sld>
 </file>
 
-<file path=ppt/slides/slide8.xml><?xml version="1.0" encoding="utf-8"?>
+<file path=ppt/slides/slide9.xml><?xml version="1.0" encoding="utf-8"?>
 <p:sld xmlns:a="http://schemas.openxmlformats.org/drawingml/2006/main" xmlns:r="http://schemas.openxmlformats.org/officeDocument/2006/relationships" xmlns:p="http://schemas.openxmlformats.org/presentationml/2006/main">
   <p:cSld>
     <p:spTree>
@@ -33509,7 +34020,7 @@
           <a:p>
             <a:fld id="{1915DC07-6425-4740-9695-FB9F2ED48CC1}" type="slidenum">
               <a:rPr lang="en-US" smtClean="0"/>
-              <a:t>8</a:t>
+              <a:t>9</a:t>
             </a:fld>
             <a:endParaRPr lang="en-US"/>
           </a:p>
@@ -33549,205 +34060,6 @@
     <p:extLst>
       <p:ext uri="{BB962C8B-B14F-4D97-AF65-F5344CB8AC3E}">
         <p14:creationId xmlns:p14="http://schemas.microsoft.com/office/powerpoint/2010/main" val="3278654512"/>
-      </p:ext>
-    </p:extLst>
-  </p:cSld>
-  <p:clrMapOvr>
-    <a:masterClrMapping/>
-  </p:clrMapOvr>
-  <p:transition>
-    <p:fade/>
-  </p:transition>
-</p:sld>
-</file>
-
-<file path=ppt/slides/slide9.xml><?xml version="1.0" encoding="utf-8"?>
-<p:sld xmlns:a="http://schemas.openxmlformats.org/drawingml/2006/main" xmlns:r="http://schemas.openxmlformats.org/officeDocument/2006/relationships" xmlns:p="http://schemas.openxmlformats.org/presentationml/2006/main">
-  <p:cSld>
-    <p:spTree>
-      <p:nvGrpSpPr>
-        <p:cNvPr id="1" name=""/>
-        <p:cNvGrpSpPr/>
-        <p:nvPr/>
-      </p:nvGrpSpPr>
-      <p:grpSpPr>
-        <a:xfrm>
-          <a:off x="0" y="0"/>
-          <a:ext cx="0" cy="0"/>
-          <a:chOff x="0" y="0"/>
-          <a:chExt cx="0" cy="0"/>
-        </a:xfrm>
-      </p:grpSpPr>
-      <p:sp>
-        <p:nvSpPr>
-          <p:cNvPr id="2" name="Text Placeholder 1">
-            <a:extLst>
-              <a:ext uri="{FF2B5EF4-FFF2-40B4-BE49-F238E27FC236}">
-                <a16:creationId xmlns:a16="http://schemas.microsoft.com/office/drawing/2014/main" id="{CA0539D6-7004-49B9-8C98-B1C8FE42827D}"/>
-              </a:ext>
-            </a:extLst>
-          </p:cNvPr>
-          <p:cNvSpPr>
-            <a:spLocks noGrp="1"/>
-          </p:cNvSpPr>
-          <p:nvPr>
-            <p:ph type="body" sz="quarter" idx="13"/>
-          </p:nvPr>
-        </p:nvSpPr>
-        <p:spPr>
-          <a:xfrm>
-            <a:off x="478369" y="1225486"/>
-            <a:ext cx="11474451" cy="3959802"/>
-          </a:xfrm>
-        </p:spPr>
-        <p:txBody>
-          <a:bodyPr/>
-          <a:lstStyle/>
-          <a:p>
-            <a:pPr marL="0" indent="0">
-              <a:lnSpc>
-                <a:spcPct val="150000"/>
-              </a:lnSpc>
-              <a:buNone/>
-            </a:pPr>
-            <a:r>
-              <a:rPr lang="en-US" dirty="0"/>
-              <a:t>For your MDP from project-3:</a:t>
-            </a:r>
-          </a:p>
-          <a:p>
-            <a:pPr marL="457200" indent="-457200">
-              <a:lnSpc>
-                <a:spcPct val="150000"/>
-              </a:lnSpc>
-              <a:buFont typeface="+mj-lt"/>
-              <a:buAutoNum type="arabicPeriod"/>
-            </a:pPr>
-            <a:r>
-              <a:rPr lang="en-US" dirty="0"/>
-              <a:t>Estimate the rates</a:t>
-            </a:r>
-          </a:p>
-          <a:p>
-            <a:pPr marL="697194" lvl="1" indent="-457200">
-              <a:lnSpc>
-                <a:spcPct val="150000"/>
-              </a:lnSpc>
-            </a:pPr>
-            <a:r>
-              <a:rPr lang="en-US" dirty="0"/>
-              <a:t>Sample timestamps from the DTMC (project-3)</a:t>
-            </a:r>
-          </a:p>
-          <a:p>
-            <a:pPr marL="697194" lvl="1" indent="-457200">
-              <a:lnSpc>
-                <a:spcPct val="150000"/>
-              </a:lnSpc>
-            </a:pPr>
-            <a:r>
-              <a:rPr lang="en-US" dirty="0"/>
-              <a:t>Fit the exponential distributions for each transition</a:t>
-            </a:r>
-          </a:p>
-          <a:p>
-            <a:pPr marL="457200" indent="-457200">
-              <a:lnSpc>
-                <a:spcPct val="150000"/>
-              </a:lnSpc>
-              <a:buFont typeface="+mj-lt"/>
-              <a:buAutoNum type="arabicPeriod"/>
-            </a:pPr>
-            <a:r>
-              <a:rPr lang="en-US" dirty="0"/>
-              <a:t>Adapt the code to use the density functions instead of the transition probabilities</a:t>
-            </a:r>
-          </a:p>
-          <a:p>
-            <a:pPr marL="457200" indent="-457200">
-              <a:lnSpc>
-                <a:spcPct val="150000"/>
-              </a:lnSpc>
-              <a:buFont typeface="+mj-lt"/>
-              <a:buAutoNum type="arabicPeriod"/>
-            </a:pPr>
-            <a:r>
-              <a:rPr lang="en-US" dirty="0"/>
-              <a:t>Rerun the same convergence charts </a:t>
-            </a:r>
-          </a:p>
-          <a:p>
-            <a:pPr marL="239994" lvl="1" indent="0">
-              <a:buNone/>
-            </a:pPr>
-            <a:endParaRPr lang="en-US" dirty="0"/>
-          </a:p>
-          <a:p>
-            <a:endParaRPr lang="en-US" dirty="0"/>
-          </a:p>
-        </p:txBody>
-      </p:sp>
-      <p:sp>
-        <p:nvSpPr>
-          <p:cNvPr id="3" name="Title 2">
-            <a:extLst>
-              <a:ext uri="{FF2B5EF4-FFF2-40B4-BE49-F238E27FC236}">
-                <a16:creationId xmlns:a16="http://schemas.microsoft.com/office/drawing/2014/main" id="{3D6EA5F4-01A3-425D-A9A2-E8F701051409}"/>
-              </a:ext>
-            </a:extLst>
-          </p:cNvPr>
-          <p:cNvSpPr>
-            <a:spLocks noGrp="1"/>
-          </p:cNvSpPr>
-          <p:nvPr>
-            <p:ph type="title"/>
-          </p:nvPr>
-        </p:nvSpPr>
-        <p:spPr/>
-        <p:txBody>
-          <a:bodyPr/>
-          <a:lstStyle/>
-          <a:p>
-            <a:r>
-              <a:rPr lang="en-US" dirty="0"/>
-              <a:t>Task-2</a:t>
-            </a:r>
-          </a:p>
-        </p:txBody>
-      </p:sp>
-      <p:sp>
-        <p:nvSpPr>
-          <p:cNvPr id="4" name="Slide Number Placeholder 3">
-            <a:extLst>
-              <a:ext uri="{FF2B5EF4-FFF2-40B4-BE49-F238E27FC236}">
-                <a16:creationId xmlns:a16="http://schemas.microsoft.com/office/drawing/2014/main" id="{875EDB8B-EFD1-4E68-B528-0AD91D9A4887}"/>
-              </a:ext>
-            </a:extLst>
-          </p:cNvPr>
-          <p:cNvSpPr>
-            <a:spLocks noGrp="1"/>
-          </p:cNvSpPr>
-          <p:nvPr>
-            <p:ph type="sldNum" sz="quarter" idx="16"/>
-          </p:nvPr>
-        </p:nvSpPr>
-        <p:spPr/>
-        <p:txBody>
-          <a:bodyPr/>
-          <a:lstStyle/>
-          <a:p>
-            <a:fld id="{1915DC07-6425-4740-9695-FB9F2ED48CC1}" type="slidenum">
-              <a:rPr lang="en-US" smtClean="0"/>
-              <a:t>9</a:t>
-            </a:fld>
-            <a:endParaRPr lang="en-US"/>
-          </a:p>
-        </p:txBody>
-      </p:sp>
-    </p:spTree>
-    <p:extLst>
-      <p:ext uri="{BB962C8B-B14F-4D97-AF65-F5344CB8AC3E}">
-        <p14:creationId xmlns:p14="http://schemas.microsoft.com/office/powerpoint/2010/main" val="3483294274"/>
       </p:ext>
     </p:extLst>
   </p:cSld>

--- a/projects/CTMC/P4 - Continuous Time Markov Chains.pptx
+++ b/projects/CTMC/P4 - Continuous Time Markov Chains.pptx
@@ -10164,8 +10164,8 @@
           <a:chExt cx="0" cy="0"/>
         </a:xfrm>
       </p:grpSpPr>
-      <mc:AlternateContent xmlns:mc="http://schemas.openxmlformats.org/markup-compatibility/2006" xmlns:a14="http://schemas.microsoft.com/office/drawing/2010/main">
-        <mc:Choice Requires="a14">
+      <mc:AlternateContent xmlns:mc="http://schemas.openxmlformats.org/markup-compatibility/2006">
+        <mc:Choice xmlns:a14="http://schemas.microsoft.com/office/drawing/2010/main" Requires="a14">
           <p:sp>
             <p:nvSpPr>
               <p:cNvPr id="2" name="Text Placeholder 1">
@@ -10184,8 +10184,8 @@
             </p:nvSpPr>
             <p:spPr>
               <a:xfrm>
-                <a:off x="478369" y="899162"/>
-                <a:ext cx="11474451" cy="1445973"/>
+                <a:off x="478370" y="932103"/>
+                <a:ext cx="4949522" cy="1697709"/>
               </a:xfrm>
             </p:spPr>
             <p:txBody>
@@ -10200,7 +10200,7 @@
                 </a:pPr>
                 <a:r>
                   <a:rPr lang="en-US" sz="1800" dirty="0"/>
-                  <a:t>For fitting </a:t>
+                  <a:t>Two options for fitting </a:t>
                 </a:r>
                 <a:r>
                   <a:rPr lang="en-US" sz="1800" b="0" dirty="0">
@@ -10327,6 +10327,18 @@
                   </a:lnSpc>
                   <a:buNone/>
                 </a:pPr>
+                <a:endParaRPr lang="en-US" sz="1800" b="0" i="0" dirty="0">
+                  <a:latin typeface="+mj-lt"/>
+                  <a:ea typeface="Cambria Math" panose="02040503050406030204" pitchFamily="18" charset="0"/>
+                </a:endParaRPr>
+              </a:p>
+              <a:p>
+                <a:pPr marL="0" indent="0">
+                  <a:lnSpc>
+                    <a:spcPct val="100000"/>
+                  </a:lnSpc>
+                  <a:buNone/>
+                </a:pPr>
                 <a:r>
                   <a:rPr lang="en-US" sz="1800" dirty="0">
                     <a:latin typeface="Cambria Math" panose="02040503050406030204" pitchFamily="18" charset="0"/>
@@ -10394,6 +10406,23 @@
                       <m:t>=</m:t>
                     </m:r>
                     <m:r>
+                      <m:rPr>
+                        <m:sty m:val="p"/>
+                      </m:rPr>
+                      <a:rPr lang="en-US" sz="1800" b="0" i="0" smtClean="0">
+                        <a:latin typeface="Cambria Math" panose="02040503050406030204" pitchFamily="18" charset="0"/>
+                        <a:ea typeface="Cambria Math" panose="02040503050406030204" pitchFamily="18" charset="0"/>
+                      </a:rPr>
+                      <m:t>log</m:t>
+                    </m:r>
+                    <m:r>
+                      <a:rPr lang="en-US" sz="1800" b="0" i="1" smtClean="0">
+                        <a:latin typeface="Cambria Math" panose="02040503050406030204" pitchFamily="18" charset="0"/>
+                        <a:ea typeface="Cambria Math" panose="02040503050406030204" pitchFamily="18" charset="0"/>
+                      </a:rPr>
+                      <m:t>⁡(</m:t>
+                    </m:r>
+                    <m:r>
                       <a:rPr lang="en-US" sz="1800" b="0" i="1" smtClean="0">
                         <a:latin typeface="Cambria Math" panose="02040503050406030204" pitchFamily="18" charset="0"/>
                         <a:ea typeface="Cambria Math" panose="02040503050406030204" pitchFamily="18" charset="0"/>
@@ -10405,7 +10434,7 @@
                         <a:latin typeface="Cambria Math" panose="02040503050406030204" pitchFamily="18" charset="0"/>
                         <a:ea typeface="Cambria Math" panose="02040503050406030204" pitchFamily="18" charset="0"/>
                       </a:rPr>
-                      <m:t>+</m:t>
+                      <m:t>)+</m:t>
                     </m:r>
                     <m:r>
                       <a:rPr lang="en-US" sz="1800" b="0" i="1" smtClean="0">
@@ -10421,49 +10450,13 @@
                       </a:rPr>
                       <m:t>∗</m:t>
                     </m:r>
-                    <m:func>
-                      <m:funcPr>
-                        <m:ctrlPr>
-                          <a:rPr lang="en-US" sz="1800" b="0" i="1" smtClean="0">
-                            <a:latin typeface="Cambria Math" panose="02040503050406030204" pitchFamily="18" charset="0"/>
-                            <a:ea typeface="Cambria Math" panose="02040503050406030204" pitchFamily="18" charset="0"/>
-                          </a:rPr>
-                        </m:ctrlPr>
-                      </m:funcPr>
-                      <m:fName>
-                        <m:r>
-                          <m:rPr>
-                            <m:sty m:val="p"/>
-                          </m:rPr>
-                          <a:rPr lang="en-US" sz="1800" b="0" i="0" smtClean="0">
-                            <a:latin typeface="Cambria Math" panose="02040503050406030204" pitchFamily="18" charset="0"/>
-                            <a:ea typeface="Cambria Math" panose="02040503050406030204" pitchFamily="18" charset="0"/>
-                          </a:rPr>
-                          <m:t>log</m:t>
-                        </m:r>
-                      </m:fName>
-                      <m:e>
-                        <m:d>
-                          <m:dPr>
-                            <m:ctrlPr>
-                              <a:rPr lang="en-US" sz="1800" b="0" i="1" smtClean="0">
-                                <a:latin typeface="Cambria Math" panose="02040503050406030204" pitchFamily="18" charset="0"/>
-                                <a:ea typeface="Cambria Math" panose="02040503050406030204" pitchFamily="18" charset="0"/>
-                              </a:rPr>
-                            </m:ctrlPr>
-                          </m:dPr>
-                          <m:e>
-                            <m:r>
-                              <a:rPr lang="en-US" sz="1800" b="0" i="1" smtClean="0">
-                                <a:latin typeface="Cambria Math" panose="02040503050406030204" pitchFamily="18" charset="0"/>
-                                <a:ea typeface="Cambria Math" panose="02040503050406030204" pitchFamily="18" charset="0"/>
-                              </a:rPr>
-                              <m:t>𝑥</m:t>
-                            </m:r>
-                          </m:e>
-                        </m:d>
-                      </m:e>
-                    </m:func>
+                    <m:r>
+                      <a:rPr lang="en-US" sz="1800" b="0" i="1" smtClean="0">
+                        <a:latin typeface="Cambria Math" panose="02040503050406030204" pitchFamily="18" charset="0"/>
+                        <a:ea typeface="Cambria Math" panose="02040503050406030204" pitchFamily="18" charset="0"/>
+                      </a:rPr>
+                      <m:t>𝑥</m:t>
+                    </m:r>
                   </m:oMath>
                 </a14:m>
                 <a:endParaRPr lang="en-US" sz="1800" b="0" i="0" dirty="0">
@@ -10550,29 +10543,15 @@
                     </m:r>
                   </m:oMath>
                 </a14:m>
-                <a:r>
-                  <a:rPr lang="en-US" sz="1800" b="0" i="0" dirty="0">
-                    <a:latin typeface="Cambria Math" panose="02040503050406030204" pitchFamily="18" charset="0"/>
-                    <a:ea typeface="Cambria Math" panose="02040503050406030204" pitchFamily="18" charset="0"/>
-                  </a:rPr>
-                  <a:t>, see the code below</a:t>
-                </a:r>
-                <a:r>
-                  <a:rPr lang="en-US" sz="1800" dirty="0"/>
-                  <a:t>  </a:t>
-                </a:r>
-                <a:endParaRPr lang="en-US" sz="2000" dirty="0"/>
-              </a:p>
-              <a:p>
-                <a:pPr marL="0" indent="0">
-                  <a:buNone/>
-                </a:pPr>
-                <a:endParaRPr lang="en-US" sz="1600" dirty="0"/>
+                <a:endParaRPr lang="en-US" sz="1800" dirty="0">
+                  <a:latin typeface="Cambria Math" panose="02040503050406030204" pitchFamily="18" charset="0"/>
+                  <a:ea typeface="Cambria Math" panose="02040503050406030204" pitchFamily="18" charset="0"/>
+                </a:endParaRPr>
               </a:p>
             </p:txBody>
           </p:sp>
         </mc:Choice>
-        <mc:Fallback xmlns="">
+        <mc:Fallback>
           <p:sp>
             <p:nvSpPr>
               <p:cNvPr id="2" name="Text Placeholder 1">
@@ -10591,13 +10570,13 @@
             </p:nvSpPr>
             <p:spPr>
               <a:xfrm>
-                <a:off x="478369" y="899162"/>
-                <a:ext cx="11474451" cy="1445973"/>
+                <a:off x="478370" y="932103"/>
+                <a:ext cx="4949522" cy="1697709"/>
               </a:xfrm>
               <a:blipFill>
                 <a:blip r:embed="rId2"/>
                 <a:stretch>
-                  <a:fillRect l="-1221" t="-5485"/>
+                  <a:fillRect l="-2833" t="-4676" r="-369" b="-7194"/>
                 </a:stretch>
               </a:blipFill>
             </p:spPr>
@@ -10675,10 +10654,10 @@
       </p:sp>
       <p:pic>
         <p:nvPicPr>
-          <p:cNvPr id="7" name="Picture 6">
+          <p:cNvPr id="6" name="Picture 5">
             <a:extLst>
               <a:ext uri="{FF2B5EF4-FFF2-40B4-BE49-F238E27FC236}">
-                <a16:creationId xmlns:a16="http://schemas.microsoft.com/office/drawing/2014/main" id="{C3B5FF42-3124-448B-8B33-B0A1FF8AFB75}"/>
+                <a16:creationId xmlns:a16="http://schemas.microsoft.com/office/drawing/2014/main" id="{0CD3F4FF-0A8A-4F05-B350-9C940ADB0715}"/>
               </a:ext>
             </a:extLst>
           </p:cNvPr>
@@ -10695,14 +10674,280 @@
         </p:blipFill>
         <p:spPr>
           <a:xfrm>
-            <a:off x="840141" y="2733675"/>
-            <a:ext cx="9071637" cy="2258436"/>
+            <a:off x="6096000" y="1372598"/>
+            <a:ext cx="5136899" cy="1686356"/>
           </a:xfrm>
           <a:prstGeom prst="rect">
             <a:avLst/>
           </a:prstGeom>
         </p:spPr>
       </p:pic>
+      <p:pic>
+        <p:nvPicPr>
+          <p:cNvPr id="9" name="Picture 8">
+            <a:extLst>
+              <a:ext uri="{FF2B5EF4-FFF2-40B4-BE49-F238E27FC236}">
+                <a16:creationId xmlns:a16="http://schemas.microsoft.com/office/drawing/2014/main" id="{DD5444D3-332E-4C1F-AE29-60F14E80F930}"/>
+              </a:ext>
+            </a:extLst>
+          </p:cNvPr>
+          <p:cNvPicPr>
+            <a:picLocks noChangeAspect="1"/>
+          </p:cNvPicPr>
+          <p:nvPr/>
+        </p:nvPicPr>
+        <p:blipFill>
+          <a:blip r:embed="rId4"/>
+          <a:stretch>
+            <a:fillRect/>
+          </a:stretch>
+        </p:blipFill>
+        <p:spPr>
+          <a:xfrm>
+            <a:off x="5856188" y="4101043"/>
+            <a:ext cx="5812472" cy="2180288"/>
+          </a:xfrm>
+          <a:prstGeom prst="rect">
+            <a:avLst/>
+          </a:prstGeom>
+        </p:spPr>
+      </p:pic>
+      <p:sp>
+        <p:nvSpPr>
+          <p:cNvPr id="11" name="TextBox 10">
+            <a:extLst>
+              <a:ext uri="{FF2B5EF4-FFF2-40B4-BE49-F238E27FC236}">
+                <a16:creationId xmlns:a16="http://schemas.microsoft.com/office/drawing/2014/main" id="{54880545-B230-4A89-8F89-9FDA337E3588}"/>
+              </a:ext>
+            </a:extLst>
+          </p:cNvPr>
+          <p:cNvSpPr txBox="1"/>
+          <p:nvPr/>
+        </p:nvSpPr>
+        <p:spPr bwMode="gray">
+          <a:xfrm>
+            <a:off x="101184" y="6526804"/>
+            <a:ext cx="10871615" cy="307777"/>
+          </a:xfrm>
+          <a:prstGeom prst="rect">
+            <a:avLst/>
+          </a:prstGeom>
+          <a:noFill/>
+        </p:spPr>
+        <p:txBody>
+          <a:bodyPr wrap="square">
+            <a:spAutoFit/>
+          </a:bodyPr>
+          <a:lstStyle/>
+          <a:p>
+            <a:r>
+              <a:rPr lang="en-US" sz="1400" u="sng" dirty="0">
+                <a:latin typeface="Cambria Math" panose="02040503050406030204" pitchFamily="18" charset="0"/>
+                <a:ea typeface="Cambria Math" panose="02040503050406030204" pitchFamily="18" charset="0"/>
+              </a:rPr>
+              <a:t>source:</a:t>
+            </a:r>
+            <a:r>
+              <a:rPr lang="en-US" sz="1400" dirty="0">
+                <a:latin typeface="Cambria Math" panose="02040503050406030204" pitchFamily="18" charset="0"/>
+                <a:ea typeface="Cambria Math" panose="02040503050406030204" pitchFamily="18" charset="0"/>
+              </a:rPr>
+              <a:t> https://stackoverflow.com/questions/3433486/how-to-do-exponential-and-logarithmic-curve-fitting-in-python-i-found-only-poly</a:t>
+            </a:r>
+            <a:endParaRPr lang="en-US" sz="1400" dirty="0"/>
+          </a:p>
+        </p:txBody>
+      </p:sp>
+      <p:sp>
+        <p:nvSpPr>
+          <p:cNvPr id="13" name="TextBox 12">
+            <a:extLst>
+              <a:ext uri="{FF2B5EF4-FFF2-40B4-BE49-F238E27FC236}">
+                <a16:creationId xmlns:a16="http://schemas.microsoft.com/office/drawing/2014/main" id="{B17C45B9-1A5A-4382-A331-94CDE9B48423}"/>
+              </a:ext>
+            </a:extLst>
+          </p:cNvPr>
+          <p:cNvSpPr txBox="1"/>
+          <p:nvPr/>
+        </p:nvSpPr>
+        <p:spPr bwMode="gray">
+          <a:xfrm>
+            <a:off x="5856188" y="3817802"/>
+            <a:ext cx="5573811" cy="369332"/>
+          </a:xfrm>
+          <a:prstGeom prst="rect">
+            <a:avLst/>
+          </a:prstGeom>
+          <a:noFill/>
+        </p:spPr>
+        <p:txBody>
+          <a:bodyPr wrap="square">
+            <a:spAutoFit/>
+          </a:bodyPr>
+          <a:lstStyle/>
+          <a:p>
+            <a:r>
+              <a:rPr lang="en-US" sz="1800" b="1" dirty="0">
+                <a:latin typeface="Cambria Math" panose="02040503050406030204" pitchFamily="18" charset="0"/>
+                <a:ea typeface="Cambria Math" panose="02040503050406030204" pitchFamily="18" charset="0"/>
+              </a:rPr>
+              <a:t>Solution with </a:t>
+            </a:r>
+            <a:r>
+              <a:rPr lang="en-US" b="1" dirty="0" err="1">
+                <a:latin typeface="Cambria Math" panose="02040503050406030204" pitchFamily="18" charset="0"/>
+                <a:ea typeface="Cambria Math" panose="02040503050406030204" pitchFamily="18" charset="0"/>
+              </a:rPr>
+              <a:t>scipy.optimize.curve_fit</a:t>
+            </a:r>
+            <a:endParaRPr lang="en-US" b="1" dirty="0"/>
+          </a:p>
+        </p:txBody>
+      </p:sp>
+      <p:sp>
+        <p:nvSpPr>
+          <p:cNvPr id="14" name="TextBox 13">
+            <a:extLst>
+              <a:ext uri="{FF2B5EF4-FFF2-40B4-BE49-F238E27FC236}">
+                <a16:creationId xmlns:a16="http://schemas.microsoft.com/office/drawing/2014/main" id="{B69F63E0-8730-4736-AF83-A681BAF96F92}"/>
+              </a:ext>
+            </a:extLst>
+          </p:cNvPr>
+          <p:cNvSpPr txBox="1"/>
+          <p:nvPr/>
+        </p:nvSpPr>
+        <p:spPr bwMode="gray">
+          <a:xfrm>
+            <a:off x="6096000" y="1003266"/>
+            <a:ext cx="4273513" cy="369332"/>
+          </a:xfrm>
+          <a:prstGeom prst="rect">
+            <a:avLst/>
+          </a:prstGeom>
+          <a:noFill/>
+        </p:spPr>
+        <p:txBody>
+          <a:bodyPr wrap="square">
+            <a:spAutoFit/>
+          </a:bodyPr>
+          <a:lstStyle/>
+          <a:p>
+            <a:r>
+              <a:rPr lang="en-US" sz="1800" b="1" dirty="0">
+                <a:latin typeface="Cambria Math" panose="02040503050406030204" pitchFamily="18" charset="0"/>
+                <a:ea typeface="Cambria Math" panose="02040503050406030204" pitchFamily="18" charset="0"/>
+              </a:rPr>
+              <a:t>Solution with </a:t>
+            </a:r>
+            <a:r>
+              <a:rPr lang="en-US" sz="1800" b="1" dirty="0" err="1">
+                <a:latin typeface="Cambria Math" panose="02040503050406030204" pitchFamily="18" charset="0"/>
+                <a:ea typeface="Cambria Math" panose="02040503050406030204" pitchFamily="18" charset="0"/>
+              </a:rPr>
+              <a:t>numpy.polyfit</a:t>
+            </a:r>
+            <a:endParaRPr lang="en-US" b="1" dirty="0"/>
+          </a:p>
+        </p:txBody>
+      </p:sp>
+      <p:sp>
+        <p:nvSpPr>
+          <p:cNvPr id="16" name="TextBox 15">
+            <a:extLst>
+              <a:ext uri="{FF2B5EF4-FFF2-40B4-BE49-F238E27FC236}">
+                <a16:creationId xmlns:a16="http://schemas.microsoft.com/office/drawing/2014/main" id="{A45BF20B-B6BB-4DCE-AEC2-3D7FF3A2C309}"/>
+              </a:ext>
+            </a:extLst>
+          </p:cNvPr>
+          <p:cNvSpPr txBox="1"/>
+          <p:nvPr/>
+        </p:nvSpPr>
+        <p:spPr bwMode="gray">
+          <a:xfrm>
+            <a:off x="996256" y="4101043"/>
+            <a:ext cx="3913749" cy="923330"/>
+          </a:xfrm>
+          <a:prstGeom prst="rect">
+            <a:avLst/>
+          </a:prstGeom>
+          <a:noFill/>
+        </p:spPr>
+        <p:txBody>
+          <a:bodyPr wrap="square">
+            <a:spAutoFit/>
+          </a:bodyPr>
+          <a:lstStyle/>
+          <a:p>
+            <a:pPr marL="0" indent="0">
+              <a:lnSpc>
+                <a:spcPct val="100000"/>
+              </a:lnSpc>
+              <a:buNone/>
+            </a:pPr>
+            <a:r>
+              <a:rPr lang="en-US" sz="1800" dirty="0">
+                <a:latin typeface="Cambria Math" panose="02040503050406030204" pitchFamily="18" charset="0"/>
+                <a:ea typeface="Cambria Math" panose="02040503050406030204" pitchFamily="18" charset="0"/>
+              </a:rPr>
+              <a:t>Or we fit directly without transformation</a:t>
+            </a:r>
+            <a:r>
+              <a:rPr lang="en-US" dirty="0">
+                <a:latin typeface="Cambria Math" panose="02040503050406030204" pitchFamily="18" charset="0"/>
+                <a:ea typeface="Cambria Math" panose="02040503050406030204" pitchFamily="18" charset="0"/>
+              </a:rPr>
+              <a:t>, but it requires and initialization to avoid invalid fit</a:t>
+            </a:r>
+            <a:endParaRPr lang="en-US" sz="1800" dirty="0">
+              <a:latin typeface="Cambria Math" panose="02040503050406030204" pitchFamily="18" charset="0"/>
+              <a:ea typeface="Cambria Math" panose="02040503050406030204" pitchFamily="18" charset="0"/>
+            </a:endParaRPr>
+          </a:p>
+        </p:txBody>
+      </p:sp>
+      <p:cxnSp>
+        <p:nvCxnSpPr>
+          <p:cNvPr id="18" name="Straight Connector 17">
+            <a:extLst>
+              <a:ext uri="{FF2B5EF4-FFF2-40B4-BE49-F238E27FC236}">
+                <a16:creationId xmlns:a16="http://schemas.microsoft.com/office/drawing/2014/main" id="{040C934B-15BA-4EC2-91E3-7C09F49B0137}"/>
+              </a:ext>
+            </a:extLst>
+          </p:cNvPr>
+          <p:cNvCxnSpPr>
+            <a:cxnSpLocks/>
+          </p:cNvCxnSpPr>
+          <p:nvPr/>
+        </p:nvCxnSpPr>
+        <p:spPr bwMode="gray">
+          <a:xfrm>
+            <a:off x="869430" y="3500203"/>
+            <a:ext cx="10799230" cy="0"/>
+          </a:xfrm>
+          <a:prstGeom prst="line">
+            <a:avLst/>
+          </a:prstGeom>
+          <a:ln>
+            <a:solidFill>
+              <a:schemeClr val="accent1"/>
+            </a:solidFill>
+          </a:ln>
+        </p:spPr>
+        <p:style>
+          <a:lnRef idx="1">
+            <a:schemeClr val="accent1"/>
+          </a:lnRef>
+          <a:fillRef idx="0">
+            <a:schemeClr val="accent1"/>
+          </a:fillRef>
+          <a:effectRef idx="0">
+            <a:schemeClr val="accent1"/>
+          </a:effectRef>
+          <a:fontRef idx="minor">
+            <a:schemeClr val="tx1"/>
+          </a:fontRef>
+        </p:style>
+      </p:cxnSp>
     </p:spTree>
     <p:extLst>
       <p:ext uri="{BB962C8B-B14F-4D97-AF65-F5344CB8AC3E}">
@@ -14928,8 +15173,8 @@
           </a:fontRef>
         </p:style>
       </p:cxnSp>
-      <mc:AlternateContent xmlns:mc="http://schemas.openxmlformats.org/markup-compatibility/2006">
-        <mc:Choice xmlns:a14="http://schemas.microsoft.com/office/drawing/2010/main" Requires="a14">
+      <mc:AlternateContent xmlns:mc="http://schemas.openxmlformats.org/markup-compatibility/2006" xmlns:a14="http://schemas.microsoft.com/office/drawing/2010/main">
+        <mc:Choice Requires="a14">
           <p:graphicFrame>
             <p:nvGraphicFramePr>
               <p:cNvPr id="132" name="Table 132">
@@ -19169,7 +19414,7 @@
             </a:graphic>
           </p:graphicFrame>
         </mc:Choice>
-        <mc:Fallback>
+        <mc:Fallback xmlns="">
           <p:graphicFrame>
             <p:nvGraphicFramePr>
               <p:cNvPr id="132" name="Table 132">
@@ -23277,8 +23522,8 @@
           </p:sp>
         </mc:Fallback>
       </mc:AlternateContent>
-      <mc:AlternateContent xmlns:mc="http://schemas.openxmlformats.org/markup-compatibility/2006">
-        <mc:Choice xmlns:a14="http://schemas.microsoft.com/office/drawing/2010/main" Requires="a14">
+      <mc:AlternateContent xmlns:mc="http://schemas.openxmlformats.org/markup-compatibility/2006" xmlns:a14="http://schemas.microsoft.com/office/drawing/2010/main">
+        <mc:Choice Requires="a14">
           <p:sp>
             <p:nvSpPr>
               <p:cNvPr id="34" name="TextBox 33">
@@ -23307,7 +23552,6 @@
               </a:bodyPr>
               <a:lstStyle/>
               <a:p>
-                <a:pPr/>
                 <a14:m>
                   <m:oMath xmlns:m="http://schemas.openxmlformats.org/officeDocument/2006/math">
                     <m:sSub>
@@ -23361,7 +23605,6 @@
                 </a:r>
               </a:p>
               <a:p>
-                <a:pPr/>
                 <a14:m>
                   <m:oMath xmlns:m="http://schemas.openxmlformats.org/officeDocument/2006/math">
                     <m:sSub>
@@ -23480,7 +23723,7 @@
             </p:txBody>
           </p:sp>
         </mc:Choice>
-        <mc:Fallback>
+        <mc:Fallback xmlns="">
           <p:sp>
             <p:nvSpPr>
               <p:cNvPr id="34" name="TextBox 33">
